--- a/courses/apcsp/lect15.pptx
+++ b/courses/apcsp/lect15.pptx
@@ -5,7 +5,7 @@
     <p:sldMasterId id="2147483791" r:id="rId1"/>
   </p:sldMasterIdLst>
   <p:notesMasterIdLst>
-    <p:notesMasterId r:id="rId23"/>
+    <p:notesMasterId r:id="rId22"/>
   </p:notesMasterIdLst>
   <p:sldIdLst>
     <p:sldId id="256" r:id="rId2"/>
@@ -28,7 +28,6 @@
     <p:sldId id="609" r:id="rId19"/>
     <p:sldId id="485" r:id="rId20"/>
     <p:sldId id="610" r:id="rId21"/>
-    <p:sldId id="344" r:id="rId22"/>
   </p:sldIdLst>
   <p:sldSz cx="9144000" cy="5715000" type="screen16x10"/>
   <p:notesSz cx="6858000" cy="9144000"/>
@@ -1983,7 +1982,7 @@
           <a:p>
             <a:fld id="{6EDD99D2-A624-5E4F-A4E3-584054837B5A}" type="datetimeFigureOut">
               <a:rPr lang="en-US" smtClean="0"/>
-              <a:t>2/3/20</a:t>
+              <a:t>2/5/20</a:t>
             </a:fld>
             <a:endParaRPr lang="en-US"/>
           </a:p>
@@ -7286,7 +7285,7 @@
           <a:p>
             <a:fld id="{4AAD347D-5ACD-4C99-B74B-A9C85AD731AF}" type="datetimeFigureOut">
               <a:rPr lang="en-US" smtClean="0"/>
-              <a:t>2/3/20</a:t>
+              <a:t>2/5/20</a:t>
             </a:fld>
             <a:endParaRPr lang="en-US" dirty="0"/>
           </a:p>
@@ -7456,7 +7455,7 @@
           <a:p>
             <a:fld id="{4509A250-FF31-4206-8172-F9D3106AACB1}" type="datetimeFigureOut">
               <a:rPr lang="en-US" smtClean="0"/>
-              <a:t>2/3/20</a:t>
+              <a:t>2/5/20</a:t>
             </a:fld>
             <a:endParaRPr lang="en-US" dirty="0"/>
           </a:p>
@@ -7636,7 +7635,7 @@
           <a:p>
             <a:fld id="{4509A250-FF31-4206-8172-F9D3106AACB1}" type="datetimeFigureOut">
               <a:rPr lang="en-US" smtClean="0"/>
-              <a:t>2/3/20</a:t>
+              <a:t>2/5/20</a:t>
             </a:fld>
             <a:endParaRPr lang="en-US" dirty="0"/>
           </a:p>
@@ -7806,7 +7805,7 @@
           <a:p>
             <a:fld id="{4509A250-FF31-4206-8172-F9D3106AACB1}" type="datetimeFigureOut">
               <a:rPr lang="en-US" smtClean="0"/>
-              <a:t>2/3/20</a:t>
+              <a:t>2/5/20</a:t>
             </a:fld>
             <a:endParaRPr lang="en-US" dirty="0"/>
           </a:p>
@@ -8052,7 +8051,7 @@
           <a:p>
             <a:fld id="{9796027F-7875-4030-9381-8BD8C4F21935}" type="datetimeFigureOut">
               <a:rPr lang="en-US" smtClean="0"/>
-              <a:t>2/3/20</a:t>
+              <a:t>2/5/20</a:t>
             </a:fld>
             <a:endParaRPr lang="en-US" dirty="0"/>
           </a:p>
@@ -8284,7 +8283,7 @@
           <a:p>
             <a:fld id="{9796027F-7875-4030-9381-8BD8C4F21935}" type="datetimeFigureOut">
               <a:rPr lang="en-US" smtClean="0"/>
-              <a:t>2/3/20</a:t>
+              <a:t>2/5/20</a:t>
             </a:fld>
             <a:endParaRPr lang="en-US" dirty="0"/>
           </a:p>
@@ -8651,7 +8650,7 @@
           <a:p>
             <a:fld id="{9796027F-7875-4030-9381-8BD8C4F21935}" type="datetimeFigureOut">
               <a:rPr lang="en-US" smtClean="0"/>
-              <a:t>2/3/20</a:t>
+              <a:t>2/5/20</a:t>
             </a:fld>
             <a:endParaRPr lang="en-US" dirty="0"/>
           </a:p>
@@ -8769,7 +8768,7 @@
           <a:p>
             <a:fld id="{4509A250-FF31-4206-8172-F9D3106AACB1}" type="datetimeFigureOut">
               <a:rPr lang="en-US" smtClean="0"/>
-              <a:t>2/3/20</a:t>
+              <a:t>2/5/20</a:t>
             </a:fld>
             <a:endParaRPr lang="en-US" dirty="0"/>
           </a:p>
@@ -8864,7 +8863,7 @@
           <a:p>
             <a:fld id="{4509A250-FF31-4206-8172-F9D3106AACB1}" type="datetimeFigureOut">
               <a:rPr lang="en-US" smtClean="0"/>
-              <a:t>2/3/20</a:t>
+              <a:t>2/5/20</a:t>
             </a:fld>
             <a:endParaRPr lang="en-US" dirty="0"/>
           </a:p>
@@ -9141,7 +9140,7 @@
           <a:p>
             <a:fld id="{4509A250-FF31-4206-8172-F9D3106AACB1}" type="datetimeFigureOut">
               <a:rPr lang="en-US" smtClean="0"/>
-              <a:t>2/3/20</a:t>
+              <a:t>2/5/20</a:t>
             </a:fld>
             <a:endParaRPr lang="en-US" dirty="0"/>
           </a:p>
@@ -9398,7 +9397,7 @@
           <a:p>
             <a:fld id="{4509A250-FF31-4206-8172-F9D3106AACB1}" type="datetimeFigureOut">
               <a:rPr lang="en-US" smtClean="0"/>
-              <a:t>2/3/20</a:t>
+              <a:t>2/5/20</a:t>
             </a:fld>
             <a:endParaRPr lang="en-US" dirty="0"/>
           </a:p>
@@ -9611,7 +9610,7 @@
           <a:p>
             <a:fld id="{4AAD347D-5ACD-4C99-B74B-A9C85AD731AF}" type="datetimeFigureOut">
               <a:rPr lang="en-US" smtClean="0"/>
-              <a:t>2/3/20</a:t>
+              <a:t>2/5/20</a:t>
             </a:fld>
             <a:endParaRPr lang="en-US" dirty="0"/>
           </a:p>
@@ -10629,29 +10628,6 @@
             </a:endParaRPr>
           </a:p>
           <a:p>
-            <a:pPr marL="0" indent="0" eaLnBrk="1" hangingPunct="1">
-              <a:buNone/>
-            </a:pPr>
-            <a:r>
-              <a:rPr lang="en-US" altLang="en-US" sz="1833" dirty="0">
-                <a:latin typeface="Tahoma" panose="020B0604030504040204" pitchFamily="34" charset="0"/>
-                <a:ea typeface="ＭＳ Ｐゴシック" panose="020B0600070205080204" pitchFamily="34" charset="-128"/>
-              </a:rPr>
-              <a:t>FLAC uses lossless compression and is an open format.</a:t>
-            </a:r>
-          </a:p>
-          <a:p>
-            <a:pPr marL="342900" lvl="1" indent="0" eaLnBrk="1" hangingPunct="1">
-              <a:buNone/>
-            </a:pPr>
-            <a:r>
-              <a:rPr lang="en-US" altLang="en-US" dirty="0">
-                <a:latin typeface="Tahoma" panose="020B0604030504040204" pitchFamily="34" charset="0"/>
-              </a:rPr>
-              <a:t>popular as an archival format</a:t>
-            </a:r>
-          </a:p>
-          <a:p>
             <a:pPr lvl="1" eaLnBrk="1" hangingPunct="1">
               <a:buFontTx/>
               <a:buNone/>
@@ -10916,104 +10892,6 @@
                                           <p:spTgt spid="16386">
                                             <p:txEl>
                                               <p:pRg st="8" end="8"/>
-                                            </p:txEl>
-                                          </p:spTgt>
-                                        </p:tgtEl>
-                                        <p:attrNameLst>
-                                          <p:attrName>style.visibility</p:attrName>
-                                        </p:attrNameLst>
-                                      </p:cBhvr>
-                                      <p:to>
-                                        <p:strVal val="visible"/>
-                                      </p:to>
-                                    </p:set>
-                                  </p:childTnLst>
-                                </p:cTn>
-                              </p:par>
-                            </p:childTnLst>
-                          </p:cTn>
-                        </p:par>
-                      </p:childTnLst>
-                    </p:cTn>
-                  </p:par>
-                  <p:par>
-                    <p:cTn id="21" fill="hold" nodeType="clickPar">
-                      <p:stCondLst>
-                        <p:cond delay="indefinite"/>
-                      </p:stCondLst>
-                      <p:childTnLst>
-                        <p:par>
-                          <p:cTn id="22" fill="hold" nodeType="withGroup">
-                            <p:stCondLst>
-                              <p:cond delay="0"/>
-                            </p:stCondLst>
-                            <p:childTnLst>
-                              <p:par>
-                                <p:cTn id="23" presetID="1" presetClass="entr" presetSubtype="0" fill="hold" nodeType="clickEffect">
-                                  <p:stCondLst>
-                                    <p:cond delay="0"/>
-                                  </p:stCondLst>
-                                  <p:childTnLst>
-                                    <p:set>
-                                      <p:cBhvr>
-                                        <p:cTn id="24" dur="1" fill="hold">
-                                          <p:stCondLst>
-                                            <p:cond delay="0"/>
-                                          </p:stCondLst>
-                                        </p:cTn>
-                                        <p:tgtEl>
-                                          <p:spTgt spid="16386">
-                                            <p:txEl>
-                                              <p:pRg st="10" end="10"/>
-                                            </p:txEl>
-                                          </p:spTgt>
-                                        </p:tgtEl>
-                                        <p:attrNameLst>
-                                          <p:attrName>style.visibility</p:attrName>
-                                        </p:attrNameLst>
-                                      </p:cBhvr>
-                                      <p:to>
-                                        <p:strVal val="visible"/>
-                                      </p:to>
-                                    </p:set>
-                                  </p:childTnLst>
-                                </p:cTn>
-                              </p:par>
-                            </p:childTnLst>
-                          </p:cTn>
-                        </p:par>
-                      </p:childTnLst>
-                    </p:cTn>
-                  </p:par>
-                  <p:par>
-                    <p:cTn id="25" fill="hold" nodeType="clickPar">
-                      <p:stCondLst>
-                        <p:cond delay="indefinite"/>
-                      </p:stCondLst>
-                      <p:childTnLst>
-                        <p:par>
-                          <p:cTn id="26" fill="hold" nodeType="withGroup">
-                            <p:stCondLst>
-                              <p:cond delay="0"/>
-                            </p:stCondLst>
-                            <p:childTnLst>
-                              <p:par>
-                                <p:cTn id="27" presetID="1" presetClass="entr" presetSubtype="0" fill="hold" nodeType="clickEffect">
-                                  <p:stCondLst>
-                                    <p:cond delay="0"/>
-                                  </p:stCondLst>
-                                  <p:childTnLst>
-                                    <p:set>
-                                      <p:cBhvr>
-                                        <p:cTn id="28" dur="1" fill="hold">
-                                          <p:stCondLst>
-                                            <p:cond delay="0"/>
-                                          </p:stCondLst>
-                                        </p:cTn>
-                                        <p:tgtEl>
-                                          <p:spTgt spid="16386">
-                                            <p:txEl>
-                                              <p:pRg st="11" end="11"/>
                                             </p:txEl>
                                           </p:spTgt>
                                         </p:tgtEl>
@@ -16054,237 +15932,6 @@
     <p:extLst>
       <p:ext uri="{BB962C8B-B14F-4D97-AF65-F5344CB8AC3E}">
         <p14:creationId xmlns:p14="http://schemas.microsoft.com/office/powerpoint/2010/main" val="2279253630"/>
-      </p:ext>
-    </p:extLst>
-  </p:cSld>
-  <p:clrMapOvr>
-    <a:masterClrMapping/>
-  </p:clrMapOvr>
-</p:sld>
-</file>
-
-<file path=ppt/slides/slide21.xml><?xml version="1.0" encoding="utf-8"?>
-<p:sld xmlns:a="http://schemas.openxmlformats.org/drawingml/2006/main" xmlns:r="http://schemas.openxmlformats.org/officeDocument/2006/relationships" xmlns:p="http://schemas.openxmlformats.org/presentationml/2006/main">
-  <p:cSld>
-    <p:spTree>
-      <p:nvGrpSpPr>
-        <p:cNvPr id="1" name=""/>
-        <p:cNvGrpSpPr/>
-        <p:nvPr/>
-      </p:nvGrpSpPr>
-      <p:grpSpPr>
-        <a:xfrm>
-          <a:off x="0" y="0"/>
-          <a:ext cx="0" cy="0"/>
-          <a:chOff x="0" y="0"/>
-          <a:chExt cx="0" cy="0"/>
-        </a:xfrm>
-      </p:grpSpPr>
-      <p:sp>
-        <p:nvSpPr>
-          <p:cNvPr id="55297" name="Title 1">
-            <a:extLst>
-              <a:ext uri="{FF2B5EF4-FFF2-40B4-BE49-F238E27FC236}">
-                <a16:creationId xmlns:a16="http://schemas.microsoft.com/office/drawing/2014/main" id="{04EF925E-10C6-394F-AB0C-F09871E99CC4}"/>
-              </a:ext>
-            </a:extLst>
-          </p:cNvPr>
-          <p:cNvSpPr>
-            <a:spLocks noGrp="1" noChangeArrowheads="1"/>
-          </p:cNvSpPr>
-          <p:nvPr>
-            <p:ph type="title"/>
-          </p:nvPr>
-        </p:nvSpPr>
-        <p:spPr/>
-        <p:txBody>
-          <a:bodyPr/>
-          <a:lstStyle/>
-          <a:p>
-            <a:pPr eaLnBrk="1" hangingPunct="1"/>
-            <a:r>
-              <a:rPr lang="en-US" altLang="en-US">
-                <a:ea typeface="ＭＳ Ｐゴシック" panose="020B0600070205080204" pitchFamily="34" charset="-128"/>
-              </a:rPr>
-              <a:t>References</a:t>
-            </a:r>
-          </a:p>
-        </p:txBody>
-      </p:sp>
-      <p:sp>
-        <p:nvSpPr>
-          <p:cNvPr id="55298" name="Content Placeholder 2">
-            <a:extLst>
-              <a:ext uri="{FF2B5EF4-FFF2-40B4-BE49-F238E27FC236}">
-                <a16:creationId xmlns:a16="http://schemas.microsoft.com/office/drawing/2014/main" id="{4AA38F8C-E2AA-EA4D-A486-FA2F457B38F7}"/>
-              </a:ext>
-            </a:extLst>
-          </p:cNvPr>
-          <p:cNvSpPr>
-            <a:spLocks noGrp="1" noChangeArrowheads="1"/>
-          </p:cNvSpPr>
-          <p:nvPr>
-            <p:ph idx="1"/>
-          </p:nvPr>
-        </p:nvSpPr>
-        <p:spPr>
-          <a:xfrm>
-            <a:off x="308610" y="1177290"/>
-            <a:ext cx="8595360" cy="4140835"/>
-          </a:xfrm>
-        </p:spPr>
-        <p:txBody>
-          <a:bodyPr/>
-          <a:lstStyle/>
-          <a:p>
-            <a:pPr marL="0" indent="0">
-              <a:buNone/>
-            </a:pPr>
-            <a:endParaRPr lang="en-US" altLang="en-US" sz="2000" dirty="0">
-              <a:latin typeface="Tahoma" panose="020B0604030504040204" pitchFamily="34" charset="0"/>
-              <a:ea typeface="ＭＳ Ｐゴシック" panose="020B0600070205080204" pitchFamily="34" charset="-128"/>
-            </a:endParaRPr>
-          </a:p>
-          <a:p>
-            <a:pPr marL="0" indent="0">
-              <a:buNone/>
-            </a:pPr>
-            <a:endParaRPr lang="en-US" altLang="en-US" sz="2000" dirty="0">
-              <a:latin typeface="Tahoma" panose="020B0604030504040204" pitchFamily="34" charset="0"/>
-              <a:ea typeface="ＭＳ Ｐゴシック" panose="020B0600070205080204" pitchFamily="34" charset="-128"/>
-            </a:endParaRPr>
-          </a:p>
-          <a:p>
-            <a:pPr marL="0" indent="0">
-              <a:buNone/>
-            </a:pPr>
-            <a:r>
-              <a:rPr lang="en-US" altLang="en-US" sz="2000" dirty="0">
-                <a:latin typeface="Tahoma" panose="020B0604030504040204" pitchFamily="34" charset="0"/>
-                <a:ea typeface="ＭＳ Ｐゴシック" panose="020B0600070205080204" pitchFamily="34" charset="-128"/>
-              </a:rPr>
-              <a:t>1) Part of this lecture is taken from a lecture from an </a:t>
-            </a:r>
-            <a:r>
-              <a:rPr lang="en-US" altLang="en-US" sz="2000" dirty="0" err="1">
-                <a:latin typeface="Tahoma" panose="020B0604030504040204" pitchFamily="34" charset="0"/>
-                <a:ea typeface="ＭＳ Ｐゴシック" panose="020B0600070205080204" pitchFamily="34" charset="-128"/>
-              </a:rPr>
-              <a:t>OpenCourseWare</a:t>
-            </a:r>
-            <a:r>
-              <a:rPr lang="en-US" altLang="en-US" sz="2000" dirty="0">
-                <a:latin typeface="Tahoma" panose="020B0604030504040204" pitchFamily="34" charset="0"/>
-                <a:ea typeface="ＭＳ Ｐゴシック" panose="020B0600070205080204" pitchFamily="34" charset="-128"/>
-              </a:rPr>
-              <a:t> course below.</a:t>
-            </a:r>
-          </a:p>
-          <a:p>
-            <a:pPr marL="0" indent="0">
-              <a:buNone/>
-            </a:pPr>
-            <a:r>
-              <a:rPr lang="en-US" altLang="en-US" sz="2000" dirty="0">
-                <a:latin typeface="Tahoma" panose="020B0604030504040204" pitchFamily="34" charset="0"/>
-                <a:ea typeface="ＭＳ Ｐゴシック" panose="020B0600070205080204" pitchFamily="34" charset="-128"/>
-              </a:rPr>
-              <a:t>Computer Science E-1 at Harvard Extension School</a:t>
-            </a:r>
-          </a:p>
-          <a:p>
-            <a:pPr marL="0" indent="0">
-              <a:buNone/>
-            </a:pPr>
-            <a:r>
-              <a:rPr lang="en-US" altLang="en-US" sz="2000" dirty="0">
-                <a:latin typeface="Tahoma" panose="020B0604030504040204" pitchFamily="34" charset="0"/>
-                <a:ea typeface="ＭＳ Ｐゴシック" panose="020B0600070205080204" pitchFamily="34" charset="-128"/>
-              </a:rPr>
-              <a:t>Understanding Computers and the Internet</a:t>
-            </a:r>
-          </a:p>
-          <a:p>
-            <a:pPr marL="0" indent="0">
-              <a:buNone/>
-            </a:pPr>
-            <a:r>
-              <a:rPr lang="en-US" altLang="en-US" sz="2000" dirty="0">
-                <a:latin typeface="Tahoma" panose="020B0604030504040204" pitchFamily="34" charset="0"/>
-                <a:ea typeface="ＭＳ Ｐゴシック" panose="020B0600070205080204" pitchFamily="34" charset="-128"/>
-              </a:rPr>
-              <a:t>by Tommy </a:t>
-            </a:r>
-            <a:r>
-              <a:rPr lang="en-US" altLang="en-US" sz="2000" dirty="0" err="1">
-                <a:latin typeface="Tahoma" panose="020B0604030504040204" pitchFamily="34" charset="0"/>
-                <a:ea typeface="ＭＳ Ｐゴシック" panose="020B0600070205080204" pitchFamily="34" charset="-128"/>
-              </a:rPr>
-              <a:t>MacWilliam</a:t>
-            </a:r>
-            <a:r>
-              <a:rPr lang="en-US" altLang="en-US" sz="2000" dirty="0">
-                <a:latin typeface="Tahoma" panose="020B0604030504040204" pitchFamily="34" charset="0"/>
-                <a:ea typeface="ＭＳ Ｐゴシック" panose="020B0600070205080204" pitchFamily="34" charset="-128"/>
-              </a:rPr>
-              <a:t>.</a:t>
-            </a:r>
-          </a:p>
-          <a:p>
-            <a:pPr marL="0" indent="0">
-              <a:buNone/>
-            </a:pPr>
-            <a:endParaRPr lang="en-US" altLang="en-US" sz="2000" dirty="0">
-              <a:latin typeface="Tahoma" panose="020B0604030504040204" pitchFamily="34" charset="0"/>
-              <a:ea typeface="ＭＳ Ｐゴシック" panose="020B0600070205080204" pitchFamily="34" charset="-128"/>
-            </a:endParaRPr>
-          </a:p>
-          <a:p>
-            <a:pPr marL="0" indent="0">
-              <a:buNone/>
-            </a:pPr>
-            <a:r>
-              <a:rPr lang="en-US" altLang="en-US" sz="2000" dirty="0">
-                <a:latin typeface="Tahoma" panose="020B0604030504040204" pitchFamily="34" charset="0"/>
-                <a:ea typeface="ＭＳ Ｐゴシック" panose="020B0600070205080204" pitchFamily="34" charset="-128"/>
-              </a:rPr>
-              <a:t>2) The formulas for converting RGB to grayscale can be found in the GIMP documentation: </a:t>
-            </a:r>
-            <a:r>
-              <a:rPr lang="en-US" sz="2000" dirty="0">
-                <a:hlinkClick r:id="rId2"/>
-              </a:rPr>
-              <a:t>https://docs.gimp.org/2.6/en/gimp-tool-desaturate.html</a:t>
-            </a:r>
-            <a:endParaRPr lang="en-US" altLang="en-US" sz="2000" dirty="0">
-              <a:latin typeface="Tahoma" panose="020B0604030504040204" pitchFamily="34" charset="0"/>
-              <a:ea typeface="ＭＳ Ｐゴシック" panose="020B0600070205080204" pitchFamily="34" charset="-128"/>
-            </a:endParaRPr>
-          </a:p>
-          <a:p>
-            <a:pPr marL="0" indent="0">
-              <a:buNone/>
-            </a:pPr>
-            <a:endParaRPr lang="en-US" altLang="en-US" sz="2000" dirty="0">
-              <a:latin typeface="Tahoma" panose="020B0604030504040204" pitchFamily="34" charset="0"/>
-              <a:ea typeface="ＭＳ Ｐゴシック" panose="020B0600070205080204" pitchFamily="34" charset="-128"/>
-            </a:endParaRPr>
-          </a:p>
-          <a:p>
-            <a:pPr marL="0" indent="0">
-              <a:buNone/>
-            </a:pPr>
-            <a:endParaRPr lang="en-US" altLang="en-US" sz="2000" dirty="0">
-              <a:latin typeface="Tahoma" panose="020B0604030504040204" pitchFamily="34" charset="0"/>
-              <a:ea typeface="ＭＳ Ｐゴシック" panose="020B0600070205080204" pitchFamily="34" charset="-128"/>
-            </a:endParaRPr>
-          </a:p>
-        </p:txBody>
-      </p:sp>
-    </p:spTree>
-    <p:extLst>
-      <p:ext uri="{BB962C8B-B14F-4D97-AF65-F5344CB8AC3E}">
-        <p14:creationId xmlns:p14="http://schemas.microsoft.com/office/powerpoint/2010/main" val="2410979062"/>
       </p:ext>
     </p:extLst>
   </p:cSld>
@@ -19210,7 +18857,7 @@
               <a:rPr lang="en-US" sz="1833" b="1" dirty="0">
                 <a:latin typeface="Tahoma" charset="0"/>
               </a:rPr>
-              <a:t>Fast Fourier Transform(FFT)</a:t>
+              <a:t>Discrete Fourier Transform(DFT)</a:t>
             </a:r>
             <a:r>
               <a:rPr lang="en-US" sz="1833" dirty="0">
@@ -19373,8 +19020,8 @@
         </p:blipFill>
         <p:spPr bwMode="auto">
           <a:xfrm>
-            <a:off x="4098548" y="2857500"/>
-            <a:ext cx="4174664" cy="2715775"/>
+            <a:off x="4263774" y="2580098"/>
+            <a:ext cx="3629293" cy="2360991"/>
           </a:xfrm>
           <a:prstGeom prst="rect">
             <a:avLst/>
@@ -19404,6 +19051,45 @@
           </a:extLst>
         </p:spPr>
       </p:pic>
+      <p:sp>
+        <p:nvSpPr>
+          <p:cNvPr id="2" name="TextBox 1">
+            <a:extLst>
+              <a:ext uri="{FF2B5EF4-FFF2-40B4-BE49-F238E27FC236}">
+                <a16:creationId xmlns:a16="http://schemas.microsoft.com/office/drawing/2014/main" id="{13903C63-AA43-8B47-8641-57BF307B5497}"/>
+              </a:ext>
+            </a:extLst>
+          </p:cNvPr>
+          <p:cNvSpPr txBox="1"/>
+          <p:nvPr/>
+        </p:nvSpPr>
+        <p:spPr>
+          <a:xfrm>
+            <a:off x="4006920" y="4941669"/>
+            <a:ext cx="3554858" cy="646331"/>
+          </a:xfrm>
+          <a:prstGeom prst="rect">
+            <a:avLst/>
+          </a:prstGeom>
+          <a:noFill/>
+        </p:spPr>
+        <p:txBody>
+          <a:bodyPr wrap="square" rtlCol="0">
+            <a:spAutoFit/>
+          </a:bodyPr>
+          <a:lstStyle/>
+          <a:p>
+            <a:r>
+              <a:rPr lang="en-US" sz="1800" dirty="0">
+                <a:solidFill>
+                  <a:srgbClr val="FF0000"/>
+                </a:solidFill>
+              </a:rPr>
+              <a:t>We'll use Python to do audio analysis as above in the next lecture. </a:t>
+            </a:r>
+          </a:p>
+        </p:txBody>
+      </p:sp>
     </p:spTree>
     <p:extLst>
       <p:ext uri="{BB962C8B-B14F-4D97-AF65-F5344CB8AC3E}">
@@ -19427,6 +19113,9 @@
                     <p:cTn id="3" fill="hold" nodeType="clickPar">
                       <p:stCondLst>
                         <p:cond delay="indefinite"/>
+                        <p:cond evt="onBegin" delay="0">
+                          <p:tn val="2"/>
+                        </p:cond>
                       </p:stCondLst>
                       <p:childTnLst>
                         <p:par>
@@ -19436,7 +19125,7 @@
                             </p:stCondLst>
                             <p:childTnLst>
                               <p:par>
-                                <p:cTn id="5" presetID="1" presetClass="entr" presetSubtype="0" fill="hold" nodeType="clickEffect">
+                                <p:cTn id="5" presetID="1" presetClass="entr" presetSubtype="0" fill="hold" nodeType="withEffect">
                                   <p:stCondLst>
                                     <p:cond delay="0"/>
                                   </p:stCondLst>
@@ -19444,37 +19133,6 @@
                                     <p:set>
                                       <p:cBhvr>
                                         <p:cTn id="6" dur="1" fill="hold">
-                                          <p:stCondLst>
-                                            <p:cond delay="0"/>
-                                          </p:stCondLst>
-                                        </p:cTn>
-                                        <p:tgtEl>
-                                          <p:spTgt spid="51202">
-                                            <p:txEl>
-                                              <p:pRg st="1" end="1"/>
-                                            </p:txEl>
-                                          </p:spTgt>
-                                        </p:tgtEl>
-                                        <p:attrNameLst>
-                                          <p:attrName>style.visibility</p:attrName>
-                                        </p:attrNameLst>
-                                      </p:cBhvr>
-                                      <p:to>
-                                        <p:strVal val="visible"/>
-                                      </p:to>
-                                    </p:set>
-                                  </p:childTnLst>
-                                </p:cTn>
-                              </p:par>
-                              <p:par>
-                                <p:cTn id="7" presetID="1" presetClass="entr" presetSubtype="0" fill="hold" nodeType="withEffect">
-                                  <p:stCondLst>
-                                    <p:cond delay="0"/>
-                                  </p:stCondLst>
-                                  <p:childTnLst>
-                                    <p:set>
-                                      <p:cBhvr>
-                                        <p:cTn id="8" dur="1" fill="hold">
                                           <p:stCondLst>
                                             <p:cond delay="0"/>
                                           </p:stCondLst>
@@ -19500,26 +19158,26 @@
                     </p:cTn>
                   </p:par>
                   <p:par>
-                    <p:cTn id="9" fill="hold" nodeType="clickPar">
+                    <p:cTn id="7" fill="hold" nodeType="clickPar">
                       <p:stCondLst>
                         <p:cond delay="indefinite"/>
                       </p:stCondLst>
                       <p:childTnLst>
                         <p:par>
-                          <p:cTn id="10" fill="hold" nodeType="withGroup">
+                          <p:cTn id="8" fill="hold" nodeType="withGroup">
                             <p:stCondLst>
                               <p:cond delay="0"/>
                             </p:stCondLst>
                             <p:childTnLst>
                               <p:par>
-                                <p:cTn id="11" presetID="1" presetClass="entr" presetSubtype="0" fill="hold" nodeType="clickEffect">
+                                <p:cTn id="9" presetID="1" presetClass="entr" presetSubtype="0" fill="hold" nodeType="clickEffect">
                                   <p:stCondLst>
                                     <p:cond delay="0"/>
                                   </p:stCondLst>
                                   <p:childTnLst>
                                     <p:set>
                                       <p:cBhvr>
-                                        <p:cTn id="12" dur="1" fill="hold">
+                                        <p:cTn id="10" dur="1" fill="hold">
                                           <p:stCondLst>
                                             <p:cond delay="0"/>
                                           </p:stCondLst>
@@ -19549,19 +19207,50 @@
                     </p:cTn>
                   </p:par>
                   <p:par>
-                    <p:cTn id="13" fill="hold" nodeType="clickPar">
+                    <p:cTn id="11" fill="hold" nodeType="clickPar">
                       <p:stCondLst>
                         <p:cond delay="indefinite"/>
                       </p:stCondLst>
                       <p:childTnLst>
                         <p:par>
-                          <p:cTn id="14" fill="hold" nodeType="withGroup">
+                          <p:cTn id="12" fill="hold" nodeType="withGroup">
                             <p:stCondLst>
                               <p:cond delay="0"/>
                             </p:stCondLst>
                             <p:childTnLst>
                               <p:par>
-                                <p:cTn id="15" presetID="1" presetClass="entr" presetSubtype="0" fill="hold" nodeType="clickEffect">
+                                <p:cTn id="13" presetID="1" presetClass="entr" presetSubtype="0" fill="hold" nodeType="clickEffect">
+                                  <p:stCondLst>
+                                    <p:cond delay="0"/>
+                                  </p:stCondLst>
+                                  <p:childTnLst>
+                                    <p:set>
+                                      <p:cBhvr>
+                                        <p:cTn id="14" dur="1" fill="hold">
+                                          <p:stCondLst>
+                                            <p:cond delay="0"/>
+                                          </p:stCondLst>
+                                        </p:cTn>
+                                        <p:tgtEl>
+                                          <p:spTgt spid="51202">
+                                            <p:txEl>
+                                              <p:pRg st="4" end="4"/>
+                                            </p:txEl>
+                                          </p:spTgt>
+                                        </p:tgtEl>
+                                        <p:attrNameLst>
+                                          <p:attrName>style.visibility</p:attrName>
+                                        </p:attrNameLst>
+                                      </p:cBhvr>
+                                      <p:to>
+                                        <p:strVal val="visible"/>
+                                      </p:to>
+                                    </p:set>
+                                  </p:childTnLst>
+                                </p:cTn>
+                              </p:par>
+                              <p:par>
+                                <p:cTn id="15" presetID="1" presetClass="entr" presetSubtype="0" fill="hold" nodeType="withEffect">
                                   <p:stCondLst>
                                     <p:cond delay="0"/>
                                   </p:stCondLst>
@@ -19576,7 +19265,7 @@
                                         <p:tgtEl>
                                           <p:spTgt spid="51202">
                                             <p:txEl>
-                                              <p:pRg st="4" end="4"/>
+                                              <p:pRg st="5" end="5"/>
                                             </p:txEl>
                                           </p:spTgt>
                                         </p:tgtEl>
@@ -19607,7 +19296,7 @@
                                         <p:tgtEl>
                                           <p:spTgt spid="51202">
                                             <p:txEl>
-                                              <p:pRg st="5" end="5"/>
+                                              <p:pRg st="6" end="6"/>
                                             </p:txEl>
                                           </p:spTgt>
                                         </p:tgtEl>
@@ -19638,7 +19327,7 @@
                                         <p:tgtEl>
                                           <p:spTgt spid="51202">
                                             <p:txEl>
-                                              <p:pRg st="6" end="6"/>
+                                              <p:pRg st="7" end="7"/>
                                             </p:txEl>
                                           </p:spTgt>
                                         </p:tgtEl>
@@ -19669,7 +19358,7 @@
                                         <p:tgtEl>
                                           <p:spTgt spid="51202">
                                             <p:txEl>
-                                              <p:pRg st="7" end="7"/>
+                                              <p:pRg st="8" end="8"/>
                                             </p:txEl>
                                           </p:spTgt>
                                         </p:tgtEl>
@@ -19693,37 +19382,6 @@
                                     <p:set>
                                       <p:cBhvr>
                                         <p:cTn id="24" dur="1" fill="hold">
-                                          <p:stCondLst>
-                                            <p:cond delay="0"/>
-                                          </p:stCondLst>
-                                        </p:cTn>
-                                        <p:tgtEl>
-                                          <p:spTgt spid="51202">
-                                            <p:txEl>
-                                              <p:pRg st="8" end="8"/>
-                                            </p:txEl>
-                                          </p:spTgt>
-                                        </p:tgtEl>
-                                        <p:attrNameLst>
-                                          <p:attrName>style.visibility</p:attrName>
-                                        </p:attrNameLst>
-                                      </p:cBhvr>
-                                      <p:to>
-                                        <p:strVal val="visible"/>
-                                      </p:to>
-                                    </p:set>
-                                  </p:childTnLst>
-                                </p:cTn>
-                              </p:par>
-                              <p:par>
-                                <p:cTn id="25" presetID="1" presetClass="entr" presetSubtype="0" fill="hold" nodeType="withEffect">
-                                  <p:stCondLst>
-                                    <p:cond delay="0"/>
-                                  </p:stCondLst>
-                                  <p:childTnLst>
-                                    <p:set>
-                                      <p:cBhvr>
-                                        <p:cTn id="26" dur="1" fill="hold">
                                           <p:stCondLst>
                                             <p:cond delay="0"/>
                                           </p:stCondLst>

--- a/courses/apcsp/lect15.pptx
+++ b/courses/apcsp/lect15.pptx
@@ -1982,7 +1982,7 @@
           <a:p>
             <a:fld id="{6EDD99D2-A624-5E4F-A4E3-584054837B5A}" type="datetimeFigureOut">
               <a:rPr lang="en-US" smtClean="0"/>
-              <a:t>2/5/20</a:t>
+              <a:t>2/24/20</a:t>
             </a:fld>
             <a:endParaRPr lang="en-US"/>
           </a:p>
@@ -7285,7 +7285,7 @@
           <a:p>
             <a:fld id="{4AAD347D-5ACD-4C99-B74B-A9C85AD731AF}" type="datetimeFigureOut">
               <a:rPr lang="en-US" smtClean="0"/>
-              <a:t>2/5/20</a:t>
+              <a:t>2/24/20</a:t>
             </a:fld>
             <a:endParaRPr lang="en-US" dirty="0"/>
           </a:p>
@@ -7455,7 +7455,7 @@
           <a:p>
             <a:fld id="{4509A250-FF31-4206-8172-F9D3106AACB1}" type="datetimeFigureOut">
               <a:rPr lang="en-US" smtClean="0"/>
-              <a:t>2/5/20</a:t>
+              <a:t>2/24/20</a:t>
             </a:fld>
             <a:endParaRPr lang="en-US" dirty="0"/>
           </a:p>
@@ -7635,7 +7635,7 @@
           <a:p>
             <a:fld id="{4509A250-FF31-4206-8172-F9D3106AACB1}" type="datetimeFigureOut">
               <a:rPr lang="en-US" smtClean="0"/>
-              <a:t>2/5/20</a:t>
+              <a:t>2/24/20</a:t>
             </a:fld>
             <a:endParaRPr lang="en-US" dirty="0"/>
           </a:p>
@@ -7805,7 +7805,7 @@
           <a:p>
             <a:fld id="{4509A250-FF31-4206-8172-F9D3106AACB1}" type="datetimeFigureOut">
               <a:rPr lang="en-US" smtClean="0"/>
-              <a:t>2/5/20</a:t>
+              <a:t>2/24/20</a:t>
             </a:fld>
             <a:endParaRPr lang="en-US" dirty="0"/>
           </a:p>
@@ -8051,7 +8051,7 @@
           <a:p>
             <a:fld id="{9796027F-7875-4030-9381-8BD8C4F21935}" type="datetimeFigureOut">
               <a:rPr lang="en-US" smtClean="0"/>
-              <a:t>2/5/20</a:t>
+              <a:t>2/24/20</a:t>
             </a:fld>
             <a:endParaRPr lang="en-US" dirty="0"/>
           </a:p>
@@ -8283,7 +8283,7 @@
           <a:p>
             <a:fld id="{9796027F-7875-4030-9381-8BD8C4F21935}" type="datetimeFigureOut">
               <a:rPr lang="en-US" smtClean="0"/>
-              <a:t>2/5/20</a:t>
+              <a:t>2/24/20</a:t>
             </a:fld>
             <a:endParaRPr lang="en-US" dirty="0"/>
           </a:p>
@@ -8650,7 +8650,7 @@
           <a:p>
             <a:fld id="{9796027F-7875-4030-9381-8BD8C4F21935}" type="datetimeFigureOut">
               <a:rPr lang="en-US" smtClean="0"/>
-              <a:t>2/5/20</a:t>
+              <a:t>2/24/20</a:t>
             </a:fld>
             <a:endParaRPr lang="en-US" dirty="0"/>
           </a:p>
@@ -8768,7 +8768,7 @@
           <a:p>
             <a:fld id="{4509A250-FF31-4206-8172-F9D3106AACB1}" type="datetimeFigureOut">
               <a:rPr lang="en-US" smtClean="0"/>
-              <a:t>2/5/20</a:t>
+              <a:t>2/24/20</a:t>
             </a:fld>
             <a:endParaRPr lang="en-US" dirty="0"/>
           </a:p>
@@ -8863,7 +8863,7 @@
           <a:p>
             <a:fld id="{4509A250-FF31-4206-8172-F9D3106AACB1}" type="datetimeFigureOut">
               <a:rPr lang="en-US" smtClean="0"/>
-              <a:t>2/5/20</a:t>
+              <a:t>2/24/20</a:t>
             </a:fld>
             <a:endParaRPr lang="en-US" dirty="0"/>
           </a:p>
@@ -9140,7 +9140,7 @@
           <a:p>
             <a:fld id="{4509A250-FF31-4206-8172-F9D3106AACB1}" type="datetimeFigureOut">
               <a:rPr lang="en-US" smtClean="0"/>
-              <a:t>2/5/20</a:t>
+              <a:t>2/24/20</a:t>
             </a:fld>
             <a:endParaRPr lang="en-US" dirty="0"/>
           </a:p>
@@ -9397,7 +9397,7 @@
           <a:p>
             <a:fld id="{4509A250-FF31-4206-8172-F9D3106AACB1}" type="datetimeFigureOut">
               <a:rPr lang="en-US" smtClean="0"/>
-              <a:t>2/5/20</a:t>
+              <a:t>2/24/20</a:t>
             </a:fld>
             <a:endParaRPr lang="en-US" dirty="0"/>
           </a:p>
@@ -9610,7 +9610,7 @@
           <a:p>
             <a:fld id="{4AAD347D-5ACD-4C99-B74B-A9C85AD731AF}" type="datetimeFigureOut">
               <a:rPr lang="en-US" smtClean="0"/>
-              <a:t>2/5/20</a:t>
+              <a:t>2/24/20</a:t>
             </a:fld>
             <a:endParaRPr lang="en-US" dirty="0"/>
           </a:p>
@@ -17786,14 +17786,14 @@
                 <a:latin typeface="Tahoma" panose="020B0604030504040204" pitchFamily="34" charset="0"/>
                 <a:ea typeface="ＭＳ Ｐゴシック" panose="020B0600070205080204" pitchFamily="34" charset="-128"/>
               </a:rPr>
-              <a:t>bitrate</a:t>
+              <a:t>bit depth</a:t>
             </a:r>
             <a:r>
               <a:rPr lang="en-US" altLang="en-US" sz="2000" dirty="0">
                 <a:latin typeface="Tahoma" panose="020B0604030504040204" pitchFamily="34" charset="0"/>
                 <a:ea typeface="ＭＳ Ｐゴシック" panose="020B0600070205080204" pitchFamily="34" charset="-128"/>
               </a:rPr>
-              <a:t> or bit depth. </a:t>
+              <a:t>. </a:t>
             </a:r>
           </a:p>
           <a:p>

--- a/courses/apcsp/lect15.pptx
+++ b/courses/apcsp/lect15.pptx
@@ -137,38 +137,13 @@
 <file path=ppt/revisionInfo.xml><?xml version="1.0" encoding="utf-8"?>
 <p1510:revInfo xmlns:a="http://schemas.openxmlformats.org/drawingml/2006/main" xmlns:r="http://schemas.openxmlformats.org/officeDocument/2006/relationships" xmlns:p1510="http://schemas.microsoft.com/office/powerpoint/2015/10/main">
   <p1510:revLst>
-    <p1510:client id="{4BE6A6D3-80E1-E648-9A65-3053C53C3489}" v="1" dt="2020-01-13T13:50:10.484"/>
-    <p1510:client id="{6AC26564-89E3-E046-BFB4-F80582D7E17B}" v="2" dt="2020-01-13T13:46:19.953"/>
+    <p1510:client id="{5F646169-A1D9-E147-88C9-F7F633E92344}" v="73" dt="2020-02-26T13:00:54.979"/>
   </p1510:revLst>
 </p1510:revInfo>
 </file>
 
 <file path=ppt/changesInfos/changesInfo1.xml><?xml version="1.0" encoding="utf-8"?>
 <pc:chgInfo xmlns:a="http://schemas.openxmlformats.org/drawingml/2006/main" xmlns:r="http://schemas.openxmlformats.org/officeDocument/2006/relationships" xmlns:ac="http://schemas.microsoft.com/office/drawing/2013/main/command" xmlns:pc="http://schemas.microsoft.com/office/powerpoint/2013/main/command">
-  <pc:docChgLst>
-    <pc:chgData name="Long B Nguyen" userId="f59fb8f3-a021-417a-8bc1-65c8d471c621" providerId="ADAL" clId="{B5860C40-AA08-4447-A918-2D2782E0FC0B}"/>
-    <pc:docChg chg="delSld modSld">
-      <pc:chgData name="Long B Nguyen" userId="f59fb8f3-a021-417a-8bc1-65c8d471c621" providerId="ADAL" clId="{B5860C40-AA08-4447-A918-2D2782E0FC0B}" dt="2019-09-16T13:59:20.091" v="35" actId="2696"/>
-      <pc:docMkLst>
-        <pc:docMk/>
-      </pc:docMkLst>
-      <pc:sldChg chg="modSp">
-        <pc:chgData name="Long B Nguyen" userId="f59fb8f3-a021-417a-8bc1-65c8d471c621" providerId="ADAL" clId="{B5860C40-AA08-4447-A918-2D2782E0FC0B}" dt="2019-09-16T13:58:36.640" v="18" actId="20577"/>
-        <pc:sldMkLst>
-          <pc:docMk/>
-          <pc:sldMk cId="4247104139" sldId="256"/>
-        </pc:sldMkLst>
-        <pc:spChg chg="mod">
-          <ac:chgData name="Long B Nguyen" userId="f59fb8f3-a021-417a-8bc1-65c8d471c621" providerId="ADAL" clId="{B5860C40-AA08-4447-A918-2D2782E0FC0B}" dt="2019-09-16T13:58:36.640" v="18" actId="20577"/>
-          <ac:spMkLst>
-            <pc:docMk/>
-            <pc:sldMk cId="4247104139" sldId="256"/>
-            <ac:spMk id="3" creationId="{1BDC47C8-6776-7B44-9CD4-95FC91452D62}"/>
-          </ac:spMkLst>
-        </pc:spChg>
-      </pc:sldChg>
-    </pc:docChg>
-  </pc:docChgLst>
   <pc:docChgLst>
     <pc:chgData name="Long B Nguyen" userId="f59fb8f3-a021-417a-8bc1-65c8d471c621" providerId="ADAL" clId="{4BE6A6D3-80E1-E648-9A65-3053C53C3489}"/>
     <pc:docChg chg="addSld delSld modSld">
@@ -439,190 +414,28 @@
     </pc:docChg>
   </pc:docChgLst>
   <pc:docChgLst>
-    <pc:chgData name="Long B Nguyen" userId="f59fb8f3-a021-417a-8bc1-65c8d471c621" providerId="ADAL" clId="{AA9102B5-DACA-D841-B260-AEEBF90FC60A}"/>
-    <pc:docChg chg="custSel addSld delSld modSld">
-      <pc:chgData name="Long B Nguyen" userId="f59fb8f3-a021-417a-8bc1-65c8d471c621" providerId="ADAL" clId="{AA9102B5-DACA-D841-B260-AEEBF90FC60A}" dt="2020-01-06T17:07:10.515" v="1519" actId="2711"/>
+    <pc:chgData name="Long B Nguyen" userId="f59fb8f3-a021-417a-8bc1-65c8d471c621" providerId="ADAL" clId="{CC9C9D9A-5149-2947-86C0-576F501F60DC}"/>
+    <pc:docChg chg="addSld modSld">
+      <pc:chgData name="Long B Nguyen" userId="f59fb8f3-a021-417a-8bc1-65c8d471c621" providerId="ADAL" clId="{CC9C9D9A-5149-2947-86C0-576F501F60DC}" dt="2020-01-05T21:59:55.597" v="2392" actId="14100"/>
       <pc:docMkLst>
         <pc:docMk/>
       </pc:docMkLst>
-      <pc:sldChg chg="modSp">
-        <pc:chgData name="Long B Nguyen" userId="f59fb8f3-a021-417a-8bc1-65c8d471c621" providerId="ADAL" clId="{AA9102B5-DACA-D841-B260-AEEBF90FC60A}" dt="2020-01-05T22:05:23.536" v="23" actId="20577"/>
-        <pc:sldMkLst>
-          <pc:docMk/>
-          <pc:sldMk cId="4247104139" sldId="256"/>
-        </pc:sldMkLst>
-        <pc:spChg chg="mod">
-          <ac:chgData name="Long B Nguyen" userId="f59fb8f3-a021-417a-8bc1-65c8d471c621" providerId="ADAL" clId="{AA9102B5-DACA-D841-B260-AEEBF90FC60A}" dt="2020-01-05T22:05:23.536" v="23" actId="20577"/>
-          <ac:spMkLst>
-            <pc:docMk/>
-            <pc:sldMk cId="4247104139" sldId="256"/>
-            <ac:spMk id="3" creationId="{1BDC47C8-6776-7B44-9CD4-95FC91452D62}"/>
-          </ac:spMkLst>
-        </pc:spChg>
-      </pc:sldChg>
-      <pc:sldChg chg="del">
-        <pc:chgData name="Long B Nguyen" userId="f59fb8f3-a021-417a-8bc1-65c8d471c621" providerId="ADAL" clId="{AA9102B5-DACA-D841-B260-AEEBF90FC60A}" dt="2020-01-05T22:05:52.483" v="41" actId="2696"/>
-        <pc:sldMkLst>
-          <pc:docMk/>
-          <pc:sldMk cId="1438711869" sldId="284"/>
-        </pc:sldMkLst>
-      </pc:sldChg>
-      <pc:sldChg chg="del">
-        <pc:chgData name="Long B Nguyen" userId="f59fb8f3-a021-417a-8bc1-65c8d471c621" providerId="ADAL" clId="{AA9102B5-DACA-D841-B260-AEEBF90FC60A}" dt="2020-01-05T22:05:52.199" v="24" actId="2696"/>
-        <pc:sldMkLst>
-          <pc:docMk/>
-          <pc:sldMk cId="131840209" sldId="286"/>
-        </pc:sldMkLst>
-      </pc:sldChg>
-      <pc:sldChg chg="del">
-        <pc:chgData name="Long B Nguyen" userId="f59fb8f3-a021-417a-8bc1-65c8d471c621" providerId="ADAL" clId="{AA9102B5-DACA-D841-B260-AEEBF90FC60A}" dt="2020-01-05T22:05:52.214" v="25" actId="2696"/>
-        <pc:sldMkLst>
-          <pc:docMk/>
-          <pc:sldMk cId="1816941262" sldId="295"/>
-        </pc:sldMkLst>
-      </pc:sldChg>
-      <pc:sldChg chg="del">
-        <pc:chgData name="Long B Nguyen" userId="f59fb8f3-a021-417a-8bc1-65c8d471c621" providerId="ADAL" clId="{AA9102B5-DACA-D841-B260-AEEBF90FC60A}" dt="2020-01-05T22:05:52.246" v="27" actId="2696"/>
-        <pc:sldMkLst>
-          <pc:docMk/>
-          <pc:sldMk cId="553003360" sldId="296"/>
-        </pc:sldMkLst>
-      </pc:sldChg>
-      <pc:sldChg chg="del">
-        <pc:chgData name="Long B Nguyen" userId="f59fb8f3-a021-417a-8bc1-65c8d471c621" providerId="ADAL" clId="{AA9102B5-DACA-D841-B260-AEEBF90FC60A}" dt="2020-01-05T22:05:52.268" v="28" actId="2696"/>
-        <pc:sldMkLst>
-          <pc:docMk/>
-          <pc:sldMk cId="3006175481" sldId="297"/>
-        </pc:sldMkLst>
-      </pc:sldChg>
-      <pc:sldChg chg="del">
-        <pc:chgData name="Long B Nguyen" userId="f59fb8f3-a021-417a-8bc1-65c8d471c621" providerId="ADAL" clId="{AA9102B5-DACA-D841-B260-AEEBF90FC60A}" dt="2020-01-05T22:05:52.287" v="29" actId="2696"/>
-        <pc:sldMkLst>
-          <pc:docMk/>
-          <pc:sldMk cId="3150557076" sldId="298"/>
-        </pc:sldMkLst>
-      </pc:sldChg>
-      <pc:sldChg chg="del">
-        <pc:chgData name="Long B Nguyen" userId="f59fb8f3-a021-417a-8bc1-65c8d471c621" providerId="ADAL" clId="{AA9102B5-DACA-D841-B260-AEEBF90FC60A}" dt="2020-01-05T22:05:52.442" v="38" actId="2696"/>
-        <pc:sldMkLst>
-          <pc:docMk/>
-          <pc:sldMk cId="128704095" sldId="302"/>
-        </pc:sldMkLst>
-      </pc:sldChg>
-      <pc:sldChg chg="del">
-        <pc:chgData name="Long B Nguyen" userId="f59fb8f3-a021-417a-8bc1-65c8d471c621" providerId="ADAL" clId="{AA9102B5-DACA-D841-B260-AEEBF90FC60A}" dt="2020-01-05T22:05:52.305" v="30" actId="2696"/>
-        <pc:sldMkLst>
-          <pc:docMk/>
-          <pc:sldMk cId="3275945509" sldId="303"/>
-        </pc:sldMkLst>
-      </pc:sldChg>
-      <pc:sldChg chg="del">
-        <pc:chgData name="Long B Nguyen" userId="f59fb8f3-a021-417a-8bc1-65c8d471c621" providerId="ADAL" clId="{AA9102B5-DACA-D841-B260-AEEBF90FC60A}" dt="2020-01-05T22:05:52.321" v="31" actId="2696"/>
-        <pc:sldMkLst>
-          <pc:docMk/>
-          <pc:sldMk cId="406772024" sldId="304"/>
-        </pc:sldMkLst>
-      </pc:sldChg>
-      <pc:sldChg chg="del">
-        <pc:chgData name="Long B Nguyen" userId="f59fb8f3-a021-417a-8bc1-65c8d471c621" providerId="ADAL" clId="{AA9102B5-DACA-D841-B260-AEEBF90FC60A}" dt="2020-01-05T22:05:52.334" v="32" actId="2696"/>
-        <pc:sldMkLst>
-          <pc:docMk/>
-          <pc:sldMk cId="1703902501" sldId="305"/>
-        </pc:sldMkLst>
-      </pc:sldChg>
-      <pc:sldChg chg="del">
-        <pc:chgData name="Long B Nguyen" userId="f59fb8f3-a021-417a-8bc1-65c8d471c621" providerId="ADAL" clId="{AA9102B5-DACA-D841-B260-AEEBF90FC60A}" dt="2020-01-05T22:05:52.461" v="39" actId="2696"/>
-        <pc:sldMkLst>
-          <pc:docMk/>
-          <pc:sldMk cId="3614829039" sldId="306"/>
-        </pc:sldMkLst>
-      </pc:sldChg>
-      <pc:sldChg chg="del">
-        <pc:chgData name="Long B Nguyen" userId="f59fb8f3-a021-417a-8bc1-65c8d471c621" providerId="ADAL" clId="{AA9102B5-DACA-D841-B260-AEEBF90FC60A}" dt="2020-01-05T22:05:52.471" v="40" actId="2696"/>
-        <pc:sldMkLst>
-          <pc:docMk/>
-          <pc:sldMk cId="295911327" sldId="307"/>
-        </pc:sldMkLst>
-      </pc:sldChg>
-      <pc:sldChg chg="del">
-        <pc:chgData name="Long B Nguyen" userId="f59fb8f3-a021-417a-8bc1-65c8d471c621" providerId="ADAL" clId="{AA9102B5-DACA-D841-B260-AEEBF90FC60A}" dt="2020-01-05T22:05:52.353" v="33" actId="2696"/>
-        <pc:sldMkLst>
-          <pc:docMk/>
-          <pc:sldMk cId="67957925" sldId="308"/>
-        </pc:sldMkLst>
-      </pc:sldChg>
-      <pc:sldChg chg="del">
-        <pc:chgData name="Long B Nguyen" userId="f59fb8f3-a021-417a-8bc1-65c8d471c621" providerId="ADAL" clId="{AA9102B5-DACA-D841-B260-AEEBF90FC60A}" dt="2020-01-05T22:05:52.365" v="34" actId="2696"/>
-        <pc:sldMkLst>
-          <pc:docMk/>
-          <pc:sldMk cId="1872435103" sldId="309"/>
-        </pc:sldMkLst>
-      </pc:sldChg>
-      <pc:sldChg chg="del">
-        <pc:chgData name="Long B Nguyen" userId="f59fb8f3-a021-417a-8bc1-65c8d471c621" providerId="ADAL" clId="{AA9102B5-DACA-D841-B260-AEEBF90FC60A}" dt="2020-01-05T22:05:52.385" v="35" actId="2696"/>
-        <pc:sldMkLst>
-          <pc:docMk/>
-          <pc:sldMk cId="4088965571" sldId="310"/>
-        </pc:sldMkLst>
-      </pc:sldChg>
-      <pc:sldChg chg="del">
-        <pc:chgData name="Long B Nguyen" userId="f59fb8f3-a021-417a-8bc1-65c8d471c621" providerId="ADAL" clId="{AA9102B5-DACA-D841-B260-AEEBF90FC60A}" dt="2020-01-05T22:05:52.404" v="36" actId="2696"/>
-        <pc:sldMkLst>
-          <pc:docMk/>
-          <pc:sldMk cId="2255846137" sldId="311"/>
-        </pc:sldMkLst>
-      </pc:sldChg>
-      <pc:sldChg chg="del">
-        <pc:chgData name="Long B Nguyen" userId="f59fb8f3-a021-417a-8bc1-65c8d471c621" providerId="ADAL" clId="{AA9102B5-DACA-D841-B260-AEEBF90FC60A}" dt="2020-01-05T22:05:52.423" v="37" actId="2696"/>
-        <pc:sldMkLst>
-          <pc:docMk/>
-          <pc:sldMk cId="1513627164" sldId="312"/>
-        </pc:sldMkLst>
-      </pc:sldChg>
-      <pc:sldChg chg="del">
-        <pc:chgData name="Long B Nguyen" userId="f59fb8f3-a021-417a-8bc1-65c8d471c621" providerId="ADAL" clId="{AA9102B5-DACA-D841-B260-AEEBF90FC60A}" dt="2020-01-05T22:05:52.231" v="26" actId="2696"/>
-        <pc:sldMkLst>
-          <pc:docMk/>
-          <pc:sldMk cId="2097059918" sldId="313"/>
-        </pc:sldMkLst>
-      </pc:sldChg>
-      <pc:sldChg chg="modSp">
-        <pc:chgData name="Long B Nguyen" userId="f59fb8f3-a021-417a-8bc1-65c8d471c621" providerId="ADAL" clId="{AA9102B5-DACA-D841-B260-AEEBF90FC60A}" dt="2020-01-06T15:37:30.346" v="948" actId="20577"/>
-        <pc:sldMkLst>
-          <pc:docMk/>
-          <pc:sldMk cId="1452600724" sldId="316"/>
-        </pc:sldMkLst>
-        <pc:spChg chg="mod">
-          <ac:chgData name="Long B Nguyen" userId="f59fb8f3-a021-417a-8bc1-65c8d471c621" providerId="ADAL" clId="{AA9102B5-DACA-D841-B260-AEEBF90FC60A}" dt="2020-01-06T15:37:30.346" v="948" actId="20577"/>
-          <ac:spMkLst>
-            <pc:docMk/>
-            <pc:sldMk cId="1452600724" sldId="316"/>
-            <ac:spMk id="9" creationId="{E3B2E017-30B2-884B-A113-B419A2ED51AD}"/>
-          </ac:spMkLst>
-        </pc:spChg>
-      </pc:sldChg>
-      <pc:sldChg chg="del">
-        <pc:chgData name="Long B Nguyen" userId="f59fb8f3-a021-417a-8bc1-65c8d471c621" providerId="ADAL" clId="{AA9102B5-DACA-D841-B260-AEEBF90FC60A}" dt="2020-01-06T15:03:11.354" v="848" actId="2696"/>
-        <pc:sldMkLst>
-          <pc:docMk/>
-          <pc:sldMk cId="1787114790" sldId="317"/>
-        </pc:sldMkLst>
-      </pc:sldChg>
-      <pc:sldChg chg="del">
-        <pc:chgData name="Long B Nguyen" userId="f59fb8f3-a021-417a-8bc1-65c8d471c621" providerId="ADAL" clId="{AA9102B5-DACA-D841-B260-AEEBF90FC60A}" dt="2020-01-05T22:06:12.101" v="42" actId="2696"/>
-        <pc:sldMkLst>
-          <pc:docMk/>
-          <pc:sldMk cId="1215229427" sldId="318"/>
-        </pc:sldMkLst>
-      </pc:sldChg>
-      <pc:sldChg chg="modSp">
-        <pc:chgData name="Long B Nguyen" userId="f59fb8f3-a021-417a-8bc1-65c8d471c621" providerId="ADAL" clId="{AA9102B5-DACA-D841-B260-AEEBF90FC60A}" dt="2020-01-06T01:48:03.413" v="110" actId="20577"/>
+      <pc:sldChg chg="modSp add modAnim">
+        <pc:chgData name="Long B Nguyen" userId="f59fb8f3-a021-417a-8bc1-65c8d471c621" providerId="ADAL" clId="{CC9C9D9A-5149-2947-86C0-576F501F60DC}" dt="2020-01-04T15:49:37.373" v="563" actId="20577"/>
         <pc:sldMkLst>
           <pc:docMk/>
           <pc:sldMk cId="924617162" sldId="319"/>
         </pc:sldMkLst>
         <pc:spChg chg="mod">
-          <ac:chgData name="Long B Nguyen" userId="f59fb8f3-a021-417a-8bc1-65c8d471c621" providerId="ADAL" clId="{AA9102B5-DACA-D841-B260-AEEBF90FC60A}" dt="2020-01-06T01:48:03.413" v="110" actId="20577"/>
+          <ac:chgData name="Long B Nguyen" userId="f59fb8f3-a021-417a-8bc1-65c8d471c621" providerId="ADAL" clId="{CC9C9D9A-5149-2947-86C0-576F501F60DC}" dt="2020-01-04T15:45:14.876" v="4" actId="20577"/>
+          <ac:spMkLst>
+            <pc:docMk/>
+            <pc:sldMk cId="924617162" sldId="319"/>
+            <ac:spMk id="2" creationId="{AA3A228F-61D0-D949-A5E7-F83756230BF8}"/>
+          </ac:spMkLst>
+        </pc:spChg>
+        <pc:spChg chg="mod">
+          <ac:chgData name="Long B Nguyen" userId="f59fb8f3-a021-417a-8bc1-65c8d471c621" providerId="ADAL" clId="{CC9C9D9A-5149-2947-86C0-576F501F60DC}" dt="2020-01-04T15:49:37.373" v="563" actId="20577"/>
           <ac:spMkLst>
             <pc:docMk/>
             <pc:sldMk cId="924617162" sldId="319"/>
@@ -630,14 +443,98 @@
           </ac:spMkLst>
         </pc:spChg>
       </pc:sldChg>
-      <pc:sldChg chg="modSp">
-        <pc:chgData name="Long B Nguyen" userId="f59fb8f3-a021-417a-8bc1-65c8d471c621" providerId="ADAL" clId="{AA9102B5-DACA-D841-B260-AEEBF90FC60A}" dt="2020-01-06T01:56:11.549" v="712" actId="1076"/>
+      <pc:sldChg chg="modSp add">
+        <pc:chgData name="Long B Nguyen" userId="f59fb8f3-a021-417a-8bc1-65c8d471c621" providerId="ADAL" clId="{CC9C9D9A-5149-2947-86C0-576F501F60DC}" dt="2020-01-04T15:57:55.835" v="789" actId="14100"/>
+        <pc:sldMkLst>
+          <pc:docMk/>
+          <pc:sldMk cId="3758830494" sldId="320"/>
+        </pc:sldMkLst>
+        <pc:spChg chg="mod">
+          <ac:chgData name="Long B Nguyen" userId="f59fb8f3-a021-417a-8bc1-65c8d471c621" providerId="ADAL" clId="{CC9C9D9A-5149-2947-86C0-576F501F60DC}" dt="2020-01-04T15:57:52.065" v="788" actId="1076"/>
+          <ac:spMkLst>
+            <pc:docMk/>
+            <pc:sldMk cId="3758830494" sldId="320"/>
+            <ac:spMk id="2" creationId="{AA3A228F-61D0-D949-A5E7-F83756230BF8}"/>
+          </ac:spMkLst>
+        </pc:spChg>
+        <pc:spChg chg="mod">
+          <ac:chgData name="Long B Nguyen" userId="f59fb8f3-a021-417a-8bc1-65c8d471c621" providerId="ADAL" clId="{CC9C9D9A-5149-2947-86C0-576F501F60DC}" dt="2020-01-04T15:57:55.835" v="789" actId="14100"/>
+          <ac:spMkLst>
+            <pc:docMk/>
+            <pc:sldMk cId="3758830494" sldId="320"/>
+            <ac:spMk id="9" creationId="{E3B2E017-30B2-884B-A113-B419A2ED51AD}"/>
+          </ac:spMkLst>
+        </pc:spChg>
+      </pc:sldChg>
+      <pc:sldChg chg="modSp add">
+        <pc:chgData name="Long B Nguyen" userId="f59fb8f3-a021-417a-8bc1-65c8d471c621" providerId="ADAL" clId="{CC9C9D9A-5149-2947-86C0-576F501F60DC}" dt="2020-01-05T21:51:37.442" v="2325" actId="20577"/>
+        <pc:sldMkLst>
+          <pc:docMk/>
+          <pc:sldMk cId="1022945305" sldId="321"/>
+        </pc:sldMkLst>
+        <pc:spChg chg="mod">
+          <ac:chgData name="Long B Nguyen" userId="f59fb8f3-a021-417a-8bc1-65c8d471c621" providerId="ADAL" clId="{CC9C9D9A-5149-2947-86C0-576F501F60DC}" dt="2020-01-05T21:51:37.442" v="2325" actId="20577"/>
+          <ac:spMkLst>
+            <pc:docMk/>
+            <pc:sldMk cId="1022945305" sldId="321"/>
+            <ac:spMk id="2" creationId="{AA3A228F-61D0-D949-A5E7-F83756230BF8}"/>
+          </ac:spMkLst>
+        </pc:spChg>
+        <pc:spChg chg="mod">
+          <ac:chgData name="Long B Nguyen" userId="f59fb8f3-a021-417a-8bc1-65c8d471c621" providerId="ADAL" clId="{CC9C9D9A-5149-2947-86C0-576F501F60DC}" dt="2020-01-05T21:33:21.485" v="2304" actId="20577"/>
+          <ac:spMkLst>
+            <pc:docMk/>
+            <pc:sldMk cId="1022945305" sldId="321"/>
+            <ac:spMk id="9" creationId="{E3B2E017-30B2-884B-A113-B419A2ED51AD}"/>
+          </ac:spMkLst>
+        </pc:spChg>
+      </pc:sldChg>
+      <pc:sldChg chg="modSp add">
+        <pc:chgData name="Long B Nguyen" userId="f59fb8f3-a021-417a-8bc1-65c8d471c621" providerId="ADAL" clId="{CC9C9D9A-5149-2947-86C0-576F501F60DC}" dt="2020-01-04T17:41:57.489" v="1203" actId="20577"/>
+        <pc:sldMkLst>
+          <pc:docMk/>
+          <pc:sldMk cId="3456840474" sldId="322"/>
+        </pc:sldMkLst>
+        <pc:spChg chg="mod">
+          <ac:chgData name="Long B Nguyen" userId="f59fb8f3-a021-417a-8bc1-65c8d471c621" providerId="ADAL" clId="{CC9C9D9A-5149-2947-86C0-576F501F60DC}" dt="2020-01-04T17:41:57.489" v="1203" actId="20577"/>
+          <ac:spMkLst>
+            <pc:docMk/>
+            <pc:sldMk cId="3456840474" sldId="322"/>
+            <ac:spMk id="9" creationId="{E3B2E017-30B2-884B-A113-B419A2ED51AD}"/>
+          </ac:spMkLst>
+        </pc:spChg>
+      </pc:sldChg>
+      <pc:sldChg chg="modSp add">
+        <pc:chgData name="Long B Nguyen" userId="f59fb8f3-a021-417a-8bc1-65c8d471c621" providerId="ADAL" clId="{CC9C9D9A-5149-2947-86C0-576F501F60DC}" dt="2020-01-04T18:38:26.241" v="1214" actId="113"/>
+        <pc:sldMkLst>
+          <pc:docMk/>
+          <pc:sldMk cId="1062075874" sldId="323"/>
+        </pc:sldMkLst>
+        <pc:spChg chg="mod">
+          <ac:chgData name="Long B Nguyen" userId="f59fb8f3-a021-417a-8bc1-65c8d471c621" providerId="ADAL" clId="{CC9C9D9A-5149-2947-86C0-576F501F60DC}" dt="2020-01-04T18:38:26.241" v="1214" actId="113"/>
+          <ac:spMkLst>
+            <pc:docMk/>
+            <pc:sldMk cId="1062075874" sldId="323"/>
+            <ac:spMk id="9" creationId="{E3B2E017-30B2-884B-A113-B419A2ED51AD}"/>
+          </ac:spMkLst>
+        </pc:spChg>
+      </pc:sldChg>
+      <pc:sldChg chg="modSp add">
+        <pc:chgData name="Long B Nguyen" userId="f59fb8f3-a021-417a-8bc1-65c8d471c621" providerId="ADAL" clId="{CC9C9D9A-5149-2947-86C0-576F501F60DC}" dt="2020-01-04T20:58:36.932" v="1972" actId="20577"/>
         <pc:sldMkLst>
           <pc:docMk/>
           <pc:sldMk cId="1310010799" sldId="324"/>
         </pc:sldMkLst>
         <pc:spChg chg="mod">
-          <ac:chgData name="Long B Nguyen" userId="f59fb8f3-a021-417a-8bc1-65c8d471c621" providerId="ADAL" clId="{AA9102B5-DACA-D841-B260-AEEBF90FC60A}" dt="2020-01-06T01:56:11.549" v="712" actId="1076"/>
+          <ac:chgData name="Long B Nguyen" userId="f59fb8f3-a021-417a-8bc1-65c8d471c621" providerId="ADAL" clId="{CC9C9D9A-5149-2947-86C0-576F501F60DC}" dt="2020-01-04T20:55:25.731" v="1962" actId="1076"/>
+          <ac:spMkLst>
+            <pc:docMk/>
+            <pc:sldMk cId="1310010799" sldId="324"/>
+            <ac:spMk id="2" creationId="{AA3A228F-61D0-D949-A5E7-F83756230BF8}"/>
+          </ac:spMkLst>
+        </pc:spChg>
+        <pc:spChg chg="mod">
+          <ac:chgData name="Long B Nguyen" userId="f59fb8f3-a021-417a-8bc1-65c8d471c621" providerId="ADAL" clId="{CC9C9D9A-5149-2947-86C0-576F501F60DC}" dt="2020-01-04T20:58:36.932" v="1972" actId="20577"/>
           <ac:spMkLst>
             <pc:docMk/>
             <pc:sldMk cId="1310010799" sldId="324"/>
@@ -645,14 +542,14 @@
           </ac:spMkLst>
         </pc:spChg>
       </pc:sldChg>
-      <pc:sldChg chg="modSp">
-        <pc:chgData name="Long B Nguyen" userId="f59fb8f3-a021-417a-8bc1-65c8d471c621" providerId="ADAL" clId="{AA9102B5-DACA-D841-B260-AEEBF90FC60A}" dt="2020-01-06T15:35:11.658" v="853" actId="20577"/>
+      <pc:sldChg chg="modSp add">
+        <pc:chgData name="Long B Nguyen" userId="f59fb8f3-a021-417a-8bc1-65c8d471c621" providerId="ADAL" clId="{CC9C9D9A-5149-2947-86C0-576F501F60DC}" dt="2020-01-05T21:27:04.952" v="2119" actId="20577"/>
         <pc:sldMkLst>
           <pc:docMk/>
           <pc:sldMk cId="3314372952" sldId="325"/>
         </pc:sldMkLst>
         <pc:spChg chg="mod">
-          <ac:chgData name="Long B Nguyen" userId="f59fb8f3-a021-417a-8bc1-65c8d471c621" providerId="ADAL" clId="{AA9102B5-DACA-D841-B260-AEEBF90FC60A}" dt="2020-01-06T15:35:11.658" v="853" actId="20577"/>
+          <ac:chgData name="Long B Nguyen" userId="f59fb8f3-a021-417a-8bc1-65c8d471c621" providerId="ADAL" clId="{CC9C9D9A-5149-2947-86C0-576F501F60DC}" dt="2020-01-05T21:26:41.210" v="2114" actId="20577"/>
           <ac:spMkLst>
             <pc:docMk/>
             <pc:sldMk cId="3314372952" sldId="325"/>
@@ -660,7 +557,7 @@
           </ac:spMkLst>
         </pc:spChg>
         <pc:spChg chg="mod">
-          <ac:chgData name="Long B Nguyen" userId="f59fb8f3-a021-417a-8bc1-65c8d471c621" providerId="ADAL" clId="{AA9102B5-DACA-D841-B260-AEEBF90FC60A}" dt="2020-01-06T15:02:45.351" v="846" actId="20577"/>
+          <ac:chgData name="Long B Nguyen" userId="f59fb8f3-a021-417a-8bc1-65c8d471c621" providerId="ADAL" clId="{CC9C9D9A-5149-2947-86C0-576F501F60DC}" dt="2020-01-05T21:27:04.952" v="2119" actId="20577"/>
           <ac:spMkLst>
             <pc:docMk/>
             <pc:sldMk cId="3314372952" sldId="325"/>
@@ -668,518 +565,70 @@
           </ac:spMkLst>
         </pc:spChg>
       </pc:sldChg>
-      <pc:sldChg chg="del">
-        <pc:chgData name="Long B Nguyen" userId="f59fb8f3-a021-417a-8bc1-65c8d471c621" providerId="ADAL" clId="{AA9102B5-DACA-D841-B260-AEEBF90FC60A}" dt="2020-01-06T15:03:07.580" v="847" actId="2696"/>
+      <pc:sldChg chg="modSp add">
+        <pc:chgData name="Long B Nguyen" userId="f59fb8f3-a021-417a-8bc1-65c8d471c621" providerId="ADAL" clId="{CC9C9D9A-5149-2947-86C0-576F501F60DC}" dt="2020-01-05T21:29:58.563" v="2178" actId="20577"/>
         <pc:sldMkLst>
           <pc:docMk/>
           <pc:sldMk cId="3117943122" sldId="326"/>
         </pc:sldMkLst>
-      </pc:sldChg>
-      <pc:sldChg chg="del">
-        <pc:chgData name="Long B Nguyen" userId="f59fb8f3-a021-417a-8bc1-65c8d471c621" providerId="ADAL" clId="{AA9102B5-DACA-D841-B260-AEEBF90FC60A}" dt="2020-01-06T01:49:27.456" v="111" actId="2696"/>
-        <pc:sldMkLst>
-          <pc:docMk/>
-          <pc:sldMk cId="1025618360" sldId="327"/>
-        </pc:sldMkLst>
-      </pc:sldChg>
-      <pc:sldChg chg="modSp add">
-        <pc:chgData name="Long B Nguyen" userId="f59fb8f3-a021-417a-8bc1-65c8d471c621" providerId="ADAL" clId="{AA9102B5-DACA-D841-B260-AEEBF90FC60A}" dt="2020-01-06T15:00:48.763" v="818" actId="113"/>
-        <pc:sldMkLst>
-          <pc:docMk/>
-          <pc:sldMk cId="1724104636" sldId="327"/>
-        </pc:sldMkLst>
         <pc:spChg chg="mod">
-          <ac:chgData name="Long B Nguyen" userId="f59fb8f3-a021-417a-8bc1-65c8d471c621" providerId="ADAL" clId="{AA9102B5-DACA-D841-B260-AEEBF90FC60A}" dt="2020-01-06T15:00:48.763" v="818" actId="113"/>
+          <ac:chgData name="Long B Nguyen" userId="f59fb8f3-a021-417a-8bc1-65c8d471c621" providerId="ADAL" clId="{CC9C9D9A-5149-2947-86C0-576F501F60DC}" dt="2020-01-05T21:29:58.563" v="2178" actId="20577"/>
           <ac:spMkLst>
             <pc:docMk/>
-            <pc:sldMk cId="1724104636" sldId="327"/>
-            <ac:spMk id="9" creationId="{E3B2E017-30B2-884B-A113-B419A2ED51AD}"/>
-          </ac:spMkLst>
-        </pc:spChg>
-      </pc:sldChg>
-      <pc:sldChg chg="modSp">
-        <pc:chgData name="Long B Nguyen" userId="f59fb8f3-a021-417a-8bc1-65c8d471c621" providerId="ADAL" clId="{AA9102B5-DACA-D841-B260-AEEBF90FC60A}" dt="2020-01-06T01:55:34.369" v="708" actId="20577"/>
-        <pc:sldMkLst>
-          <pc:docMk/>
-          <pc:sldMk cId="4294143140" sldId="329"/>
-        </pc:sldMkLst>
-        <pc:spChg chg="mod">
-          <ac:chgData name="Long B Nguyen" userId="f59fb8f3-a021-417a-8bc1-65c8d471c621" providerId="ADAL" clId="{AA9102B5-DACA-D841-B260-AEEBF90FC60A}" dt="2020-01-06T01:55:34.369" v="708" actId="20577"/>
-          <ac:spMkLst>
-            <pc:docMk/>
-            <pc:sldMk cId="4294143140" sldId="329"/>
+            <pc:sldMk cId="3117943122" sldId="326"/>
             <ac:spMk id="9" creationId="{E3B2E017-30B2-884B-A113-B419A2ED51AD}"/>
           </ac:spMkLst>
         </pc:spChg>
       </pc:sldChg>
       <pc:sldChg chg="modSp add">
-        <pc:chgData name="Long B Nguyen" userId="f59fb8f3-a021-417a-8bc1-65c8d471c621" providerId="ADAL" clId="{AA9102B5-DACA-D841-B260-AEEBF90FC60A}" dt="2020-01-06T15:01:01.638" v="819" actId="2711"/>
+        <pc:chgData name="Long B Nguyen" userId="f59fb8f3-a021-417a-8bc1-65c8d471c621" providerId="ADAL" clId="{CC9C9D9A-5149-2947-86C0-576F501F60DC}" dt="2020-01-05T21:59:55.597" v="2392" actId="14100"/>
         <pc:sldMkLst>
           <pc:docMk/>
-          <pc:sldMk cId="3594730708" sldId="330"/>
+          <pc:sldMk cId="1025618360" sldId="327"/>
         </pc:sldMkLst>
         <pc:spChg chg="mod">
-          <ac:chgData name="Long B Nguyen" userId="f59fb8f3-a021-417a-8bc1-65c8d471c621" providerId="ADAL" clId="{AA9102B5-DACA-D841-B260-AEEBF90FC60A}" dt="2020-01-06T15:01:01.638" v="819" actId="2711"/>
+          <ac:chgData name="Long B Nguyen" userId="f59fb8f3-a021-417a-8bc1-65c8d471c621" providerId="ADAL" clId="{CC9C9D9A-5149-2947-86C0-576F501F60DC}" dt="2020-01-05T21:59:55.597" v="2392" actId="14100"/>
           <ac:spMkLst>
             <pc:docMk/>
-            <pc:sldMk cId="3594730708" sldId="330"/>
+            <pc:sldMk cId="1025618360" sldId="327"/>
             <ac:spMk id="9" creationId="{E3B2E017-30B2-884B-A113-B419A2ED51AD}"/>
           </ac:spMkLst>
         </pc:spChg>
       </pc:sldChg>
       <pc:sldChg chg="modSp add">
-        <pc:chgData name="Long B Nguyen" userId="f59fb8f3-a021-417a-8bc1-65c8d471c621" providerId="ADAL" clId="{AA9102B5-DACA-D841-B260-AEEBF90FC60A}" dt="2020-01-06T02:00:17.493" v="815" actId="255"/>
+        <pc:chgData name="Long B Nguyen" userId="f59fb8f3-a021-417a-8bc1-65c8d471c621" providerId="ADAL" clId="{CC9C9D9A-5149-2947-86C0-576F501F60DC}" dt="2020-01-05T21:54:47.081" v="2356" actId="2711"/>
         <pc:sldMkLst>
           <pc:docMk/>
-          <pc:sldMk cId="3870816631" sldId="331"/>
+          <pc:sldMk cId="3894299887" sldId="328"/>
         </pc:sldMkLst>
         <pc:spChg chg="mod">
-          <ac:chgData name="Long B Nguyen" userId="f59fb8f3-a021-417a-8bc1-65c8d471c621" providerId="ADAL" clId="{AA9102B5-DACA-D841-B260-AEEBF90FC60A}" dt="2020-01-06T02:00:17.493" v="815" actId="255"/>
+          <ac:chgData name="Long B Nguyen" userId="f59fb8f3-a021-417a-8bc1-65c8d471c621" providerId="ADAL" clId="{CC9C9D9A-5149-2947-86C0-576F501F60DC}" dt="2020-01-05T21:51:41.306" v="2327" actId="20577"/>
           <ac:spMkLst>
             <pc:docMk/>
-            <pc:sldMk cId="3870816631" sldId="331"/>
+            <pc:sldMk cId="3894299887" sldId="328"/>
+            <ac:spMk id="2" creationId="{AA3A228F-61D0-D949-A5E7-F83756230BF8}"/>
+          </ac:spMkLst>
+        </pc:spChg>
+        <pc:spChg chg="mod">
+          <ac:chgData name="Long B Nguyen" userId="f59fb8f3-a021-417a-8bc1-65c8d471c621" providerId="ADAL" clId="{CC9C9D9A-5149-2947-86C0-576F501F60DC}" dt="2020-01-05T21:54:47.081" v="2356" actId="2711"/>
+          <ac:spMkLst>
+            <pc:docMk/>
+            <pc:sldMk cId="3894299887" sldId="328"/>
             <ac:spMk id="9" creationId="{E3B2E017-30B2-884B-A113-B419A2ED51AD}"/>
           </ac:spMkLst>
         </pc:spChg>
       </pc:sldChg>
-      <pc:sldChg chg="modSp add">
-        <pc:chgData name="Long B Nguyen" userId="f59fb8f3-a021-417a-8bc1-65c8d471c621" providerId="ADAL" clId="{AA9102B5-DACA-D841-B260-AEEBF90FC60A}" dt="2020-01-06T17:07:10.515" v="1519" actId="2711"/>
+      <pc:sldChg chg="add">
+        <pc:chgData name="Long B Nguyen" userId="f59fb8f3-a021-417a-8bc1-65c8d471c621" providerId="ADAL" clId="{CC9C9D9A-5149-2947-86C0-576F501F60DC}" dt="2020-01-05T21:57:38.736" v="2357"/>
         <pc:sldMkLst>
           <pc:docMk/>
-          <pc:sldMk cId="3124353102" sldId="332"/>
+          <pc:sldMk cId="4294143140" sldId="329"/>
         </pc:sldMkLst>
-        <pc:spChg chg="mod">
-          <ac:chgData name="Long B Nguyen" userId="f59fb8f3-a021-417a-8bc1-65c8d471c621" providerId="ADAL" clId="{AA9102B5-DACA-D841-B260-AEEBF90FC60A}" dt="2020-01-06T17:03:36.721" v="1332" actId="20577"/>
-          <ac:spMkLst>
-            <pc:docMk/>
-            <pc:sldMk cId="3124353102" sldId="332"/>
-            <ac:spMk id="2" creationId="{AA3A228F-61D0-D949-A5E7-F83756230BF8}"/>
-          </ac:spMkLst>
-        </pc:spChg>
-        <pc:spChg chg="mod">
-          <ac:chgData name="Long B Nguyen" userId="f59fb8f3-a021-417a-8bc1-65c8d471c621" providerId="ADAL" clId="{AA9102B5-DACA-D841-B260-AEEBF90FC60A}" dt="2020-01-06T17:07:10.515" v="1519" actId="2711"/>
-          <ac:spMkLst>
-            <pc:docMk/>
-            <pc:sldMk cId="3124353102" sldId="332"/>
-            <ac:spMk id="9" creationId="{E3B2E017-30B2-884B-A113-B419A2ED51AD}"/>
-          </ac:spMkLst>
-        </pc:spChg>
       </pc:sldChg>
     </pc:docChg>
   </pc:docChgLst>
   <pc:docChgLst>
     <pc:chgData name="Long B Nguyen" userId="f59fb8f3-a021-417a-8bc1-65c8d471c621" providerId="ADAL" clId="{359527BD-9D28-FA41-9B76-D4C412CACD55}"/>
-  </pc:docChgLst>
-  <pc:docChgLst>
-    <pc:chgData name="Long B Nguyen" userId="f59fb8f3-a021-417a-8bc1-65c8d471c621" providerId="ADAL" clId="{6AC26564-89E3-E046-BFB4-F80582D7E17B}"/>
-    <pc:docChg chg="custSel addSld delSld modSld">
-      <pc:chgData name="Long B Nguyen" userId="f59fb8f3-a021-417a-8bc1-65c8d471c621" providerId="ADAL" clId="{6AC26564-89E3-E046-BFB4-F80582D7E17B}" dt="2020-01-13T13:46:56.810" v="92" actId="2696"/>
-      <pc:docMkLst>
-        <pc:docMk/>
-      </pc:docMkLst>
-      <pc:sldChg chg="modSp">
-        <pc:chgData name="Long B Nguyen" userId="f59fb8f3-a021-417a-8bc1-65c8d471c621" providerId="ADAL" clId="{6AC26564-89E3-E046-BFB4-F80582D7E17B}" dt="2020-01-13T13:44:20.464" v="85" actId="20577"/>
-        <pc:sldMkLst>
-          <pc:docMk/>
-          <pc:sldMk cId="4247104139" sldId="256"/>
-        </pc:sldMkLst>
-        <pc:spChg chg="mod">
-          <ac:chgData name="Long B Nguyen" userId="f59fb8f3-a021-417a-8bc1-65c8d471c621" providerId="ADAL" clId="{6AC26564-89E3-E046-BFB4-F80582D7E17B}" dt="2020-01-13T13:43:45.441" v="40" actId="20577"/>
-          <ac:spMkLst>
-            <pc:docMk/>
-            <pc:sldMk cId="4247104139" sldId="256"/>
-            <ac:spMk id="2" creationId="{6117A749-B1BA-E24B-8FB0-0604EF651FB3}"/>
-          </ac:spMkLst>
-        </pc:spChg>
-        <pc:spChg chg="mod">
-          <ac:chgData name="Long B Nguyen" userId="f59fb8f3-a021-417a-8bc1-65c8d471c621" providerId="ADAL" clId="{6AC26564-89E3-E046-BFB4-F80582D7E17B}" dt="2020-01-13T13:44:20.464" v="85" actId="20577"/>
-          <ac:spMkLst>
-            <pc:docMk/>
-            <pc:sldMk cId="4247104139" sldId="256"/>
-            <ac:spMk id="3" creationId="{1BDC47C8-6776-7B44-9CD4-95FC91452D62}"/>
-          </ac:spMkLst>
-        </pc:spChg>
-      </pc:sldChg>
-      <pc:sldChg chg="add del">
-        <pc:chgData name="Long B Nguyen" userId="f59fb8f3-a021-417a-8bc1-65c8d471c621" providerId="ADAL" clId="{6AC26564-89E3-E046-BFB4-F80582D7E17B}" dt="2020-01-13T13:46:54.924" v="89" actId="2696"/>
-        <pc:sldMkLst>
-          <pc:docMk/>
-          <pc:sldMk cId="2869331202" sldId="257"/>
-        </pc:sldMkLst>
-      </pc:sldChg>
-      <pc:sldChg chg="add">
-        <pc:chgData name="Long B Nguyen" userId="f59fb8f3-a021-417a-8bc1-65c8d471c621" providerId="ADAL" clId="{6AC26564-89E3-E046-BFB4-F80582D7E17B}" dt="2020-01-13T13:43:29.420" v="22"/>
-        <pc:sldMkLst>
-          <pc:docMk/>
-          <pc:sldMk cId="1758448129" sldId="309"/>
-        </pc:sldMkLst>
-      </pc:sldChg>
-      <pc:sldChg chg="modSp add del">
-        <pc:chgData name="Long B Nguyen" userId="f59fb8f3-a021-417a-8bc1-65c8d471c621" providerId="ADAL" clId="{6AC26564-89E3-E046-BFB4-F80582D7E17B}" dt="2020-01-13T13:46:55.484" v="90" actId="2696"/>
-        <pc:sldMkLst>
-          <pc:docMk/>
-          <pc:sldMk cId="174202529" sldId="310"/>
-        </pc:sldMkLst>
-        <pc:spChg chg="mod">
-          <ac:chgData name="Long B Nguyen" userId="f59fb8f3-a021-417a-8bc1-65c8d471c621" providerId="ADAL" clId="{6AC26564-89E3-E046-BFB4-F80582D7E17B}" dt="2020-01-13T13:44:35.816" v="86" actId="20577"/>
-          <ac:spMkLst>
-            <pc:docMk/>
-            <pc:sldMk cId="174202529" sldId="310"/>
-            <ac:spMk id="18434" creationId="{72F3E48A-CDFA-CE46-B991-D35BF55EC8E6}"/>
-          </ac:spMkLst>
-        </pc:spChg>
-      </pc:sldChg>
-      <pc:sldChg chg="add del">
-        <pc:chgData name="Long B Nguyen" userId="f59fb8f3-a021-417a-8bc1-65c8d471c621" providerId="ADAL" clId="{6AC26564-89E3-E046-BFB4-F80582D7E17B}" dt="2020-01-13T13:46:56.092" v="91" actId="2696"/>
-        <pc:sldMkLst>
-          <pc:docMk/>
-          <pc:sldMk cId="1098579697" sldId="311"/>
-        </pc:sldMkLst>
-      </pc:sldChg>
-      <pc:sldChg chg="add del">
-        <pc:chgData name="Long B Nguyen" userId="f59fb8f3-a021-417a-8bc1-65c8d471c621" providerId="ADAL" clId="{6AC26564-89E3-E046-BFB4-F80582D7E17B}" dt="2020-01-13T13:46:56.810" v="92" actId="2696"/>
-        <pc:sldMkLst>
-          <pc:docMk/>
-          <pc:sldMk cId="585175195" sldId="312"/>
-        </pc:sldMkLst>
-      </pc:sldChg>
-      <pc:sldChg chg="add">
-        <pc:chgData name="Long B Nguyen" userId="f59fb8f3-a021-417a-8bc1-65c8d471c621" providerId="ADAL" clId="{6AC26564-89E3-E046-BFB4-F80582D7E17B}" dt="2020-01-13T13:43:29.420" v="22"/>
-        <pc:sldMkLst>
-          <pc:docMk/>
-          <pc:sldMk cId="3947558204" sldId="313"/>
-        </pc:sldMkLst>
-      </pc:sldChg>
-      <pc:sldChg chg="add">
-        <pc:chgData name="Long B Nguyen" userId="f59fb8f3-a021-417a-8bc1-65c8d471c621" providerId="ADAL" clId="{6AC26564-89E3-E046-BFB4-F80582D7E17B}" dt="2020-01-13T13:43:29.420" v="22"/>
-        <pc:sldMkLst>
-          <pc:docMk/>
-          <pc:sldMk cId="2054265466" sldId="314"/>
-        </pc:sldMkLst>
-      </pc:sldChg>
-      <pc:sldChg chg="add">
-        <pc:chgData name="Long B Nguyen" userId="f59fb8f3-a021-417a-8bc1-65c8d471c621" providerId="ADAL" clId="{6AC26564-89E3-E046-BFB4-F80582D7E17B}" dt="2020-01-13T13:43:29.420" v="22"/>
-        <pc:sldMkLst>
-          <pc:docMk/>
-          <pc:sldMk cId="917461937" sldId="315"/>
-        </pc:sldMkLst>
-      </pc:sldChg>
-      <pc:sldChg chg="del">
-        <pc:chgData name="Long B Nguyen" userId="f59fb8f3-a021-417a-8bc1-65c8d471c621" providerId="ADAL" clId="{6AC26564-89E3-E046-BFB4-F80582D7E17B}" dt="2020-01-13T13:43:17.195" v="13" actId="2696"/>
-        <pc:sldMkLst>
-          <pc:docMk/>
-          <pc:sldMk cId="1452600724" sldId="316"/>
-        </pc:sldMkLst>
-      </pc:sldChg>
-      <pc:sldChg chg="add">
-        <pc:chgData name="Long B Nguyen" userId="f59fb8f3-a021-417a-8bc1-65c8d471c621" providerId="ADAL" clId="{6AC26564-89E3-E046-BFB4-F80582D7E17B}" dt="2020-01-13T13:43:29.420" v="22"/>
-        <pc:sldMkLst>
-          <pc:docMk/>
-          <pc:sldMk cId="3266234076" sldId="316"/>
-        </pc:sldMkLst>
-      </pc:sldChg>
-      <pc:sldChg chg="add">
-        <pc:chgData name="Long B Nguyen" userId="f59fb8f3-a021-417a-8bc1-65c8d471c621" providerId="ADAL" clId="{6AC26564-89E3-E046-BFB4-F80582D7E17B}" dt="2020-01-13T13:43:29.420" v="22"/>
-        <pc:sldMkLst>
-          <pc:docMk/>
-          <pc:sldMk cId="2886319738" sldId="317"/>
-        </pc:sldMkLst>
-      </pc:sldChg>
-      <pc:sldChg chg="del">
-        <pc:chgData name="Long B Nguyen" userId="f59fb8f3-a021-417a-8bc1-65c8d471c621" providerId="ADAL" clId="{6AC26564-89E3-E046-BFB4-F80582D7E17B}" dt="2020-01-13T13:43:16.993" v="0" actId="2696"/>
-        <pc:sldMkLst>
-          <pc:docMk/>
-          <pc:sldMk cId="924617162" sldId="319"/>
-        </pc:sldMkLst>
-      </pc:sldChg>
-      <pc:sldChg chg="add">
-        <pc:chgData name="Long B Nguyen" userId="f59fb8f3-a021-417a-8bc1-65c8d471c621" providerId="ADAL" clId="{6AC26564-89E3-E046-BFB4-F80582D7E17B}" dt="2020-01-13T13:43:29.420" v="22"/>
-        <pc:sldMkLst>
-          <pc:docMk/>
-          <pc:sldMk cId="3906700287" sldId="319"/>
-        </pc:sldMkLst>
-      </pc:sldChg>
-      <pc:sldChg chg="add">
-        <pc:chgData name="Long B Nguyen" userId="f59fb8f3-a021-417a-8bc1-65c8d471c621" providerId="ADAL" clId="{6AC26564-89E3-E046-BFB4-F80582D7E17B}" dt="2020-01-13T13:43:29.420" v="22"/>
-        <pc:sldMkLst>
-          <pc:docMk/>
-          <pc:sldMk cId="1810541734" sldId="320"/>
-        </pc:sldMkLst>
-      </pc:sldChg>
-      <pc:sldChg chg="del">
-        <pc:chgData name="Long B Nguyen" userId="f59fb8f3-a021-417a-8bc1-65c8d471c621" providerId="ADAL" clId="{6AC26564-89E3-E046-BFB4-F80582D7E17B}" dt="2020-01-13T13:43:17.009" v="1" actId="2696"/>
-        <pc:sldMkLst>
-          <pc:docMk/>
-          <pc:sldMk cId="3758830494" sldId="320"/>
-        </pc:sldMkLst>
-      </pc:sldChg>
-      <pc:sldChg chg="del">
-        <pc:chgData name="Long B Nguyen" userId="f59fb8f3-a021-417a-8bc1-65c8d471c621" providerId="ADAL" clId="{6AC26564-89E3-E046-BFB4-F80582D7E17B}" dt="2020-01-13T13:43:17.029" v="2" actId="2696"/>
-        <pc:sldMkLst>
-          <pc:docMk/>
-          <pc:sldMk cId="1022945305" sldId="321"/>
-        </pc:sldMkLst>
-      </pc:sldChg>
-      <pc:sldChg chg="add">
-        <pc:chgData name="Long B Nguyen" userId="f59fb8f3-a021-417a-8bc1-65c8d471c621" providerId="ADAL" clId="{6AC26564-89E3-E046-BFB4-F80582D7E17B}" dt="2020-01-13T13:43:29.420" v="22"/>
-        <pc:sldMkLst>
-          <pc:docMk/>
-          <pc:sldMk cId="1359731776" sldId="321"/>
-        </pc:sldMkLst>
-      </pc:sldChg>
-      <pc:sldChg chg="del">
-        <pc:chgData name="Long B Nguyen" userId="f59fb8f3-a021-417a-8bc1-65c8d471c621" providerId="ADAL" clId="{6AC26564-89E3-E046-BFB4-F80582D7E17B}" dt="2020-01-13T13:43:17.080" v="5" actId="2696"/>
-        <pc:sldMkLst>
-          <pc:docMk/>
-          <pc:sldMk cId="3456840474" sldId="322"/>
-        </pc:sldMkLst>
-      </pc:sldChg>
-      <pc:sldChg chg="add">
-        <pc:chgData name="Long B Nguyen" userId="f59fb8f3-a021-417a-8bc1-65c8d471c621" providerId="ADAL" clId="{6AC26564-89E3-E046-BFB4-F80582D7E17B}" dt="2020-01-13T13:43:29.420" v="22"/>
-        <pc:sldMkLst>
-          <pc:docMk/>
-          <pc:sldMk cId="3651577480" sldId="322"/>
-        </pc:sldMkLst>
-      </pc:sldChg>
-      <pc:sldChg chg="del">
-        <pc:chgData name="Long B Nguyen" userId="f59fb8f3-a021-417a-8bc1-65c8d471c621" providerId="ADAL" clId="{6AC26564-89E3-E046-BFB4-F80582D7E17B}" dt="2020-01-13T13:43:17.097" v="6" actId="2696"/>
-        <pc:sldMkLst>
-          <pc:docMk/>
-          <pc:sldMk cId="1062075874" sldId="323"/>
-        </pc:sldMkLst>
-      </pc:sldChg>
-      <pc:sldChg chg="add">
-        <pc:chgData name="Long B Nguyen" userId="f59fb8f3-a021-417a-8bc1-65c8d471c621" providerId="ADAL" clId="{6AC26564-89E3-E046-BFB4-F80582D7E17B}" dt="2020-01-13T13:43:29.420" v="22"/>
-        <pc:sldMkLst>
-          <pc:docMk/>
-          <pc:sldMk cId="1496564367" sldId="323"/>
-        </pc:sldMkLst>
-      </pc:sldChg>
-      <pc:sldChg chg="add">
-        <pc:chgData name="Long B Nguyen" userId="f59fb8f3-a021-417a-8bc1-65c8d471c621" providerId="ADAL" clId="{6AC26564-89E3-E046-BFB4-F80582D7E17B}" dt="2020-01-13T13:46:19.952" v="88"/>
-        <pc:sldMkLst>
-          <pc:docMk/>
-          <pc:sldMk cId="771866096" sldId="324"/>
-        </pc:sldMkLst>
-      </pc:sldChg>
-      <pc:sldChg chg="del">
-        <pc:chgData name="Long B Nguyen" userId="f59fb8f3-a021-417a-8bc1-65c8d471c621" providerId="ADAL" clId="{6AC26564-89E3-E046-BFB4-F80582D7E17B}" dt="2020-01-13T13:43:17.152" v="9" actId="2696"/>
-        <pc:sldMkLst>
-          <pc:docMk/>
-          <pc:sldMk cId="1310010799" sldId="324"/>
-        </pc:sldMkLst>
-      </pc:sldChg>
-      <pc:sldChg chg="add del">
-        <pc:chgData name="Long B Nguyen" userId="f59fb8f3-a021-417a-8bc1-65c8d471c621" providerId="ADAL" clId="{6AC26564-89E3-E046-BFB4-F80582D7E17B}" dt="2020-01-13T13:46:07.690" v="87" actId="2696"/>
-        <pc:sldMkLst>
-          <pc:docMk/>
-          <pc:sldMk cId="3999804732" sldId="324"/>
-        </pc:sldMkLst>
-      </pc:sldChg>
-      <pc:sldChg chg="add">
-        <pc:chgData name="Long B Nguyen" userId="f59fb8f3-a021-417a-8bc1-65c8d471c621" providerId="ADAL" clId="{6AC26564-89E3-E046-BFB4-F80582D7E17B}" dt="2020-01-13T13:43:29.420" v="22"/>
-        <pc:sldMkLst>
-          <pc:docMk/>
-          <pc:sldMk cId="1025355635" sldId="325"/>
-        </pc:sldMkLst>
-      </pc:sldChg>
-      <pc:sldChg chg="del">
-        <pc:chgData name="Long B Nguyen" userId="f59fb8f3-a021-417a-8bc1-65c8d471c621" providerId="ADAL" clId="{6AC26564-89E3-E046-BFB4-F80582D7E17B}" dt="2020-01-13T13:43:17.177" v="11" actId="2696"/>
-        <pc:sldMkLst>
-          <pc:docMk/>
-          <pc:sldMk cId="3314372952" sldId="325"/>
-        </pc:sldMkLst>
-      </pc:sldChg>
-      <pc:sldChg chg="del">
-        <pc:chgData name="Long B Nguyen" userId="f59fb8f3-a021-417a-8bc1-65c8d471c621" providerId="ADAL" clId="{6AC26564-89E3-E046-BFB4-F80582D7E17B}" dt="2020-01-13T13:43:17.116" v="7" actId="2696"/>
-        <pc:sldMkLst>
-          <pc:docMk/>
-          <pc:sldMk cId="1724104636" sldId="327"/>
-        </pc:sldMkLst>
-      </pc:sldChg>
-      <pc:sldChg chg="add">
-        <pc:chgData name="Long B Nguyen" userId="f59fb8f3-a021-417a-8bc1-65c8d471c621" providerId="ADAL" clId="{6AC26564-89E3-E046-BFB4-F80582D7E17B}" dt="2020-01-13T13:43:29.420" v="22"/>
-        <pc:sldMkLst>
-          <pc:docMk/>
-          <pc:sldMk cId="4174920299" sldId="327"/>
-        </pc:sldMkLst>
-      </pc:sldChg>
-      <pc:sldChg chg="add">
-        <pc:chgData name="Long B Nguyen" userId="f59fb8f3-a021-417a-8bc1-65c8d471c621" providerId="ADAL" clId="{6AC26564-89E3-E046-BFB4-F80582D7E17B}" dt="2020-01-13T13:43:29.420" v="22"/>
-        <pc:sldMkLst>
-          <pc:docMk/>
-          <pc:sldMk cId="2756462650" sldId="328"/>
-        </pc:sldMkLst>
-      </pc:sldChg>
-      <pc:sldChg chg="del">
-        <pc:chgData name="Long B Nguyen" userId="f59fb8f3-a021-417a-8bc1-65c8d471c621" providerId="ADAL" clId="{6AC26564-89E3-E046-BFB4-F80582D7E17B}" dt="2020-01-13T13:43:17.045" v="3" actId="2696"/>
-        <pc:sldMkLst>
-          <pc:docMk/>
-          <pc:sldMk cId="3894299887" sldId="328"/>
-        </pc:sldMkLst>
-      </pc:sldChg>
-      <pc:sldChg chg="add">
-        <pc:chgData name="Long B Nguyen" userId="f59fb8f3-a021-417a-8bc1-65c8d471c621" providerId="ADAL" clId="{6AC26564-89E3-E046-BFB4-F80582D7E17B}" dt="2020-01-13T13:43:29.420" v="22"/>
-        <pc:sldMkLst>
-          <pc:docMk/>
-          <pc:sldMk cId="3080714931" sldId="329"/>
-        </pc:sldMkLst>
-      </pc:sldChg>
-      <pc:sldChg chg="del">
-        <pc:chgData name="Long B Nguyen" userId="f59fb8f3-a021-417a-8bc1-65c8d471c621" providerId="ADAL" clId="{6AC26564-89E3-E046-BFB4-F80582D7E17B}" dt="2020-01-13T13:43:17.064" v="4" actId="2696"/>
-        <pc:sldMkLst>
-          <pc:docMk/>
-          <pc:sldMk cId="4294143140" sldId="329"/>
-        </pc:sldMkLst>
-      </pc:sldChg>
-      <pc:sldChg chg="add">
-        <pc:chgData name="Long B Nguyen" userId="f59fb8f3-a021-417a-8bc1-65c8d471c621" providerId="ADAL" clId="{6AC26564-89E3-E046-BFB4-F80582D7E17B}" dt="2020-01-13T13:43:29.420" v="22"/>
-        <pc:sldMkLst>
-          <pc:docMk/>
-          <pc:sldMk cId="532184546" sldId="330"/>
-        </pc:sldMkLst>
-      </pc:sldChg>
-      <pc:sldChg chg="del">
-        <pc:chgData name="Long B Nguyen" userId="f59fb8f3-a021-417a-8bc1-65c8d471c621" providerId="ADAL" clId="{6AC26564-89E3-E046-BFB4-F80582D7E17B}" dt="2020-01-13T13:43:17.136" v="8" actId="2696"/>
-        <pc:sldMkLst>
-          <pc:docMk/>
-          <pc:sldMk cId="3594730708" sldId="330"/>
-        </pc:sldMkLst>
-      </pc:sldChg>
-      <pc:sldChg chg="add">
-        <pc:chgData name="Long B Nguyen" userId="f59fb8f3-a021-417a-8bc1-65c8d471c621" providerId="ADAL" clId="{6AC26564-89E3-E046-BFB4-F80582D7E17B}" dt="2020-01-13T13:43:29.420" v="22"/>
-        <pc:sldMkLst>
-          <pc:docMk/>
-          <pc:sldMk cId="3264629021" sldId="331"/>
-        </pc:sldMkLst>
-      </pc:sldChg>
-      <pc:sldChg chg="del">
-        <pc:chgData name="Long B Nguyen" userId="f59fb8f3-a021-417a-8bc1-65c8d471c621" providerId="ADAL" clId="{6AC26564-89E3-E046-BFB4-F80582D7E17B}" dt="2020-01-13T13:43:17.188" v="12" actId="2696"/>
-        <pc:sldMkLst>
-          <pc:docMk/>
-          <pc:sldMk cId="3870816631" sldId="331"/>
-        </pc:sldMkLst>
-      </pc:sldChg>
-      <pc:sldChg chg="del">
-        <pc:chgData name="Long B Nguyen" userId="f59fb8f3-a021-417a-8bc1-65c8d471c621" providerId="ADAL" clId="{6AC26564-89E3-E046-BFB4-F80582D7E17B}" dt="2020-01-13T13:43:17.163" v="10" actId="2696"/>
-        <pc:sldMkLst>
-          <pc:docMk/>
-          <pc:sldMk cId="3124353102" sldId="332"/>
-        </pc:sldMkLst>
-      </pc:sldChg>
-      <pc:sldChg chg="add">
-        <pc:chgData name="Long B Nguyen" userId="f59fb8f3-a021-417a-8bc1-65c8d471c621" providerId="ADAL" clId="{6AC26564-89E3-E046-BFB4-F80582D7E17B}" dt="2020-01-13T13:43:29.420" v="22"/>
-        <pc:sldMkLst>
-          <pc:docMk/>
-          <pc:sldMk cId="4022722016" sldId="332"/>
-        </pc:sldMkLst>
-      </pc:sldChg>
-      <pc:sldChg chg="add">
-        <pc:chgData name="Long B Nguyen" userId="f59fb8f3-a021-417a-8bc1-65c8d471c621" providerId="ADAL" clId="{6AC26564-89E3-E046-BFB4-F80582D7E17B}" dt="2020-01-13T13:43:29.420" v="22"/>
-        <pc:sldMkLst>
-          <pc:docMk/>
-          <pc:sldMk cId="1710208723" sldId="333"/>
-        </pc:sldMkLst>
-      </pc:sldChg>
-      <pc:sldChg chg="add">
-        <pc:chgData name="Long B Nguyen" userId="f59fb8f3-a021-417a-8bc1-65c8d471c621" providerId="ADAL" clId="{6AC26564-89E3-E046-BFB4-F80582D7E17B}" dt="2020-01-13T13:43:29.420" v="22"/>
-        <pc:sldMkLst>
-          <pc:docMk/>
-          <pc:sldMk cId="3404583044" sldId="334"/>
-        </pc:sldMkLst>
-      </pc:sldChg>
-      <pc:sldChg chg="add">
-        <pc:chgData name="Long B Nguyen" userId="f59fb8f3-a021-417a-8bc1-65c8d471c621" providerId="ADAL" clId="{6AC26564-89E3-E046-BFB4-F80582D7E17B}" dt="2020-01-13T13:43:29.420" v="22"/>
-        <pc:sldMkLst>
-          <pc:docMk/>
-          <pc:sldMk cId="3866550465" sldId="335"/>
-        </pc:sldMkLst>
-      </pc:sldChg>
-      <pc:sldChg chg="add">
-        <pc:chgData name="Long B Nguyen" userId="f59fb8f3-a021-417a-8bc1-65c8d471c621" providerId="ADAL" clId="{6AC26564-89E3-E046-BFB4-F80582D7E17B}" dt="2020-01-13T13:43:29.420" v="22"/>
-        <pc:sldMkLst>
-          <pc:docMk/>
-          <pc:sldMk cId="3749436800" sldId="336"/>
-        </pc:sldMkLst>
-      </pc:sldChg>
-      <pc:sldChg chg="add">
-        <pc:chgData name="Long B Nguyen" userId="f59fb8f3-a021-417a-8bc1-65c8d471c621" providerId="ADAL" clId="{6AC26564-89E3-E046-BFB4-F80582D7E17B}" dt="2020-01-13T13:43:29.420" v="22"/>
-        <pc:sldMkLst>
-          <pc:docMk/>
-          <pc:sldMk cId="461704868" sldId="337"/>
-        </pc:sldMkLst>
-      </pc:sldChg>
-      <pc:sldChg chg="add">
-        <pc:chgData name="Long B Nguyen" userId="f59fb8f3-a021-417a-8bc1-65c8d471c621" providerId="ADAL" clId="{6AC26564-89E3-E046-BFB4-F80582D7E17B}" dt="2020-01-13T13:43:29.420" v="22"/>
-        <pc:sldMkLst>
-          <pc:docMk/>
-          <pc:sldMk cId="545386500" sldId="338"/>
-        </pc:sldMkLst>
-      </pc:sldChg>
-      <pc:sldChg chg="add">
-        <pc:chgData name="Long B Nguyen" userId="f59fb8f3-a021-417a-8bc1-65c8d471c621" providerId="ADAL" clId="{6AC26564-89E3-E046-BFB4-F80582D7E17B}" dt="2020-01-13T13:43:29.420" v="22"/>
-        <pc:sldMkLst>
-          <pc:docMk/>
-          <pc:sldMk cId="1791361008" sldId="339"/>
-        </pc:sldMkLst>
-      </pc:sldChg>
-      <pc:sldChg chg="add">
-        <pc:chgData name="Long B Nguyen" userId="f59fb8f3-a021-417a-8bc1-65c8d471c621" providerId="ADAL" clId="{6AC26564-89E3-E046-BFB4-F80582D7E17B}" dt="2020-01-13T13:43:29.420" v="22"/>
-        <pc:sldMkLst>
-          <pc:docMk/>
-          <pc:sldMk cId="678299524" sldId="340"/>
-        </pc:sldMkLst>
-      </pc:sldChg>
-      <pc:sldChg chg="add">
-        <pc:chgData name="Long B Nguyen" userId="f59fb8f3-a021-417a-8bc1-65c8d471c621" providerId="ADAL" clId="{6AC26564-89E3-E046-BFB4-F80582D7E17B}" dt="2020-01-13T13:43:29.420" v="22"/>
-        <pc:sldMkLst>
-          <pc:docMk/>
-          <pc:sldMk cId="225127645" sldId="341"/>
-        </pc:sldMkLst>
-      </pc:sldChg>
-      <pc:sldChg chg="add">
-        <pc:chgData name="Long B Nguyen" userId="f59fb8f3-a021-417a-8bc1-65c8d471c621" providerId="ADAL" clId="{6AC26564-89E3-E046-BFB4-F80582D7E17B}" dt="2020-01-13T13:43:29.420" v="22"/>
-        <pc:sldMkLst>
-          <pc:docMk/>
-          <pc:sldMk cId="2214326257" sldId="342"/>
-        </pc:sldMkLst>
-      </pc:sldChg>
-      <pc:sldChg chg="add">
-        <pc:chgData name="Long B Nguyen" userId="f59fb8f3-a021-417a-8bc1-65c8d471c621" providerId="ADAL" clId="{6AC26564-89E3-E046-BFB4-F80582D7E17B}" dt="2020-01-13T13:43:29.420" v="22"/>
-        <pc:sldMkLst>
-          <pc:docMk/>
-          <pc:sldMk cId="1356056044" sldId="343"/>
-        </pc:sldMkLst>
-      </pc:sldChg>
-      <pc:sldChg chg="add">
-        <pc:chgData name="Long B Nguyen" userId="f59fb8f3-a021-417a-8bc1-65c8d471c621" providerId="ADAL" clId="{6AC26564-89E3-E046-BFB4-F80582D7E17B}" dt="2020-01-13T13:43:29.420" v="22"/>
-        <pc:sldMkLst>
-          <pc:docMk/>
-          <pc:sldMk cId="1270247652" sldId="344"/>
-        </pc:sldMkLst>
-      </pc:sldChg>
-      <pc:sldChg chg="add">
-        <pc:chgData name="Long B Nguyen" userId="f59fb8f3-a021-417a-8bc1-65c8d471c621" providerId="ADAL" clId="{6AC26564-89E3-E046-BFB4-F80582D7E17B}" dt="2020-01-13T13:43:29.420" v="22"/>
-        <pc:sldMkLst>
-          <pc:docMk/>
-          <pc:sldMk cId="902308803" sldId="345"/>
-        </pc:sldMkLst>
-      </pc:sldChg>
-      <pc:sldChg chg="add">
-        <pc:chgData name="Long B Nguyen" userId="f59fb8f3-a021-417a-8bc1-65c8d471c621" providerId="ADAL" clId="{6AC26564-89E3-E046-BFB4-F80582D7E17B}" dt="2020-01-13T13:43:29.420" v="22"/>
-        <pc:sldMkLst>
-          <pc:docMk/>
-          <pc:sldMk cId="2271372051" sldId="346"/>
-        </pc:sldMkLst>
-      </pc:sldChg>
-      <pc:sldChg chg="add">
-        <pc:chgData name="Long B Nguyen" userId="f59fb8f3-a021-417a-8bc1-65c8d471c621" providerId="ADAL" clId="{6AC26564-89E3-E046-BFB4-F80582D7E17B}" dt="2020-01-13T13:43:29.420" v="22"/>
-        <pc:sldMkLst>
-          <pc:docMk/>
-          <pc:sldMk cId="198078322" sldId="347"/>
-        </pc:sldMkLst>
-      </pc:sldChg>
-    </pc:docChg>
   </pc:docChgLst>
   <pc:docChgLst>
     <pc:chgData name="Long B Nguyen" userId="f59fb8f3-a021-417a-8bc1-65c8d471c621" providerId="ADAL" clId="{A54A5039-9BC6-1548-AC61-7314DB675A9D}"/>
@@ -1678,28 +1127,607 @@
     </pc:docChg>
   </pc:docChgLst>
   <pc:docChgLst>
-    <pc:chgData name="Long B Nguyen" userId="f59fb8f3-a021-417a-8bc1-65c8d471c621" providerId="ADAL" clId="{CC9C9D9A-5149-2947-86C0-576F501F60DC}"/>
-    <pc:docChg chg="addSld modSld">
-      <pc:chgData name="Long B Nguyen" userId="f59fb8f3-a021-417a-8bc1-65c8d471c621" providerId="ADAL" clId="{CC9C9D9A-5149-2947-86C0-576F501F60DC}" dt="2020-01-05T21:59:55.597" v="2392" actId="14100"/>
+    <pc:chgData name="Long B Nguyen" userId="f59fb8f3-a021-417a-8bc1-65c8d471c621" providerId="ADAL" clId="{6AC26564-89E3-E046-BFB4-F80582D7E17B}"/>
+    <pc:docChg chg="custSel addSld delSld modSld">
+      <pc:chgData name="Long B Nguyen" userId="f59fb8f3-a021-417a-8bc1-65c8d471c621" providerId="ADAL" clId="{6AC26564-89E3-E046-BFB4-F80582D7E17B}" dt="2020-01-13T13:46:56.810" v="92" actId="2696"/>
       <pc:docMkLst>
         <pc:docMk/>
       </pc:docMkLst>
-      <pc:sldChg chg="modSp add modAnim">
-        <pc:chgData name="Long B Nguyen" userId="f59fb8f3-a021-417a-8bc1-65c8d471c621" providerId="ADAL" clId="{CC9C9D9A-5149-2947-86C0-576F501F60DC}" dt="2020-01-04T15:49:37.373" v="563" actId="20577"/>
+      <pc:sldChg chg="modSp">
+        <pc:chgData name="Long B Nguyen" userId="f59fb8f3-a021-417a-8bc1-65c8d471c621" providerId="ADAL" clId="{6AC26564-89E3-E046-BFB4-F80582D7E17B}" dt="2020-01-13T13:44:20.464" v="85" actId="20577"/>
+        <pc:sldMkLst>
+          <pc:docMk/>
+          <pc:sldMk cId="4247104139" sldId="256"/>
+        </pc:sldMkLst>
+        <pc:spChg chg="mod">
+          <ac:chgData name="Long B Nguyen" userId="f59fb8f3-a021-417a-8bc1-65c8d471c621" providerId="ADAL" clId="{6AC26564-89E3-E046-BFB4-F80582D7E17B}" dt="2020-01-13T13:43:45.441" v="40" actId="20577"/>
+          <ac:spMkLst>
+            <pc:docMk/>
+            <pc:sldMk cId="4247104139" sldId="256"/>
+            <ac:spMk id="2" creationId="{6117A749-B1BA-E24B-8FB0-0604EF651FB3}"/>
+          </ac:spMkLst>
+        </pc:spChg>
+        <pc:spChg chg="mod">
+          <ac:chgData name="Long B Nguyen" userId="f59fb8f3-a021-417a-8bc1-65c8d471c621" providerId="ADAL" clId="{6AC26564-89E3-E046-BFB4-F80582D7E17B}" dt="2020-01-13T13:44:20.464" v="85" actId="20577"/>
+          <ac:spMkLst>
+            <pc:docMk/>
+            <pc:sldMk cId="4247104139" sldId="256"/>
+            <ac:spMk id="3" creationId="{1BDC47C8-6776-7B44-9CD4-95FC91452D62}"/>
+          </ac:spMkLst>
+        </pc:spChg>
+      </pc:sldChg>
+      <pc:sldChg chg="add del">
+        <pc:chgData name="Long B Nguyen" userId="f59fb8f3-a021-417a-8bc1-65c8d471c621" providerId="ADAL" clId="{6AC26564-89E3-E046-BFB4-F80582D7E17B}" dt="2020-01-13T13:46:54.924" v="89" actId="2696"/>
+        <pc:sldMkLst>
+          <pc:docMk/>
+          <pc:sldMk cId="2869331202" sldId="257"/>
+        </pc:sldMkLst>
+      </pc:sldChg>
+      <pc:sldChg chg="add">
+        <pc:chgData name="Long B Nguyen" userId="f59fb8f3-a021-417a-8bc1-65c8d471c621" providerId="ADAL" clId="{6AC26564-89E3-E046-BFB4-F80582D7E17B}" dt="2020-01-13T13:43:29.420" v="22"/>
+        <pc:sldMkLst>
+          <pc:docMk/>
+          <pc:sldMk cId="1758448129" sldId="309"/>
+        </pc:sldMkLst>
+      </pc:sldChg>
+      <pc:sldChg chg="modSp add del">
+        <pc:chgData name="Long B Nguyen" userId="f59fb8f3-a021-417a-8bc1-65c8d471c621" providerId="ADAL" clId="{6AC26564-89E3-E046-BFB4-F80582D7E17B}" dt="2020-01-13T13:46:55.484" v="90" actId="2696"/>
+        <pc:sldMkLst>
+          <pc:docMk/>
+          <pc:sldMk cId="174202529" sldId="310"/>
+        </pc:sldMkLst>
+        <pc:spChg chg="mod">
+          <ac:chgData name="Long B Nguyen" userId="f59fb8f3-a021-417a-8bc1-65c8d471c621" providerId="ADAL" clId="{6AC26564-89E3-E046-BFB4-F80582D7E17B}" dt="2020-01-13T13:44:35.816" v="86" actId="20577"/>
+          <ac:spMkLst>
+            <pc:docMk/>
+            <pc:sldMk cId="174202529" sldId="310"/>
+            <ac:spMk id="18434" creationId="{72F3E48A-CDFA-CE46-B991-D35BF55EC8E6}"/>
+          </ac:spMkLst>
+        </pc:spChg>
+      </pc:sldChg>
+      <pc:sldChg chg="add del">
+        <pc:chgData name="Long B Nguyen" userId="f59fb8f3-a021-417a-8bc1-65c8d471c621" providerId="ADAL" clId="{6AC26564-89E3-E046-BFB4-F80582D7E17B}" dt="2020-01-13T13:46:56.092" v="91" actId="2696"/>
+        <pc:sldMkLst>
+          <pc:docMk/>
+          <pc:sldMk cId="1098579697" sldId="311"/>
+        </pc:sldMkLst>
+      </pc:sldChg>
+      <pc:sldChg chg="add del">
+        <pc:chgData name="Long B Nguyen" userId="f59fb8f3-a021-417a-8bc1-65c8d471c621" providerId="ADAL" clId="{6AC26564-89E3-E046-BFB4-F80582D7E17B}" dt="2020-01-13T13:46:56.810" v="92" actId="2696"/>
+        <pc:sldMkLst>
+          <pc:docMk/>
+          <pc:sldMk cId="585175195" sldId="312"/>
+        </pc:sldMkLst>
+      </pc:sldChg>
+      <pc:sldChg chg="add">
+        <pc:chgData name="Long B Nguyen" userId="f59fb8f3-a021-417a-8bc1-65c8d471c621" providerId="ADAL" clId="{6AC26564-89E3-E046-BFB4-F80582D7E17B}" dt="2020-01-13T13:43:29.420" v="22"/>
+        <pc:sldMkLst>
+          <pc:docMk/>
+          <pc:sldMk cId="3947558204" sldId="313"/>
+        </pc:sldMkLst>
+      </pc:sldChg>
+      <pc:sldChg chg="add">
+        <pc:chgData name="Long B Nguyen" userId="f59fb8f3-a021-417a-8bc1-65c8d471c621" providerId="ADAL" clId="{6AC26564-89E3-E046-BFB4-F80582D7E17B}" dt="2020-01-13T13:43:29.420" v="22"/>
+        <pc:sldMkLst>
+          <pc:docMk/>
+          <pc:sldMk cId="2054265466" sldId="314"/>
+        </pc:sldMkLst>
+      </pc:sldChg>
+      <pc:sldChg chg="add">
+        <pc:chgData name="Long B Nguyen" userId="f59fb8f3-a021-417a-8bc1-65c8d471c621" providerId="ADAL" clId="{6AC26564-89E3-E046-BFB4-F80582D7E17B}" dt="2020-01-13T13:43:29.420" v="22"/>
+        <pc:sldMkLst>
+          <pc:docMk/>
+          <pc:sldMk cId="917461937" sldId="315"/>
+        </pc:sldMkLst>
+      </pc:sldChg>
+      <pc:sldChg chg="del">
+        <pc:chgData name="Long B Nguyen" userId="f59fb8f3-a021-417a-8bc1-65c8d471c621" providerId="ADAL" clId="{6AC26564-89E3-E046-BFB4-F80582D7E17B}" dt="2020-01-13T13:43:17.195" v="13" actId="2696"/>
+        <pc:sldMkLst>
+          <pc:docMk/>
+          <pc:sldMk cId="1452600724" sldId="316"/>
+        </pc:sldMkLst>
+      </pc:sldChg>
+      <pc:sldChg chg="add">
+        <pc:chgData name="Long B Nguyen" userId="f59fb8f3-a021-417a-8bc1-65c8d471c621" providerId="ADAL" clId="{6AC26564-89E3-E046-BFB4-F80582D7E17B}" dt="2020-01-13T13:43:29.420" v="22"/>
+        <pc:sldMkLst>
+          <pc:docMk/>
+          <pc:sldMk cId="3266234076" sldId="316"/>
+        </pc:sldMkLst>
+      </pc:sldChg>
+      <pc:sldChg chg="add">
+        <pc:chgData name="Long B Nguyen" userId="f59fb8f3-a021-417a-8bc1-65c8d471c621" providerId="ADAL" clId="{6AC26564-89E3-E046-BFB4-F80582D7E17B}" dt="2020-01-13T13:43:29.420" v="22"/>
+        <pc:sldMkLst>
+          <pc:docMk/>
+          <pc:sldMk cId="2886319738" sldId="317"/>
+        </pc:sldMkLst>
+      </pc:sldChg>
+      <pc:sldChg chg="del">
+        <pc:chgData name="Long B Nguyen" userId="f59fb8f3-a021-417a-8bc1-65c8d471c621" providerId="ADAL" clId="{6AC26564-89E3-E046-BFB4-F80582D7E17B}" dt="2020-01-13T13:43:16.993" v="0" actId="2696"/>
+        <pc:sldMkLst>
+          <pc:docMk/>
+          <pc:sldMk cId="924617162" sldId="319"/>
+        </pc:sldMkLst>
+      </pc:sldChg>
+      <pc:sldChg chg="add">
+        <pc:chgData name="Long B Nguyen" userId="f59fb8f3-a021-417a-8bc1-65c8d471c621" providerId="ADAL" clId="{6AC26564-89E3-E046-BFB4-F80582D7E17B}" dt="2020-01-13T13:43:29.420" v="22"/>
+        <pc:sldMkLst>
+          <pc:docMk/>
+          <pc:sldMk cId="3906700287" sldId="319"/>
+        </pc:sldMkLst>
+      </pc:sldChg>
+      <pc:sldChg chg="add">
+        <pc:chgData name="Long B Nguyen" userId="f59fb8f3-a021-417a-8bc1-65c8d471c621" providerId="ADAL" clId="{6AC26564-89E3-E046-BFB4-F80582D7E17B}" dt="2020-01-13T13:43:29.420" v="22"/>
+        <pc:sldMkLst>
+          <pc:docMk/>
+          <pc:sldMk cId="1810541734" sldId="320"/>
+        </pc:sldMkLst>
+      </pc:sldChg>
+      <pc:sldChg chg="del">
+        <pc:chgData name="Long B Nguyen" userId="f59fb8f3-a021-417a-8bc1-65c8d471c621" providerId="ADAL" clId="{6AC26564-89E3-E046-BFB4-F80582D7E17B}" dt="2020-01-13T13:43:17.009" v="1" actId="2696"/>
+        <pc:sldMkLst>
+          <pc:docMk/>
+          <pc:sldMk cId="3758830494" sldId="320"/>
+        </pc:sldMkLst>
+      </pc:sldChg>
+      <pc:sldChg chg="del">
+        <pc:chgData name="Long B Nguyen" userId="f59fb8f3-a021-417a-8bc1-65c8d471c621" providerId="ADAL" clId="{6AC26564-89E3-E046-BFB4-F80582D7E17B}" dt="2020-01-13T13:43:17.029" v="2" actId="2696"/>
+        <pc:sldMkLst>
+          <pc:docMk/>
+          <pc:sldMk cId="1022945305" sldId="321"/>
+        </pc:sldMkLst>
+      </pc:sldChg>
+      <pc:sldChg chg="add">
+        <pc:chgData name="Long B Nguyen" userId="f59fb8f3-a021-417a-8bc1-65c8d471c621" providerId="ADAL" clId="{6AC26564-89E3-E046-BFB4-F80582D7E17B}" dt="2020-01-13T13:43:29.420" v="22"/>
+        <pc:sldMkLst>
+          <pc:docMk/>
+          <pc:sldMk cId="1359731776" sldId="321"/>
+        </pc:sldMkLst>
+      </pc:sldChg>
+      <pc:sldChg chg="del">
+        <pc:chgData name="Long B Nguyen" userId="f59fb8f3-a021-417a-8bc1-65c8d471c621" providerId="ADAL" clId="{6AC26564-89E3-E046-BFB4-F80582D7E17B}" dt="2020-01-13T13:43:17.080" v="5" actId="2696"/>
+        <pc:sldMkLst>
+          <pc:docMk/>
+          <pc:sldMk cId="3456840474" sldId="322"/>
+        </pc:sldMkLst>
+      </pc:sldChg>
+      <pc:sldChg chg="add">
+        <pc:chgData name="Long B Nguyen" userId="f59fb8f3-a021-417a-8bc1-65c8d471c621" providerId="ADAL" clId="{6AC26564-89E3-E046-BFB4-F80582D7E17B}" dt="2020-01-13T13:43:29.420" v="22"/>
+        <pc:sldMkLst>
+          <pc:docMk/>
+          <pc:sldMk cId="3651577480" sldId="322"/>
+        </pc:sldMkLst>
+      </pc:sldChg>
+      <pc:sldChg chg="del">
+        <pc:chgData name="Long B Nguyen" userId="f59fb8f3-a021-417a-8bc1-65c8d471c621" providerId="ADAL" clId="{6AC26564-89E3-E046-BFB4-F80582D7E17B}" dt="2020-01-13T13:43:17.097" v="6" actId="2696"/>
+        <pc:sldMkLst>
+          <pc:docMk/>
+          <pc:sldMk cId="1062075874" sldId="323"/>
+        </pc:sldMkLst>
+      </pc:sldChg>
+      <pc:sldChg chg="add">
+        <pc:chgData name="Long B Nguyen" userId="f59fb8f3-a021-417a-8bc1-65c8d471c621" providerId="ADAL" clId="{6AC26564-89E3-E046-BFB4-F80582D7E17B}" dt="2020-01-13T13:43:29.420" v="22"/>
+        <pc:sldMkLst>
+          <pc:docMk/>
+          <pc:sldMk cId="1496564367" sldId="323"/>
+        </pc:sldMkLst>
+      </pc:sldChg>
+      <pc:sldChg chg="add">
+        <pc:chgData name="Long B Nguyen" userId="f59fb8f3-a021-417a-8bc1-65c8d471c621" providerId="ADAL" clId="{6AC26564-89E3-E046-BFB4-F80582D7E17B}" dt="2020-01-13T13:46:19.952" v="88"/>
+        <pc:sldMkLst>
+          <pc:docMk/>
+          <pc:sldMk cId="771866096" sldId="324"/>
+        </pc:sldMkLst>
+      </pc:sldChg>
+      <pc:sldChg chg="del">
+        <pc:chgData name="Long B Nguyen" userId="f59fb8f3-a021-417a-8bc1-65c8d471c621" providerId="ADAL" clId="{6AC26564-89E3-E046-BFB4-F80582D7E17B}" dt="2020-01-13T13:43:17.152" v="9" actId="2696"/>
+        <pc:sldMkLst>
+          <pc:docMk/>
+          <pc:sldMk cId="1310010799" sldId="324"/>
+        </pc:sldMkLst>
+      </pc:sldChg>
+      <pc:sldChg chg="add del">
+        <pc:chgData name="Long B Nguyen" userId="f59fb8f3-a021-417a-8bc1-65c8d471c621" providerId="ADAL" clId="{6AC26564-89E3-E046-BFB4-F80582D7E17B}" dt="2020-01-13T13:46:07.690" v="87" actId="2696"/>
+        <pc:sldMkLst>
+          <pc:docMk/>
+          <pc:sldMk cId="3999804732" sldId="324"/>
+        </pc:sldMkLst>
+      </pc:sldChg>
+      <pc:sldChg chg="add">
+        <pc:chgData name="Long B Nguyen" userId="f59fb8f3-a021-417a-8bc1-65c8d471c621" providerId="ADAL" clId="{6AC26564-89E3-E046-BFB4-F80582D7E17B}" dt="2020-01-13T13:43:29.420" v="22"/>
+        <pc:sldMkLst>
+          <pc:docMk/>
+          <pc:sldMk cId="1025355635" sldId="325"/>
+        </pc:sldMkLst>
+      </pc:sldChg>
+      <pc:sldChg chg="del">
+        <pc:chgData name="Long B Nguyen" userId="f59fb8f3-a021-417a-8bc1-65c8d471c621" providerId="ADAL" clId="{6AC26564-89E3-E046-BFB4-F80582D7E17B}" dt="2020-01-13T13:43:17.177" v="11" actId="2696"/>
+        <pc:sldMkLst>
+          <pc:docMk/>
+          <pc:sldMk cId="3314372952" sldId="325"/>
+        </pc:sldMkLst>
+      </pc:sldChg>
+      <pc:sldChg chg="del">
+        <pc:chgData name="Long B Nguyen" userId="f59fb8f3-a021-417a-8bc1-65c8d471c621" providerId="ADAL" clId="{6AC26564-89E3-E046-BFB4-F80582D7E17B}" dt="2020-01-13T13:43:17.116" v="7" actId="2696"/>
+        <pc:sldMkLst>
+          <pc:docMk/>
+          <pc:sldMk cId="1724104636" sldId="327"/>
+        </pc:sldMkLst>
+      </pc:sldChg>
+      <pc:sldChg chg="add">
+        <pc:chgData name="Long B Nguyen" userId="f59fb8f3-a021-417a-8bc1-65c8d471c621" providerId="ADAL" clId="{6AC26564-89E3-E046-BFB4-F80582D7E17B}" dt="2020-01-13T13:43:29.420" v="22"/>
+        <pc:sldMkLst>
+          <pc:docMk/>
+          <pc:sldMk cId="4174920299" sldId="327"/>
+        </pc:sldMkLst>
+      </pc:sldChg>
+      <pc:sldChg chg="add">
+        <pc:chgData name="Long B Nguyen" userId="f59fb8f3-a021-417a-8bc1-65c8d471c621" providerId="ADAL" clId="{6AC26564-89E3-E046-BFB4-F80582D7E17B}" dt="2020-01-13T13:43:29.420" v="22"/>
+        <pc:sldMkLst>
+          <pc:docMk/>
+          <pc:sldMk cId="2756462650" sldId="328"/>
+        </pc:sldMkLst>
+      </pc:sldChg>
+      <pc:sldChg chg="del">
+        <pc:chgData name="Long B Nguyen" userId="f59fb8f3-a021-417a-8bc1-65c8d471c621" providerId="ADAL" clId="{6AC26564-89E3-E046-BFB4-F80582D7E17B}" dt="2020-01-13T13:43:17.045" v="3" actId="2696"/>
+        <pc:sldMkLst>
+          <pc:docMk/>
+          <pc:sldMk cId="3894299887" sldId="328"/>
+        </pc:sldMkLst>
+      </pc:sldChg>
+      <pc:sldChg chg="add">
+        <pc:chgData name="Long B Nguyen" userId="f59fb8f3-a021-417a-8bc1-65c8d471c621" providerId="ADAL" clId="{6AC26564-89E3-E046-BFB4-F80582D7E17B}" dt="2020-01-13T13:43:29.420" v="22"/>
+        <pc:sldMkLst>
+          <pc:docMk/>
+          <pc:sldMk cId="3080714931" sldId="329"/>
+        </pc:sldMkLst>
+      </pc:sldChg>
+      <pc:sldChg chg="del">
+        <pc:chgData name="Long B Nguyen" userId="f59fb8f3-a021-417a-8bc1-65c8d471c621" providerId="ADAL" clId="{6AC26564-89E3-E046-BFB4-F80582D7E17B}" dt="2020-01-13T13:43:17.064" v="4" actId="2696"/>
+        <pc:sldMkLst>
+          <pc:docMk/>
+          <pc:sldMk cId="4294143140" sldId="329"/>
+        </pc:sldMkLst>
+      </pc:sldChg>
+      <pc:sldChg chg="add">
+        <pc:chgData name="Long B Nguyen" userId="f59fb8f3-a021-417a-8bc1-65c8d471c621" providerId="ADAL" clId="{6AC26564-89E3-E046-BFB4-F80582D7E17B}" dt="2020-01-13T13:43:29.420" v="22"/>
+        <pc:sldMkLst>
+          <pc:docMk/>
+          <pc:sldMk cId="532184546" sldId="330"/>
+        </pc:sldMkLst>
+      </pc:sldChg>
+      <pc:sldChg chg="del">
+        <pc:chgData name="Long B Nguyen" userId="f59fb8f3-a021-417a-8bc1-65c8d471c621" providerId="ADAL" clId="{6AC26564-89E3-E046-BFB4-F80582D7E17B}" dt="2020-01-13T13:43:17.136" v="8" actId="2696"/>
+        <pc:sldMkLst>
+          <pc:docMk/>
+          <pc:sldMk cId="3594730708" sldId="330"/>
+        </pc:sldMkLst>
+      </pc:sldChg>
+      <pc:sldChg chg="add">
+        <pc:chgData name="Long B Nguyen" userId="f59fb8f3-a021-417a-8bc1-65c8d471c621" providerId="ADAL" clId="{6AC26564-89E3-E046-BFB4-F80582D7E17B}" dt="2020-01-13T13:43:29.420" v="22"/>
+        <pc:sldMkLst>
+          <pc:docMk/>
+          <pc:sldMk cId="3264629021" sldId="331"/>
+        </pc:sldMkLst>
+      </pc:sldChg>
+      <pc:sldChg chg="del">
+        <pc:chgData name="Long B Nguyen" userId="f59fb8f3-a021-417a-8bc1-65c8d471c621" providerId="ADAL" clId="{6AC26564-89E3-E046-BFB4-F80582D7E17B}" dt="2020-01-13T13:43:17.188" v="12" actId="2696"/>
+        <pc:sldMkLst>
+          <pc:docMk/>
+          <pc:sldMk cId="3870816631" sldId="331"/>
+        </pc:sldMkLst>
+      </pc:sldChg>
+      <pc:sldChg chg="del">
+        <pc:chgData name="Long B Nguyen" userId="f59fb8f3-a021-417a-8bc1-65c8d471c621" providerId="ADAL" clId="{6AC26564-89E3-E046-BFB4-F80582D7E17B}" dt="2020-01-13T13:43:17.163" v="10" actId="2696"/>
+        <pc:sldMkLst>
+          <pc:docMk/>
+          <pc:sldMk cId="3124353102" sldId="332"/>
+        </pc:sldMkLst>
+      </pc:sldChg>
+      <pc:sldChg chg="add">
+        <pc:chgData name="Long B Nguyen" userId="f59fb8f3-a021-417a-8bc1-65c8d471c621" providerId="ADAL" clId="{6AC26564-89E3-E046-BFB4-F80582D7E17B}" dt="2020-01-13T13:43:29.420" v="22"/>
+        <pc:sldMkLst>
+          <pc:docMk/>
+          <pc:sldMk cId="4022722016" sldId="332"/>
+        </pc:sldMkLst>
+      </pc:sldChg>
+      <pc:sldChg chg="add">
+        <pc:chgData name="Long B Nguyen" userId="f59fb8f3-a021-417a-8bc1-65c8d471c621" providerId="ADAL" clId="{6AC26564-89E3-E046-BFB4-F80582D7E17B}" dt="2020-01-13T13:43:29.420" v="22"/>
+        <pc:sldMkLst>
+          <pc:docMk/>
+          <pc:sldMk cId="1710208723" sldId="333"/>
+        </pc:sldMkLst>
+      </pc:sldChg>
+      <pc:sldChg chg="add">
+        <pc:chgData name="Long B Nguyen" userId="f59fb8f3-a021-417a-8bc1-65c8d471c621" providerId="ADAL" clId="{6AC26564-89E3-E046-BFB4-F80582D7E17B}" dt="2020-01-13T13:43:29.420" v="22"/>
+        <pc:sldMkLst>
+          <pc:docMk/>
+          <pc:sldMk cId="3404583044" sldId="334"/>
+        </pc:sldMkLst>
+      </pc:sldChg>
+      <pc:sldChg chg="add">
+        <pc:chgData name="Long B Nguyen" userId="f59fb8f3-a021-417a-8bc1-65c8d471c621" providerId="ADAL" clId="{6AC26564-89E3-E046-BFB4-F80582D7E17B}" dt="2020-01-13T13:43:29.420" v="22"/>
+        <pc:sldMkLst>
+          <pc:docMk/>
+          <pc:sldMk cId="3866550465" sldId="335"/>
+        </pc:sldMkLst>
+      </pc:sldChg>
+      <pc:sldChg chg="add">
+        <pc:chgData name="Long B Nguyen" userId="f59fb8f3-a021-417a-8bc1-65c8d471c621" providerId="ADAL" clId="{6AC26564-89E3-E046-BFB4-F80582D7E17B}" dt="2020-01-13T13:43:29.420" v="22"/>
+        <pc:sldMkLst>
+          <pc:docMk/>
+          <pc:sldMk cId="3749436800" sldId="336"/>
+        </pc:sldMkLst>
+      </pc:sldChg>
+      <pc:sldChg chg="add">
+        <pc:chgData name="Long B Nguyen" userId="f59fb8f3-a021-417a-8bc1-65c8d471c621" providerId="ADAL" clId="{6AC26564-89E3-E046-BFB4-F80582D7E17B}" dt="2020-01-13T13:43:29.420" v="22"/>
+        <pc:sldMkLst>
+          <pc:docMk/>
+          <pc:sldMk cId="461704868" sldId="337"/>
+        </pc:sldMkLst>
+      </pc:sldChg>
+      <pc:sldChg chg="add">
+        <pc:chgData name="Long B Nguyen" userId="f59fb8f3-a021-417a-8bc1-65c8d471c621" providerId="ADAL" clId="{6AC26564-89E3-E046-BFB4-F80582D7E17B}" dt="2020-01-13T13:43:29.420" v="22"/>
+        <pc:sldMkLst>
+          <pc:docMk/>
+          <pc:sldMk cId="545386500" sldId="338"/>
+        </pc:sldMkLst>
+      </pc:sldChg>
+      <pc:sldChg chg="add">
+        <pc:chgData name="Long B Nguyen" userId="f59fb8f3-a021-417a-8bc1-65c8d471c621" providerId="ADAL" clId="{6AC26564-89E3-E046-BFB4-F80582D7E17B}" dt="2020-01-13T13:43:29.420" v="22"/>
+        <pc:sldMkLst>
+          <pc:docMk/>
+          <pc:sldMk cId="1791361008" sldId="339"/>
+        </pc:sldMkLst>
+      </pc:sldChg>
+      <pc:sldChg chg="add">
+        <pc:chgData name="Long B Nguyen" userId="f59fb8f3-a021-417a-8bc1-65c8d471c621" providerId="ADAL" clId="{6AC26564-89E3-E046-BFB4-F80582D7E17B}" dt="2020-01-13T13:43:29.420" v="22"/>
+        <pc:sldMkLst>
+          <pc:docMk/>
+          <pc:sldMk cId="678299524" sldId="340"/>
+        </pc:sldMkLst>
+      </pc:sldChg>
+      <pc:sldChg chg="add">
+        <pc:chgData name="Long B Nguyen" userId="f59fb8f3-a021-417a-8bc1-65c8d471c621" providerId="ADAL" clId="{6AC26564-89E3-E046-BFB4-F80582D7E17B}" dt="2020-01-13T13:43:29.420" v="22"/>
+        <pc:sldMkLst>
+          <pc:docMk/>
+          <pc:sldMk cId="225127645" sldId="341"/>
+        </pc:sldMkLst>
+      </pc:sldChg>
+      <pc:sldChg chg="add">
+        <pc:chgData name="Long B Nguyen" userId="f59fb8f3-a021-417a-8bc1-65c8d471c621" providerId="ADAL" clId="{6AC26564-89E3-E046-BFB4-F80582D7E17B}" dt="2020-01-13T13:43:29.420" v="22"/>
+        <pc:sldMkLst>
+          <pc:docMk/>
+          <pc:sldMk cId="2214326257" sldId="342"/>
+        </pc:sldMkLst>
+      </pc:sldChg>
+      <pc:sldChg chg="add">
+        <pc:chgData name="Long B Nguyen" userId="f59fb8f3-a021-417a-8bc1-65c8d471c621" providerId="ADAL" clId="{6AC26564-89E3-E046-BFB4-F80582D7E17B}" dt="2020-01-13T13:43:29.420" v="22"/>
+        <pc:sldMkLst>
+          <pc:docMk/>
+          <pc:sldMk cId="1356056044" sldId="343"/>
+        </pc:sldMkLst>
+      </pc:sldChg>
+      <pc:sldChg chg="add">
+        <pc:chgData name="Long B Nguyen" userId="f59fb8f3-a021-417a-8bc1-65c8d471c621" providerId="ADAL" clId="{6AC26564-89E3-E046-BFB4-F80582D7E17B}" dt="2020-01-13T13:43:29.420" v="22"/>
+        <pc:sldMkLst>
+          <pc:docMk/>
+          <pc:sldMk cId="1270247652" sldId="344"/>
+        </pc:sldMkLst>
+      </pc:sldChg>
+      <pc:sldChg chg="add">
+        <pc:chgData name="Long B Nguyen" userId="f59fb8f3-a021-417a-8bc1-65c8d471c621" providerId="ADAL" clId="{6AC26564-89E3-E046-BFB4-F80582D7E17B}" dt="2020-01-13T13:43:29.420" v="22"/>
+        <pc:sldMkLst>
+          <pc:docMk/>
+          <pc:sldMk cId="902308803" sldId="345"/>
+        </pc:sldMkLst>
+      </pc:sldChg>
+      <pc:sldChg chg="add">
+        <pc:chgData name="Long B Nguyen" userId="f59fb8f3-a021-417a-8bc1-65c8d471c621" providerId="ADAL" clId="{6AC26564-89E3-E046-BFB4-F80582D7E17B}" dt="2020-01-13T13:43:29.420" v="22"/>
+        <pc:sldMkLst>
+          <pc:docMk/>
+          <pc:sldMk cId="2271372051" sldId="346"/>
+        </pc:sldMkLst>
+      </pc:sldChg>
+      <pc:sldChg chg="add">
+        <pc:chgData name="Long B Nguyen" userId="f59fb8f3-a021-417a-8bc1-65c8d471c621" providerId="ADAL" clId="{6AC26564-89E3-E046-BFB4-F80582D7E17B}" dt="2020-01-13T13:43:29.420" v="22"/>
+        <pc:sldMkLst>
+          <pc:docMk/>
+          <pc:sldMk cId="198078322" sldId="347"/>
+        </pc:sldMkLst>
+      </pc:sldChg>
+    </pc:docChg>
+  </pc:docChgLst>
+  <pc:docChgLst>
+    <pc:chgData name="Long B Nguyen" userId="f59fb8f3-a021-417a-8bc1-65c8d471c621" providerId="ADAL" clId="{E5BF62A1-4F8A-BC49-8FD7-ABEA3D28ED25}"/>
+  </pc:docChgLst>
+  <pc:docChgLst>
+    <pc:chgData name="Long B Nguyen" userId="f59fb8f3-a021-417a-8bc1-65c8d471c621" providerId="ADAL" clId="{6CD83B71-C243-244B-B302-DE2E82069201}"/>
+  </pc:docChgLst>
+  <pc:docChgLst>
+    <pc:chgData name="Long B Nguyen" userId="f59fb8f3-a021-417a-8bc1-65c8d471c621" providerId="ADAL" clId="{AA9102B5-DACA-D841-B260-AEEBF90FC60A}"/>
+    <pc:docChg chg="custSel addSld delSld modSld">
+      <pc:chgData name="Long B Nguyen" userId="f59fb8f3-a021-417a-8bc1-65c8d471c621" providerId="ADAL" clId="{AA9102B5-DACA-D841-B260-AEEBF90FC60A}" dt="2020-01-06T17:07:10.515" v="1519" actId="2711"/>
+      <pc:docMkLst>
+        <pc:docMk/>
+      </pc:docMkLst>
+      <pc:sldChg chg="modSp">
+        <pc:chgData name="Long B Nguyen" userId="f59fb8f3-a021-417a-8bc1-65c8d471c621" providerId="ADAL" clId="{AA9102B5-DACA-D841-B260-AEEBF90FC60A}" dt="2020-01-05T22:05:23.536" v="23" actId="20577"/>
+        <pc:sldMkLst>
+          <pc:docMk/>
+          <pc:sldMk cId="4247104139" sldId="256"/>
+        </pc:sldMkLst>
+        <pc:spChg chg="mod">
+          <ac:chgData name="Long B Nguyen" userId="f59fb8f3-a021-417a-8bc1-65c8d471c621" providerId="ADAL" clId="{AA9102B5-DACA-D841-B260-AEEBF90FC60A}" dt="2020-01-05T22:05:23.536" v="23" actId="20577"/>
+          <ac:spMkLst>
+            <pc:docMk/>
+            <pc:sldMk cId="4247104139" sldId="256"/>
+            <ac:spMk id="3" creationId="{1BDC47C8-6776-7B44-9CD4-95FC91452D62}"/>
+          </ac:spMkLst>
+        </pc:spChg>
+      </pc:sldChg>
+      <pc:sldChg chg="del">
+        <pc:chgData name="Long B Nguyen" userId="f59fb8f3-a021-417a-8bc1-65c8d471c621" providerId="ADAL" clId="{AA9102B5-DACA-D841-B260-AEEBF90FC60A}" dt="2020-01-05T22:05:52.483" v="41" actId="2696"/>
+        <pc:sldMkLst>
+          <pc:docMk/>
+          <pc:sldMk cId="1438711869" sldId="284"/>
+        </pc:sldMkLst>
+      </pc:sldChg>
+      <pc:sldChg chg="del">
+        <pc:chgData name="Long B Nguyen" userId="f59fb8f3-a021-417a-8bc1-65c8d471c621" providerId="ADAL" clId="{AA9102B5-DACA-D841-B260-AEEBF90FC60A}" dt="2020-01-05T22:05:52.199" v="24" actId="2696"/>
+        <pc:sldMkLst>
+          <pc:docMk/>
+          <pc:sldMk cId="131840209" sldId="286"/>
+        </pc:sldMkLst>
+      </pc:sldChg>
+      <pc:sldChg chg="del">
+        <pc:chgData name="Long B Nguyen" userId="f59fb8f3-a021-417a-8bc1-65c8d471c621" providerId="ADAL" clId="{AA9102B5-DACA-D841-B260-AEEBF90FC60A}" dt="2020-01-05T22:05:52.214" v="25" actId="2696"/>
+        <pc:sldMkLst>
+          <pc:docMk/>
+          <pc:sldMk cId="1816941262" sldId="295"/>
+        </pc:sldMkLst>
+      </pc:sldChg>
+      <pc:sldChg chg="del">
+        <pc:chgData name="Long B Nguyen" userId="f59fb8f3-a021-417a-8bc1-65c8d471c621" providerId="ADAL" clId="{AA9102B5-DACA-D841-B260-AEEBF90FC60A}" dt="2020-01-05T22:05:52.246" v="27" actId="2696"/>
+        <pc:sldMkLst>
+          <pc:docMk/>
+          <pc:sldMk cId="553003360" sldId="296"/>
+        </pc:sldMkLst>
+      </pc:sldChg>
+      <pc:sldChg chg="del">
+        <pc:chgData name="Long B Nguyen" userId="f59fb8f3-a021-417a-8bc1-65c8d471c621" providerId="ADAL" clId="{AA9102B5-DACA-D841-B260-AEEBF90FC60A}" dt="2020-01-05T22:05:52.268" v="28" actId="2696"/>
+        <pc:sldMkLst>
+          <pc:docMk/>
+          <pc:sldMk cId="3006175481" sldId="297"/>
+        </pc:sldMkLst>
+      </pc:sldChg>
+      <pc:sldChg chg="del">
+        <pc:chgData name="Long B Nguyen" userId="f59fb8f3-a021-417a-8bc1-65c8d471c621" providerId="ADAL" clId="{AA9102B5-DACA-D841-B260-AEEBF90FC60A}" dt="2020-01-05T22:05:52.287" v="29" actId="2696"/>
+        <pc:sldMkLst>
+          <pc:docMk/>
+          <pc:sldMk cId="3150557076" sldId="298"/>
+        </pc:sldMkLst>
+      </pc:sldChg>
+      <pc:sldChg chg="del">
+        <pc:chgData name="Long B Nguyen" userId="f59fb8f3-a021-417a-8bc1-65c8d471c621" providerId="ADAL" clId="{AA9102B5-DACA-D841-B260-AEEBF90FC60A}" dt="2020-01-05T22:05:52.442" v="38" actId="2696"/>
+        <pc:sldMkLst>
+          <pc:docMk/>
+          <pc:sldMk cId="128704095" sldId="302"/>
+        </pc:sldMkLst>
+      </pc:sldChg>
+      <pc:sldChg chg="del">
+        <pc:chgData name="Long B Nguyen" userId="f59fb8f3-a021-417a-8bc1-65c8d471c621" providerId="ADAL" clId="{AA9102B5-DACA-D841-B260-AEEBF90FC60A}" dt="2020-01-05T22:05:52.305" v="30" actId="2696"/>
+        <pc:sldMkLst>
+          <pc:docMk/>
+          <pc:sldMk cId="3275945509" sldId="303"/>
+        </pc:sldMkLst>
+      </pc:sldChg>
+      <pc:sldChg chg="del">
+        <pc:chgData name="Long B Nguyen" userId="f59fb8f3-a021-417a-8bc1-65c8d471c621" providerId="ADAL" clId="{AA9102B5-DACA-D841-B260-AEEBF90FC60A}" dt="2020-01-05T22:05:52.321" v="31" actId="2696"/>
+        <pc:sldMkLst>
+          <pc:docMk/>
+          <pc:sldMk cId="406772024" sldId="304"/>
+        </pc:sldMkLst>
+      </pc:sldChg>
+      <pc:sldChg chg="del">
+        <pc:chgData name="Long B Nguyen" userId="f59fb8f3-a021-417a-8bc1-65c8d471c621" providerId="ADAL" clId="{AA9102B5-DACA-D841-B260-AEEBF90FC60A}" dt="2020-01-05T22:05:52.334" v="32" actId="2696"/>
+        <pc:sldMkLst>
+          <pc:docMk/>
+          <pc:sldMk cId="1703902501" sldId="305"/>
+        </pc:sldMkLst>
+      </pc:sldChg>
+      <pc:sldChg chg="del">
+        <pc:chgData name="Long B Nguyen" userId="f59fb8f3-a021-417a-8bc1-65c8d471c621" providerId="ADAL" clId="{AA9102B5-DACA-D841-B260-AEEBF90FC60A}" dt="2020-01-05T22:05:52.461" v="39" actId="2696"/>
+        <pc:sldMkLst>
+          <pc:docMk/>
+          <pc:sldMk cId="3614829039" sldId="306"/>
+        </pc:sldMkLst>
+      </pc:sldChg>
+      <pc:sldChg chg="del">
+        <pc:chgData name="Long B Nguyen" userId="f59fb8f3-a021-417a-8bc1-65c8d471c621" providerId="ADAL" clId="{AA9102B5-DACA-D841-B260-AEEBF90FC60A}" dt="2020-01-05T22:05:52.471" v="40" actId="2696"/>
+        <pc:sldMkLst>
+          <pc:docMk/>
+          <pc:sldMk cId="295911327" sldId="307"/>
+        </pc:sldMkLst>
+      </pc:sldChg>
+      <pc:sldChg chg="del">
+        <pc:chgData name="Long B Nguyen" userId="f59fb8f3-a021-417a-8bc1-65c8d471c621" providerId="ADAL" clId="{AA9102B5-DACA-D841-B260-AEEBF90FC60A}" dt="2020-01-05T22:05:52.353" v="33" actId="2696"/>
+        <pc:sldMkLst>
+          <pc:docMk/>
+          <pc:sldMk cId="67957925" sldId="308"/>
+        </pc:sldMkLst>
+      </pc:sldChg>
+      <pc:sldChg chg="del">
+        <pc:chgData name="Long B Nguyen" userId="f59fb8f3-a021-417a-8bc1-65c8d471c621" providerId="ADAL" clId="{AA9102B5-DACA-D841-B260-AEEBF90FC60A}" dt="2020-01-05T22:05:52.365" v="34" actId="2696"/>
+        <pc:sldMkLst>
+          <pc:docMk/>
+          <pc:sldMk cId="1872435103" sldId="309"/>
+        </pc:sldMkLst>
+      </pc:sldChg>
+      <pc:sldChg chg="del">
+        <pc:chgData name="Long B Nguyen" userId="f59fb8f3-a021-417a-8bc1-65c8d471c621" providerId="ADAL" clId="{AA9102B5-DACA-D841-B260-AEEBF90FC60A}" dt="2020-01-05T22:05:52.385" v="35" actId="2696"/>
+        <pc:sldMkLst>
+          <pc:docMk/>
+          <pc:sldMk cId="4088965571" sldId="310"/>
+        </pc:sldMkLst>
+      </pc:sldChg>
+      <pc:sldChg chg="del">
+        <pc:chgData name="Long B Nguyen" userId="f59fb8f3-a021-417a-8bc1-65c8d471c621" providerId="ADAL" clId="{AA9102B5-DACA-D841-B260-AEEBF90FC60A}" dt="2020-01-05T22:05:52.404" v="36" actId="2696"/>
+        <pc:sldMkLst>
+          <pc:docMk/>
+          <pc:sldMk cId="2255846137" sldId="311"/>
+        </pc:sldMkLst>
+      </pc:sldChg>
+      <pc:sldChg chg="del">
+        <pc:chgData name="Long B Nguyen" userId="f59fb8f3-a021-417a-8bc1-65c8d471c621" providerId="ADAL" clId="{AA9102B5-DACA-D841-B260-AEEBF90FC60A}" dt="2020-01-05T22:05:52.423" v="37" actId="2696"/>
+        <pc:sldMkLst>
+          <pc:docMk/>
+          <pc:sldMk cId="1513627164" sldId="312"/>
+        </pc:sldMkLst>
+      </pc:sldChg>
+      <pc:sldChg chg="del">
+        <pc:chgData name="Long B Nguyen" userId="f59fb8f3-a021-417a-8bc1-65c8d471c621" providerId="ADAL" clId="{AA9102B5-DACA-D841-B260-AEEBF90FC60A}" dt="2020-01-05T22:05:52.231" v="26" actId="2696"/>
+        <pc:sldMkLst>
+          <pc:docMk/>
+          <pc:sldMk cId="2097059918" sldId="313"/>
+        </pc:sldMkLst>
+      </pc:sldChg>
+      <pc:sldChg chg="modSp">
+        <pc:chgData name="Long B Nguyen" userId="f59fb8f3-a021-417a-8bc1-65c8d471c621" providerId="ADAL" clId="{AA9102B5-DACA-D841-B260-AEEBF90FC60A}" dt="2020-01-06T15:37:30.346" v="948" actId="20577"/>
+        <pc:sldMkLst>
+          <pc:docMk/>
+          <pc:sldMk cId="1452600724" sldId="316"/>
+        </pc:sldMkLst>
+        <pc:spChg chg="mod">
+          <ac:chgData name="Long B Nguyen" userId="f59fb8f3-a021-417a-8bc1-65c8d471c621" providerId="ADAL" clId="{AA9102B5-DACA-D841-B260-AEEBF90FC60A}" dt="2020-01-06T15:37:30.346" v="948" actId="20577"/>
+          <ac:spMkLst>
+            <pc:docMk/>
+            <pc:sldMk cId="1452600724" sldId="316"/>
+            <ac:spMk id="9" creationId="{E3B2E017-30B2-884B-A113-B419A2ED51AD}"/>
+          </ac:spMkLst>
+        </pc:spChg>
+      </pc:sldChg>
+      <pc:sldChg chg="del">
+        <pc:chgData name="Long B Nguyen" userId="f59fb8f3-a021-417a-8bc1-65c8d471c621" providerId="ADAL" clId="{AA9102B5-DACA-D841-B260-AEEBF90FC60A}" dt="2020-01-06T15:03:11.354" v="848" actId="2696"/>
+        <pc:sldMkLst>
+          <pc:docMk/>
+          <pc:sldMk cId="1787114790" sldId="317"/>
+        </pc:sldMkLst>
+      </pc:sldChg>
+      <pc:sldChg chg="del">
+        <pc:chgData name="Long B Nguyen" userId="f59fb8f3-a021-417a-8bc1-65c8d471c621" providerId="ADAL" clId="{AA9102B5-DACA-D841-B260-AEEBF90FC60A}" dt="2020-01-05T22:06:12.101" v="42" actId="2696"/>
+        <pc:sldMkLst>
+          <pc:docMk/>
+          <pc:sldMk cId="1215229427" sldId="318"/>
+        </pc:sldMkLst>
+      </pc:sldChg>
+      <pc:sldChg chg="modSp">
+        <pc:chgData name="Long B Nguyen" userId="f59fb8f3-a021-417a-8bc1-65c8d471c621" providerId="ADAL" clId="{AA9102B5-DACA-D841-B260-AEEBF90FC60A}" dt="2020-01-06T01:48:03.413" v="110" actId="20577"/>
         <pc:sldMkLst>
           <pc:docMk/>
           <pc:sldMk cId="924617162" sldId="319"/>
         </pc:sldMkLst>
         <pc:spChg chg="mod">
-          <ac:chgData name="Long B Nguyen" userId="f59fb8f3-a021-417a-8bc1-65c8d471c621" providerId="ADAL" clId="{CC9C9D9A-5149-2947-86C0-576F501F60DC}" dt="2020-01-04T15:45:14.876" v="4" actId="20577"/>
-          <ac:spMkLst>
-            <pc:docMk/>
-            <pc:sldMk cId="924617162" sldId="319"/>
-            <ac:spMk id="2" creationId="{AA3A228F-61D0-D949-A5E7-F83756230BF8}"/>
-          </ac:spMkLst>
-        </pc:spChg>
-        <pc:spChg chg="mod">
-          <ac:chgData name="Long B Nguyen" userId="f59fb8f3-a021-417a-8bc1-65c8d471c621" providerId="ADAL" clId="{CC9C9D9A-5149-2947-86C0-576F501F60DC}" dt="2020-01-04T15:49:37.373" v="563" actId="20577"/>
+          <ac:chgData name="Long B Nguyen" userId="f59fb8f3-a021-417a-8bc1-65c8d471c621" providerId="ADAL" clId="{AA9102B5-DACA-D841-B260-AEEBF90FC60A}" dt="2020-01-06T01:48:03.413" v="110" actId="20577"/>
           <ac:spMkLst>
             <pc:docMk/>
             <pc:sldMk cId="924617162" sldId="319"/>
@@ -1707,98 +1735,14 @@
           </ac:spMkLst>
         </pc:spChg>
       </pc:sldChg>
-      <pc:sldChg chg="modSp add">
-        <pc:chgData name="Long B Nguyen" userId="f59fb8f3-a021-417a-8bc1-65c8d471c621" providerId="ADAL" clId="{CC9C9D9A-5149-2947-86C0-576F501F60DC}" dt="2020-01-04T15:57:55.835" v="789" actId="14100"/>
-        <pc:sldMkLst>
-          <pc:docMk/>
-          <pc:sldMk cId="3758830494" sldId="320"/>
-        </pc:sldMkLst>
-        <pc:spChg chg="mod">
-          <ac:chgData name="Long B Nguyen" userId="f59fb8f3-a021-417a-8bc1-65c8d471c621" providerId="ADAL" clId="{CC9C9D9A-5149-2947-86C0-576F501F60DC}" dt="2020-01-04T15:57:52.065" v="788" actId="1076"/>
-          <ac:spMkLst>
-            <pc:docMk/>
-            <pc:sldMk cId="3758830494" sldId="320"/>
-            <ac:spMk id="2" creationId="{AA3A228F-61D0-D949-A5E7-F83756230BF8}"/>
-          </ac:spMkLst>
-        </pc:spChg>
-        <pc:spChg chg="mod">
-          <ac:chgData name="Long B Nguyen" userId="f59fb8f3-a021-417a-8bc1-65c8d471c621" providerId="ADAL" clId="{CC9C9D9A-5149-2947-86C0-576F501F60DC}" dt="2020-01-04T15:57:55.835" v="789" actId="14100"/>
-          <ac:spMkLst>
-            <pc:docMk/>
-            <pc:sldMk cId="3758830494" sldId="320"/>
-            <ac:spMk id="9" creationId="{E3B2E017-30B2-884B-A113-B419A2ED51AD}"/>
-          </ac:spMkLst>
-        </pc:spChg>
-      </pc:sldChg>
-      <pc:sldChg chg="modSp add">
-        <pc:chgData name="Long B Nguyen" userId="f59fb8f3-a021-417a-8bc1-65c8d471c621" providerId="ADAL" clId="{CC9C9D9A-5149-2947-86C0-576F501F60DC}" dt="2020-01-05T21:51:37.442" v="2325" actId="20577"/>
-        <pc:sldMkLst>
-          <pc:docMk/>
-          <pc:sldMk cId="1022945305" sldId="321"/>
-        </pc:sldMkLst>
-        <pc:spChg chg="mod">
-          <ac:chgData name="Long B Nguyen" userId="f59fb8f3-a021-417a-8bc1-65c8d471c621" providerId="ADAL" clId="{CC9C9D9A-5149-2947-86C0-576F501F60DC}" dt="2020-01-05T21:51:37.442" v="2325" actId="20577"/>
-          <ac:spMkLst>
-            <pc:docMk/>
-            <pc:sldMk cId="1022945305" sldId="321"/>
-            <ac:spMk id="2" creationId="{AA3A228F-61D0-D949-A5E7-F83756230BF8}"/>
-          </ac:spMkLst>
-        </pc:spChg>
-        <pc:spChg chg="mod">
-          <ac:chgData name="Long B Nguyen" userId="f59fb8f3-a021-417a-8bc1-65c8d471c621" providerId="ADAL" clId="{CC9C9D9A-5149-2947-86C0-576F501F60DC}" dt="2020-01-05T21:33:21.485" v="2304" actId="20577"/>
-          <ac:spMkLst>
-            <pc:docMk/>
-            <pc:sldMk cId="1022945305" sldId="321"/>
-            <ac:spMk id="9" creationId="{E3B2E017-30B2-884B-A113-B419A2ED51AD}"/>
-          </ac:spMkLst>
-        </pc:spChg>
-      </pc:sldChg>
-      <pc:sldChg chg="modSp add">
-        <pc:chgData name="Long B Nguyen" userId="f59fb8f3-a021-417a-8bc1-65c8d471c621" providerId="ADAL" clId="{CC9C9D9A-5149-2947-86C0-576F501F60DC}" dt="2020-01-04T17:41:57.489" v="1203" actId="20577"/>
-        <pc:sldMkLst>
-          <pc:docMk/>
-          <pc:sldMk cId="3456840474" sldId="322"/>
-        </pc:sldMkLst>
-        <pc:spChg chg="mod">
-          <ac:chgData name="Long B Nguyen" userId="f59fb8f3-a021-417a-8bc1-65c8d471c621" providerId="ADAL" clId="{CC9C9D9A-5149-2947-86C0-576F501F60DC}" dt="2020-01-04T17:41:57.489" v="1203" actId="20577"/>
-          <ac:spMkLst>
-            <pc:docMk/>
-            <pc:sldMk cId="3456840474" sldId="322"/>
-            <ac:spMk id="9" creationId="{E3B2E017-30B2-884B-A113-B419A2ED51AD}"/>
-          </ac:spMkLst>
-        </pc:spChg>
-      </pc:sldChg>
-      <pc:sldChg chg="modSp add">
-        <pc:chgData name="Long B Nguyen" userId="f59fb8f3-a021-417a-8bc1-65c8d471c621" providerId="ADAL" clId="{CC9C9D9A-5149-2947-86C0-576F501F60DC}" dt="2020-01-04T18:38:26.241" v="1214" actId="113"/>
-        <pc:sldMkLst>
-          <pc:docMk/>
-          <pc:sldMk cId="1062075874" sldId="323"/>
-        </pc:sldMkLst>
-        <pc:spChg chg="mod">
-          <ac:chgData name="Long B Nguyen" userId="f59fb8f3-a021-417a-8bc1-65c8d471c621" providerId="ADAL" clId="{CC9C9D9A-5149-2947-86C0-576F501F60DC}" dt="2020-01-04T18:38:26.241" v="1214" actId="113"/>
-          <ac:spMkLst>
-            <pc:docMk/>
-            <pc:sldMk cId="1062075874" sldId="323"/>
-            <ac:spMk id="9" creationId="{E3B2E017-30B2-884B-A113-B419A2ED51AD}"/>
-          </ac:spMkLst>
-        </pc:spChg>
-      </pc:sldChg>
-      <pc:sldChg chg="modSp add">
-        <pc:chgData name="Long B Nguyen" userId="f59fb8f3-a021-417a-8bc1-65c8d471c621" providerId="ADAL" clId="{CC9C9D9A-5149-2947-86C0-576F501F60DC}" dt="2020-01-04T20:58:36.932" v="1972" actId="20577"/>
+      <pc:sldChg chg="modSp">
+        <pc:chgData name="Long B Nguyen" userId="f59fb8f3-a021-417a-8bc1-65c8d471c621" providerId="ADAL" clId="{AA9102B5-DACA-D841-B260-AEEBF90FC60A}" dt="2020-01-06T01:56:11.549" v="712" actId="1076"/>
         <pc:sldMkLst>
           <pc:docMk/>
           <pc:sldMk cId="1310010799" sldId="324"/>
         </pc:sldMkLst>
         <pc:spChg chg="mod">
-          <ac:chgData name="Long B Nguyen" userId="f59fb8f3-a021-417a-8bc1-65c8d471c621" providerId="ADAL" clId="{CC9C9D9A-5149-2947-86C0-576F501F60DC}" dt="2020-01-04T20:55:25.731" v="1962" actId="1076"/>
-          <ac:spMkLst>
-            <pc:docMk/>
-            <pc:sldMk cId="1310010799" sldId="324"/>
-            <ac:spMk id="2" creationId="{AA3A228F-61D0-D949-A5E7-F83756230BF8}"/>
-          </ac:spMkLst>
-        </pc:spChg>
-        <pc:spChg chg="mod">
-          <ac:chgData name="Long B Nguyen" userId="f59fb8f3-a021-417a-8bc1-65c8d471c621" providerId="ADAL" clId="{CC9C9D9A-5149-2947-86C0-576F501F60DC}" dt="2020-01-04T20:58:36.932" v="1972" actId="20577"/>
+          <ac:chgData name="Long B Nguyen" userId="f59fb8f3-a021-417a-8bc1-65c8d471c621" providerId="ADAL" clId="{AA9102B5-DACA-D841-B260-AEEBF90FC60A}" dt="2020-01-06T01:56:11.549" v="712" actId="1076"/>
           <ac:spMkLst>
             <pc:docMk/>
             <pc:sldMk cId="1310010799" sldId="324"/>
@@ -1806,14 +1750,14 @@
           </ac:spMkLst>
         </pc:spChg>
       </pc:sldChg>
-      <pc:sldChg chg="modSp add">
-        <pc:chgData name="Long B Nguyen" userId="f59fb8f3-a021-417a-8bc1-65c8d471c621" providerId="ADAL" clId="{CC9C9D9A-5149-2947-86C0-576F501F60DC}" dt="2020-01-05T21:27:04.952" v="2119" actId="20577"/>
+      <pc:sldChg chg="modSp">
+        <pc:chgData name="Long B Nguyen" userId="f59fb8f3-a021-417a-8bc1-65c8d471c621" providerId="ADAL" clId="{AA9102B5-DACA-D841-B260-AEEBF90FC60A}" dt="2020-01-06T15:35:11.658" v="853" actId="20577"/>
         <pc:sldMkLst>
           <pc:docMk/>
           <pc:sldMk cId="3314372952" sldId="325"/>
         </pc:sldMkLst>
         <pc:spChg chg="mod">
-          <ac:chgData name="Long B Nguyen" userId="f59fb8f3-a021-417a-8bc1-65c8d471c621" providerId="ADAL" clId="{CC9C9D9A-5149-2947-86C0-576F501F60DC}" dt="2020-01-05T21:26:41.210" v="2114" actId="20577"/>
+          <ac:chgData name="Long B Nguyen" userId="f59fb8f3-a021-417a-8bc1-65c8d471c621" providerId="ADAL" clId="{AA9102B5-DACA-D841-B260-AEEBF90FC60A}" dt="2020-01-06T15:35:11.658" v="853" actId="20577"/>
           <ac:spMkLst>
             <pc:docMk/>
             <pc:sldMk cId="3314372952" sldId="325"/>
@@ -1821,7 +1765,7 @@
           </ac:spMkLst>
         </pc:spChg>
         <pc:spChg chg="mod">
-          <ac:chgData name="Long B Nguyen" userId="f59fb8f3-a021-417a-8bc1-65c8d471c621" providerId="ADAL" clId="{CC9C9D9A-5149-2947-86C0-576F501F60DC}" dt="2020-01-05T21:27:04.952" v="2119" actId="20577"/>
+          <ac:chgData name="Long B Nguyen" userId="f59fb8f3-a021-417a-8bc1-65c8d471c621" providerId="ADAL" clId="{AA9102B5-DACA-D841-B260-AEEBF90FC60A}" dt="2020-01-06T15:02:45.351" v="846" actId="20577"/>
           <ac:spMkLst>
             <pc:docMk/>
             <pc:sldMk cId="3314372952" sldId="325"/>
@@ -1829,73 +1773,152 @@
           </ac:spMkLst>
         </pc:spChg>
       </pc:sldChg>
-      <pc:sldChg chg="modSp add">
-        <pc:chgData name="Long B Nguyen" userId="f59fb8f3-a021-417a-8bc1-65c8d471c621" providerId="ADAL" clId="{CC9C9D9A-5149-2947-86C0-576F501F60DC}" dt="2020-01-05T21:29:58.563" v="2178" actId="20577"/>
+      <pc:sldChg chg="del">
+        <pc:chgData name="Long B Nguyen" userId="f59fb8f3-a021-417a-8bc1-65c8d471c621" providerId="ADAL" clId="{AA9102B5-DACA-D841-B260-AEEBF90FC60A}" dt="2020-01-06T15:03:07.580" v="847" actId="2696"/>
         <pc:sldMkLst>
           <pc:docMk/>
           <pc:sldMk cId="3117943122" sldId="326"/>
         </pc:sldMkLst>
+      </pc:sldChg>
+      <pc:sldChg chg="del">
+        <pc:chgData name="Long B Nguyen" userId="f59fb8f3-a021-417a-8bc1-65c8d471c621" providerId="ADAL" clId="{AA9102B5-DACA-D841-B260-AEEBF90FC60A}" dt="2020-01-06T01:49:27.456" v="111" actId="2696"/>
+        <pc:sldMkLst>
+          <pc:docMk/>
+          <pc:sldMk cId="1025618360" sldId="327"/>
+        </pc:sldMkLst>
+      </pc:sldChg>
+      <pc:sldChg chg="modSp add">
+        <pc:chgData name="Long B Nguyen" userId="f59fb8f3-a021-417a-8bc1-65c8d471c621" providerId="ADAL" clId="{AA9102B5-DACA-D841-B260-AEEBF90FC60A}" dt="2020-01-06T15:00:48.763" v="818" actId="113"/>
+        <pc:sldMkLst>
+          <pc:docMk/>
+          <pc:sldMk cId="1724104636" sldId="327"/>
+        </pc:sldMkLst>
         <pc:spChg chg="mod">
-          <ac:chgData name="Long B Nguyen" userId="f59fb8f3-a021-417a-8bc1-65c8d471c621" providerId="ADAL" clId="{CC9C9D9A-5149-2947-86C0-576F501F60DC}" dt="2020-01-05T21:29:58.563" v="2178" actId="20577"/>
+          <ac:chgData name="Long B Nguyen" userId="f59fb8f3-a021-417a-8bc1-65c8d471c621" providerId="ADAL" clId="{AA9102B5-DACA-D841-B260-AEEBF90FC60A}" dt="2020-01-06T15:00:48.763" v="818" actId="113"/>
           <ac:spMkLst>
             <pc:docMk/>
-            <pc:sldMk cId="3117943122" sldId="326"/>
+            <pc:sldMk cId="1724104636" sldId="327"/>
+            <ac:spMk id="9" creationId="{E3B2E017-30B2-884B-A113-B419A2ED51AD}"/>
+          </ac:spMkLst>
+        </pc:spChg>
+      </pc:sldChg>
+      <pc:sldChg chg="modSp">
+        <pc:chgData name="Long B Nguyen" userId="f59fb8f3-a021-417a-8bc1-65c8d471c621" providerId="ADAL" clId="{AA9102B5-DACA-D841-B260-AEEBF90FC60A}" dt="2020-01-06T01:55:34.369" v="708" actId="20577"/>
+        <pc:sldMkLst>
+          <pc:docMk/>
+          <pc:sldMk cId="4294143140" sldId="329"/>
+        </pc:sldMkLst>
+        <pc:spChg chg="mod">
+          <ac:chgData name="Long B Nguyen" userId="f59fb8f3-a021-417a-8bc1-65c8d471c621" providerId="ADAL" clId="{AA9102B5-DACA-D841-B260-AEEBF90FC60A}" dt="2020-01-06T01:55:34.369" v="708" actId="20577"/>
+          <ac:spMkLst>
+            <pc:docMk/>
+            <pc:sldMk cId="4294143140" sldId="329"/>
             <ac:spMk id="9" creationId="{E3B2E017-30B2-884B-A113-B419A2ED51AD}"/>
           </ac:spMkLst>
         </pc:spChg>
       </pc:sldChg>
       <pc:sldChg chg="modSp add">
-        <pc:chgData name="Long B Nguyen" userId="f59fb8f3-a021-417a-8bc1-65c8d471c621" providerId="ADAL" clId="{CC9C9D9A-5149-2947-86C0-576F501F60DC}" dt="2020-01-05T21:59:55.597" v="2392" actId="14100"/>
+        <pc:chgData name="Long B Nguyen" userId="f59fb8f3-a021-417a-8bc1-65c8d471c621" providerId="ADAL" clId="{AA9102B5-DACA-D841-B260-AEEBF90FC60A}" dt="2020-01-06T15:01:01.638" v="819" actId="2711"/>
         <pc:sldMkLst>
           <pc:docMk/>
-          <pc:sldMk cId="1025618360" sldId="327"/>
+          <pc:sldMk cId="3594730708" sldId="330"/>
         </pc:sldMkLst>
         <pc:spChg chg="mod">
-          <ac:chgData name="Long B Nguyen" userId="f59fb8f3-a021-417a-8bc1-65c8d471c621" providerId="ADAL" clId="{CC9C9D9A-5149-2947-86C0-576F501F60DC}" dt="2020-01-05T21:59:55.597" v="2392" actId="14100"/>
+          <ac:chgData name="Long B Nguyen" userId="f59fb8f3-a021-417a-8bc1-65c8d471c621" providerId="ADAL" clId="{AA9102B5-DACA-D841-B260-AEEBF90FC60A}" dt="2020-01-06T15:01:01.638" v="819" actId="2711"/>
           <ac:spMkLst>
             <pc:docMk/>
-            <pc:sldMk cId="1025618360" sldId="327"/>
+            <pc:sldMk cId="3594730708" sldId="330"/>
             <ac:spMk id="9" creationId="{E3B2E017-30B2-884B-A113-B419A2ED51AD}"/>
           </ac:spMkLst>
         </pc:spChg>
       </pc:sldChg>
       <pc:sldChg chg="modSp add">
-        <pc:chgData name="Long B Nguyen" userId="f59fb8f3-a021-417a-8bc1-65c8d471c621" providerId="ADAL" clId="{CC9C9D9A-5149-2947-86C0-576F501F60DC}" dt="2020-01-05T21:54:47.081" v="2356" actId="2711"/>
+        <pc:chgData name="Long B Nguyen" userId="f59fb8f3-a021-417a-8bc1-65c8d471c621" providerId="ADAL" clId="{AA9102B5-DACA-D841-B260-AEEBF90FC60A}" dt="2020-01-06T02:00:17.493" v="815" actId="255"/>
         <pc:sldMkLst>
           <pc:docMk/>
-          <pc:sldMk cId="3894299887" sldId="328"/>
+          <pc:sldMk cId="3870816631" sldId="331"/>
         </pc:sldMkLst>
         <pc:spChg chg="mod">
-          <ac:chgData name="Long B Nguyen" userId="f59fb8f3-a021-417a-8bc1-65c8d471c621" providerId="ADAL" clId="{CC9C9D9A-5149-2947-86C0-576F501F60DC}" dt="2020-01-05T21:51:41.306" v="2327" actId="20577"/>
+          <ac:chgData name="Long B Nguyen" userId="f59fb8f3-a021-417a-8bc1-65c8d471c621" providerId="ADAL" clId="{AA9102B5-DACA-D841-B260-AEEBF90FC60A}" dt="2020-01-06T02:00:17.493" v="815" actId="255"/>
           <ac:spMkLst>
             <pc:docMk/>
-            <pc:sldMk cId="3894299887" sldId="328"/>
+            <pc:sldMk cId="3870816631" sldId="331"/>
+            <ac:spMk id="9" creationId="{E3B2E017-30B2-884B-A113-B419A2ED51AD}"/>
+          </ac:spMkLst>
+        </pc:spChg>
+      </pc:sldChg>
+      <pc:sldChg chg="modSp add">
+        <pc:chgData name="Long B Nguyen" userId="f59fb8f3-a021-417a-8bc1-65c8d471c621" providerId="ADAL" clId="{AA9102B5-DACA-D841-B260-AEEBF90FC60A}" dt="2020-01-06T17:07:10.515" v="1519" actId="2711"/>
+        <pc:sldMkLst>
+          <pc:docMk/>
+          <pc:sldMk cId="3124353102" sldId="332"/>
+        </pc:sldMkLst>
+        <pc:spChg chg="mod">
+          <ac:chgData name="Long B Nguyen" userId="f59fb8f3-a021-417a-8bc1-65c8d471c621" providerId="ADAL" clId="{AA9102B5-DACA-D841-B260-AEEBF90FC60A}" dt="2020-01-06T17:03:36.721" v="1332" actId="20577"/>
+          <ac:spMkLst>
+            <pc:docMk/>
+            <pc:sldMk cId="3124353102" sldId="332"/>
             <ac:spMk id="2" creationId="{AA3A228F-61D0-D949-A5E7-F83756230BF8}"/>
           </ac:spMkLst>
         </pc:spChg>
         <pc:spChg chg="mod">
-          <ac:chgData name="Long B Nguyen" userId="f59fb8f3-a021-417a-8bc1-65c8d471c621" providerId="ADAL" clId="{CC9C9D9A-5149-2947-86C0-576F501F60DC}" dt="2020-01-05T21:54:47.081" v="2356" actId="2711"/>
+          <ac:chgData name="Long B Nguyen" userId="f59fb8f3-a021-417a-8bc1-65c8d471c621" providerId="ADAL" clId="{AA9102B5-DACA-D841-B260-AEEBF90FC60A}" dt="2020-01-06T17:07:10.515" v="1519" actId="2711"/>
           <ac:spMkLst>
             <pc:docMk/>
-            <pc:sldMk cId="3894299887" sldId="328"/>
+            <pc:sldMk cId="3124353102" sldId="332"/>
             <ac:spMk id="9" creationId="{E3B2E017-30B2-884B-A113-B419A2ED51AD}"/>
           </ac:spMkLst>
         </pc:spChg>
       </pc:sldChg>
-      <pc:sldChg chg="add">
-        <pc:chgData name="Long B Nguyen" userId="f59fb8f3-a021-417a-8bc1-65c8d471c621" providerId="ADAL" clId="{CC9C9D9A-5149-2947-86C0-576F501F60DC}" dt="2020-01-05T21:57:38.736" v="2357"/>
+    </pc:docChg>
+  </pc:docChgLst>
+  <pc:docChgLst>
+    <pc:chgData name="Long B Nguyen" userId="f59fb8f3-a021-417a-8bc1-65c8d471c621" providerId="ADAL" clId="{B5860C40-AA08-4447-A918-2D2782E0FC0B}"/>
+    <pc:docChg chg="delSld modSld">
+      <pc:chgData name="Long B Nguyen" userId="f59fb8f3-a021-417a-8bc1-65c8d471c621" providerId="ADAL" clId="{B5860C40-AA08-4447-A918-2D2782E0FC0B}" dt="2019-09-16T13:59:20.091" v="35" actId="2696"/>
+      <pc:docMkLst>
+        <pc:docMk/>
+      </pc:docMkLst>
+      <pc:sldChg chg="modSp">
+        <pc:chgData name="Long B Nguyen" userId="f59fb8f3-a021-417a-8bc1-65c8d471c621" providerId="ADAL" clId="{B5860C40-AA08-4447-A918-2D2782E0FC0B}" dt="2019-09-16T13:58:36.640" v="18" actId="20577"/>
         <pc:sldMkLst>
           <pc:docMk/>
-          <pc:sldMk cId="4294143140" sldId="329"/>
+          <pc:sldMk cId="4247104139" sldId="256"/>
         </pc:sldMkLst>
+        <pc:spChg chg="mod">
+          <ac:chgData name="Long B Nguyen" userId="f59fb8f3-a021-417a-8bc1-65c8d471c621" providerId="ADAL" clId="{B5860C40-AA08-4447-A918-2D2782E0FC0B}" dt="2019-09-16T13:58:36.640" v="18" actId="20577"/>
+          <ac:spMkLst>
+            <pc:docMk/>
+            <pc:sldMk cId="4247104139" sldId="256"/>
+            <ac:spMk id="3" creationId="{1BDC47C8-6776-7B44-9CD4-95FC91452D62}"/>
+          </ac:spMkLst>
+        </pc:spChg>
       </pc:sldChg>
     </pc:docChg>
   </pc:docChgLst>
   <pc:docChgLst>
-    <pc:chgData name="Long B Nguyen" userId="f59fb8f3-a021-417a-8bc1-65c8d471c621" providerId="ADAL" clId="{6CD83B71-C243-244B-B302-DE2E82069201}"/>
-  </pc:docChgLst>
-  <pc:docChgLst>
-    <pc:chgData name="Long B Nguyen" userId="f59fb8f3-a021-417a-8bc1-65c8d471c621" providerId="ADAL" clId="{E5BF62A1-4F8A-BC49-8FD7-ABEA3D28ED25}"/>
+    <pc:chgData name="Long B Nguyen" userId="f59fb8f3-a021-417a-8bc1-65c8d471c621" providerId="ADAL" clId="{5F646169-A1D9-E147-88C9-F7F633E92344}"/>
+    <pc:docChg chg="modSld">
+      <pc:chgData name="Long B Nguyen" userId="f59fb8f3-a021-417a-8bc1-65c8d471c621" providerId="ADAL" clId="{5F646169-A1D9-E147-88C9-F7F633E92344}" dt="2020-02-26T13:00:54.978" v="72" actId="20577"/>
+      <pc:docMkLst>
+        <pc:docMk/>
+      </pc:docMkLst>
+      <pc:sldChg chg="modSp modAnim">
+        <pc:chgData name="Long B Nguyen" userId="f59fb8f3-a021-417a-8bc1-65c8d471c621" providerId="ADAL" clId="{5F646169-A1D9-E147-88C9-F7F633E92344}" dt="2020-02-26T13:00:54.978" v="72" actId="20577"/>
+        <pc:sldMkLst>
+          <pc:docMk/>
+          <pc:sldMk cId="2076911411" sldId="601"/>
+        </pc:sldMkLst>
+        <pc:spChg chg="mod">
+          <ac:chgData name="Long B Nguyen" userId="f59fb8f3-a021-417a-8bc1-65c8d471c621" providerId="ADAL" clId="{5F646169-A1D9-E147-88C9-F7F633E92344}" dt="2020-02-26T13:00:54.978" v="72" actId="20577"/>
+          <ac:spMkLst>
+            <pc:docMk/>
+            <pc:sldMk cId="2076911411" sldId="601"/>
+            <ac:spMk id="16386" creationId="{BBF80B12-3B64-224E-8C63-344E3E46DE63}"/>
+          </ac:spMkLst>
+        </pc:spChg>
+      </pc:sldChg>
+    </pc:docChg>
   </pc:docChgLst>
 </pc:chgInfo>
 </file>
@@ -1982,7 +2005,7 @@
           <a:p>
             <a:fld id="{6EDD99D2-A624-5E4F-A4E3-584054837B5A}" type="datetimeFigureOut">
               <a:rPr lang="en-US" smtClean="0"/>
-              <a:t>2/24/20</a:t>
+              <a:t>2/26/20</a:t>
             </a:fld>
             <a:endParaRPr lang="en-US"/>
           </a:p>
@@ -7285,7 +7308,7 @@
           <a:p>
             <a:fld id="{4AAD347D-5ACD-4C99-B74B-A9C85AD731AF}" type="datetimeFigureOut">
               <a:rPr lang="en-US" smtClean="0"/>
-              <a:t>2/24/20</a:t>
+              <a:t>2/26/20</a:t>
             </a:fld>
             <a:endParaRPr lang="en-US" dirty="0"/>
           </a:p>
@@ -7455,7 +7478,7 @@
           <a:p>
             <a:fld id="{4509A250-FF31-4206-8172-F9D3106AACB1}" type="datetimeFigureOut">
               <a:rPr lang="en-US" smtClean="0"/>
-              <a:t>2/24/20</a:t>
+              <a:t>2/26/20</a:t>
             </a:fld>
             <a:endParaRPr lang="en-US" dirty="0"/>
           </a:p>
@@ -7635,7 +7658,7 @@
           <a:p>
             <a:fld id="{4509A250-FF31-4206-8172-F9D3106AACB1}" type="datetimeFigureOut">
               <a:rPr lang="en-US" smtClean="0"/>
-              <a:t>2/24/20</a:t>
+              <a:t>2/26/20</a:t>
             </a:fld>
             <a:endParaRPr lang="en-US" dirty="0"/>
           </a:p>
@@ -7805,7 +7828,7 @@
           <a:p>
             <a:fld id="{4509A250-FF31-4206-8172-F9D3106AACB1}" type="datetimeFigureOut">
               <a:rPr lang="en-US" smtClean="0"/>
-              <a:t>2/24/20</a:t>
+              <a:t>2/26/20</a:t>
             </a:fld>
             <a:endParaRPr lang="en-US" dirty="0"/>
           </a:p>
@@ -8051,7 +8074,7 @@
           <a:p>
             <a:fld id="{9796027F-7875-4030-9381-8BD8C4F21935}" type="datetimeFigureOut">
               <a:rPr lang="en-US" smtClean="0"/>
-              <a:t>2/24/20</a:t>
+              <a:t>2/26/20</a:t>
             </a:fld>
             <a:endParaRPr lang="en-US" dirty="0"/>
           </a:p>
@@ -8283,7 +8306,7 @@
           <a:p>
             <a:fld id="{9796027F-7875-4030-9381-8BD8C4F21935}" type="datetimeFigureOut">
               <a:rPr lang="en-US" smtClean="0"/>
-              <a:t>2/24/20</a:t>
+              <a:t>2/26/20</a:t>
             </a:fld>
             <a:endParaRPr lang="en-US" dirty="0"/>
           </a:p>
@@ -8650,7 +8673,7 @@
           <a:p>
             <a:fld id="{9796027F-7875-4030-9381-8BD8C4F21935}" type="datetimeFigureOut">
               <a:rPr lang="en-US" smtClean="0"/>
-              <a:t>2/24/20</a:t>
+              <a:t>2/26/20</a:t>
             </a:fld>
             <a:endParaRPr lang="en-US" dirty="0"/>
           </a:p>
@@ -8768,7 +8791,7 @@
           <a:p>
             <a:fld id="{4509A250-FF31-4206-8172-F9D3106AACB1}" type="datetimeFigureOut">
               <a:rPr lang="en-US" smtClean="0"/>
-              <a:t>2/24/20</a:t>
+              <a:t>2/26/20</a:t>
             </a:fld>
             <a:endParaRPr lang="en-US" dirty="0"/>
           </a:p>
@@ -8863,7 +8886,7 @@
           <a:p>
             <a:fld id="{4509A250-FF31-4206-8172-F9D3106AACB1}" type="datetimeFigureOut">
               <a:rPr lang="en-US" smtClean="0"/>
-              <a:t>2/24/20</a:t>
+              <a:t>2/26/20</a:t>
             </a:fld>
             <a:endParaRPr lang="en-US" dirty="0"/>
           </a:p>
@@ -9140,7 +9163,7 @@
           <a:p>
             <a:fld id="{4509A250-FF31-4206-8172-F9D3106AACB1}" type="datetimeFigureOut">
               <a:rPr lang="en-US" smtClean="0"/>
-              <a:t>2/24/20</a:t>
+              <a:t>2/26/20</a:t>
             </a:fld>
             <a:endParaRPr lang="en-US" dirty="0"/>
           </a:p>
@@ -9397,7 +9420,7 @@
           <a:p>
             <a:fld id="{4509A250-FF31-4206-8172-F9D3106AACB1}" type="datetimeFigureOut">
               <a:rPr lang="en-US" smtClean="0"/>
-              <a:t>2/24/20</a:t>
+              <a:t>2/26/20</a:t>
             </a:fld>
             <a:endParaRPr lang="en-US" dirty="0"/>
           </a:p>
@@ -9610,7 +9633,7 @@
           <a:p>
             <a:fld id="{4AAD347D-5ACD-4C99-B74B-A9C85AD731AF}" type="datetimeFigureOut">
               <a:rPr lang="en-US" smtClean="0"/>
-              <a:t>2/24/20</a:t>
+              <a:t>2/26/20</a:t>
             </a:fld>
             <a:endParaRPr lang="en-US" dirty="0"/>
           </a:p>
@@ -10604,6 +10627,38 @@
                 <a:latin typeface="Tahoma" panose="020B0604030504040204" pitchFamily="34" charset="0"/>
                 <a:ea typeface="ＭＳ Ｐゴシック" panose="020B0600070205080204" pitchFamily="34" charset="-128"/>
               </a:rPr>
+              <a:t>FLAC(Free Lossless Audio Codec) is a lossless </a:t>
+            </a:r>
+            <a:r>
+              <a:rPr lang="en-US" altLang="en-US" sz="1833">
+                <a:latin typeface="Tahoma" panose="020B0604030504040204" pitchFamily="34" charset="0"/>
+                <a:ea typeface="ＭＳ Ｐゴシック" panose="020B0600070205080204" pitchFamily="34" charset="-128"/>
+              </a:rPr>
+              <a:t>compression format.</a:t>
+            </a:r>
+            <a:endParaRPr lang="en-US" altLang="en-US" sz="1833" dirty="0">
+              <a:latin typeface="Tahoma" panose="020B0604030504040204" pitchFamily="34" charset="0"/>
+              <a:ea typeface="ＭＳ Ｐゴシック" panose="020B0600070205080204" pitchFamily="34" charset="-128"/>
+            </a:endParaRPr>
+          </a:p>
+          <a:p>
+            <a:pPr marL="0" indent="0" eaLnBrk="1" hangingPunct="1">
+              <a:buNone/>
+            </a:pPr>
+            <a:endParaRPr lang="en-US" altLang="en-US" sz="1833" dirty="0">
+              <a:latin typeface="Tahoma" panose="020B0604030504040204" pitchFamily="34" charset="0"/>
+              <a:ea typeface="ＭＳ Ｐゴシック" panose="020B0600070205080204" pitchFamily="34" charset="-128"/>
+            </a:endParaRPr>
+          </a:p>
+          <a:p>
+            <a:pPr marL="0" indent="0" eaLnBrk="1" hangingPunct="1">
+              <a:buNone/>
+            </a:pPr>
+            <a:r>
+              <a:rPr lang="en-US" altLang="en-US" sz="1833" dirty="0">
+                <a:latin typeface="Tahoma" panose="020B0604030504040204" pitchFamily="34" charset="0"/>
+                <a:ea typeface="ＭＳ Ｐゴシック" panose="020B0600070205080204" pitchFamily="34" charset="-128"/>
+              </a:rPr>
               <a:t>Waveform Audio(WAV) was also developed by Windows</a:t>
             </a:r>
           </a:p>
@@ -10833,13 +10888,13 @@
                     </p:cTn>
                   </p:par>
                   <p:par>
-                    <p:cTn id="15" fill="hold" nodeType="clickPar">
+                    <p:cTn id="15" fill="hold">
                       <p:stCondLst>
                         <p:cond delay="indefinite"/>
                       </p:stCondLst>
                       <p:childTnLst>
                         <p:par>
-                          <p:cTn id="16" fill="hold" nodeType="withGroup">
+                          <p:cTn id="16" fill="hold">
                             <p:stCondLst>
                               <p:cond delay="0"/>
                             </p:stCondLst>
@@ -10875,15 +10930,33 @@
                                   </p:childTnLst>
                                 </p:cTn>
                               </p:par>
+                            </p:childTnLst>
+                          </p:cTn>
+                        </p:par>
+                      </p:childTnLst>
+                    </p:cTn>
+                  </p:par>
+                  <p:par>
+                    <p:cTn id="19" fill="hold" nodeType="clickPar">
+                      <p:stCondLst>
+                        <p:cond delay="indefinite"/>
+                      </p:stCondLst>
+                      <p:childTnLst>
+                        <p:par>
+                          <p:cTn id="20" fill="hold" nodeType="withGroup">
+                            <p:stCondLst>
+                              <p:cond delay="0"/>
+                            </p:stCondLst>
+                            <p:childTnLst>
                               <p:par>
-                                <p:cTn id="19" presetID="1" presetClass="entr" presetSubtype="0" fill="hold" nodeType="withEffect">
+                                <p:cTn id="21" presetID="1" presetClass="entr" presetSubtype="0" fill="hold" nodeType="clickEffect">
                                   <p:stCondLst>
                                     <p:cond delay="0"/>
                                   </p:stCondLst>
                                   <p:childTnLst>
                                     <p:set>
                                       <p:cBhvr>
-                                        <p:cTn id="20" dur="1" fill="hold">
+                                        <p:cTn id="22" dur="1" fill="hold">
                                           <p:stCondLst>
                                             <p:cond delay="0"/>
                                           </p:stCondLst>
@@ -10891,7 +10964,38 @@
                                         <p:tgtEl>
                                           <p:spTgt spid="16386">
                                             <p:txEl>
-                                              <p:pRg st="8" end="8"/>
+                                              <p:pRg st="9" end="9"/>
+                                            </p:txEl>
+                                          </p:spTgt>
+                                        </p:tgtEl>
+                                        <p:attrNameLst>
+                                          <p:attrName>style.visibility</p:attrName>
+                                        </p:attrNameLst>
+                                      </p:cBhvr>
+                                      <p:to>
+                                        <p:strVal val="visible"/>
+                                      </p:to>
+                                    </p:set>
+                                  </p:childTnLst>
+                                </p:cTn>
+                              </p:par>
+                              <p:par>
+                                <p:cTn id="23" presetID="1" presetClass="entr" presetSubtype="0" fill="hold" nodeType="withEffect">
+                                  <p:stCondLst>
+                                    <p:cond delay="0"/>
+                                  </p:stCondLst>
+                                  <p:childTnLst>
+                                    <p:set>
+                                      <p:cBhvr>
+                                        <p:cTn id="24" dur="1" fill="hold">
+                                          <p:stCondLst>
+                                            <p:cond delay="0"/>
+                                          </p:stCondLst>
+                                        </p:cTn>
+                                        <p:tgtEl>
+                                          <p:spTgt spid="16386">
+                                            <p:txEl>
+                                              <p:pRg st="10" end="10"/>
                                             </p:txEl>
                                           </p:spTgt>
                                         </p:tgtEl>

--- a/courses/apcsp/lect15.pptx
+++ b/courses/apcsp/lect15.pptx
@@ -5,7 +5,7 @@
     <p:sldMasterId id="2147483791" r:id="rId1"/>
   </p:sldMasterIdLst>
   <p:notesMasterIdLst>
-    <p:notesMasterId r:id="rId22"/>
+    <p:notesMasterId r:id="rId24"/>
   </p:notesMasterIdLst>
   <p:sldIdLst>
     <p:sldId id="256" r:id="rId2"/>
@@ -26,8 +26,10 @@
     <p:sldId id="607" r:id="rId17"/>
     <p:sldId id="608" r:id="rId18"/>
     <p:sldId id="609" r:id="rId19"/>
-    <p:sldId id="485" r:id="rId20"/>
-    <p:sldId id="610" r:id="rId21"/>
+    <p:sldId id="616" r:id="rId20"/>
+    <p:sldId id="615" r:id="rId21"/>
+    <p:sldId id="485" r:id="rId22"/>
+    <p:sldId id="610" r:id="rId23"/>
   </p:sldIdLst>
   <p:sldSz cx="9144000" cy="5715000" type="screen16x10"/>
   <p:notesSz cx="6858000" cy="9144000"/>
@@ -137,499 +139,13 @@
 <file path=ppt/revisionInfo.xml><?xml version="1.0" encoding="utf-8"?>
 <p1510:revInfo xmlns:a="http://schemas.openxmlformats.org/drawingml/2006/main" xmlns:r="http://schemas.openxmlformats.org/officeDocument/2006/relationships" xmlns:p1510="http://schemas.microsoft.com/office/powerpoint/2015/10/main">
   <p1510:revLst>
-    <p1510:client id="{5F646169-A1D9-E147-88C9-F7F633E92344}" v="73" dt="2020-02-26T13:00:54.979"/>
+    <p1510:client id="{B9DFA1C4-BDD3-4E42-9076-CE7C4D94C5A0}" v="381" dt="2021-05-05T14:28:03.564"/>
   </p1510:revLst>
 </p1510:revInfo>
 </file>
 
 <file path=ppt/changesInfos/changesInfo1.xml><?xml version="1.0" encoding="utf-8"?>
 <pc:chgInfo xmlns:a="http://schemas.openxmlformats.org/drawingml/2006/main" xmlns:r="http://schemas.openxmlformats.org/officeDocument/2006/relationships" xmlns:ac="http://schemas.microsoft.com/office/drawing/2013/main/command" xmlns:pc="http://schemas.microsoft.com/office/powerpoint/2013/main/command">
-  <pc:docChgLst>
-    <pc:chgData name="Long B Nguyen" userId="f59fb8f3-a021-417a-8bc1-65c8d471c621" providerId="ADAL" clId="{4BE6A6D3-80E1-E648-9A65-3053C53C3489}"/>
-    <pc:docChg chg="addSld delSld modSld">
-      <pc:chgData name="Long B Nguyen" userId="f59fb8f3-a021-417a-8bc1-65c8d471c621" providerId="ADAL" clId="{4BE6A6D3-80E1-E648-9A65-3053C53C3489}" dt="2020-01-13T13:50:20.439" v="74" actId="2696"/>
-      <pc:docMkLst>
-        <pc:docMk/>
-      </pc:docMkLst>
-      <pc:sldChg chg="modSp">
-        <pc:chgData name="Long B Nguyen" userId="f59fb8f3-a021-417a-8bc1-65c8d471c621" providerId="ADAL" clId="{4BE6A6D3-80E1-E648-9A65-3053C53C3489}" dt="2020-01-13T13:50:08.533" v="40" actId="20577"/>
-        <pc:sldMkLst>
-          <pc:docMk/>
-          <pc:sldMk cId="4247104139" sldId="256"/>
-        </pc:sldMkLst>
-        <pc:spChg chg="mod">
-          <ac:chgData name="Long B Nguyen" userId="f59fb8f3-a021-417a-8bc1-65c8d471c621" providerId="ADAL" clId="{4BE6A6D3-80E1-E648-9A65-3053C53C3489}" dt="2020-01-13T13:50:08.533" v="40" actId="20577"/>
-          <ac:spMkLst>
-            <pc:docMk/>
-            <pc:sldMk cId="4247104139" sldId="256"/>
-            <ac:spMk id="3" creationId="{1BDC47C8-6776-7B44-9CD4-95FC91452D62}"/>
-          </ac:spMkLst>
-        </pc:spChg>
-      </pc:sldChg>
-      <pc:sldChg chg="del">
-        <pc:chgData name="Long B Nguyen" userId="f59fb8f3-a021-417a-8bc1-65c8d471c621" providerId="ADAL" clId="{4BE6A6D3-80E1-E648-9A65-3053C53C3489}" dt="2020-01-13T13:50:20.439" v="74" actId="2696"/>
-        <pc:sldMkLst>
-          <pc:docMk/>
-          <pc:sldMk cId="1758448129" sldId="309"/>
-        </pc:sldMkLst>
-      </pc:sldChg>
-      <pc:sldChg chg="del">
-        <pc:chgData name="Long B Nguyen" userId="f59fb8f3-a021-417a-8bc1-65c8d471c621" providerId="ADAL" clId="{4BE6A6D3-80E1-E648-9A65-3053C53C3489}" dt="2020-01-13T13:50:12.196" v="42" actId="2696"/>
-        <pc:sldMkLst>
-          <pc:docMk/>
-          <pc:sldMk cId="3947558204" sldId="313"/>
-        </pc:sldMkLst>
-      </pc:sldChg>
-      <pc:sldChg chg="del">
-        <pc:chgData name="Long B Nguyen" userId="f59fb8f3-a021-417a-8bc1-65c8d471c621" providerId="ADAL" clId="{4BE6A6D3-80E1-E648-9A65-3053C53C3489}" dt="2020-01-13T13:50:19.961" v="43" actId="2696"/>
-        <pc:sldMkLst>
-          <pc:docMk/>
-          <pc:sldMk cId="2054265466" sldId="314"/>
-        </pc:sldMkLst>
-      </pc:sldChg>
-      <pc:sldChg chg="del">
-        <pc:chgData name="Long B Nguyen" userId="f59fb8f3-a021-417a-8bc1-65c8d471c621" providerId="ADAL" clId="{4BE6A6D3-80E1-E648-9A65-3053C53C3489}" dt="2020-01-13T13:50:19.999" v="45" actId="2696"/>
-        <pc:sldMkLst>
-          <pc:docMk/>
-          <pc:sldMk cId="917461937" sldId="315"/>
-        </pc:sldMkLst>
-      </pc:sldChg>
-      <pc:sldChg chg="del">
-        <pc:chgData name="Long B Nguyen" userId="f59fb8f3-a021-417a-8bc1-65c8d471c621" providerId="ADAL" clId="{4BE6A6D3-80E1-E648-9A65-3053C53C3489}" dt="2020-01-13T13:50:20.011" v="46" actId="2696"/>
-        <pc:sldMkLst>
-          <pc:docMk/>
-          <pc:sldMk cId="3266234076" sldId="316"/>
-        </pc:sldMkLst>
-      </pc:sldChg>
-      <pc:sldChg chg="del">
-        <pc:chgData name="Long B Nguyen" userId="f59fb8f3-a021-417a-8bc1-65c8d471c621" providerId="ADAL" clId="{4BE6A6D3-80E1-E648-9A65-3053C53C3489}" dt="2020-01-13T13:50:19.977" v="44" actId="2696"/>
-        <pc:sldMkLst>
-          <pc:docMk/>
-          <pc:sldMk cId="2886319738" sldId="317"/>
-        </pc:sldMkLst>
-      </pc:sldChg>
-      <pc:sldChg chg="del">
-        <pc:chgData name="Long B Nguyen" userId="f59fb8f3-a021-417a-8bc1-65c8d471c621" providerId="ADAL" clId="{4BE6A6D3-80E1-E648-9A65-3053C53C3489}" dt="2020-01-13T13:50:20.047" v="48" actId="2696"/>
-        <pc:sldMkLst>
-          <pc:docMk/>
-          <pc:sldMk cId="3906700287" sldId="319"/>
-        </pc:sldMkLst>
-      </pc:sldChg>
-      <pc:sldChg chg="del">
-        <pc:chgData name="Long B Nguyen" userId="f59fb8f3-a021-417a-8bc1-65c8d471c621" providerId="ADAL" clId="{4BE6A6D3-80E1-E648-9A65-3053C53C3489}" dt="2020-01-13T13:50:20.082" v="50" actId="2696"/>
-        <pc:sldMkLst>
-          <pc:docMk/>
-          <pc:sldMk cId="1810541734" sldId="320"/>
-        </pc:sldMkLst>
-      </pc:sldChg>
-      <pc:sldChg chg="del">
-        <pc:chgData name="Long B Nguyen" userId="f59fb8f3-a021-417a-8bc1-65c8d471c621" providerId="ADAL" clId="{4BE6A6D3-80E1-E648-9A65-3053C53C3489}" dt="2020-01-13T13:50:20.093" v="51" actId="2696"/>
-        <pc:sldMkLst>
-          <pc:docMk/>
-          <pc:sldMk cId="1359731776" sldId="321"/>
-        </pc:sldMkLst>
-      </pc:sldChg>
-      <pc:sldChg chg="del">
-        <pc:chgData name="Long B Nguyen" userId="f59fb8f3-a021-417a-8bc1-65c8d471c621" providerId="ADAL" clId="{4BE6A6D3-80E1-E648-9A65-3053C53C3489}" dt="2020-01-13T13:50:20.107" v="52" actId="2696"/>
-        <pc:sldMkLst>
-          <pc:docMk/>
-          <pc:sldMk cId="3651577480" sldId="322"/>
-        </pc:sldMkLst>
-      </pc:sldChg>
-      <pc:sldChg chg="del">
-        <pc:chgData name="Long B Nguyen" userId="f59fb8f3-a021-417a-8bc1-65c8d471c621" providerId="ADAL" clId="{4BE6A6D3-80E1-E648-9A65-3053C53C3489}" dt="2020-01-13T13:50:20.069" v="49" actId="2696"/>
-        <pc:sldMkLst>
-          <pc:docMk/>
-          <pc:sldMk cId="1496564367" sldId="323"/>
-        </pc:sldMkLst>
-      </pc:sldChg>
-      <pc:sldChg chg="del">
-        <pc:chgData name="Long B Nguyen" userId="f59fb8f3-a021-417a-8bc1-65c8d471c621" providerId="ADAL" clId="{4BE6A6D3-80E1-E648-9A65-3053C53C3489}" dt="2020-01-13T13:50:20.420" v="73" actId="2696"/>
-        <pc:sldMkLst>
-          <pc:docMk/>
-          <pc:sldMk cId="771866096" sldId="324"/>
-        </pc:sldMkLst>
-      </pc:sldChg>
-      <pc:sldChg chg="del">
-        <pc:chgData name="Long B Nguyen" userId="f59fb8f3-a021-417a-8bc1-65c8d471c621" providerId="ADAL" clId="{4BE6A6D3-80E1-E648-9A65-3053C53C3489}" dt="2020-01-13T13:50:20.162" v="56" actId="2696"/>
-        <pc:sldMkLst>
-          <pc:docMk/>
-          <pc:sldMk cId="1025355635" sldId="325"/>
-        </pc:sldMkLst>
-      </pc:sldChg>
-      <pc:sldChg chg="del">
-        <pc:chgData name="Long B Nguyen" userId="f59fb8f3-a021-417a-8bc1-65c8d471c621" providerId="ADAL" clId="{4BE6A6D3-80E1-E648-9A65-3053C53C3489}" dt="2020-01-13T13:50:20.149" v="55" actId="2696"/>
-        <pc:sldMkLst>
-          <pc:docMk/>
-          <pc:sldMk cId="4174920299" sldId="327"/>
-        </pc:sldMkLst>
-      </pc:sldChg>
-      <pc:sldChg chg="del">
-        <pc:chgData name="Long B Nguyen" userId="f59fb8f3-a021-417a-8bc1-65c8d471c621" providerId="ADAL" clId="{4BE6A6D3-80E1-E648-9A65-3053C53C3489}" dt="2020-01-13T13:50:20.176" v="57" actId="2696"/>
-        <pc:sldMkLst>
-          <pc:docMk/>
-          <pc:sldMk cId="2756462650" sldId="328"/>
-        </pc:sldMkLst>
-      </pc:sldChg>
-      <pc:sldChg chg="del">
-        <pc:chgData name="Long B Nguyen" userId="f59fb8f3-a021-417a-8bc1-65c8d471c621" providerId="ADAL" clId="{4BE6A6D3-80E1-E648-9A65-3053C53C3489}" dt="2020-01-13T13:50:20.191" v="58" actId="2696"/>
-        <pc:sldMkLst>
-          <pc:docMk/>
-          <pc:sldMk cId="3080714931" sldId="329"/>
-        </pc:sldMkLst>
-      </pc:sldChg>
-      <pc:sldChg chg="del">
-        <pc:chgData name="Long B Nguyen" userId="f59fb8f3-a021-417a-8bc1-65c8d471c621" providerId="ADAL" clId="{4BE6A6D3-80E1-E648-9A65-3053C53C3489}" dt="2020-01-13T13:50:20.204" v="59" actId="2696"/>
-        <pc:sldMkLst>
-          <pc:docMk/>
-          <pc:sldMk cId="532184546" sldId="330"/>
-        </pc:sldMkLst>
-      </pc:sldChg>
-      <pc:sldChg chg="del">
-        <pc:chgData name="Long B Nguyen" userId="f59fb8f3-a021-417a-8bc1-65c8d471c621" providerId="ADAL" clId="{4BE6A6D3-80E1-E648-9A65-3053C53C3489}" dt="2020-01-13T13:50:20.219" v="60" actId="2696"/>
-        <pc:sldMkLst>
-          <pc:docMk/>
-          <pc:sldMk cId="3264629021" sldId="331"/>
-        </pc:sldMkLst>
-      </pc:sldChg>
-      <pc:sldChg chg="del">
-        <pc:chgData name="Long B Nguyen" userId="f59fb8f3-a021-417a-8bc1-65c8d471c621" providerId="ADAL" clId="{4BE6A6D3-80E1-E648-9A65-3053C53C3489}" dt="2020-01-13T13:50:20.261" v="63" actId="2696"/>
-        <pc:sldMkLst>
-          <pc:docMk/>
-          <pc:sldMk cId="4022722016" sldId="332"/>
-        </pc:sldMkLst>
-      </pc:sldChg>
-      <pc:sldChg chg="del">
-        <pc:chgData name="Long B Nguyen" userId="f59fb8f3-a021-417a-8bc1-65c8d471c621" providerId="ADAL" clId="{4BE6A6D3-80E1-E648-9A65-3053C53C3489}" dt="2020-01-13T13:50:20.283" v="64" actId="2696"/>
-        <pc:sldMkLst>
-          <pc:docMk/>
-          <pc:sldMk cId="1710208723" sldId="333"/>
-        </pc:sldMkLst>
-      </pc:sldChg>
-      <pc:sldChg chg="del">
-        <pc:chgData name="Long B Nguyen" userId="f59fb8f3-a021-417a-8bc1-65c8d471c621" providerId="ADAL" clId="{4BE6A6D3-80E1-E648-9A65-3053C53C3489}" dt="2020-01-13T13:50:20.251" v="62" actId="2696"/>
-        <pc:sldMkLst>
-          <pc:docMk/>
-          <pc:sldMk cId="3404583044" sldId="334"/>
-        </pc:sldMkLst>
-      </pc:sldChg>
-      <pc:sldChg chg="del">
-        <pc:chgData name="Long B Nguyen" userId="f59fb8f3-a021-417a-8bc1-65c8d471c621" providerId="ADAL" clId="{4BE6A6D3-80E1-E648-9A65-3053C53C3489}" dt="2020-01-13T13:50:20.304" v="65" actId="2696"/>
-        <pc:sldMkLst>
-          <pc:docMk/>
-          <pc:sldMk cId="3866550465" sldId="335"/>
-        </pc:sldMkLst>
-      </pc:sldChg>
-      <pc:sldChg chg="del">
-        <pc:chgData name="Long B Nguyen" userId="f59fb8f3-a021-417a-8bc1-65c8d471c621" providerId="ADAL" clId="{4BE6A6D3-80E1-E648-9A65-3053C53C3489}" dt="2020-01-13T13:50:20.324" v="66" actId="2696"/>
-        <pc:sldMkLst>
-          <pc:docMk/>
-          <pc:sldMk cId="3749436800" sldId="336"/>
-        </pc:sldMkLst>
-      </pc:sldChg>
-      <pc:sldChg chg="del">
-        <pc:chgData name="Long B Nguyen" userId="f59fb8f3-a021-417a-8bc1-65c8d471c621" providerId="ADAL" clId="{4BE6A6D3-80E1-E648-9A65-3053C53C3489}" dt="2020-01-13T13:50:20.336" v="67" actId="2696"/>
-        <pc:sldMkLst>
-          <pc:docMk/>
-          <pc:sldMk cId="461704868" sldId="337"/>
-        </pc:sldMkLst>
-      </pc:sldChg>
-      <pc:sldChg chg="del">
-        <pc:chgData name="Long B Nguyen" userId="f59fb8f3-a021-417a-8bc1-65c8d471c621" providerId="ADAL" clId="{4BE6A6D3-80E1-E648-9A65-3053C53C3489}" dt="2020-01-13T13:50:20.351" v="68" actId="2696"/>
-        <pc:sldMkLst>
-          <pc:docMk/>
-          <pc:sldMk cId="545386500" sldId="338"/>
-        </pc:sldMkLst>
-      </pc:sldChg>
-      <pc:sldChg chg="del">
-        <pc:chgData name="Long B Nguyen" userId="f59fb8f3-a021-417a-8bc1-65c8d471c621" providerId="ADAL" clId="{4BE6A6D3-80E1-E648-9A65-3053C53C3489}" dt="2020-01-13T13:50:20.380" v="70" actId="2696"/>
-        <pc:sldMkLst>
-          <pc:docMk/>
-          <pc:sldMk cId="1791361008" sldId="339"/>
-        </pc:sldMkLst>
-      </pc:sldChg>
-      <pc:sldChg chg="del">
-        <pc:chgData name="Long B Nguyen" userId="f59fb8f3-a021-417a-8bc1-65c8d471c621" providerId="ADAL" clId="{4BE6A6D3-80E1-E648-9A65-3053C53C3489}" dt="2020-01-13T13:50:20.367" v="69" actId="2696"/>
-        <pc:sldMkLst>
-          <pc:docMk/>
-          <pc:sldMk cId="678299524" sldId="340"/>
-        </pc:sldMkLst>
-      </pc:sldChg>
-      <pc:sldChg chg="del">
-        <pc:chgData name="Long B Nguyen" userId="f59fb8f3-a021-417a-8bc1-65c8d471c621" providerId="ADAL" clId="{4BE6A6D3-80E1-E648-9A65-3053C53C3489}" dt="2020-01-13T13:50:20.393" v="71" actId="2696"/>
-        <pc:sldMkLst>
-          <pc:docMk/>
-          <pc:sldMk cId="225127645" sldId="341"/>
-        </pc:sldMkLst>
-      </pc:sldChg>
-      <pc:sldChg chg="del">
-        <pc:chgData name="Long B Nguyen" userId="f59fb8f3-a021-417a-8bc1-65c8d471c621" providerId="ADAL" clId="{4BE6A6D3-80E1-E648-9A65-3053C53C3489}" dt="2020-01-13T13:50:20.133" v="54" actId="2696"/>
-        <pc:sldMkLst>
-          <pc:docMk/>
-          <pc:sldMk cId="2214326257" sldId="342"/>
-        </pc:sldMkLst>
-      </pc:sldChg>
-      <pc:sldChg chg="del">
-        <pc:chgData name="Long B Nguyen" userId="f59fb8f3-a021-417a-8bc1-65c8d471c621" providerId="ADAL" clId="{4BE6A6D3-80E1-E648-9A65-3053C53C3489}" dt="2020-01-13T13:50:20.121" v="53" actId="2696"/>
-        <pc:sldMkLst>
-          <pc:docMk/>
-          <pc:sldMk cId="1356056044" sldId="343"/>
-        </pc:sldMkLst>
-      </pc:sldChg>
-      <pc:sldChg chg="del">
-        <pc:chgData name="Long B Nguyen" userId="f59fb8f3-a021-417a-8bc1-65c8d471c621" providerId="ADAL" clId="{4BE6A6D3-80E1-E648-9A65-3053C53C3489}" dt="2020-01-13T13:50:20.028" v="47" actId="2696"/>
-        <pc:sldMkLst>
-          <pc:docMk/>
-          <pc:sldMk cId="902308803" sldId="345"/>
-        </pc:sldMkLst>
-      </pc:sldChg>
-      <pc:sldChg chg="del">
-        <pc:chgData name="Long B Nguyen" userId="f59fb8f3-a021-417a-8bc1-65c8d471c621" providerId="ADAL" clId="{4BE6A6D3-80E1-E648-9A65-3053C53C3489}" dt="2020-01-13T13:50:20.235" v="61" actId="2696"/>
-        <pc:sldMkLst>
-          <pc:docMk/>
-          <pc:sldMk cId="2271372051" sldId="346"/>
-        </pc:sldMkLst>
-      </pc:sldChg>
-      <pc:sldChg chg="del">
-        <pc:chgData name="Long B Nguyen" userId="f59fb8f3-a021-417a-8bc1-65c8d471c621" providerId="ADAL" clId="{4BE6A6D3-80E1-E648-9A65-3053C53C3489}" dt="2020-01-13T13:50:20.403" v="72" actId="2696"/>
-        <pc:sldMkLst>
-          <pc:docMk/>
-          <pc:sldMk cId="198078322" sldId="347"/>
-        </pc:sldMkLst>
-      </pc:sldChg>
-      <pc:sldChg chg="add">
-        <pc:chgData name="Long B Nguyen" userId="f59fb8f3-a021-417a-8bc1-65c8d471c621" providerId="ADAL" clId="{4BE6A6D3-80E1-E648-9A65-3053C53C3489}" dt="2020-01-13T13:50:10.483" v="41"/>
-        <pc:sldMkLst>
-          <pc:docMk/>
-          <pc:sldMk cId="2218591065" sldId="348"/>
-        </pc:sldMkLst>
-      </pc:sldChg>
-      <pc:sldChg chg="add">
-        <pc:chgData name="Long B Nguyen" userId="f59fb8f3-a021-417a-8bc1-65c8d471c621" providerId="ADAL" clId="{4BE6A6D3-80E1-E648-9A65-3053C53C3489}" dt="2020-01-13T13:50:10.483" v="41"/>
-        <pc:sldMkLst>
-          <pc:docMk/>
-          <pc:sldMk cId="2191981710" sldId="349"/>
-        </pc:sldMkLst>
-      </pc:sldChg>
-    </pc:docChg>
-  </pc:docChgLst>
-  <pc:docChgLst>
-    <pc:chgData name="Long B Nguyen" userId="f59fb8f3-a021-417a-8bc1-65c8d471c621" providerId="ADAL" clId="{CC9C9D9A-5149-2947-86C0-576F501F60DC}"/>
-    <pc:docChg chg="addSld modSld">
-      <pc:chgData name="Long B Nguyen" userId="f59fb8f3-a021-417a-8bc1-65c8d471c621" providerId="ADAL" clId="{CC9C9D9A-5149-2947-86C0-576F501F60DC}" dt="2020-01-05T21:59:55.597" v="2392" actId="14100"/>
-      <pc:docMkLst>
-        <pc:docMk/>
-      </pc:docMkLst>
-      <pc:sldChg chg="modSp add modAnim">
-        <pc:chgData name="Long B Nguyen" userId="f59fb8f3-a021-417a-8bc1-65c8d471c621" providerId="ADAL" clId="{CC9C9D9A-5149-2947-86C0-576F501F60DC}" dt="2020-01-04T15:49:37.373" v="563" actId="20577"/>
-        <pc:sldMkLst>
-          <pc:docMk/>
-          <pc:sldMk cId="924617162" sldId="319"/>
-        </pc:sldMkLst>
-        <pc:spChg chg="mod">
-          <ac:chgData name="Long B Nguyen" userId="f59fb8f3-a021-417a-8bc1-65c8d471c621" providerId="ADAL" clId="{CC9C9D9A-5149-2947-86C0-576F501F60DC}" dt="2020-01-04T15:45:14.876" v="4" actId="20577"/>
-          <ac:spMkLst>
-            <pc:docMk/>
-            <pc:sldMk cId="924617162" sldId="319"/>
-            <ac:spMk id="2" creationId="{AA3A228F-61D0-D949-A5E7-F83756230BF8}"/>
-          </ac:spMkLst>
-        </pc:spChg>
-        <pc:spChg chg="mod">
-          <ac:chgData name="Long B Nguyen" userId="f59fb8f3-a021-417a-8bc1-65c8d471c621" providerId="ADAL" clId="{CC9C9D9A-5149-2947-86C0-576F501F60DC}" dt="2020-01-04T15:49:37.373" v="563" actId="20577"/>
-          <ac:spMkLst>
-            <pc:docMk/>
-            <pc:sldMk cId="924617162" sldId="319"/>
-            <ac:spMk id="9" creationId="{E3B2E017-30B2-884B-A113-B419A2ED51AD}"/>
-          </ac:spMkLst>
-        </pc:spChg>
-      </pc:sldChg>
-      <pc:sldChg chg="modSp add">
-        <pc:chgData name="Long B Nguyen" userId="f59fb8f3-a021-417a-8bc1-65c8d471c621" providerId="ADAL" clId="{CC9C9D9A-5149-2947-86C0-576F501F60DC}" dt="2020-01-04T15:57:55.835" v="789" actId="14100"/>
-        <pc:sldMkLst>
-          <pc:docMk/>
-          <pc:sldMk cId="3758830494" sldId="320"/>
-        </pc:sldMkLst>
-        <pc:spChg chg="mod">
-          <ac:chgData name="Long B Nguyen" userId="f59fb8f3-a021-417a-8bc1-65c8d471c621" providerId="ADAL" clId="{CC9C9D9A-5149-2947-86C0-576F501F60DC}" dt="2020-01-04T15:57:52.065" v="788" actId="1076"/>
-          <ac:spMkLst>
-            <pc:docMk/>
-            <pc:sldMk cId="3758830494" sldId="320"/>
-            <ac:spMk id="2" creationId="{AA3A228F-61D0-D949-A5E7-F83756230BF8}"/>
-          </ac:spMkLst>
-        </pc:spChg>
-        <pc:spChg chg="mod">
-          <ac:chgData name="Long B Nguyen" userId="f59fb8f3-a021-417a-8bc1-65c8d471c621" providerId="ADAL" clId="{CC9C9D9A-5149-2947-86C0-576F501F60DC}" dt="2020-01-04T15:57:55.835" v="789" actId="14100"/>
-          <ac:spMkLst>
-            <pc:docMk/>
-            <pc:sldMk cId="3758830494" sldId="320"/>
-            <ac:spMk id="9" creationId="{E3B2E017-30B2-884B-A113-B419A2ED51AD}"/>
-          </ac:spMkLst>
-        </pc:spChg>
-      </pc:sldChg>
-      <pc:sldChg chg="modSp add">
-        <pc:chgData name="Long B Nguyen" userId="f59fb8f3-a021-417a-8bc1-65c8d471c621" providerId="ADAL" clId="{CC9C9D9A-5149-2947-86C0-576F501F60DC}" dt="2020-01-05T21:51:37.442" v="2325" actId="20577"/>
-        <pc:sldMkLst>
-          <pc:docMk/>
-          <pc:sldMk cId="1022945305" sldId="321"/>
-        </pc:sldMkLst>
-        <pc:spChg chg="mod">
-          <ac:chgData name="Long B Nguyen" userId="f59fb8f3-a021-417a-8bc1-65c8d471c621" providerId="ADAL" clId="{CC9C9D9A-5149-2947-86C0-576F501F60DC}" dt="2020-01-05T21:51:37.442" v="2325" actId="20577"/>
-          <ac:spMkLst>
-            <pc:docMk/>
-            <pc:sldMk cId="1022945305" sldId="321"/>
-            <ac:spMk id="2" creationId="{AA3A228F-61D0-D949-A5E7-F83756230BF8}"/>
-          </ac:spMkLst>
-        </pc:spChg>
-        <pc:spChg chg="mod">
-          <ac:chgData name="Long B Nguyen" userId="f59fb8f3-a021-417a-8bc1-65c8d471c621" providerId="ADAL" clId="{CC9C9D9A-5149-2947-86C0-576F501F60DC}" dt="2020-01-05T21:33:21.485" v="2304" actId="20577"/>
-          <ac:spMkLst>
-            <pc:docMk/>
-            <pc:sldMk cId="1022945305" sldId="321"/>
-            <ac:spMk id="9" creationId="{E3B2E017-30B2-884B-A113-B419A2ED51AD}"/>
-          </ac:spMkLst>
-        </pc:spChg>
-      </pc:sldChg>
-      <pc:sldChg chg="modSp add">
-        <pc:chgData name="Long B Nguyen" userId="f59fb8f3-a021-417a-8bc1-65c8d471c621" providerId="ADAL" clId="{CC9C9D9A-5149-2947-86C0-576F501F60DC}" dt="2020-01-04T17:41:57.489" v="1203" actId="20577"/>
-        <pc:sldMkLst>
-          <pc:docMk/>
-          <pc:sldMk cId="3456840474" sldId="322"/>
-        </pc:sldMkLst>
-        <pc:spChg chg="mod">
-          <ac:chgData name="Long B Nguyen" userId="f59fb8f3-a021-417a-8bc1-65c8d471c621" providerId="ADAL" clId="{CC9C9D9A-5149-2947-86C0-576F501F60DC}" dt="2020-01-04T17:41:57.489" v="1203" actId="20577"/>
-          <ac:spMkLst>
-            <pc:docMk/>
-            <pc:sldMk cId="3456840474" sldId="322"/>
-            <ac:spMk id="9" creationId="{E3B2E017-30B2-884B-A113-B419A2ED51AD}"/>
-          </ac:spMkLst>
-        </pc:spChg>
-      </pc:sldChg>
-      <pc:sldChg chg="modSp add">
-        <pc:chgData name="Long B Nguyen" userId="f59fb8f3-a021-417a-8bc1-65c8d471c621" providerId="ADAL" clId="{CC9C9D9A-5149-2947-86C0-576F501F60DC}" dt="2020-01-04T18:38:26.241" v="1214" actId="113"/>
-        <pc:sldMkLst>
-          <pc:docMk/>
-          <pc:sldMk cId="1062075874" sldId="323"/>
-        </pc:sldMkLst>
-        <pc:spChg chg="mod">
-          <ac:chgData name="Long B Nguyen" userId="f59fb8f3-a021-417a-8bc1-65c8d471c621" providerId="ADAL" clId="{CC9C9D9A-5149-2947-86C0-576F501F60DC}" dt="2020-01-04T18:38:26.241" v="1214" actId="113"/>
-          <ac:spMkLst>
-            <pc:docMk/>
-            <pc:sldMk cId="1062075874" sldId="323"/>
-            <ac:spMk id="9" creationId="{E3B2E017-30B2-884B-A113-B419A2ED51AD}"/>
-          </ac:spMkLst>
-        </pc:spChg>
-      </pc:sldChg>
-      <pc:sldChg chg="modSp add">
-        <pc:chgData name="Long B Nguyen" userId="f59fb8f3-a021-417a-8bc1-65c8d471c621" providerId="ADAL" clId="{CC9C9D9A-5149-2947-86C0-576F501F60DC}" dt="2020-01-04T20:58:36.932" v="1972" actId="20577"/>
-        <pc:sldMkLst>
-          <pc:docMk/>
-          <pc:sldMk cId="1310010799" sldId="324"/>
-        </pc:sldMkLst>
-        <pc:spChg chg="mod">
-          <ac:chgData name="Long B Nguyen" userId="f59fb8f3-a021-417a-8bc1-65c8d471c621" providerId="ADAL" clId="{CC9C9D9A-5149-2947-86C0-576F501F60DC}" dt="2020-01-04T20:55:25.731" v="1962" actId="1076"/>
-          <ac:spMkLst>
-            <pc:docMk/>
-            <pc:sldMk cId="1310010799" sldId="324"/>
-            <ac:spMk id="2" creationId="{AA3A228F-61D0-D949-A5E7-F83756230BF8}"/>
-          </ac:spMkLst>
-        </pc:spChg>
-        <pc:spChg chg="mod">
-          <ac:chgData name="Long B Nguyen" userId="f59fb8f3-a021-417a-8bc1-65c8d471c621" providerId="ADAL" clId="{CC9C9D9A-5149-2947-86C0-576F501F60DC}" dt="2020-01-04T20:58:36.932" v="1972" actId="20577"/>
-          <ac:spMkLst>
-            <pc:docMk/>
-            <pc:sldMk cId="1310010799" sldId="324"/>
-            <ac:spMk id="9" creationId="{E3B2E017-30B2-884B-A113-B419A2ED51AD}"/>
-          </ac:spMkLst>
-        </pc:spChg>
-      </pc:sldChg>
-      <pc:sldChg chg="modSp add">
-        <pc:chgData name="Long B Nguyen" userId="f59fb8f3-a021-417a-8bc1-65c8d471c621" providerId="ADAL" clId="{CC9C9D9A-5149-2947-86C0-576F501F60DC}" dt="2020-01-05T21:27:04.952" v="2119" actId="20577"/>
-        <pc:sldMkLst>
-          <pc:docMk/>
-          <pc:sldMk cId="3314372952" sldId="325"/>
-        </pc:sldMkLst>
-        <pc:spChg chg="mod">
-          <ac:chgData name="Long B Nguyen" userId="f59fb8f3-a021-417a-8bc1-65c8d471c621" providerId="ADAL" clId="{CC9C9D9A-5149-2947-86C0-576F501F60DC}" dt="2020-01-05T21:26:41.210" v="2114" actId="20577"/>
-          <ac:spMkLst>
-            <pc:docMk/>
-            <pc:sldMk cId="3314372952" sldId="325"/>
-            <ac:spMk id="2" creationId="{AA3A228F-61D0-D949-A5E7-F83756230BF8}"/>
-          </ac:spMkLst>
-        </pc:spChg>
-        <pc:spChg chg="mod">
-          <ac:chgData name="Long B Nguyen" userId="f59fb8f3-a021-417a-8bc1-65c8d471c621" providerId="ADAL" clId="{CC9C9D9A-5149-2947-86C0-576F501F60DC}" dt="2020-01-05T21:27:04.952" v="2119" actId="20577"/>
-          <ac:spMkLst>
-            <pc:docMk/>
-            <pc:sldMk cId="3314372952" sldId="325"/>
-            <ac:spMk id="9" creationId="{E3B2E017-30B2-884B-A113-B419A2ED51AD}"/>
-          </ac:spMkLst>
-        </pc:spChg>
-      </pc:sldChg>
-      <pc:sldChg chg="modSp add">
-        <pc:chgData name="Long B Nguyen" userId="f59fb8f3-a021-417a-8bc1-65c8d471c621" providerId="ADAL" clId="{CC9C9D9A-5149-2947-86C0-576F501F60DC}" dt="2020-01-05T21:29:58.563" v="2178" actId="20577"/>
-        <pc:sldMkLst>
-          <pc:docMk/>
-          <pc:sldMk cId="3117943122" sldId="326"/>
-        </pc:sldMkLst>
-        <pc:spChg chg="mod">
-          <ac:chgData name="Long B Nguyen" userId="f59fb8f3-a021-417a-8bc1-65c8d471c621" providerId="ADAL" clId="{CC9C9D9A-5149-2947-86C0-576F501F60DC}" dt="2020-01-05T21:29:58.563" v="2178" actId="20577"/>
-          <ac:spMkLst>
-            <pc:docMk/>
-            <pc:sldMk cId="3117943122" sldId="326"/>
-            <ac:spMk id="9" creationId="{E3B2E017-30B2-884B-A113-B419A2ED51AD}"/>
-          </ac:spMkLst>
-        </pc:spChg>
-      </pc:sldChg>
-      <pc:sldChg chg="modSp add">
-        <pc:chgData name="Long B Nguyen" userId="f59fb8f3-a021-417a-8bc1-65c8d471c621" providerId="ADAL" clId="{CC9C9D9A-5149-2947-86C0-576F501F60DC}" dt="2020-01-05T21:59:55.597" v="2392" actId="14100"/>
-        <pc:sldMkLst>
-          <pc:docMk/>
-          <pc:sldMk cId="1025618360" sldId="327"/>
-        </pc:sldMkLst>
-        <pc:spChg chg="mod">
-          <ac:chgData name="Long B Nguyen" userId="f59fb8f3-a021-417a-8bc1-65c8d471c621" providerId="ADAL" clId="{CC9C9D9A-5149-2947-86C0-576F501F60DC}" dt="2020-01-05T21:59:55.597" v="2392" actId="14100"/>
-          <ac:spMkLst>
-            <pc:docMk/>
-            <pc:sldMk cId="1025618360" sldId="327"/>
-            <ac:spMk id="9" creationId="{E3B2E017-30B2-884B-A113-B419A2ED51AD}"/>
-          </ac:spMkLst>
-        </pc:spChg>
-      </pc:sldChg>
-      <pc:sldChg chg="modSp add">
-        <pc:chgData name="Long B Nguyen" userId="f59fb8f3-a021-417a-8bc1-65c8d471c621" providerId="ADAL" clId="{CC9C9D9A-5149-2947-86C0-576F501F60DC}" dt="2020-01-05T21:54:47.081" v="2356" actId="2711"/>
-        <pc:sldMkLst>
-          <pc:docMk/>
-          <pc:sldMk cId="3894299887" sldId="328"/>
-        </pc:sldMkLst>
-        <pc:spChg chg="mod">
-          <ac:chgData name="Long B Nguyen" userId="f59fb8f3-a021-417a-8bc1-65c8d471c621" providerId="ADAL" clId="{CC9C9D9A-5149-2947-86C0-576F501F60DC}" dt="2020-01-05T21:51:41.306" v="2327" actId="20577"/>
-          <ac:spMkLst>
-            <pc:docMk/>
-            <pc:sldMk cId="3894299887" sldId="328"/>
-            <ac:spMk id="2" creationId="{AA3A228F-61D0-D949-A5E7-F83756230BF8}"/>
-          </ac:spMkLst>
-        </pc:spChg>
-        <pc:spChg chg="mod">
-          <ac:chgData name="Long B Nguyen" userId="f59fb8f3-a021-417a-8bc1-65c8d471c621" providerId="ADAL" clId="{CC9C9D9A-5149-2947-86C0-576F501F60DC}" dt="2020-01-05T21:54:47.081" v="2356" actId="2711"/>
-          <ac:spMkLst>
-            <pc:docMk/>
-            <pc:sldMk cId="3894299887" sldId="328"/>
-            <ac:spMk id="9" creationId="{E3B2E017-30B2-884B-A113-B419A2ED51AD}"/>
-          </ac:spMkLst>
-        </pc:spChg>
-      </pc:sldChg>
-      <pc:sldChg chg="add">
-        <pc:chgData name="Long B Nguyen" userId="f59fb8f3-a021-417a-8bc1-65c8d471c621" providerId="ADAL" clId="{CC9C9D9A-5149-2947-86C0-576F501F60DC}" dt="2020-01-05T21:57:38.736" v="2357"/>
-        <pc:sldMkLst>
-          <pc:docMk/>
-          <pc:sldMk cId="4294143140" sldId="329"/>
-        </pc:sldMkLst>
-      </pc:sldChg>
-    </pc:docChg>
-  </pc:docChgLst>
-  <pc:docChgLst>
-    <pc:chgData name="Long B Nguyen" userId="f59fb8f3-a021-417a-8bc1-65c8d471c621" providerId="ADAL" clId="{359527BD-9D28-FA41-9B76-D4C412CACD55}"/>
-  </pc:docChgLst>
   <pc:docChgLst>
     <pc:chgData name="Long B Nguyen" userId="f59fb8f3-a021-417a-8bc1-65c8d471c621" providerId="ADAL" clId="{A54A5039-9BC6-1548-AC61-7314DB675A9D}"/>
     <pc:docChg chg="undo custSel addSld delSld modSld">
@@ -1127,6 +643,30 @@
     </pc:docChg>
   </pc:docChgLst>
   <pc:docChgLst>
+    <pc:chgData name="Long B Nguyen" userId="f59fb8f3-a021-417a-8bc1-65c8d471c621" providerId="ADAL" clId="{5F646169-A1D9-E147-88C9-F7F633E92344}"/>
+    <pc:docChg chg="modSld">
+      <pc:chgData name="Long B Nguyen" userId="f59fb8f3-a021-417a-8bc1-65c8d471c621" providerId="ADAL" clId="{5F646169-A1D9-E147-88C9-F7F633E92344}" dt="2020-02-26T13:00:54.978" v="72" actId="20577"/>
+      <pc:docMkLst>
+        <pc:docMk/>
+      </pc:docMkLst>
+      <pc:sldChg chg="modSp modAnim">
+        <pc:chgData name="Long B Nguyen" userId="f59fb8f3-a021-417a-8bc1-65c8d471c621" providerId="ADAL" clId="{5F646169-A1D9-E147-88C9-F7F633E92344}" dt="2020-02-26T13:00:54.978" v="72" actId="20577"/>
+        <pc:sldMkLst>
+          <pc:docMk/>
+          <pc:sldMk cId="2076911411" sldId="601"/>
+        </pc:sldMkLst>
+        <pc:spChg chg="mod">
+          <ac:chgData name="Long B Nguyen" userId="f59fb8f3-a021-417a-8bc1-65c8d471c621" providerId="ADAL" clId="{5F646169-A1D9-E147-88C9-F7F633E92344}" dt="2020-02-26T13:00:54.978" v="72" actId="20577"/>
+          <ac:spMkLst>
+            <pc:docMk/>
+            <pc:sldMk cId="2076911411" sldId="601"/>
+            <ac:spMk id="16386" creationId="{BBF80B12-3B64-224E-8C63-344E3E46DE63}"/>
+          </ac:spMkLst>
+        </pc:spChg>
+      </pc:sldChg>
+    </pc:docChg>
+  </pc:docChgLst>
+  <pc:docChgLst>
     <pc:chgData name="Long B Nguyen" userId="f59fb8f3-a021-417a-8bc1-65c8d471c621" providerId="ADAL" clId="{6AC26564-89E3-E046-BFB4-F80582D7E17B}"/>
     <pc:docChg chg="custSel addSld delSld modSld">
       <pc:chgData name="Long B Nguyen" userId="f59fb8f3-a021-417a-8bc1-65c8d471c621" providerId="ADAL" clId="{6AC26564-89E3-E046-BFB4-F80582D7E17B}" dt="2020-01-13T13:46:56.810" v="92" actId="2696"/>
@@ -1538,10 +1078,487 @@
     </pc:docChg>
   </pc:docChgLst>
   <pc:docChgLst>
-    <pc:chgData name="Long B Nguyen" userId="f59fb8f3-a021-417a-8bc1-65c8d471c621" providerId="ADAL" clId="{E5BF62A1-4F8A-BC49-8FD7-ABEA3D28ED25}"/>
+    <pc:chgData name="Long B Nguyen" userId="f59fb8f3-a021-417a-8bc1-65c8d471c621" providerId="ADAL" clId="{4BE6A6D3-80E1-E648-9A65-3053C53C3489}"/>
+    <pc:docChg chg="addSld delSld modSld">
+      <pc:chgData name="Long B Nguyen" userId="f59fb8f3-a021-417a-8bc1-65c8d471c621" providerId="ADAL" clId="{4BE6A6D3-80E1-E648-9A65-3053C53C3489}" dt="2020-01-13T13:50:20.439" v="74" actId="2696"/>
+      <pc:docMkLst>
+        <pc:docMk/>
+      </pc:docMkLst>
+      <pc:sldChg chg="modSp">
+        <pc:chgData name="Long B Nguyen" userId="f59fb8f3-a021-417a-8bc1-65c8d471c621" providerId="ADAL" clId="{4BE6A6D3-80E1-E648-9A65-3053C53C3489}" dt="2020-01-13T13:50:08.533" v="40" actId="20577"/>
+        <pc:sldMkLst>
+          <pc:docMk/>
+          <pc:sldMk cId="4247104139" sldId="256"/>
+        </pc:sldMkLst>
+        <pc:spChg chg="mod">
+          <ac:chgData name="Long B Nguyen" userId="f59fb8f3-a021-417a-8bc1-65c8d471c621" providerId="ADAL" clId="{4BE6A6D3-80E1-E648-9A65-3053C53C3489}" dt="2020-01-13T13:50:08.533" v="40" actId="20577"/>
+          <ac:spMkLst>
+            <pc:docMk/>
+            <pc:sldMk cId="4247104139" sldId="256"/>
+            <ac:spMk id="3" creationId="{1BDC47C8-6776-7B44-9CD4-95FC91452D62}"/>
+          </ac:spMkLst>
+        </pc:spChg>
+      </pc:sldChg>
+      <pc:sldChg chg="del">
+        <pc:chgData name="Long B Nguyen" userId="f59fb8f3-a021-417a-8bc1-65c8d471c621" providerId="ADAL" clId="{4BE6A6D3-80E1-E648-9A65-3053C53C3489}" dt="2020-01-13T13:50:20.439" v="74" actId="2696"/>
+        <pc:sldMkLst>
+          <pc:docMk/>
+          <pc:sldMk cId="1758448129" sldId="309"/>
+        </pc:sldMkLst>
+      </pc:sldChg>
+      <pc:sldChg chg="del">
+        <pc:chgData name="Long B Nguyen" userId="f59fb8f3-a021-417a-8bc1-65c8d471c621" providerId="ADAL" clId="{4BE6A6D3-80E1-E648-9A65-3053C53C3489}" dt="2020-01-13T13:50:12.196" v="42" actId="2696"/>
+        <pc:sldMkLst>
+          <pc:docMk/>
+          <pc:sldMk cId="3947558204" sldId="313"/>
+        </pc:sldMkLst>
+      </pc:sldChg>
+      <pc:sldChg chg="del">
+        <pc:chgData name="Long B Nguyen" userId="f59fb8f3-a021-417a-8bc1-65c8d471c621" providerId="ADAL" clId="{4BE6A6D3-80E1-E648-9A65-3053C53C3489}" dt="2020-01-13T13:50:19.961" v="43" actId="2696"/>
+        <pc:sldMkLst>
+          <pc:docMk/>
+          <pc:sldMk cId="2054265466" sldId="314"/>
+        </pc:sldMkLst>
+      </pc:sldChg>
+      <pc:sldChg chg="del">
+        <pc:chgData name="Long B Nguyen" userId="f59fb8f3-a021-417a-8bc1-65c8d471c621" providerId="ADAL" clId="{4BE6A6D3-80E1-E648-9A65-3053C53C3489}" dt="2020-01-13T13:50:19.999" v="45" actId="2696"/>
+        <pc:sldMkLst>
+          <pc:docMk/>
+          <pc:sldMk cId="917461937" sldId="315"/>
+        </pc:sldMkLst>
+      </pc:sldChg>
+      <pc:sldChg chg="del">
+        <pc:chgData name="Long B Nguyen" userId="f59fb8f3-a021-417a-8bc1-65c8d471c621" providerId="ADAL" clId="{4BE6A6D3-80E1-E648-9A65-3053C53C3489}" dt="2020-01-13T13:50:20.011" v="46" actId="2696"/>
+        <pc:sldMkLst>
+          <pc:docMk/>
+          <pc:sldMk cId="3266234076" sldId="316"/>
+        </pc:sldMkLst>
+      </pc:sldChg>
+      <pc:sldChg chg="del">
+        <pc:chgData name="Long B Nguyen" userId="f59fb8f3-a021-417a-8bc1-65c8d471c621" providerId="ADAL" clId="{4BE6A6D3-80E1-E648-9A65-3053C53C3489}" dt="2020-01-13T13:50:19.977" v="44" actId="2696"/>
+        <pc:sldMkLst>
+          <pc:docMk/>
+          <pc:sldMk cId="2886319738" sldId="317"/>
+        </pc:sldMkLst>
+      </pc:sldChg>
+      <pc:sldChg chg="del">
+        <pc:chgData name="Long B Nguyen" userId="f59fb8f3-a021-417a-8bc1-65c8d471c621" providerId="ADAL" clId="{4BE6A6D3-80E1-E648-9A65-3053C53C3489}" dt="2020-01-13T13:50:20.047" v="48" actId="2696"/>
+        <pc:sldMkLst>
+          <pc:docMk/>
+          <pc:sldMk cId="3906700287" sldId="319"/>
+        </pc:sldMkLst>
+      </pc:sldChg>
+      <pc:sldChg chg="del">
+        <pc:chgData name="Long B Nguyen" userId="f59fb8f3-a021-417a-8bc1-65c8d471c621" providerId="ADAL" clId="{4BE6A6D3-80E1-E648-9A65-3053C53C3489}" dt="2020-01-13T13:50:20.082" v="50" actId="2696"/>
+        <pc:sldMkLst>
+          <pc:docMk/>
+          <pc:sldMk cId="1810541734" sldId="320"/>
+        </pc:sldMkLst>
+      </pc:sldChg>
+      <pc:sldChg chg="del">
+        <pc:chgData name="Long B Nguyen" userId="f59fb8f3-a021-417a-8bc1-65c8d471c621" providerId="ADAL" clId="{4BE6A6D3-80E1-E648-9A65-3053C53C3489}" dt="2020-01-13T13:50:20.093" v="51" actId="2696"/>
+        <pc:sldMkLst>
+          <pc:docMk/>
+          <pc:sldMk cId="1359731776" sldId="321"/>
+        </pc:sldMkLst>
+      </pc:sldChg>
+      <pc:sldChg chg="del">
+        <pc:chgData name="Long B Nguyen" userId="f59fb8f3-a021-417a-8bc1-65c8d471c621" providerId="ADAL" clId="{4BE6A6D3-80E1-E648-9A65-3053C53C3489}" dt="2020-01-13T13:50:20.107" v="52" actId="2696"/>
+        <pc:sldMkLst>
+          <pc:docMk/>
+          <pc:sldMk cId="3651577480" sldId="322"/>
+        </pc:sldMkLst>
+      </pc:sldChg>
+      <pc:sldChg chg="del">
+        <pc:chgData name="Long B Nguyen" userId="f59fb8f3-a021-417a-8bc1-65c8d471c621" providerId="ADAL" clId="{4BE6A6D3-80E1-E648-9A65-3053C53C3489}" dt="2020-01-13T13:50:20.069" v="49" actId="2696"/>
+        <pc:sldMkLst>
+          <pc:docMk/>
+          <pc:sldMk cId="1496564367" sldId="323"/>
+        </pc:sldMkLst>
+      </pc:sldChg>
+      <pc:sldChg chg="del">
+        <pc:chgData name="Long B Nguyen" userId="f59fb8f3-a021-417a-8bc1-65c8d471c621" providerId="ADAL" clId="{4BE6A6D3-80E1-E648-9A65-3053C53C3489}" dt="2020-01-13T13:50:20.420" v="73" actId="2696"/>
+        <pc:sldMkLst>
+          <pc:docMk/>
+          <pc:sldMk cId="771866096" sldId="324"/>
+        </pc:sldMkLst>
+      </pc:sldChg>
+      <pc:sldChg chg="del">
+        <pc:chgData name="Long B Nguyen" userId="f59fb8f3-a021-417a-8bc1-65c8d471c621" providerId="ADAL" clId="{4BE6A6D3-80E1-E648-9A65-3053C53C3489}" dt="2020-01-13T13:50:20.162" v="56" actId="2696"/>
+        <pc:sldMkLst>
+          <pc:docMk/>
+          <pc:sldMk cId="1025355635" sldId="325"/>
+        </pc:sldMkLst>
+      </pc:sldChg>
+      <pc:sldChg chg="del">
+        <pc:chgData name="Long B Nguyen" userId="f59fb8f3-a021-417a-8bc1-65c8d471c621" providerId="ADAL" clId="{4BE6A6D3-80E1-E648-9A65-3053C53C3489}" dt="2020-01-13T13:50:20.149" v="55" actId="2696"/>
+        <pc:sldMkLst>
+          <pc:docMk/>
+          <pc:sldMk cId="4174920299" sldId="327"/>
+        </pc:sldMkLst>
+      </pc:sldChg>
+      <pc:sldChg chg="del">
+        <pc:chgData name="Long B Nguyen" userId="f59fb8f3-a021-417a-8bc1-65c8d471c621" providerId="ADAL" clId="{4BE6A6D3-80E1-E648-9A65-3053C53C3489}" dt="2020-01-13T13:50:20.176" v="57" actId="2696"/>
+        <pc:sldMkLst>
+          <pc:docMk/>
+          <pc:sldMk cId="2756462650" sldId="328"/>
+        </pc:sldMkLst>
+      </pc:sldChg>
+      <pc:sldChg chg="del">
+        <pc:chgData name="Long B Nguyen" userId="f59fb8f3-a021-417a-8bc1-65c8d471c621" providerId="ADAL" clId="{4BE6A6D3-80E1-E648-9A65-3053C53C3489}" dt="2020-01-13T13:50:20.191" v="58" actId="2696"/>
+        <pc:sldMkLst>
+          <pc:docMk/>
+          <pc:sldMk cId="3080714931" sldId="329"/>
+        </pc:sldMkLst>
+      </pc:sldChg>
+      <pc:sldChg chg="del">
+        <pc:chgData name="Long B Nguyen" userId="f59fb8f3-a021-417a-8bc1-65c8d471c621" providerId="ADAL" clId="{4BE6A6D3-80E1-E648-9A65-3053C53C3489}" dt="2020-01-13T13:50:20.204" v="59" actId="2696"/>
+        <pc:sldMkLst>
+          <pc:docMk/>
+          <pc:sldMk cId="532184546" sldId="330"/>
+        </pc:sldMkLst>
+      </pc:sldChg>
+      <pc:sldChg chg="del">
+        <pc:chgData name="Long B Nguyen" userId="f59fb8f3-a021-417a-8bc1-65c8d471c621" providerId="ADAL" clId="{4BE6A6D3-80E1-E648-9A65-3053C53C3489}" dt="2020-01-13T13:50:20.219" v="60" actId="2696"/>
+        <pc:sldMkLst>
+          <pc:docMk/>
+          <pc:sldMk cId="3264629021" sldId="331"/>
+        </pc:sldMkLst>
+      </pc:sldChg>
+      <pc:sldChg chg="del">
+        <pc:chgData name="Long B Nguyen" userId="f59fb8f3-a021-417a-8bc1-65c8d471c621" providerId="ADAL" clId="{4BE6A6D3-80E1-E648-9A65-3053C53C3489}" dt="2020-01-13T13:50:20.261" v="63" actId="2696"/>
+        <pc:sldMkLst>
+          <pc:docMk/>
+          <pc:sldMk cId="4022722016" sldId="332"/>
+        </pc:sldMkLst>
+      </pc:sldChg>
+      <pc:sldChg chg="del">
+        <pc:chgData name="Long B Nguyen" userId="f59fb8f3-a021-417a-8bc1-65c8d471c621" providerId="ADAL" clId="{4BE6A6D3-80E1-E648-9A65-3053C53C3489}" dt="2020-01-13T13:50:20.283" v="64" actId="2696"/>
+        <pc:sldMkLst>
+          <pc:docMk/>
+          <pc:sldMk cId="1710208723" sldId="333"/>
+        </pc:sldMkLst>
+      </pc:sldChg>
+      <pc:sldChg chg="del">
+        <pc:chgData name="Long B Nguyen" userId="f59fb8f3-a021-417a-8bc1-65c8d471c621" providerId="ADAL" clId="{4BE6A6D3-80E1-E648-9A65-3053C53C3489}" dt="2020-01-13T13:50:20.251" v="62" actId="2696"/>
+        <pc:sldMkLst>
+          <pc:docMk/>
+          <pc:sldMk cId="3404583044" sldId="334"/>
+        </pc:sldMkLst>
+      </pc:sldChg>
+      <pc:sldChg chg="del">
+        <pc:chgData name="Long B Nguyen" userId="f59fb8f3-a021-417a-8bc1-65c8d471c621" providerId="ADAL" clId="{4BE6A6D3-80E1-E648-9A65-3053C53C3489}" dt="2020-01-13T13:50:20.304" v="65" actId="2696"/>
+        <pc:sldMkLst>
+          <pc:docMk/>
+          <pc:sldMk cId="3866550465" sldId="335"/>
+        </pc:sldMkLst>
+      </pc:sldChg>
+      <pc:sldChg chg="del">
+        <pc:chgData name="Long B Nguyen" userId="f59fb8f3-a021-417a-8bc1-65c8d471c621" providerId="ADAL" clId="{4BE6A6D3-80E1-E648-9A65-3053C53C3489}" dt="2020-01-13T13:50:20.324" v="66" actId="2696"/>
+        <pc:sldMkLst>
+          <pc:docMk/>
+          <pc:sldMk cId="3749436800" sldId="336"/>
+        </pc:sldMkLst>
+      </pc:sldChg>
+      <pc:sldChg chg="del">
+        <pc:chgData name="Long B Nguyen" userId="f59fb8f3-a021-417a-8bc1-65c8d471c621" providerId="ADAL" clId="{4BE6A6D3-80E1-E648-9A65-3053C53C3489}" dt="2020-01-13T13:50:20.336" v="67" actId="2696"/>
+        <pc:sldMkLst>
+          <pc:docMk/>
+          <pc:sldMk cId="461704868" sldId="337"/>
+        </pc:sldMkLst>
+      </pc:sldChg>
+      <pc:sldChg chg="del">
+        <pc:chgData name="Long B Nguyen" userId="f59fb8f3-a021-417a-8bc1-65c8d471c621" providerId="ADAL" clId="{4BE6A6D3-80E1-E648-9A65-3053C53C3489}" dt="2020-01-13T13:50:20.351" v="68" actId="2696"/>
+        <pc:sldMkLst>
+          <pc:docMk/>
+          <pc:sldMk cId="545386500" sldId="338"/>
+        </pc:sldMkLst>
+      </pc:sldChg>
+      <pc:sldChg chg="del">
+        <pc:chgData name="Long B Nguyen" userId="f59fb8f3-a021-417a-8bc1-65c8d471c621" providerId="ADAL" clId="{4BE6A6D3-80E1-E648-9A65-3053C53C3489}" dt="2020-01-13T13:50:20.380" v="70" actId="2696"/>
+        <pc:sldMkLst>
+          <pc:docMk/>
+          <pc:sldMk cId="1791361008" sldId="339"/>
+        </pc:sldMkLst>
+      </pc:sldChg>
+      <pc:sldChg chg="del">
+        <pc:chgData name="Long B Nguyen" userId="f59fb8f3-a021-417a-8bc1-65c8d471c621" providerId="ADAL" clId="{4BE6A6D3-80E1-E648-9A65-3053C53C3489}" dt="2020-01-13T13:50:20.367" v="69" actId="2696"/>
+        <pc:sldMkLst>
+          <pc:docMk/>
+          <pc:sldMk cId="678299524" sldId="340"/>
+        </pc:sldMkLst>
+      </pc:sldChg>
+      <pc:sldChg chg="del">
+        <pc:chgData name="Long B Nguyen" userId="f59fb8f3-a021-417a-8bc1-65c8d471c621" providerId="ADAL" clId="{4BE6A6D3-80E1-E648-9A65-3053C53C3489}" dt="2020-01-13T13:50:20.393" v="71" actId="2696"/>
+        <pc:sldMkLst>
+          <pc:docMk/>
+          <pc:sldMk cId="225127645" sldId="341"/>
+        </pc:sldMkLst>
+      </pc:sldChg>
+      <pc:sldChg chg="del">
+        <pc:chgData name="Long B Nguyen" userId="f59fb8f3-a021-417a-8bc1-65c8d471c621" providerId="ADAL" clId="{4BE6A6D3-80E1-E648-9A65-3053C53C3489}" dt="2020-01-13T13:50:20.133" v="54" actId="2696"/>
+        <pc:sldMkLst>
+          <pc:docMk/>
+          <pc:sldMk cId="2214326257" sldId="342"/>
+        </pc:sldMkLst>
+      </pc:sldChg>
+      <pc:sldChg chg="del">
+        <pc:chgData name="Long B Nguyen" userId="f59fb8f3-a021-417a-8bc1-65c8d471c621" providerId="ADAL" clId="{4BE6A6D3-80E1-E648-9A65-3053C53C3489}" dt="2020-01-13T13:50:20.121" v="53" actId="2696"/>
+        <pc:sldMkLst>
+          <pc:docMk/>
+          <pc:sldMk cId="1356056044" sldId="343"/>
+        </pc:sldMkLst>
+      </pc:sldChg>
+      <pc:sldChg chg="del">
+        <pc:chgData name="Long B Nguyen" userId="f59fb8f3-a021-417a-8bc1-65c8d471c621" providerId="ADAL" clId="{4BE6A6D3-80E1-E648-9A65-3053C53C3489}" dt="2020-01-13T13:50:20.028" v="47" actId="2696"/>
+        <pc:sldMkLst>
+          <pc:docMk/>
+          <pc:sldMk cId="902308803" sldId="345"/>
+        </pc:sldMkLst>
+      </pc:sldChg>
+      <pc:sldChg chg="del">
+        <pc:chgData name="Long B Nguyen" userId="f59fb8f3-a021-417a-8bc1-65c8d471c621" providerId="ADAL" clId="{4BE6A6D3-80E1-E648-9A65-3053C53C3489}" dt="2020-01-13T13:50:20.235" v="61" actId="2696"/>
+        <pc:sldMkLst>
+          <pc:docMk/>
+          <pc:sldMk cId="2271372051" sldId="346"/>
+        </pc:sldMkLst>
+      </pc:sldChg>
+      <pc:sldChg chg="del">
+        <pc:chgData name="Long B Nguyen" userId="f59fb8f3-a021-417a-8bc1-65c8d471c621" providerId="ADAL" clId="{4BE6A6D3-80E1-E648-9A65-3053C53C3489}" dt="2020-01-13T13:50:20.403" v="72" actId="2696"/>
+        <pc:sldMkLst>
+          <pc:docMk/>
+          <pc:sldMk cId="198078322" sldId="347"/>
+        </pc:sldMkLst>
+      </pc:sldChg>
+      <pc:sldChg chg="add">
+        <pc:chgData name="Long B Nguyen" userId="f59fb8f3-a021-417a-8bc1-65c8d471c621" providerId="ADAL" clId="{4BE6A6D3-80E1-E648-9A65-3053C53C3489}" dt="2020-01-13T13:50:10.483" v="41"/>
+        <pc:sldMkLst>
+          <pc:docMk/>
+          <pc:sldMk cId="2218591065" sldId="348"/>
+        </pc:sldMkLst>
+      </pc:sldChg>
+      <pc:sldChg chg="add">
+        <pc:chgData name="Long B Nguyen" userId="f59fb8f3-a021-417a-8bc1-65c8d471c621" providerId="ADAL" clId="{4BE6A6D3-80E1-E648-9A65-3053C53C3489}" dt="2020-01-13T13:50:10.483" v="41"/>
+        <pc:sldMkLst>
+          <pc:docMk/>
+          <pc:sldMk cId="2191981710" sldId="349"/>
+        </pc:sldMkLst>
+      </pc:sldChg>
+    </pc:docChg>
   </pc:docChgLst>
   <pc:docChgLst>
-    <pc:chgData name="Long B Nguyen" userId="f59fb8f3-a021-417a-8bc1-65c8d471c621" providerId="ADAL" clId="{6CD83B71-C243-244B-B302-DE2E82069201}"/>
+    <pc:chgData name="Long B Nguyen" userId="f59fb8f3-a021-417a-8bc1-65c8d471c621" providerId="ADAL" clId="{CC9C9D9A-5149-2947-86C0-576F501F60DC}"/>
+    <pc:docChg chg="addSld modSld">
+      <pc:chgData name="Long B Nguyen" userId="f59fb8f3-a021-417a-8bc1-65c8d471c621" providerId="ADAL" clId="{CC9C9D9A-5149-2947-86C0-576F501F60DC}" dt="2020-01-05T21:59:55.597" v="2392" actId="14100"/>
+      <pc:docMkLst>
+        <pc:docMk/>
+      </pc:docMkLst>
+      <pc:sldChg chg="modSp add modAnim">
+        <pc:chgData name="Long B Nguyen" userId="f59fb8f3-a021-417a-8bc1-65c8d471c621" providerId="ADAL" clId="{CC9C9D9A-5149-2947-86C0-576F501F60DC}" dt="2020-01-04T15:49:37.373" v="563" actId="20577"/>
+        <pc:sldMkLst>
+          <pc:docMk/>
+          <pc:sldMk cId="924617162" sldId="319"/>
+        </pc:sldMkLst>
+        <pc:spChg chg="mod">
+          <ac:chgData name="Long B Nguyen" userId="f59fb8f3-a021-417a-8bc1-65c8d471c621" providerId="ADAL" clId="{CC9C9D9A-5149-2947-86C0-576F501F60DC}" dt="2020-01-04T15:45:14.876" v="4" actId="20577"/>
+          <ac:spMkLst>
+            <pc:docMk/>
+            <pc:sldMk cId="924617162" sldId="319"/>
+            <ac:spMk id="2" creationId="{AA3A228F-61D0-D949-A5E7-F83756230BF8}"/>
+          </ac:spMkLst>
+        </pc:spChg>
+        <pc:spChg chg="mod">
+          <ac:chgData name="Long B Nguyen" userId="f59fb8f3-a021-417a-8bc1-65c8d471c621" providerId="ADAL" clId="{CC9C9D9A-5149-2947-86C0-576F501F60DC}" dt="2020-01-04T15:49:37.373" v="563" actId="20577"/>
+          <ac:spMkLst>
+            <pc:docMk/>
+            <pc:sldMk cId="924617162" sldId="319"/>
+            <ac:spMk id="9" creationId="{E3B2E017-30B2-884B-A113-B419A2ED51AD}"/>
+          </ac:spMkLst>
+        </pc:spChg>
+      </pc:sldChg>
+      <pc:sldChg chg="modSp add">
+        <pc:chgData name="Long B Nguyen" userId="f59fb8f3-a021-417a-8bc1-65c8d471c621" providerId="ADAL" clId="{CC9C9D9A-5149-2947-86C0-576F501F60DC}" dt="2020-01-04T15:57:55.835" v="789" actId="14100"/>
+        <pc:sldMkLst>
+          <pc:docMk/>
+          <pc:sldMk cId="3758830494" sldId="320"/>
+        </pc:sldMkLst>
+        <pc:spChg chg="mod">
+          <ac:chgData name="Long B Nguyen" userId="f59fb8f3-a021-417a-8bc1-65c8d471c621" providerId="ADAL" clId="{CC9C9D9A-5149-2947-86C0-576F501F60DC}" dt="2020-01-04T15:57:52.065" v="788" actId="1076"/>
+          <ac:spMkLst>
+            <pc:docMk/>
+            <pc:sldMk cId="3758830494" sldId="320"/>
+            <ac:spMk id="2" creationId="{AA3A228F-61D0-D949-A5E7-F83756230BF8}"/>
+          </ac:spMkLst>
+        </pc:spChg>
+        <pc:spChg chg="mod">
+          <ac:chgData name="Long B Nguyen" userId="f59fb8f3-a021-417a-8bc1-65c8d471c621" providerId="ADAL" clId="{CC9C9D9A-5149-2947-86C0-576F501F60DC}" dt="2020-01-04T15:57:55.835" v="789" actId="14100"/>
+          <ac:spMkLst>
+            <pc:docMk/>
+            <pc:sldMk cId="3758830494" sldId="320"/>
+            <ac:spMk id="9" creationId="{E3B2E017-30B2-884B-A113-B419A2ED51AD}"/>
+          </ac:spMkLst>
+        </pc:spChg>
+      </pc:sldChg>
+      <pc:sldChg chg="modSp add">
+        <pc:chgData name="Long B Nguyen" userId="f59fb8f3-a021-417a-8bc1-65c8d471c621" providerId="ADAL" clId="{CC9C9D9A-5149-2947-86C0-576F501F60DC}" dt="2020-01-05T21:51:37.442" v="2325" actId="20577"/>
+        <pc:sldMkLst>
+          <pc:docMk/>
+          <pc:sldMk cId="1022945305" sldId="321"/>
+        </pc:sldMkLst>
+        <pc:spChg chg="mod">
+          <ac:chgData name="Long B Nguyen" userId="f59fb8f3-a021-417a-8bc1-65c8d471c621" providerId="ADAL" clId="{CC9C9D9A-5149-2947-86C0-576F501F60DC}" dt="2020-01-05T21:51:37.442" v="2325" actId="20577"/>
+          <ac:spMkLst>
+            <pc:docMk/>
+            <pc:sldMk cId="1022945305" sldId="321"/>
+            <ac:spMk id="2" creationId="{AA3A228F-61D0-D949-A5E7-F83756230BF8}"/>
+          </ac:spMkLst>
+        </pc:spChg>
+        <pc:spChg chg="mod">
+          <ac:chgData name="Long B Nguyen" userId="f59fb8f3-a021-417a-8bc1-65c8d471c621" providerId="ADAL" clId="{CC9C9D9A-5149-2947-86C0-576F501F60DC}" dt="2020-01-05T21:33:21.485" v="2304" actId="20577"/>
+          <ac:spMkLst>
+            <pc:docMk/>
+            <pc:sldMk cId="1022945305" sldId="321"/>
+            <ac:spMk id="9" creationId="{E3B2E017-30B2-884B-A113-B419A2ED51AD}"/>
+          </ac:spMkLst>
+        </pc:spChg>
+      </pc:sldChg>
+      <pc:sldChg chg="modSp add">
+        <pc:chgData name="Long B Nguyen" userId="f59fb8f3-a021-417a-8bc1-65c8d471c621" providerId="ADAL" clId="{CC9C9D9A-5149-2947-86C0-576F501F60DC}" dt="2020-01-04T17:41:57.489" v="1203" actId="20577"/>
+        <pc:sldMkLst>
+          <pc:docMk/>
+          <pc:sldMk cId="3456840474" sldId="322"/>
+        </pc:sldMkLst>
+        <pc:spChg chg="mod">
+          <ac:chgData name="Long B Nguyen" userId="f59fb8f3-a021-417a-8bc1-65c8d471c621" providerId="ADAL" clId="{CC9C9D9A-5149-2947-86C0-576F501F60DC}" dt="2020-01-04T17:41:57.489" v="1203" actId="20577"/>
+          <ac:spMkLst>
+            <pc:docMk/>
+            <pc:sldMk cId="3456840474" sldId="322"/>
+            <ac:spMk id="9" creationId="{E3B2E017-30B2-884B-A113-B419A2ED51AD}"/>
+          </ac:spMkLst>
+        </pc:spChg>
+      </pc:sldChg>
+      <pc:sldChg chg="modSp add">
+        <pc:chgData name="Long B Nguyen" userId="f59fb8f3-a021-417a-8bc1-65c8d471c621" providerId="ADAL" clId="{CC9C9D9A-5149-2947-86C0-576F501F60DC}" dt="2020-01-04T18:38:26.241" v="1214" actId="113"/>
+        <pc:sldMkLst>
+          <pc:docMk/>
+          <pc:sldMk cId="1062075874" sldId="323"/>
+        </pc:sldMkLst>
+        <pc:spChg chg="mod">
+          <ac:chgData name="Long B Nguyen" userId="f59fb8f3-a021-417a-8bc1-65c8d471c621" providerId="ADAL" clId="{CC9C9D9A-5149-2947-86C0-576F501F60DC}" dt="2020-01-04T18:38:26.241" v="1214" actId="113"/>
+          <ac:spMkLst>
+            <pc:docMk/>
+            <pc:sldMk cId="1062075874" sldId="323"/>
+            <ac:spMk id="9" creationId="{E3B2E017-30B2-884B-A113-B419A2ED51AD}"/>
+          </ac:spMkLst>
+        </pc:spChg>
+      </pc:sldChg>
+      <pc:sldChg chg="modSp add">
+        <pc:chgData name="Long B Nguyen" userId="f59fb8f3-a021-417a-8bc1-65c8d471c621" providerId="ADAL" clId="{CC9C9D9A-5149-2947-86C0-576F501F60DC}" dt="2020-01-04T20:58:36.932" v="1972" actId="20577"/>
+        <pc:sldMkLst>
+          <pc:docMk/>
+          <pc:sldMk cId="1310010799" sldId="324"/>
+        </pc:sldMkLst>
+        <pc:spChg chg="mod">
+          <ac:chgData name="Long B Nguyen" userId="f59fb8f3-a021-417a-8bc1-65c8d471c621" providerId="ADAL" clId="{CC9C9D9A-5149-2947-86C0-576F501F60DC}" dt="2020-01-04T20:55:25.731" v="1962" actId="1076"/>
+          <ac:spMkLst>
+            <pc:docMk/>
+            <pc:sldMk cId="1310010799" sldId="324"/>
+            <ac:spMk id="2" creationId="{AA3A228F-61D0-D949-A5E7-F83756230BF8}"/>
+          </ac:spMkLst>
+        </pc:spChg>
+        <pc:spChg chg="mod">
+          <ac:chgData name="Long B Nguyen" userId="f59fb8f3-a021-417a-8bc1-65c8d471c621" providerId="ADAL" clId="{CC9C9D9A-5149-2947-86C0-576F501F60DC}" dt="2020-01-04T20:58:36.932" v="1972" actId="20577"/>
+          <ac:spMkLst>
+            <pc:docMk/>
+            <pc:sldMk cId="1310010799" sldId="324"/>
+            <ac:spMk id="9" creationId="{E3B2E017-30B2-884B-A113-B419A2ED51AD}"/>
+          </ac:spMkLst>
+        </pc:spChg>
+      </pc:sldChg>
+      <pc:sldChg chg="modSp add">
+        <pc:chgData name="Long B Nguyen" userId="f59fb8f3-a021-417a-8bc1-65c8d471c621" providerId="ADAL" clId="{CC9C9D9A-5149-2947-86C0-576F501F60DC}" dt="2020-01-05T21:27:04.952" v="2119" actId="20577"/>
+        <pc:sldMkLst>
+          <pc:docMk/>
+          <pc:sldMk cId="3314372952" sldId="325"/>
+        </pc:sldMkLst>
+        <pc:spChg chg="mod">
+          <ac:chgData name="Long B Nguyen" userId="f59fb8f3-a021-417a-8bc1-65c8d471c621" providerId="ADAL" clId="{CC9C9D9A-5149-2947-86C0-576F501F60DC}" dt="2020-01-05T21:26:41.210" v="2114" actId="20577"/>
+          <ac:spMkLst>
+            <pc:docMk/>
+            <pc:sldMk cId="3314372952" sldId="325"/>
+            <ac:spMk id="2" creationId="{AA3A228F-61D0-D949-A5E7-F83756230BF8}"/>
+          </ac:spMkLst>
+        </pc:spChg>
+        <pc:spChg chg="mod">
+          <ac:chgData name="Long B Nguyen" userId="f59fb8f3-a021-417a-8bc1-65c8d471c621" providerId="ADAL" clId="{CC9C9D9A-5149-2947-86C0-576F501F60DC}" dt="2020-01-05T21:27:04.952" v="2119" actId="20577"/>
+          <ac:spMkLst>
+            <pc:docMk/>
+            <pc:sldMk cId="3314372952" sldId="325"/>
+            <ac:spMk id="9" creationId="{E3B2E017-30B2-884B-A113-B419A2ED51AD}"/>
+          </ac:spMkLst>
+        </pc:spChg>
+      </pc:sldChg>
+      <pc:sldChg chg="modSp add">
+        <pc:chgData name="Long B Nguyen" userId="f59fb8f3-a021-417a-8bc1-65c8d471c621" providerId="ADAL" clId="{CC9C9D9A-5149-2947-86C0-576F501F60DC}" dt="2020-01-05T21:29:58.563" v="2178" actId="20577"/>
+        <pc:sldMkLst>
+          <pc:docMk/>
+          <pc:sldMk cId="3117943122" sldId="326"/>
+        </pc:sldMkLst>
+        <pc:spChg chg="mod">
+          <ac:chgData name="Long B Nguyen" userId="f59fb8f3-a021-417a-8bc1-65c8d471c621" providerId="ADAL" clId="{CC9C9D9A-5149-2947-86C0-576F501F60DC}" dt="2020-01-05T21:29:58.563" v="2178" actId="20577"/>
+          <ac:spMkLst>
+            <pc:docMk/>
+            <pc:sldMk cId="3117943122" sldId="326"/>
+            <ac:spMk id="9" creationId="{E3B2E017-30B2-884B-A113-B419A2ED51AD}"/>
+          </ac:spMkLst>
+        </pc:spChg>
+      </pc:sldChg>
+      <pc:sldChg chg="modSp add">
+        <pc:chgData name="Long B Nguyen" userId="f59fb8f3-a021-417a-8bc1-65c8d471c621" providerId="ADAL" clId="{CC9C9D9A-5149-2947-86C0-576F501F60DC}" dt="2020-01-05T21:59:55.597" v="2392" actId="14100"/>
+        <pc:sldMkLst>
+          <pc:docMk/>
+          <pc:sldMk cId="1025618360" sldId="327"/>
+        </pc:sldMkLst>
+        <pc:spChg chg="mod">
+          <ac:chgData name="Long B Nguyen" userId="f59fb8f3-a021-417a-8bc1-65c8d471c621" providerId="ADAL" clId="{CC9C9D9A-5149-2947-86C0-576F501F60DC}" dt="2020-01-05T21:59:55.597" v="2392" actId="14100"/>
+          <ac:spMkLst>
+            <pc:docMk/>
+            <pc:sldMk cId="1025618360" sldId="327"/>
+            <ac:spMk id="9" creationId="{E3B2E017-30B2-884B-A113-B419A2ED51AD}"/>
+          </ac:spMkLst>
+        </pc:spChg>
+      </pc:sldChg>
+      <pc:sldChg chg="modSp add">
+        <pc:chgData name="Long B Nguyen" userId="f59fb8f3-a021-417a-8bc1-65c8d471c621" providerId="ADAL" clId="{CC9C9D9A-5149-2947-86C0-576F501F60DC}" dt="2020-01-05T21:54:47.081" v="2356" actId="2711"/>
+        <pc:sldMkLst>
+          <pc:docMk/>
+          <pc:sldMk cId="3894299887" sldId="328"/>
+        </pc:sldMkLst>
+        <pc:spChg chg="mod">
+          <ac:chgData name="Long B Nguyen" userId="f59fb8f3-a021-417a-8bc1-65c8d471c621" providerId="ADAL" clId="{CC9C9D9A-5149-2947-86C0-576F501F60DC}" dt="2020-01-05T21:51:41.306" v="2327" actId="20577"/>
+          <ac:spMkLst>
+            <pc:docMk/>
+            <pc:sldMk cId="3894299887" sldId="328"/>
+            <ac:spMk id="2" creationId="{AA3A228F-61D0-D949-A5E7-F83756230BF8}"/>
+          </ac:spMkLst>
+        </pc:spChg>
+        <pc:spChg chg="mod">
+          <ac:chgData name="Long B Nguyen" userId="f59fb8f3-a021-417a-8bc1-65c8d471c621" providerId="ADAL" clId="{CC9C9D9A-5149-2947-86C0-576F501F60DC}" dt="2020-01-05T21:54:47.081" v="2356" actId="2711"/>
+          <ac:spMkLst>
+            <pc:docMk/>
+            <pc:sldMk cId="3894299887" sldId="328"/>
+            <ac:spMk id="9" creationId="{E3B2E017-30B2-884B-A113-B419A2ED51AD}"/>
+          </ac:spMkLst>
+        </pc:spChg>
+      </pc:sldChg>
+      <pc:sldChg chg="add">
+        <pc:chgData name="Long B Nguyen" userId="f59fb8f3-a021-417a-8bc1-65c8d471c621" providerId="ADAL" clId="{CC9C9D9A-5149-2947-86C0-576F501F60DC}" dt="2020-01-05T21:57:38.736" v="2357"/>
+        <pc:sldMkLst>
+          <pc:docMk/>
+          <pc:sldMk cId="4294143140" sldId="329"/>
+        </pc:sldMkLst>
+      </pc:sldChg>
+    </pc:docChg>
   </pc:docChgLst>
   <pc:docChgLst>
     <pc:chgData name="Long B Nguyen" userId="f59fb8f3-a021-417a-8bc1-65c8d471c621" providerId="ADAL" clId="{AA9102B5-DACA-D841-B260-AEEBF90FC60A}"/>
@@ -1897,24 +1914,70 @@
     </pc:docChg>
   </pc:docChgLst>
   <pc:docChgLst>
-    <pc:chgData name="Long B Nguyen" userId="f59fb8f3-a021-417a-8bc1-65c8d471c621" providerId="ADAL" clId="{5F646169-A1D9-E147-88C9-F7F633E92344}"/>
-    <pc:docChg chg="modSld">
-      <pc:chgData name="Long B Nguyen" userId="f59fb8f3-a021-417a-8bc1-65c8d471c621" providerId="ADAL" clId="{5F646169-A1D9-E147-88C9-F7F633E92344}" dt="2020-02-26T13:00:54.978" v="72" actId="20577"/>
+    <pc:chgData name="Long B Nguyen" userId="f59fb8f3-a021-417a-8bc1-65c8d471c621" providerId="ADAL" clId="{B9DFA1C4-BDD3-4E42-9076-CE7C4D94C5A0}"/>
+    <pc:docChg chg="addSld modSld">
+      <pc:chgData name="Long B Nguyen" userId="f59fb8f3-a021-417a-8bc1-65c8d471c621" providerId="ADAL" clId="{B9DFA1C4-BDD3-4E42-9076-CE7C4D94C5A0}" dt="2021-05-05T14:28:03.564" v="438"/>
       <pc:docMkLst>
         <pc:docMk/>
       </pc:docMkLst>
-      <pc:sldChg chg="modSp modAnim">
-        <pc:chgData name="Long B Nguyen" userId="f59fb8f3-a021-417a-8bc1-65c8d471c621" providerId="ADAL" clId="{5F646169-A1D9-E147-88C9-F7F633E92344}" dt="2020-02-26T13:00:54.978" v="72" actId="20577"/>
+      <pc:sldChg chg="modSp mod modAnim">
+        <pc:chgData name="Long B Nguyen" userId="f59fb8f3-a021-417a-8bc1-65c8d471c621" providerId="ADAL" clId="{B9DFA1C4-BDD3-4E42-9076-CE7C4D94C5A0}" dt="2021-05-05T14:28:03.564" v="438"/>
         <pc:sldMkLst>
           <pc:docMk/>
-          <pc:sldMk cId="2076911411" sldId="601"/>
+          <pc:sldMk cId="638103133" sldId="609"/>
         </pc:sldMkLst>
         <pc:spChg chg="mod">
-          <ac:chgData name="Long B Nguyen" userId="f59fb8f3-a021-417a-8bc1-65c8d471c621" providerId="ADAL" clId="{5F646169-A1D9-E147-88C9-F7F633E92344}" dt="2020-02-26T13:00:54.978" v="72" actId="20577"/>
+          <ac:chgData name="Long B Nguyen" userId="f59fb8f3-a021-417a-8bc1-65c8d471c621" providerId="ADAL" clId="{B9DFA1C4-BDD3-4E42-9076-CE7C4D94C5A0}" dt="2021-05-05T14:24:51.850" v="224" actId="20577"/>
           <ac:spMkLst>
             <pc:docMk/>
-            <pc:sldMk cId="2076911411" sldId="601"/>
-            <ac:spMk id="16386" creationId="{BBF80B12-3B64-224E-8C63-344E3E46DE63}"/>
+            <pc:sldMk cId="638103133" sldId="609"/>
+            <ac:spMk id="69634" creationId="{FD9DE532-4EC4-0D40-ADFB-7F0AA406DC7A}"/>
+          </ac:spMkLst>
+        </pc:spChg>
+        <pc:spChg chg="mod">
+          <ac:chgData name="Long B Nguyen" userId="f59fb8f3-a021-417a-8bc1-65c8d471c621" providerId="ADAL" clId="{B9DFA1C4-BDD3-4E42-9076-CE7C4D94C5A0}" dt="2021-05-05T14:28:03.564" v="438"/>
+          <ac:spMkLst>
+            <pc:docMk/>
+            <pc:sldMk cId="638103133" sldId="609"/>
+            <ac:spMk id="73729" creationId="{68C10369-9285-C146-8813-8715FBA65853}"/>
+          </ac:spMkLst>
+        </pc:spChg>
+      </pc:sldChg>
+      <pc:sldChg chg="modSp add modAnim">
+        <pc:chgData name="Long B Nguyen" userId="f59fb8f3-a021-417a-8bc1-65c8d471c621" providerId="ADAL" clId="{B9DFA1C4-BDD3-4E42-9076-CE7C4D94C5A0}" dt="2021-05-05T14:27:28.185" v="423" actId="20577"/>
+        <pc:sldMkLst>
+          <pc:docMk/>
+          <pc:sldMk cId="722413606" sldId="615"/>
+        </pc:sldMkLst>
+        <pc:spChg chg="mod">
+          <ac:chgData name="Long B Nguyen" userId="f59fb8f3-a021-417a-8bc1-65c8d471c621" providerId="ADAL" clId="{B9DFA1C4-BDD3-4E42-9076-CE7C4D94C5A0}" dt="2021-05-05T14:27:28.185" v="423" actId="20577"/>
+          <ac:spMkLst>
+            <pc:docMk/>
+            <pc:sldMk cId="722413606" sldId="615"/>
+            <ac:spMk id="69634" creationId="{FD9DE532-4EC4-0D40-ADFB-7F0AA406DC7A}"/>
+          </ac:spMkLst>
+        </pc:spChg>
+      </pc:sldChg>
+      <pc:sldChg chg="modSp add mod modAnim">
+        <pc:chgData name="Long B Nguyen" userId="f59fb8f3-a021-417a-8bc1-65c8d471c621" providerId="ADAL" clId="{B9DFA1C4-BDD3-4E42-9076-CE7C4D94C5A0}" dt="2021-05-05T14:27:56.713" v="437" actId="20577"/>
+        <pc:sldMkLst>
+          <pc:docMk/>
+          <pc:sldMk cId="4262345740" sldId="616"/>
+        </pc:sldMkLst>
+        <pc:spChg chg="mod">
+          <ac:chgData name="Long B Nguyen" userId="f59fb8f3-a021-417a-8bc1-65c8d471c621" providerId="ADAL" clId="{B9DFA1C4-BDD3-4E42-9076-CE7C4D94C5A0}" dt="2021-05-05T14:25:19.835" v="230"/>
+          <ac:spMkLst>
+            <pc:docMk/>
+            <pc:sldMk cId="4262345740" sldId="616"/>
+            <ac:spMk id="69634" creationId="{FD9DE532-4EC4-0D40-ADFB-7F0AA406DC7A}"/>
+          </ac:spMkLst>
+        </pc:spChg>
+        <pc:spChg chg="mod">
+          <ac:chgData name="Long B Nguyen" userId="f59fb8f3-a021-417a-8bc1-65c8d471c621" providerId="ADAL" clId="{B9DFA1C4-BDD3-4E42-9076-CE7C4D94C5A0}" dt="2021-05-05T14:27:56.713" v="437" actId="20577"/>
+          <ac:spMkLst>
+            <pc:docMk/>
+            <pc:sldMk cId="4262345740" sldId="616"/>
+            <ac:spMk id="73729" creationId="{68C10369-9285-C146-8813-8715FBA65853}"/>
           </ac:spMkLst>
         </pc:spChg>
       </pc:sldChg>
@@ -2005,7 +2068,7 @@
           <a:p>
             <a:fld id="{6EDD99D2-A624-5E4F-A4E3-584054837B5A}" type="datetimeFigureOut">
               <a:rPr lang="en-US" smtClean="0"/>
-              <a:t>2/26/20</a:t>
+              <a:t>5/5/21</a:t>
             </a:fld>
             <a:endParaRPr lang="en-US"/>
           </a:p>
@@ -4864,6 +4927,582 @@
 </p:notes>
 </file>
 
+<file path=ppt/notesSlides/notesSlide18.xml><?xml version="1.0" encoding="utf-8"?>
+<p:notes xmlns:a="http://schemas.openxmlformats.org/drawingml/2006/main" xmlns:r="http://schemas.openxmlformats.org/officeDocument/2006/relationships" xmlns:p="http://schemas.openxmlformats.org/presentationml/2006/main">
+  <p:cSld>
+    <p:spTree>
+      <p:nvGrpSpPr>
+        <p:cNvPr id="1" name=""/>
+        <p:cNvGrpSpPr/>
+        <p:nvPr/>
+      </p:nvGrpSpPr>
+      <p:grpSpPr>
+        <a:xfrm>
+          <a:off x="0" y="0"/>
+          <a:ext cx="0" cy="0"/>
+          <a:chOff x="0" y="0"/>
+          <a:chExt cx="0" cy="0"/>
+        </a:xfrm>
+      </p:grpSpPr>
+      <p:sp>
+        <p:nvSpPr>
+          <p:cNvPr id="74753" name="Rectangle 7">
+            <a:extLst>
+              <a:ext uri="{FF2B5EF4-FFF2-40B4-BE49-F238E27FC236}">
+                <a16:creationId xmlns:a16="http://schemas.microsoft.com/office/drawing/2014/main" id="{4AF499F7-5320-6F4A-A285-6CC9D30ECDAC}"/>
+              </a:ext>
+            </a:extLst>
+          </p:cNvPr>
+          <p:cNvSpPr>
+            <a:spLocks noGrp="1" noChangeArrowheads="1"/>
+          </p:cNvSpPr>
+          <p:nvPr>
+            <p:ph type="sldNum" sz="quarter" idx="5"/>
+          </p:nvPr>
+        </p:nvSpPr>
+        <p:spPr bwMode="auto">
+          <a:noFill/>
+          <a:extLst>
+            <a:ext uri="{909E8E84-426E-40DD-AFC4-6F175D3DCCD1}">
+              <a14:hiddenFill xmlns:a14="http://schemas.microsoft.com/office/drawing/2010/main">
+                <a:solidFill>
+                  <a:srgbClr val="FFFFFF"/>
+                </a:solidFill>
+              </a14:hiddenFill>
+            </a:ext>
+            <a:ext uri="{91240B29-F687-4F45-9708-019B960494DF}">
+              <a14:hiddenLine xmlns:a14="http://schemas.microsoft.com/office/drawing/2010/main" w="9525">
+                <a:solidFill>
+                  <a:srgbClr val="000000"/>
+                </a:solidFill>
+                <a:miter lim="800000"/>
+                <a:headEnd/>
+                <a:tailEnd/>
+              </a14:hiddenLine>
+            </a:ext>
+          </a:extLst>
+        </p:spPr>
+        <p:txBody>
+          <a:bodyPr/>
+          <a:lstStyle>
+            <a:lvl1pPr>
+              <a:defRPr>
+                <a:solidFill>
+                  <a:schemeClr val="tx1"/>
+                </a:solidFill>
+                <a:latin typeface="Arial" panose="020B0604020202020204" pitchFamily="34" charset="0"/>
+                <a:ea typeface="ＭＳ Ｐゴシック" panose="020B0600070205080204" pitchFamily="34" charset="-128"/>
+              </a:defRPr>
+            </a:lvl1pPr>
+            <a:lvl2pPr marL="742950" indent="-285750">
+              <a:defRPr>
+                <a:solidFill>
+                  <a:schemeClr val="tx1"/>
+                </a:solidFill>
+                <a:latin typeface="Arial" panose="020B0604020202020204" pitchFamily="34" charset="0"/>
+                <a:ea typeface="ＭＳ Ｐゴシック" panose="020B0600070205080204" pitchFamily="34" charset="-128"/>
+              </a:defRPr>
+            </a:lvl2pPr>
+            <a:lvl3pPr marL="1143000" indent="-228600">
+              <a:defRPr>
+                <a:solidFill>
+                  <a:schemeClr val="tx1"/>
+                </a:solidFill>
+                <a:latin typeface="Arial" panose="020B0604020202020204" pitchFamily="34" charset="0"/>
+                <a:ea typeface="ＭＳ Ｐゴシック" panose="020B0600070205080204" pitchFamily="34" charset="-128"/>
+              </a:defRPr>
+            </a:lvl3pPr>
+            <a:lvl4pPr marL="1600200" indent="-228600">
+              <a:defRPr>
+                <a:solidFill>
+                  <a:schemeClr val="tx1"/>
+                </a:solidFill>
+                <a:latin typeface="Arial" panose="020B0604020202020204" pitchFamily="34" charset="0"/>
+                <a:ea typeface="ＭＳ Ｐゴシック" panose="020B0600070205080204" pitchFamily="34" charset="-128"/>
+              </a:defRPr>
+            </a:lvl4pPr>
+            <a:lvl5pPr marL="2057400" indent="-228600">
+              <a:defRPr>
+                <a:solidFill>
+                  <a:schemeClr val="tx1"/>
+                </a:solidFill>
+                <a:latin typeface="Arial" panose="020B0604020202020204" pitchFamily="34" charset="0"/>
+                <a:ea typeface="ＭＳ Ｐゴシック" panose="020B0600070205080204" pitchFamily="34" charset="-128"/>
+              </a:defRPr>
+            </a:lvl5pPr>
+            <a:lvl6pPr marL="2514600" indent="-228600" eaLnBrk="0" fontAlgn="base" hangingPunct="0">
+              <a:spcBef>
+                <a:spcPct val="0"/>
+              </a:spcBef>
+              <a:spcAft>
+                <a:spcPct val="0"/>
+              </a:spcAft>
+              <a:defRPr>
+                <a:solidFill>
+                  <a:schemeClr val="tx1"/>
+                </a:solidFill>
+                <a:latin typeface="Arial" panose="020B0604020202020204" pitchFamily="34" charset="0"/>
+                <a:ea typeface="ＭＳ Ｐゴシック" panose="020B0600070205080204" pitchFamily="34" charset="-128"/>
+              </a:defRPr>
+            </a:lvl6pPr>
+            <a:lvl7pPr marL="2971800" indent="-228600" eaLnBrk="0" fontAlgn="base" hangingPunct="0">
+              <a:spcBef>
+                <a:spcPct val="0"/>
+              </a:spcBef>
+              <a:spcAft>
+                <a:spcPct val="0"/>
+              </a:spcAft>
+              <a:defRPr>
+                <a:solidFill>
+                  <a:schemeClr val="tx1"/>
+                </a:solidFill>
+                <a:latin typeface="Arial" panose="020B0604020202020204" pitchFamily="34" charset="0"/>
+                <a:ea typeface="ＭＳ Ｐゴシック" panose="020B0600070205080204" pitchFamily="34" charset="-128"/>
+              </a:defRPr>
+            </a:lvl7pPr>
+            <a:lvl8pPr marL="3429000" indent="-228600" eaLnBrk="0" fontAlgn="base" hangingPunct="0">
+              <a:spcBef>
+                <a:spcPct val="0"/>
+              </a:spcBef>
+              <a:spcAft>
+                <a:spcPct val="0"/>
+              </a:spcAft>
+              <a:defRPr>
+                <a:solidFill>
+                  <a:schemeClr val="tx1"/>
+                </a:solidFill>
+                <a:latin typeface="Arial" panose="020B0604020202020204" pitchFamily="34" charset="0"/>
+                <a:ea typeface="ＭＳ Ｐゴシック" panose="020B0600070205080204" pitchFamily="34" charset="-128"/>
+              </a:defRPr>
+            </a:lvl8pPr>
+            <a:lvl9pPr marL="3886200" indent="-228600" eaLnBrk="0" fontAlgn="base" hangingPunct="0">
+              <a:spcBef>
+                <a:spcPct val="0"/>
+              </a:spcBef>
+              <a:spcAft>
+                <a:spcPct val="0"/>
+              </a:spcAft>
+              <a:defRPr>
+                <a:solidFill>
+                  <a:schemeClr val="tx1"/>
+                </a:solidFill>
+                <a:latin typeface="Arial" panose="020B0604020202020204" pitchFamily="34" charset="0"/>
+                <a:ea typeface="ＭＳ Ｐゴシック" panose="020B0600070205080204" pitchFamily="34" charset="-128"/>
+              </a:defRPr>
+            </a:lvl9pPr>
+          </a:lstStyle>
+          <a:p>
+            <a:fld id="{8A4FC167-6750-7643-B04A-2C638E98108F}" type="slidenum">
+              <a:rPr lang="en-US" altLang="en-US" smtClean="0"/>
+              <a:pPr/>
+              <a:t>19</a:t>
+            </a:fld>
+            <a:endParaRPr lang="en-US" altLang="en-US"/>
+          </a:p>
+        </p:txBody>
+      </p:sp>
+      <p:sp>
+        <p:nvSpPr>
+          <p:cNvPr id="74754" name="Rectangle 2">
+            <a:extLst>
+              <a:ext uri="{FF2B5EF4-FFF2-40B4-BE49-F238E27FC236}">
+                <a16:creationId xmlns:a16="http://schemas.microsoft.com/office/drawing/2014/main" id="{01152D59-58ED-E043-9DDF-2FFE63573F4D}"/>
+              </a:ext>
+            </a:extLst>
+          </p:cNvPr>
+          <p:cNvSpPr>
+            <a:spLocks noGrp="1" noRot="1" noChangeAspect="1" noChangeArrowheads="1" noTextEdit="1"/>
+          </p:cNvSpPr>
+          <p:nvPr>
+            <p:ph type="sldImg"/>
+          </p:nvPr>
+        </p:nvSpPr>
+        <p:spPr bwMode="auto">
+          <a:xfrm>
+            <a:off x="687388" y="685800"/>
+            <a:ext cx="5486400" cy="3429000"/>
+          </a:xfrm>
+          <a:noFill/>
+          <a:ln>
+            <a:solidFill>
+              <a:srgbClr val="000000"/>
+            </a:solidFill>
+            <a:miter lim="800000"/>
+            <a:headEnd/>
+            <a:tailEnd/>
+          </a:ln>
+          <a:extLst>
+            <a:ext uri="{909E8E84-426E-40DD-AFC4-6F175D3DCCD1}">
+              <a14:hiddenFill xmlns:a14="http://schemas.microsoft.com/office/drawing/2010/main">
+                <a:solidFill>
+                  <a:srgbClr val="FFFFFF"/>
+                </a:solidFill>
+              </a14:hiddenFill>
+            </a:ext>
+          </a:extLst>
+        </p:spPr>
+      </p:sp>
+      <p:sp>
+        <p:nvSpPr>
+          <p:cNvPr id="74755" name="Rectangle 3">
+            <a:extLst>
+              <a:ext uri="{FF2B5EF4-FFF2-40B4-BE49-F238E27FC236}">
+                <a16:creationId xmlns:a16="http://schemas.microsoft.com/office/drawing/2014/main" id="{AD7BEB0E-C8FE-394D-A566-26E8DF86E429}"/>
+              </a:ext>
+            </a:extLst>
+          </p:cNvPr>
+          <p:cNvSpPr>
+            <a:spLocks noGrp="1" noChangeArrowheads="1"/>
+          </p:cNvSpPr>
+          <p:nvPr>
+            <p:ph type="body" idx="1"/>
+          </p:nvPr>
+        </p:nvSpPr>
+        <p:spPr bwMode="auto">
+          <a:xfrm>
+            <a:off x="914400" y="4343400"/>
+            <a:ext cx="5029200" cy="4114800"/>
+          </a:xfrm>
+          <a:noFill/>
+          <a:extLst>
+            <a:ext uri="{909E8E84-426E-40DD-AFC4-6F175D3DCCD1}">
+              <a14:hiddenFill xmlns:a14="http://schemas.microsoft.com/office/drawing/2010/main">
+                <a:solidFill>
+                  <a:srgbClr val="FFFFFF"/>
+                </a:solidFill>
+              </a14:hiddenFill>
+            </a:ext>
+            <a:ext uri="{91240B29-F687-4F45-9708-019B960494DF}">
+              <a14:hiddenLine xmlns:a14="http://schemas.microsoft.com/office/drawing/2010/main" w="9525">
+                <a:solidFill>
+                  <a:srgbClr val="000000"/>
+                </a:solidFill>
+                <a:miter lim="800000"/>
+                <a:headEnd/>
+                <a:tailEnd/>
+              </a14:hiddenLine>
+            </a:ext>
+          </a:extLst>
+        </p:spPr>
+        <p:txBody>
+          <a:bodyPr wrap="square" numCol="1" anchor="t" anchorCtr="0" compatLnSpc="1">
+            <a:prstTxWarp prst="textNoShape">
+              <a:avLst/>
+            </a:prstTxWarp>
+          </a:bodyPr>
+          <a:lstStyle/>
+          <a:p>
+            <a:pPr eaLnBrk="1" hangingPunct="1"/>
+            <a:r>
+              <a:rPr lang="en-US" altLang="en-US">
+                <a:ea typeface="ＭＳ Ｐゴシック" panose="020B0600070205080204" pitchFamily="34" charset="-128"/>
+              </a:rPr>
+              <a:t>Crash Course: Cybersecurity</a:t>
+            </a:r>
+          </a:p>
+        </p:txBody>
+      </p:sp>
+    </p:spTree>
+    <p:extLst>
+      <p:ext uri="{BB962C8B-B14F-4D97-AF65-F5344CB8AC3E}">
+        <p14:creationId xmlns:p14="http://schemas.microsoft.com/office/powerpoint/2010/main" val="1319627594"/>
+      </p:ext>
+    </p:extLst>
+  </p:cSld>
+  <p:clrMapOvr>
+    <a:masterClrMapping/>
+  </p:clrMapOvr>
+</p:notes>
+</file>
+
+<file path=ppt/notesSlides/notesSlide19.xml><?xml version="1.0" encoding="utf-8"?>
+<p:notes xmlns:a="http://schemas.openxmlformats.org/drawingml/2006/main" xmlns:r="http://schemas.openxmlformats.org/officeDocument/2006/relationships" xmlns:p="http://schemas.openxmlformats.org/presentationml/2006/main">
+  <p:cSld>
+    <p:spTree>
+      <p:nvGrpSpPr>
+        <p:cNvPr id="1" name=""/>
+        <p:cNvGrpSpPr/>
+        <p:nvPr/>
+      </p:nvGrpSpPr>
+      <p:grpSpPr>
+        <a:xfrm>
+          <a:off x="0" y="0"/>
+          <a:ext cx="0" cy="0"/>
+          <a:chOff x="0" y="0"/>
+          <a:chExt cx="0" cy="0"/>
+        </a:xfrm>
+      </p:grpSpPr>
+      <p:sp>
+        <p:nvSpPr>
+          <p:cNvPr id="74753" name="Rectangle 7">
+            <a:extLst>
+              <a:ext uri="{FF2B5EF4-FFF2-40B4-BE49-F238E27FC236}">
+                <a16:creationId xmlns:a16="http://schemas.microsoft.com/office/drawing/2014/main" id="{4AF499F7-5320-6F4A-A285-6CC9D30ECDAC}"/>
+              </a:ext>
+            </a:extLst>
+          </p:cNvPr>
+          <p:cNvSpPr>
+            <a:spLocks noGrp="1" noChangeArrowheads="1"/>
+          </p:cNvSpPr>
+          <p:nvPr>
+            <p:ph type="sldNum" sz="quarter" idx="5"/>
+          </p:nvPr>
+        </p:nvSpPr>
+        <p:spPr bwMode="auto">
+          <a:noFill/>
+          <a:extLst>
+            <a:ext uri="{909E8E84-426E-40DD-AFC4-6F175D3DCCD1}">
+              <a14:hiddenFill xmlns:a14="http://schemas.microsoft.com/office/drawing/2010/main">
+                <a:solidFill>
+                  <a:srgbClr val="FFFFFF"/>
+                </a:solidFill>
+              </a14:hiddenFill>
+            </a:ext>
+            <a:ext uri="{91240B29-F687-4F45-9708-019B960494DF}">
+              <a14:hiddenLine xmlns:a14="http://schemas.microsoft.com/office/drawing/2010/main" w="9525">
+                <a:solidFill>
+                  <a:srgbClr val="000000"/>
+                </a:solidFill>
+                <a:miter lim="800000"/>
+                <a:headEnd/>
+                <a:tailEnd/>
+              </a14:hiddenLine>
+            </a:ext>
+          </a:extLst>
+        </p:spPr>
+        <p:txBody>
+          <a:bodyPr/>
+          <a:lstStyle>
+            <a:lvl1pPr>
+              <a:defRPr>
+                <a:solidFill>
+                  <a:schemeClr val="tx1"/>
+                </a:solidFill>
+                <a:latin typeface="Arial" panose="020B0604020202020204" pitchFamily="34" charset="0"/>
+                <a:ea typeface="ＭＳ Ｐゴシック" panose="020B0600070205080204" pitchFamily="34" charset="-128"/>
+              </a:defRPr>
+            </a:lvl1pPr>
+            <a:lvl2pPr marL="742950" indent="-285750">
+              <a:defRPr>
+                <a:solidFill>
+                  <a:schemeClr val="tx1"/>
+                </a:solidFill>
+                <a:latin typeface="Arial" panose="020B0604020202020204" pitchFamily="34" charset="0"/>
+                <a:ea typeface="ＭＳ Ｐゴシック" panose="020B0600070205080204" pitchFamily="34" charset="-128"/>
+              </a:defRPr>
+            </a:lvl2pPr>
+            <a:lvl3pPr marL="1143000" indent="-228600">
+              <a:defRPr>
+                <a:solidFill>
+                  <a:schemeClr val="tx1"/>
+                </a:solidFill>
+                <a:latin typeface="Arial" panose="020B0604020202020204" pitchFamily="34" charset="0"/>
+                <a:ea typeface="ＭＳ Ｐゴシック" panose="020B0600070205080204" pitchFamily="34" charset="-128"/>
+              </a:defRPr>
+            </a:lvl3pPr>
+            <a:lvl4pPr marL="1600200" indent="-228600">
+              <a:defRPr>
+                <a:solidFill>
+                  <a:schemeClr val="tx1"/>
+                </a:solidFill>
+                <a:latin typeface="Arial" panose="020B0604020202020204" pitchFamily="34" charset="0"/>
+                <a:ea typeface="ＭＳ Ｐゴシック" panose="020B0600070205080204" pitchFamily="34" charset="-128"/>
+              </a:defRPr>
+            </a:lvl4pPr>
+            <a:lvl5pPr marL="2057400" indent="-228600">
+              <a:defRPr>
+                <a:solidFill>
+                  <a:schemeClr val="tx1"/>
+                </a:solidFill>
+                <a:latin typeface="Arial" panose="020B0604020202020204" pitchFamily="34" charset="0"/>
+                <a:ea typeface="ＭＳ Ｐゴシック" panose="020B0600070205080204" pitchFamily="34" charset="-128"/>
+              </a:defRPr>
+            </a:lvl5pPr>
+            <a:lvl6pPr marL="2514600" indent="-228600" eaLnBrk="0" fontAlgn="base" hangingPunct="0">
+              <a:spcBef>
+                <a:spcPct val="0"/>
+              </a:spcBef>
+              <a:spcAft>
+                <a:spcPct val="0"/>
+              </a:spcAft>
+              <a:defRPr>
+                <a:solidFill>
+                  <a:schemeClr val="tx1"/>
+                </a:solidFill>
+                <a:latin typeface="Arial" panose="020B0604020202020204" pitchFamily="34" charset="0"/>
+                <a:ea typeface="ＭＳ Ｐゴシック" panose="020B0600070205080204" pitchFamily="34" charset="-128"/>
+              </a:defRPr>
+            </a:lvl6pPr>
+            <a:lvl7pPr marL="2971800" indent="-228600" eaLnBrk="0" fontAlgn="base" hangingPunct="0">
+              <a:spcBef>
+                <a:spcPct val="0"/>
+              </a:spcBef>
+              <a:spcAft>
+                <a:spcPct val="0"/>
+              </a:spcAft>
+              <a:defRPr>
+                <a:solidFill>
+                  <a:schemeClr val="tx1"/>
+                </a:solidFill>
+                <a:latin typeface="Arial" panose="020B0604020202020204" pitchFamily="34" charset="0"/>
+                <a:ea typeface="ＭＳ Ｐゴシック" panose="020B0600070205080204" pitchFamily="34" charset="-128"/>
+              </a:defRPr>
+            </a:lvl7pPr>
+            <a:lvl8pPr marL="3429000" indent="-228600" eaLnBrk="0" fontAlgn="base" hangingPunct="0">
+              <a:spcBef>
+                <a:spcPct val="0"/>
+              </a:spcBef>
+              <a:spcAft>
+                <a:spcPct val="0"/>
+              </a:spcAft>
+              <a:defRPr>
+                <a:solidFill>
+                  <a:schemeClr val="tx1"/>
+                </a:solidFill>
+                <a:latin typeface="Arial" panose="020B0604020202020204" pitchFamily="34" charset="0"/>
+                <a:ea typeface="ＭＳ Ｐゴシック" panose="020B0600070205080204" pitchFamily="34" charset="-128"/>
+              </a:defRPr>
+            </a:lvl8pPr>
+            <a:lvl9pPr marL="3886200" indent="-228600" eaLnBrk="0" fontAlgn="base" hangingPunct="0">
+              <a:spcBef>
+                <a:spcPct val="0"/>
+              </a:spcBef>
+              <a:spcAft>
+                <a:spcPct val="0"/>
+              </a:spcAft>
+              <a:defRPr>
+                <a:solidFill>
+                  <a:schemeClr val="tx1"/>
+                </a:solidFill>
+                <a:latin typeface="Arial" panose="020B0604020202020204" pitchFamily="34" charset="0"/>
+                <a:ea typeface="ＭＳ Ｐゴシック" panose="020B0600070205080204" pitchFamily="34" charset="-128"/>
+              </a:defRPr>
+            </a:lvl9pPr>
+          </a:lstStyle>
+          <a:p>
+            <a:fld id="{8A4FC167-6750-7643-B04A-2C638E98108F}" type="slidenum">
+              <a:rPr lang="en-US" altLang="en-US" smtClean="0"/>
+              <a:pPr/>
+              <a:t>20</a:t>
+            </a:fld>
+            <a:endParaRPr lang="en-US" altLang="en-US"/>
+          </a:p>
+        </p:txBody>
+      </p:sp>
+      <p:sp>
+        <p:nvSpPr>
+          <p:cNvPr id="74754" name="Rectangle 2">
+            <a:extLst>
+              <a:ext uri="{FF2B5EF4-FFF2-40B4-BE49-F238E27FC236}">
+                <a16:creationId xmlns:a16="http://schemas.microsoft.com/office/drawing/2014/main" id="{01152D59-58ED-E043-9DDF-2FFE63573F4D}"/>
+              </a:ext>
+            </a:extLst>
+          </p:cNvPr>
+          <p:cNvSpPr>
+            <a:spLocks noGrp="1" noRot="1" noChangeAspect="1" noChangeArrowheads="1" noTextEdit="1"/>
+          </p:cNvSpPr>
+          <p:nvPr>
+            <p:ph type="sldImg"/>
+          </p:nvPr>
+        </p:nvSpPr>
+        <p:spPr bwMode="auto">
+          <a:xfrm>
+            <a:off x="687388" y="685800"/>
+            <a:ext cx="5486400" cy="3429000"/>
+          </a:xfrm>
+          <a:noFill/>
+          <a:ln>
+            <a:solidFill>
+              <a:srgbClr val="000000"/>
+            </a:solidFill>
+            <a:miter lim="800000"/>
+            <a:headEnd/>
+            <a:tailEnd/>
+          </a:ln>
+          <a:extLst>
+            <a:ext uri="{909E8E84-426E-40DD-AFC4-6F175D3DCCD1}">
+              <a14:hiddenFill xmlns:a14="http://schemas.microsoft.com/office/drawing/2010/main">
+                <a:solidFill>
+                  <a:srgbClr val="FFFFFF"/>
+                </a:solidFill>
+              </a14:hiddenFill>
+            </a:ext>
+          </a:extLst>
+        </p:spPr>
+      </p:sp>
+      <p:sp>
+        <p:nvSpPr>
+          <p:cNvPr id="74755" name="Rectangle 3">
+            <a:extLst>
+              <a:ext uri="{FF2B5EF4-FFF2-40B4-BE49-F238E27FC236}">
+                <a16:creationId xmlns:a16="http://schemas.microsoft.com/office/drawing/2014/main" id="{AD7BEB0E-C8FE-394D-A566-26E8DF86E429}"/>
+              </a:ext>
+            </a:extLst>
+          </p:cNvPr>
+          <p:cNvSpPr>
+            <a:spLocks noGrp="1" noChangeArrowheads="1"/>
+          </p:cNvSpPr>
+          <p:nvPr>
+            <p:ph type="body" idx="1"/>
+          </p:nvPr>
+        </p:nvSpPr>
+        <p:spPr bwMode="auto">
+          <a:xfrm>
+            <a:off x="914400" y="4343400"/>
+            <a:ext cx="5029200" cy="4114800"/>
+          </a:xfrm>
+          <a:noFill/>
+          <a:extLst>
+            <a:ext uri="{909E8E84-426E-40DD-AFC4-6F175D3DCCD1}">
+              <a14:hiddenFill xmlns:a14="http://schemas.microsoft.com/office/drawing/2010/main">
+                <a:solidFill>
+                  <a:srgbClr val="FFFFFF"/>
+                </a:solidFill>
+              </a14:hiddenFill>
+            </a:ext>
+            <a:ext uri="{91240B29-F687-4F45-9708-019B960494DF}">
+              <a14:hiddenLine xmlns:a14="http://schemas.microsoft.com/office/drawing/2010/main" w="9525">
+                <a:solidFill>
+                  <a:srgbClr val="000000"/>
+                </a:solidFill>
+                <a:miter lim="800000"/>
+                <a:headEnd/>
+                <a:tailEnd/>
+              </a14:hiddenLine>
+            </a:ext>
+          </a:extLst>
+        </p:spPr>
+        <p:txBody>
+          <a:bodyPr wrap="square" numCol="1" anchor="t" anchorCtr="0" compatLnSpc="1">
+            <a:prstTxWarp prst="textNoShape">
+              <a:avLst/>
+            </a:prstTxWarp>
+          </a:bodyPr>
+          <a:lstStyle/>
+          <a:p>
+            <a:pPr eaLnBrk="1" hangingPunct="1"/>
+            <a:r>
+              <a:rPr lang="en-US" altLang="en-US">
+                <a:ea typeface="ＭＳ Ｐゴシック" panose="020B0600070205080204" pitchFamily="34" charset="-128"/>
+              </a:rPr>
+              <a:t>Crash Course: Cybersecurity</a:t>
+            </a:r>
+          </a:p>
+        </p:txBody>
+      </p:sp>
+    </p:spTree>
+    <p:extLst>
+      <p:ext uri="{BB962C8B-B14F-4D97-AF65-F5344CB8AC3E}">
+        <p14:creationId xmlns:p14="http://schemas.microsoft.com/office/powerpoint/2010/main" val="403843703"/>
+      </p:ext>
+    </p:extLst>
+  </p:cSld>
+  <p:clrMapOvr>
+    <a:masterClrMapping/>
+  </p:clrMapOvr>
+</p:notes>
+</file>
+
 <file path=ppt/notesSlides/notesSlide2.xml><?xml version="1.0" encoding="utf-8"?>
 <p:notes xmlns:a="http://schemas.openxmlformats.org/drawingml/2006/main" xmlns:r="http://schemas.openxmlformats.org/officeDocument/2006/relationships" xmlns:p="http://schemas.openxmlformats.org/presentationml/2006/main">
   <p:cSld>
@@ -7308,7 +7947,7 @@
           <a:p>
             <a:fld id="{4AAD347D-5ACD-4C99-B74B-A9C85AD731AF}" type="datetimeFigureOut">
               <a:rPr lang="en-US" smtClean="0"/>
-              <a:t>2/26/20</a:t>
+              <a:t>5/5/21</a:t>
             </a:fld>
             <a:endParaRPr lang="en-US" dirty="0"/>
           </a:p>
@@ -7478,7 +8117,7 @@
           <a:p>
             <a:fld id="{4509A250-FF31-4206-8172-F9D3106AACB1}" type="datetimeFigureOut">
               <a:rPr lang="en-US" smtClean="0"/>
-              <a:t>2/26/20</a:t>
+              <a:t>5/5/21</a:t>
             </a:fld>
             <a:endParaRPr lang="en-US" dirty="0"/>
           </a:p>
@@ -7658,7 +8297,7 @@
           <a:p>
             <a:fld id="{4509A250-FF31-4206-8172-F9D3106AACB1}" type="datetimeFigureOut">
               <a:rPr lang="en-US" smtClean="0"/>
-              <a:t>2/26/20</a:t>
+              <a:t>5/5/21</a:t>
             </a:fld>
             <a:endParaRPr lang="en-US" dirty="0"/>
           </a:p>
@@ -7828,7 +8467,7 @@
           <a:p>
             <a:fld id="{4509A250-FF31-4206-8172-F9D3106AACB1}" type="datetimeFigureOut">
               <a:rPr lang="en-US" smtClean="0"/>
-              <a:t>2/26/20</a:t>
+              <a:t>5/5/21</a:t>
             </a:fld>
             <a:endParaRPr lang="en-US" dirty="0"/>
           </a:p>
@@ -8074,7 +8713,7 @@
           <a:p>
             <a:fld id="{9796027F-7875-4030-9381-8BD8C4F21935}" type="datetimeFigureOut">
               <a:rPr lang="en-US" smtClean="0"/>
-              <a:t>2/26/20</a:t>
+              <a:t>5/5/21</a:t>
             </a:fld>
             <a:endParaRPr lang="en-US" dirty="0"/>
           </a:p>
@@ -8306,7 +8945,7 @@
           <a:p>
             <a:fld id="{9796027F-7875-4030-9381-8BD8C4F21935}" type="datetimeFigureOut">
               <a:rPr lang="en-US" smtClean="0"/>
-              <a:t>2/26/20</a:t>
+              <a:t>5/5/21</a:t>
             </a:fld>
             <a:endParaRPr lang="en-US" dirty="0"/>
           </a:p>
@@ -8673,7 +9312,7 @@
           <a:p>
             <a:fld id="{9796027F-7875-4030-9381-8BD8C4F21935}" type="datetimeFigureOut">
               <a:rPr lang="en-US" smtClean="0"/>
-              <a:t>2/26/20</a:t>
+              <a:t>5/5/21</a:t>
             </a:fld>
             <a:endParaRPr lang="en-US" dirty="0"/>
           </a:p>
@@ -8791,7 +9430,7 @@
           <a:p>
             <a:fld id="{4509A250-FF31-4206-8172-F9D3106AACB1}" type="datetimeFigureOut">
               <a:rPr lang="en-US" smtClean="0"/>
-              <a:t>2/26/20</a:t>
+              <a:t>5/5/21</a:t>
             </a:fld>
             <a:endParaRPr lang="en-US" dirty="0"/>
           </a:p>
@@ -8886,7 +9525,7 @@
           <a:p>
             <a:fld id="{4509A250-FF31-4206-8172-F9D3106AACB1}" type="datetimeFigureOut">
               <a:rPr lang="en-US" smtClean="0"/>
-              <a:t>2/26/20</a:t>
+              <a:t>5/5/21</a:t>
             </a:fld>
             <a:endParaRPr lang="en-US" dirty="0"/>
           </a:p>
@@ -9163,7 +9802,7 @@
           <a:p>
             <a:fld id="{4509A250-FF31-4206-8172-F9D3106AACB1}" type="datetimeFigureOut">
               <a:rPr lang="en-US" smtClean="0"/>
-              <a:t>2/26/20</a:t>
+              <a:t>5/5/21</a:t>
             </a:fld>
             <a:endParaRPr lang="en-US" dirty="0"/>
           </a:p>
@@ -9420,7 +10059,7 @@
           <a:p>
             <a:fld id="{4509A250-FF31-4206-8172-F9D3106AACB1}" type="datetimeFigureOut">
               <a:rPr lang="en-US" smtClean="0"/>
-              <a:t>2/26/20</a:t>
+              <a:t>5/5/21</a:t>
             </a:fld>
             <a:endParaRPr lang="en-US" dirty="0"/>
           </a:p>
@@ -9633,7 +10272,7 @@
           <a:p>
             <a:fld id="{4AAD347D-5ACD-4C99-B74B-A9C85AD731AF}" type="datetimeFigureOut">
               <a:rPr lang="en-US" smtClean="0"/>
-              <a:t>2/26/20</a:t>
+              <a:t>5/5/21</a:t>
             </a:fld>
             <a:endParaRPr lang="en-US" dirty="0"/>
           </a:p>
@@ -14193,7 +14832,7 @@
         </p:nvSpPr>
         <p:spPr>
           <a:xfrm>
-            <a:off x="156039" y="127000"/>
+            <a:off x="84120" y="0"/>
             <a:ext cx="7886700" cy="842481"/>
           </a:xfrm>
         </p:spPr>
@@ -14201,13 +14840,12 @@
           <a:bodyPr/>
           <a:lstStyle/>
           <a:p>
-            <a:pPr eaLnBrk="1" hangingPunct="1"/>
             <a:r>
               <a:rPr lang="en-US" altLang="en-US" dirty="0">
                 <a:latin typeface="Tahoma" panose="020B0604030504040204" pitchFamily="34" charset="0"/>
                 <a:ea typeface="ＭＳ Ｐゴシック" panose="020B0600070205080204" pitchFamily="34" charset="-128"/>
               </a:rPr>
-              <a:t>GPU</a:t>
+              <a:t>Sequential vs Parallel vs Distributed</a:t>
             </a:r>
           </a:p>
         </p:txBody>
@@ -14230,112 +14868,79 @@
         </p:nvSpPr>
         <p:spPr>
           <a:xfrm>
-            <a:off x="84120" y="822646"/>
-            <a:ext cx="8823574" cy="4765354"/>
+            <a:off x="84120" y="750276"/>
+            <a:ext cx="9059880" cy="4964723"/>
           </a:xfrm>
         </p:spPr>
         <p:txBody>
           <a:bodyPr/>
           <a:lstStyle/>
           <a:p>
+            <a:pPr marL="0" indent="0">
+              <a:buNone/>
+            </a:pPr>
+            <a:r>
+              <a:rPr lang="en-US" b="1" dirty="0"/>
+              <a:t>Sequential computing </a:t>
+            </a:r>
+            <a:r>
+              <a:rPr lang="en-US" dirty="0"/>
+              <a:t>is a computational model in which operations are performed in order one at a time. A sequential solution takes as long as the sum of all of its steps. </a:t>
+            </a:r>
+          </a:p>
+          <a:p>
+            <a:pPr marL="0" indent="0">
+              <a:buNone/>
+            </a:pPr>
+            <a:endParaRPr lang="en-US" dirty="0"/>
+          </a:p>
+          <a:p>
+            <a:pPr marL="0" indent="0">
+              <a:buNone/>
+            </a:pPr>
+            <a:r>
+              <a:rPr lang="en-US" b="1" dirty="0"/>
+              <a:t>Parallel computing </a:t>
+            </a:r>
+            <a:r>
+              <a:rPr lang="en-US" dirty="0"/>
+              <a:t>is a computational model where the program is broken into multiple smaller sequential computing operations, some of which are performed simultaneously. A parallel computing solution takes as long as its sequential tasks plus the longest of its parallel tasks. </a:t>
+            </a:r>
+          </a:p>
+          <a:p>
+            <a:pPr marL="0" indent="0">
+              <a:buNone/>
+            </a:pPr>
+            <a:endParaRPr lang="en-US" dirty="0"/>
+          </a:p>
+          <a:p>
+            <a:pPr marL="0" indent="0">
+              <a:buNone/>
+            </a:pPr>
+            <a:r>
+              <a:rPr lang="en-US" dirty="0"/>
+              <a:t>Solutions that use parallel computing can scale more effectively than solutions that use sequential computing. (e.g. in machine learning where you need to work with large amounts of data, parallel computing can speed up the computer's "learning" process.)</a:t>
+            </a:r>
+          </a:p>
+          <a:p>
+            <a:pPr marL="0" indent="0">
+              <a:buNone/>
+            </a:pPr>
+            <a:endParaRPr lang="en-US" dirty="0"/>
+          </a:p>
+          <a:p>
+            <a:pPr marL="0" indent="0">
+              <a:buNone/>
+            </a:pPr>
+            <a:endParaRPr lang="en-US" dirty="0"/>
+          </a:p>
+          <a:p>
             <a:pPr marL="0" indent="0" eaLnBrk="1" hangingPunct="1">
               <a:buNone/>
             </a:pPr>
-            <a:r>
-              <a:rPr lang="en-US" altLang="en-US" sz="1833" dirty="0">
-                <a:latin typeface="Tahoma" panose="020B0604030504040204" pitchFamily="34" charset="0"/>
-                <a:ea typeface="ＭＳ Ｐゴシック" panose="020B0600070205080204" pitchFamily="34" charset="-128"/>
-              </a:rPr>
-              <a:t>Back in our hardware section, we briefly mentioned the role of the graphics card in drawing things to the screen.</a:t>
-            </a:r>
-          </a:p>
-          <a:p>
-            <a:pPr marL="0" indent="0" eaLnBrk="1" hangingPunct="1">
-              <a:buNone/>
-            </a:pPr>
-            <a:endParaRPr lang="en-US" altLang="en-US" sz="1833" dirty="0">
+            <a:endParaRPr lang="en-US" altLang="en-US" dirty="0">
               <a:latin typeface="Tahoma" panose="020B0604030504040204" pitchFamily="34" charset="0"/>
-              <a:ea typeface="ＭＳ Ｐゴシック" panose="020B0600070205080204" pitchFamily="34" charset="-128"/>
             </a:endParaRPr>
-          </a:p>
-          <a:p>
-            <a:pPr marL="0" indent="0" eaLnBrk="1" hangingPunct="1">
-              <a:buNone/>
-            </a:pPr>
-            <a:r>
-              <a:rPr lang="en-US" altLang="en-US" sz="1833" dirty="0">
-                <a:latin typeface="Tahoma" panose="020B0604030504040204" pitchFamily="34" charset="0"/>
-                <a:ea typeface="ＭＳ Ｐゴシック" panose="020B0600070205080204" pitchFamily="34" charset="-128"/>
-              </a:rPr>
-              <a:t>One component of the video card is the </a:t>
-            </a:r>
-            <a:r>
-              <a:rPr lang="en-US" altLang="en-US" sz="1833" b="1" dirty="0">
-                <a:latin typeface="Tahoma" panose="020B0604030504040204" pitchFamily="34" charset="0"/>
-                <a:ea typeface="ＭＳ Ｐゴシック" panose="020B0600070205080204" pitchFamily="34" charset="-128"/>
-              </a:rPr>
-              <a:t>GPU, or Graphics Processing Unit</a:t>
-            </a:r>
-            <a:r>
-              <a:rPr lang="en-US" altLang="en-US" sz="1833" dirty="0">
-                <a:latin typeface="Tahoma" panose="020B0604030504040204" pitchFamily="34" charset="0"/>
-                <a:ea typeface="ＭＳ Ｐゴシック" panose="020B0600070205080204" pitchFamily="34" charset="-128"/>
-              </a:rPr>
-              <a:t>, which is essentially a CPU dedicated just to graphics-related computations. </a:t>
-            </a:r>
-          </a:p>
-          <a:p>
-            <a:pPr marL="0" indent="0" eaLnBrk="1" hangingPunct="1">
-              <a:buNone/>
-            </a:pPr>
-            <a:endParaRPr lang="en-US" altLang="en-US" sz="1833" dirty="0">
-              <a:latin typeface="Tahoma" panose="020B0604030504040204" pitchFamily="34" charset="0"/>
-              <a:ea typeface="ＭＳ Ｐゴシック" panose="020B0600070205080204" pitchFamily="34" charset="-128"/>
-            </a:endParaRPr>
-          </a:p>
-          <a:p>
-            <a:pPr marL="0" indent="0" eaLnBrk="1" hangingPunct="1">
-              <a:buNone/>
-            </a:pPr>
-            <a:r>
-              <a:rPr lang="en-US" altLang="en-US" sz="1833" dirty="0">
-                <a:latin typeface="Tahoma" panose="020B0604030504040204" pitchFamily="34" charset="0"/>
-                <a:ea typeface="ＭＳ Ｐゴシック" panose="020B0600070205080204" pitchFamily="34" charset="-128"/>
-              </a:rPr>
-              <a:t>Computers can do computations in parallel. This can lead to more efficient solutions to computing problems. GPUs take parallelism to a whole new level by running thousands of computations at the same time.</a:t>
-            </a:r>
-          </a:p>
-          <a:p>
-            <a:pPr marL="0" indent="0" eaLnBrk="1" hangingPunct="1">
-              <a:buNone/>
-            </a:pPr>
-            <a:endParaRPr lang="en-US" altLang="en-US" sz="1833" dirty="0">
-              <a:latin typeface="Tahoma" panose="020B0604030504040204" pitchFamily="34" charset="0"/>
-              <a:ea typeface="ＭＳ Ｐゴシック" panose="020B0600070205080204" pitchFamily="34" charset="-128"/>
-            </a:endParaRPr>
-          </a:p>
-          <a:p>
-            <a:pPr marL="0" indent="0" eaLnBrk="1" hangingPunct="1">
-              <a:buNone/>
-            </a:pPr>
-            <a:r>
-              <a:rPr lang="en-US" altLang="en-US" sz="1833" dirty="0">
-                <a:latin typeface="Tahoma" panose="020B0604030504040204" pitchFamily="34" charset="0"/>
-                <a:ea typeface="ＭＳ Ｐゴシック" panose="020B0600070205080204" pitchFamily="34" charset="-128"/>
-              </a:rPr>
-              <a:t>It also helps if these problems are independent of one another, so everything can be solved at the same time with minimal need to combine everything back together. Luckily, both of these conditions are really common in graphics! </a:t>
-            </a:r>
-          </a:p>
-          <a:p>
-            <a:pPr marL="342900" lvl="1" indent="0" eaLnBrk="1" hangingPunct="1">
-              <a:buNone/>
-            </a:pPr>
-            <a:r>
-              <a:rPr lang="en-US" altLang="en-US" dirty="0">
-                <a:latin typeface="Tahoma" panose="020B0604030504040204" pitchFamily="34" charset="0"/>
-              </a:rPr>
-              <a:t>- For example, figuring out the color of the pixel in the top-left of your screen doesn't depend on figuring out the color of the pixel in the bottom-right of your screen.</a:t>
-            </a:r>
           </a:p>
         </p:txBody>
       </p:sp>
@@ -14505,86 +15110,6 @@
                       </p:childTnLst>
                     </p:cTn>
                   </p:par>
-                  <p:par>
-                    <p:cTn id="15" fill="hold">
-                      <p:stCondLst>
-                        <p:cond delay="indefinite"/>
-                      </p:stCondLst>
-                      <p:childTnLst>
-                        <p:par>
-                          <p:cTn id="16" fill="hold">
-                            <p:stCondLst>
-                              <p:cond delay="0"/>
-                            </p:stCondLst>
-                            <p:childTnLst>
-                              <p:par>
-                                <p:cTn id="17" presetID="1" presetClass="entr" presetSubtype="0" fill="hold" grpId="0" nodeType="clickEffect">
-                                  <p:stCondLst>
-                                    <p:cond delay="0"/>
-                                  </p:stCondLst>
-                                  <p:childTnLst>
-                                    <p:set>
-                                      <p:cBhvr>
-                                        <p:cTn id="18" dur="1" fill="hold">
-                                          <p:stCondLst>
-                                            <p:cond delay="0"/>
-                                          </p:stCondLst>
-                                        </p:cTn>
-                                        <p:tgtEl>
-                                          <p:spTgt spid="69634">
-                                            <p:txEl>
-                                              <p:pRg st="6" end="6"/>
-                                            </p:txEl>
-                                          </p:spTgt>
-                                        </p:tgtEl>
-                                        <p:attrNameLst>
-                                          <p:attrName>style.visibility</p:attrName>
-                                        </p:attrNameLst>
-                                      </p:cBhvr>
-                                      <p:to>
-                                        <p:strVal val="visible"/>
-                                      </p:to>
-                                    </p:set>
-                                  </p:childTnLst>
-                                </p:cTn>
-                              </p:par>
-                              <p:par>
-                                <p:cTn id="19" presetID="1" presetClass="entr" presetSubtype="0" fill="hold" grpId="0" nodeType="withEffect">
-                                  <p:stCondLst>
-                                    <p:cond delay="0"/>
-                                  </p:stCondLst>
-                                  <p:childTnLst>
-                                    <p:set>
-                                      <p:cBhvr>
-                                        <p:cTn id="20" dur="1" fill="hold">
-                                          <p:stCondLst>
-                                            <p:cond delay="0"/>
-                                          </p:stCondLst>
-                                        </p:cTn>
-                                        <p:tgtEl>
-                                          <p:spTgt spid="69634">
-                                            <p:txEl>
-                                              <p:pRg st="7" end="7"/>
-                                            </p:txEl>
-                                          </p:spTgt>
-                                        </p:tgtEl>
-                                        <p:attrNameLst>
-                                          <p:attrName>style.visibility</p:attrName>
-                                        </p:attrNameLst>
-                                      </p:cBhvr>
-                                      <p:to>
-                                        <p:strVal val="visible"/>
-                                      </p:to>
-                                    </p:set>
-                                  </p:childTnLst>
-                                </p:cTn>
-                              </p:par>
-                            </p:childTnLst>
-                          </p:cTn>
-                        </p:par>
-                      </p:childTnLst>
-                    </p:cTn>
-                  </p:par>
                 </p:childTnLst>
               </p:cTn>
               <p:prevCondLst>
@@ -14632,10 +15157,10 @@
       </p:grpSpPr>
       <p:sp>
         <p:nvSpPr>
-          <p:cNvPr id="75777" name="Title 1">
+          <p:cNvPr id="73729" name="Rectangle 2">
             <a:extLst>
               <a:ext uri="{FF2B5EF4-FFF2-40B4-BE49-F238E27FC236}">
-                <a16:creationId xmlns:a16="http://schemas.microsoft.com/office/drawing/2014/main" id="{4C337064-067E-C742-B33E-CCEBE353F1FD}"/>
+                <a16:creationId xmlns:a16="http://schemas.microsoft.com/office/drawing/2014/main" id="{68C10369-9285-C146-8813-8715FBA65853}"/>
               </a:ext>
             </a:extLst>
           </p:cNvPr>
@@ -14646,27 +15171,33 @@
             <p:ph type="title"/>
           </p:nvPr>
         </p:nvSpPr>
-        <p:spPr/>
+        <p:spPr>
+          <a:xfrm>
+            <a:off x="84120" y="0"/>
+            <a:ext cx="7886700" cy="842481"/>
+          </a:xfrm>
+        </p:spPr>
         <p:txBody>
           <a:bodyPr/>
           <a:lstStyle/>
           <a:p>
             <a:pPr eaLnBrk="1" hangingPunct="1"/>
             <a:r>
-              <a:rPr lang="en-US" altLang="en-US">
+              <a:rPr lang="en-US" altLang="en-US" dirty="0">
+                <a:latin typeface="Tahoma" panose="020B0604030504040204" pitchFamily="34" charset="0"/>
                 <a:ea typeface="ＭＳ Ｐゴシック" panose="020B0600070205080204" pitchFamily="34" charset="-128"/>
               </a:rPr>
-              <a:t>Homework</a:t>
+              <a:t>Sequential vs Parallel vs Distributed</a:t>
             </a:r>
           </a:p>
         </p:txBody>
       </p:sp>
       <p:sp>
         <p:nvSpPr>
-          <p:cNvPr id="75778" name="Content Placeholder 2">
+          <p:cNvPr id="69634" name="Rectangle 3">
             <a:extLst>
               <a:ext uri="{FF2B5EF4-FFF2-40B4-BE49-F238E27FC236}">
-                <a16:creationId xmlns:a16="http://schemas.microsoft.com/office/drawing/2014/main" id="{87F1DF07-4424-D544-BEBC-75BBF433173F}"/>
+                <a16:creationId xmlns:a16="http://schemas.microsoft.com/office/drawing/2014/main" id="{FD9DE532-4EC4-0D40-ADFB-7F0AA406DC7A}"/>
               </a:ext>
             </a:extLst>
           </p:cNvPr>
@@ -14674,13 +15205,13 @@
             <a:spLocks noGrp="1" noChangeArrowheads="1"/>
           </p:cNvSpPr>
           <p:nvPr>
-            <p:ph idx="1"/>
+            <p:ph type="body" idx="1"/>
           </p:nvPr>
         </p:nvSpPr>
         <p:spPr>
           <a:xfrm>
-            <a:off x="1143000" y="1333500"/>
-            <a:ext cx="6848740" cy="3984625"/>
+            <a:off x="84120" y="750276"/>
+            <a:ext cx="9059880" cy="4964723"/>
           </a:xfrm>
         </p:spPr>
         <p:txBody>
@@ -14688,294 +15219,77 @@
           <a:lstStyle/>
           <a:p>
             <a:pPr marL="0" indent="0">
-              <a:buFontTx/>
-              <a:buAutoNum type="arabicParenR"/>
+              <a:buNone/>
             </a:pPr>
-            <a:endParaRPr lang="en-US" altLang="en-US" sz="1833">
+            <a:r>
+              <a:rPr lang="en-US" b="1" dirty="0"/>
+              <a:t>Distributed computing </a:t>
+            </a:r>
+            <a:r>
+              <a:rPr lang="en-US" dirty="0"/>
+              <a:t>is a computational model in which multiple devices are used to run a program. </a:t>
+            </a:r>
+          </a:p>
+          <a:p>
+            <a:pPr marL="0" indent="0">
+              <a:buNone/>
+            </a:pPr>
+            <a:endParaRPr lang="en-US" dirty="0"/>
+          </a:p>
+          <a:p>
+            <a:pPr marL="0" indent="0">
+              <a:buNone/>
+            </a:pPr>
+            <a:r>
+              <a:rPr lang="en-US" dirty="0"/>
+              <a:t>Distributed computing allows problems to be solved that could not be solved on a single computer because of either the processing time or storage needs involved. </a:t>
+            </a:r>
+          </a:p>
+          <a:p>
+            <a:pPr marL="0" indent="0">
+              <a:buNone/>
+            </a:pPr>
+            <a:endParaRPr lang="en-US" dirty="0"/>
+          </a:p>
+          <a:p>
+            <a:pPr marL="0" indent="0">
+              <a:buNone/>
+            </a:pPr>
+            <a:r>
+              <a:rPr lang="en-US" dirty="0"/>
+              <a:t>Distributed computing allows much larger problems to be solved quicker than they could be solved using a single computer. </a:t>
+            </a:r>
+          </a:p>
+          <a:p>
+            <a:pPr marL="0" indent="0">
+              <a:buNone/>
+            </a:pPr>
+            <a:endParaRPr lang="en-US" dirty="0"/>
+          </a:p>
+          <a:p>
+            <a:pPr marL="0" indent="0">
+              <a:buNone/>
+            </a:pPr>
+            <a:endParaRPr lang="en-US" dirty="0"/>
+          </a:p>
+          <a:p>
+            <a:pPr marL="0" indent="0">
+              <a:buNone/>
+            </a:pPr>
+            <a:endParaRPr lang="en-US" dirty="0"/>
+          </a:p>
+          <a:p>
+            <a:pPr marL="0" indent="0">
+              <a:buNone/>
+            </a:pPr>
+            <a:endParaRPr lang="en-US" dirty="0"/>
+          </a:p>
+          <a:p>
+            <a:pPr marL="0" indent="0" eaLnBrk="1" hangingPunct="1">
+              <a:buNone/>
+            </a:pPr>
+            <a:endParaRPr lang="en-US" altLang="en-US" dirty="0">
               <a:latin typeface="Tahoma" panose="020B0604030504040204" pitchFamily="34" charset="0"/>
-              <a:ea typeface="ＭＳ Ｐゴシック" panose="020B0600070205080204" pitchFamily="34" charset="-128"/>
-            </a:endParaRPr>
-          </a:p>
-          <a:p>
-            <a:pPr marL="0" indent="0">
-              <a:buFontTx/>
-              <a:buAutoNum type="arabicParenR"/>
-            </a:pPr>
-            <a:r>
-              <a:rPr lang="en-US" altLang="en-US" sz="1833">
-                <a:latin typeface="Tahoma" panose="020B0604030504040204" pitchFamily="34" charset="0"/>
-                <a:ea typeface="ＭＳ Ｐゴシック" panose="020B0600070205080204" pitchFamily="34" charset="-128"/>
-              </a:rPr>
-              <a:t>Read and reread these lecture notes.</a:t>
-            </a:r>
-          </a:p>
-          <a:p>
-            <a:pPr marL="0" indent="0">
-              <a:buFontTx/>
-              <a:buAutoNum type="arabicParenR"/>
-            </a:pPr>
-            <a:r>
-              <a:rPr lang="en-US" altLang="en-US" sz="1833">
-                <a:latin typeface="Tahoma" panose="020B0604030504040204" pitchFamily="34" charset="0"/>
-                <a:ea typeface="ＭＳ Ｐゴシック" panose="020B0600070205080204" pitchFamily="34" charset="-128"/>
-              </a:rPr>
-              <a:t>Watch or Read(Required):</a:t>
-            </a:r>
-          </a:p>
-          <a:p>
-            <a:pPr marL="333362" lvl="1" indent="0">
-              <a:buNone/>
-            </a:pPr>
-            <a:r>
-              <a:rPr lang="en-US" altLang="en-US" sz="1500">
-                <a:latin typeface="Tahoma" panose="020B0604030504040204" pitchFamily="34" charset="0"/>
-              </a:rPr>
-              <a:t>a)MP3 Compression.</a:t>
-            </a:r>
-          </a:p>
-          <a:p>
-            <a:pPr marL="333362" lvl="1" indent="0">
-              <a:buNone/>
-            </a:pPr>
-            <a:r>
-              <a:rPr lang="en-US" altLang="en-US" sz="1500">
-                <a:latin typeface="Tahoma" panose="020B0604030504040204" pitchFamily="34" charset="0"/>
-                <a:hlinkClick r:id="rId2"/>
-              </a:rPr>
-              <a:t>https://arstechnica.com/features/2007/10/the-audiofile-understanding-mp3-compression/</a:t>
-            </a:r>
-            <a:endParaRPr lang="en-US" altLang="en-US" sz="1500">
-              <a:latin typeface="Tahoma" panose="020B0604030504040204" pitchFamily="34" charset="0"/>
-            </a:endParaRPr>
-          </a:p>
-          <a:p>
-            <a:pPr marL="333362" lvl="1" indent="0">
-              <a:buNone/>
-            </a:pPr>
-            <a:r>
-              <a:rPr lang="en-US" altLang="en-US" sz="1500">
-                <a:latin typeface="Tahoma" panose="020B0604030504040204" pitchFamily="34" charset="0"/>
-              </a:rPr>
-              <a:t>b)CPU vs GPU Painting.</a:t>
-            </a:r>
-          </a:p>
-          <a:p>
-            <a:pPr marL="333362" lvl="1" indent="0">
-              <a:buNone/>
-            </a:pPr>
-            <a:r>
-              <a:rPr lang="en-US" altLang="en-US" sz="1500">
-                <a:latin typeface="Tahoma" panose="020B0604030504040204" pitchFamily="34" charset="0"/>
-                <a:hlinkClick r:id="rId3"/>
-              </a:rPr>
-              <a:t>https://youtu.be/-P28LKWTzrI</a:t>
-            </a:r>
-            <a:endParaRPr lang="en-US" altLang="en-US" sz="1500">
-              <a:latin typeface="Tahoma" panose="020B0604030504040204" pitchFamily="34" charset="0"/>
-            </a:endParaRPr>
-          </a:p>
-          <a:p>
-            <a:pPr marL="333362" lvl="1" indent="0">
-              <a:buNone/>
-            </a:pPr>
-            <a:r>
-              <a:rPr lang="en-US" altLang="en-US" sz="1500">
-                <a:latin typeface="Tahoma" panose="020B0604030504040204" pitchFamily="34" charset="0"/>
-              </a:rPr>
-              <a:t>c) Sampling</a:t>
-            </a:r>
-          </a:p>
-          <a:p>
-            <a:pPr marL="333362" lvl="1" indent="0">
-              <a:buNone/>
-            </a:pPr>
-            <a:r>
-              <a:rPr lang="en-US" altLang="en-US" sz="1500">
-                <a:latin typeface="Tahoma" panose="020B0604030504040204" pitchFamily="34" charset="0"/>
-                <a:hlinkClick r:id="rId4"/>
-              </a:rPr>
-              <a:t>https://www.youtube.com/watch?v=zC5KFnSUPNo</a:t>
-            </a:r>
-            <a:endParaRPr lang="en-US" altLang="en-US" sz="1500">
-              <a:latin typeface="Tahoma" panose="020B0604030504040204" pitchFamily="34" charset="0"/>
-            </a:endParaRPr>
-          </a:p>
-          <a:p>
-            <a:pPr marL="333362" lvl="1" indent="0">
-              <a:buNone/>
-            </a:pPr>
-            <a:r>
-              <a:rPr lang="en-US" altLang="en-US" sz="1500">
-                <a:latin typeface="Tahoma" panose="020B0604030504040204" pitchFamily="34" charset="0"/>
-              </a:rPr>
-              <a:t>d) Analog vs Digital.</a:t>
-            </a:r>
-          </a:p>
-          <a:p>
-            <a:pPr marL="333362" lvl="1" indent="0">
-              <a:buNone/>
-            </a:pPr>
-            <a:r>
-              <a:rPr lang="en-US" altLang="en-US" sz="1500">
-                <a:latin typeface="Tahoma" panose="020B0604030504040204" pitchFamily="34" charset="0"/>
-                <a:hlinkClick r:id="rId5"/>
-              </a:rPr>
-              <a:t>https://www.youtube.com/watch?v=btgAUdbj85E</a:t>
-            </a:r>
-            <a:endParaRPr lang="en-US" altLang="en-US" sz="1833">
-              <a:latin typeface="Tahoma" panose="020B0604030504040204" pitchFamily="34" charset="0"/>
-            </a:endParaRPr>
-          </a:p>
-          <a:p>
-            <a:pPr marL="0" indent="0">
-              <a:buNone/>
-            </a:pPr>
-            <a:r>
-              <a:rPr lang="en-US" altLang="en-US" sz="1833">
-                <a:latin typeface="Tahoma" panose="020B0604030504040204" pitchFamily="34" charset="0"/>
-                <a:ea typeface="ＭＳ Ｐゴシック" panose="020B0600070205080204" pitchFamily="34" charset="-128"/>
-              </a:rPr>
-              <a:t>     </a:t>
-            </a:r>
-          </a:p>
-          <a:p>
-            <a:pPr marL="333362" lvl="1" indent="0">
-              <a:buNone/>
-            </a:pPr>
-            <a:endParaRPr lang="en-US" altLang="en-US" sz="1500">
-              <a:latin typeface="Tahoma" panose="020B0604030504040204" pitchFamily="34" charset="0"/>
-            </a:endParaRPr>
-          </a:p>
-          <a:p>
-            <a:pPr marL="333362" lvl="1" indent="0">
-              <a:buNone/>
-            </a:pPr>
-            <a:endParaRPr lang="en-US" altLang="en-US" sz="1500">
-              <a:latin typeface="Tahoma" panose="020B0604030504040204" pitchFamily="34" charset="0"/>
-            </a:endParaRPr>
-          </a:p>
-          <a:p>
-            <a:pPr marL="333362" lvl="1" indent="0">
-              <a:buNone/>
-            </a:pPr>
-            <a:endParaRPr lang="en-US" altLang="en-US" sz="1500">
-              <a:latin typeface="Tahoma" panose="020B0604030504040204" pitchFamily="34" charset="0"/>
-            </a:endParaRPr>
-          </a:p>
-          <a:p>
-            <a:pPr marL="333362" lvl="1" indent="0">
-              <a:buNone/>
-            </a:pPr>
-            <a:endParaRPr lang="en-US" altLang="en-US" sz="1500">
-              <a:latin typeface="Tahoma" panose="020B0604030504040204" pitchFamily="34" charset="0"/>
-            </a:endParaRPr>
-          </a:p>
-          <a:p>
-            <a:pPr marL="333362" lvl="1" indent="0"/>
-            <a:endParaRPr lang="en-US" altLang="en-US" sz="1500">
-              <a:latin typeface="Tahoma" panose="020B0604030504040204" pitchFamily="34" charset="0"/>
-            </a:endParaRPr>
-          </a:p>
-          <a:p>
-            <a:pPr marL="333362" lvl="1" indent="0"/>
-            <a:endParaRPr lang="en-US" altLang="en-US" sz="1500">
-              <a:latin typeface="Tahoma" panose="020B0604030504040204" pitchFamily="34" charset="0"/>
-            </a:endParaRPr>
-          </a:p>
-          <a:p>
-            <a:pPr marL="333362" lvl="1" indent="0">
-              <a:buFontTx/>
-              <a:buAutoNum type="arabicParenR"/>
-            </a:pPr>
-            <a:endParaRPr lang="en-US" altLang="en-US" sz="1500">
-              <a:latin typeface="Tahoma" panose="020B0604030504040204" pitchFamily="34" charset="0"/>
-            </a:endParaRPr>
-          </a:p>
-          <a:p>
-            <a:pPr marL="333362" lvl="1" indent="0"/>
-            <a:endParaRPr lang="en-US" altLang="en-US" sz="1333">
-              <a:latin typeface="Tahoma" panose="020B0604030504040204" pitchFamily="34" charset="0"/>
-            </a:endParaRPr>
-          </a:p>
-          <a:p>
-            <a:pPr marL="333362" lvl="1" indent="0">
-              <a:buNone/>
-            </a:pPr>
-            <a:endParaRPr lang="en-US" altLang="en-US" sz="1500">
-              <a:latin typeface="Tahoma" panose="020B0604030504040204" pitchFamily="34" charset="0"/>
-            </a:endParaRPr>
-          </a:p>
-          <a:p>
-            <a:pPr marL="333362" lvl="1" indent="0"/>
-            <a:endParaRPr lang="en-US" altLang="en-US" sz="1333">
-              <a:latin typeface="Tahoma" panose="020B0604030504040204" pitchFamily="34" charset="0"/>
-            </a:endParaRPr>
-          </a:p>
-          <a:p>
-            <a:pPr marL="333362" lvl="1" indent="0"/>
-            <a:endParaRPr lang="en-US" altLang="en-US" sz="1333">
-              <a:latin typeface="Tahoma" panose="020B0604030504040204" pitchFamily="34" charset="0"/>
-            </a:endParaRPr>
-          </a:p>
-          <a:p>
-            <a:pPr marL="333362" lvl="1" indent="0"/>
-            <a:endParaRPr lang="en-US" altLang="en-US" sz="1333">
-              <a:latin typeface="Tahoma" panose="020B0604030504040204" pitchFamily="34" charset="0"/>
-            </a:endParaRPr>
-          </a:p>
-          <a:p>
-            <a:pPr marL="333362" lvl="1" indent="0"/>
-            <a:endParaRPr lang="en-US" altLang="en-US" sz="1333">
-              <a:latin typeface="Tahoma" panose="020B0604030504040204" pitchFamily="34" charset="0"/>
-            </a:endParaRPr>
-          </a:p>
-          <a:p>
-            <a:pPr marL="333362" lvl="1" indent="0"/>
-            <a:endParaRPr lang="en-US" altLang="en-US" sz="1333">
-              <a:latin typeface="Tahoma" panose="020B0604030504040204" pitchFamily="34" charset="0"/>
-            </a:endParaRPr>
-          </a:p>
-          <a:p>
-            <a:pPr marL="0" indent="0"/>
-            <a:endParaRPr lang="en-US" altLang="en-US" sz="1333">
-              <a:latin typeface="Tahoma" panose="020B0604030504040204" pitchFamily="34" charset="0"/>
-              <a:ea typeface="ＭＳ Ｐゴシック" panose="020B0600070205080204" pitchFamily="34" charset="-128"/>
-            </a:endParaRPr>
-          </a:p>
-          <a:p>
-            <a:pPr marL="333362" lvl="1" indent="0">
-              <a:buFontTx/>
-              <a:buAutoNum type="alphaLcPeriod"/>
-            </a:pPr>
-            <a:endParaRPr lang="en-US" altLang="en-US" sz="1500">
-              <a:latin typeface="Tahoma" panose="020B0604030504040204" pitchFamily="34" charset="0"/>
-            </a:endParaRPr>
-          </a:p>
-          <a:p>
-            <a:pPr marL="0" indent="0">
-              <a:buNone/>
-            </a:pPr>
-            <a:endParaRPr lang="en-US" altLang="en-US" sz="1833">
-              <a:latin typeface="Tahoma" panose="020B0604030504040204" pitchFamily="34" charset="0"/>
-              <a:ea typeface="ＭＳ Ｐゴシック" panose="020B0600070205080204" pitchFamily="34" charset="-128"/>
-            </a:endParaRPr>
-          </a:p>
-          <a:p>
-            <a:pPr marL="0" indent="0">
-              <a:buNone/>
-            </a:pPr>
-            <a:endParaRPr lang="en-US" altLang="en-US" sz="1833">
-              <a:latin typeface="Tahoma" panose="020B0604030504040204" pitchFamily="34" charset="0"/>
-              <a:ea typeface="ＭＳ Ｐゴシック" panose="020B0600070205080204" pitchFamily="34" charset="-128"/>
-            </a:endParaRPr>
-          </a:p>
-          <a:p>
-            <a:pPr marL="0" indent="0">
-              <a:buNone/>
-            </a:pPr>
-            <a:endParaRPr lang="en-US" altLang="en-US" sz="1833">
-              <a:latin typeface="Tahoma" panose="020B0604030504040204" pitchFamily="34" charset="0"/>
-              <a:ea typeface="ＭＳ Ｐゴシック" panose="020B0600070205080204" pitchFamily="34" charset="-128"/>
             </a:endParaRPr>
           </a:p>
         </p:txBody>
@@ -14983,13 +15297,194 @@
     </p:spTree>
     <p:extLst>
       <p:ext uri="{BB962C8B-B14F-4D97-AF65-F5344CB8AC3E}">
-        <p14:creationId xmlns:p14="http://schemas.microsoft.com/office/powerpoint/2010/main" val="1053354732"/>
+        <p14:creationId xmlns:p14="http://schemas.microsoft.com/office/powerpoint/2010/main" val="4262345740"/>
       </p:ext>
     </p:extLst>
   </p:cSld>
   <p:clrMapOvr>
     <a:masterClrMapping/>
   </p:clrMapOvr>
+  <p:transition/>
+  <p:timing>
+    <p:tnLst>
+      <p:par>
+        <p:cTn id="1" dur="indefinite" restart="never" nodeType="tmRoot">
+          <p:childTnLst>
+            <p:seq concurrent="1" nextAc="seek">
+              <p:cTn id="2" dur="indefinite" nodeType="mainSeq">
+                <p:childTnLst>
+                  <p:par>
+                    <p:cTn id="3" fill="hold">
+                      <p:stCondLst>
+                        <p:cond delay="indefinite"/>
+                      </p:stCondLst>
+                      <p:childTnLst>
+                        <p:par>
+                          <p:cTn id="4" fill="hold">
+                            <p:stCondLst>
+                              <p:cond delay="0"/>
+                            </p:stCondLst>
+                            <p:childTnLst>
+                              <p:par>
+                                <p:cTn id="5" presetID="1" presetClass="entr" presetSubtype="0" fill="hold" grpId="0" nodeType="clickEffect">
+                                  <p:stCondLst>
+                                    <p:cond delay="0"/>
+                                  </p:stCondLst>
+                                  <p:childTnLst>
+                                    <p:set>
+                                      <p:cBhvr>
+                                        <p:cTn id="6" dur="1" fill="hold">
+                                          <p:stCondLst>
+                                            <p:cond delay="0"/>
+                                          </p:stCondLst>
+                                        </p:cTn>
+                                        <p:tgtEl>
+                                          <p:spTgt spid="69634">
+                                            <p:txEl>
+                                              <p:pRg st="0" end="0"/>
+                                            </p:txEl>
+                                          </p:spTgt>
+                                        </p:tgtEl>
+                                        <p:attrNameLst>
+                                          <p:attrName>style.visibility</p:attrName>
+                                        </p:attrNameLst>
+                                      </p:cBhvr>
+                                      <p:to>
+                                        <p:strVal val="visible"/>
+                                      </p:to>
+                                    </p:set>
+                                  </p:childTnLst>
+                                </p:cTn>
+                              </p:par>
+                            </p:childTnLst>
+                          </p:cTn>
+                        </p:par>
+                      </p:childTnLst>
+                    </p:cTn>
+                  </p:par>
+                  <p:par>
+                    <p:cTn id="7" fill="hold">
+                      <p:stCondLst>
+                        <p:cond delay="indefinite"/>
+                      </p:stCondLst>
+                      <p:childTnLst>
+                        <p:par>
+                          <p:cTn id="8" fill="hold">
+                            <p:stCondLst>
+                              <p:cond delay="0"/>
+                            </p:stCondLst>
+                            <p:childTnLst>
+                              <p:par>
+                                <p:cTn id="9" presetID="1" presetClass="entr" presetSubtype="0" fill="hold" grpId="0" nodeType="clickEffect">
+                                  <p:stCondLst>
+                                    <p:cond delay="0"/>
+                                  </p:stCondLst>
+                                  <p:childTnLst>
+                                    <p:set>
+                                      <p:cBhvr>
+                                        <p:cTn id="10" dur="1" fill="hold">
+                                          <p:stCondLst>
+                                            <p:cond delay="0"/>
+                                          </p:stCondLst>
+                                        </p:cTn>
+                                        <p:tgtEl>
+                                          <p:spTgt spid="69634">
+                                            <p:txEl>
+                                              <p:pRg st="2" end="2"/>
+                                            </p:txEl>
+                                          </p:spTgt>
+                                        </p:tgtEl>
+                                        <p:attrNameLst>
+                                          <p:attrName>style.visibility</p:attrName>
+                                        </p:attrNameLst>
+                                      </p:cBhvr>
+                                      <p:to>
+                                        <p:strVal val="visible"/>
+                                      </p:to>
+                                    </p:set>
+                                  </p:childTnLst>
+                                </p:cTn>
+                              </p:par>
+                            </p:childTnLst>
+                          </p:cTn>
+                        </p:par>
+                      </p:childTnLst>
+                    </p:cTn>
+                  </p:par>
+                  <p:par>
+                    <p:cTn id="11" fill="hold">
+                      <p:stCondLst>
+                        <p:cond delay="indefinite"/>
+                      </p:stCondLst>
+                      <p:childTnLst>
+                        <p:par>
+                          <p:cTn id="12" fill="hold">
+                            <p:stCondLst>
+                              <p:cond delay="0"/>
+                            </p:stCondLst>
+                            <p:childTnLst>
+                              <p:par>
+                                <p:cTn id="13" presetID="1" presetClass="entr" presetSubtype="0" fill="hold" grpId="0" nodeType="clickEffect">
+                                  <p:stCondLst>
+                                    <p:cond delay="0"/>
+                                  </p:stCondLst>
+                                  <p:childTnLst>
+                                    <p:set>
+                                      <p:cBhvr>
+                                        <p:cTn id="14" dur="1" fill="hold">
+                                          <p:stCondLst>
+                                            <p:cond delay="0"/>
+                                          </p:stCondLst>
+                                        </p:cTn>
+                                        <p:tgtEl>
+                                          <p:spTgt spid="69634">
+                                            <p:txEl>
+                                              <p:pRg st="4" end="4"/>
+                                            </p:txEl>
+                                          </p:spTgt>
+                                        </p:tgtEl>
+                                        <p:attrNameLst>
+                                          <p:attrName>style.visibility</p:attrName>
+                                        </p:attrNameLst>
+                                      </p:cBhvr>
+                                      <p:to>
+                                        <p:strVal val="visible"/>
+                                      </p:to>
+                                    </p:set>
+                                  </p:childTnLst>
+                                </p:cTn>
+                              </p:par>
+                            </p:childTnLst>
+                          </p:cTn>
+                        </p:par>
+                      </p:childTnLst>
+                    </p:cTn>
+                  </p:par>
+                </p:childTnLst>
+              </p:cTn>
+              <p:prevCondLst>
+                <p:cond evt="onPrev" delay="0">
+                  <p:tgtEl>
+                    <p:sldTgt/>
+                  </p:tgtEl>
+                </p:cond>
+              </p:prevCondLst>
+              <p:nextCondLst>
+                <p:cond evt="onNext" delay="0">
+                  <p:tgtEl>
+                    <p:sldTgt/>
+                  </p:tgtEl>
+                </p:cond>
+              </p:nextCondLst>
+            </p:seq>
+          </p:childTnLst>
+        </p:cTn>
+      </p:par>
+    </p:tnLst>
+    <p:bldLst>
+      <p:bldP spid="69634" grpId="0" build="p"/>
+    </p:bldLst>
+  </p:timing>
 </p:sld>
 </file>
 
@@ -15866,6 +16361,841 @@
 </file>
 
 <file path=ppt/slides/slide20.xml><?xml version="1.0" encoding="utf-8"?>
+<p:sld xmlns:a="http://schemas.openxmlformats.org/drawingml/2006/main" xmlns:r="http://schemas.openxmlformats.org/officeDocument/2006/relationships" xmlns:p="http://schemas.openxmlformats.org/presentationml/2006/main">
+  <p:cSld>
+    <p:spTree>
+      <p:nvGrpSpPr>
+        <p:cNvPr id="1" name=""/>
+        <p:cNvGrpSpPr/>
+        <p:nvPr/>
+      </p:nvGrpSpPr>
+      <p:grpSpPr>
+        <a:xfrm>
+          <a:off x="0" y="0"/>
+          <a:ext cx="0" cy="0"/>
+          <a:chOff x="0" y="0"/>
+          <a:chExt cx="0" cy="0"/>
+        </a:xfrm>
+      </p:grpSpPr>
+      <p:sp>
+        <p:nvSpPr>
+          <p:cNvPr id="73729" name="Rectangle 2">
+            <a:extLst>
+              <a:ext uri="{FF2B5EF4-FFF2-40B4-BE49-F238E27FC236}">
+                <a16:creationId xmlns:a16="http://schemas.microsoft.com/office/drawing/2014/main" id="{68C10369-9285-C146-8813-8715FBA65853}"/>
+              </a:ext>
+            </a:extLst>
+          </p:cNvPr>
+          <p:cNvSpPr>
+            <a:spLocks noGrp="1" noChangeArrowheads="1"/>
+          </p:cNvSpPr>
+          <p:nvPr>
+            <p:ph type="title"/>
+          </p:nvPr>
+        </p:nvSpPr>
+        <p:spPr>
+          <a:xfrm>
+            <a:off x="156039" y="127000"/>
+            <a:ext cx="7886700" cy="842481"/>
+          </a:xfrm>
+        </p:spPr>
+        <p:txBody>
+          <a:bodyPr/>
+          <a:lstStyle/>
+          <a:p>
+            <a:pPr eaLnBrk="1" hangingPunct="1"/>
+            <a:r>
+              <a:rPr lang="en-US" altLang="en-US" dirty="0">
+                <a:latin typeface="Tahoma" panose="020B0604030504040204" pitchFamily="34" charset="0"/>
+                <a:ea typeface="ＭＳ Ｐゴシック" panose="020B0600070205080204" pitchFamily="34" charset="-128"/>
+              </a:rPr>
+              <a:t>GPU</a:t>
+            </a:r>
+          </a:p>
+        </p:txBody>
+      </p:sp>
+      <p:sp>
+        <p:nvSpPr>
+          <p:cNvPr id="69634" name="Rectangle 3">
+            <a:extLst>
+              <a:ext uri="{FF2B5EF4-FFF2-40B4-BE49-F238E27FC236}">
+                <a16:creationId xmlns:a16="http://schemas.microsoft.com/office/drawing/2014/main" id="{FD9DE532-4EC4-0D40-ADFB-7F0AA406DC7A}"/>
+              </a:ext>
+            </a:extLst>
+          </p:cNvPr>
+          <p:cNvSpPr>
+            <a:spLocks noGrp="1" noChangeArrowheads="1"/>
+          </p:cNvSpPr>
+          <p:nvPr>
+            <p:ph type="body" idx="1"/>
+          </p:nvPr>
+        </p:nvSpPr>
+        <p:spPr>
+          <a:xfrm>
+            <a:off x="84120" y="822646"/>
+            <a:ext cx="8823574" cy="4765354"/>
+          </a:xfrm>
+        </p:spPr>
+        <p:txBody>
+          <a:bodyPr/>
+          <a:lstStyle/>
+          <a:p>
+            <a:pPr marL="0" indent="0" eaLnBrk="1" hangingPunct="1">
+              <a:buNone/>
+            </a:pPr>
+            <a:r>
+              <a:rPr lang="en-US" altLang="en-US" sz="1833" dirty="0">
+                <a:latin typeface="Tahoma" panose="020B0604030504040204" pitchFamily="34" charset="0"/>
+                <a:ea typeface="ＭＳ Ｐゴシック" panose="020B0600070205080204" pitchFamily="34" charset="-128"/>
+              </a:rPr>
+              <a:t>One component of the video card is the </a:t>
+            </a:r>
+            <a:r>
+              <a:rPr lang="en-US" altLang="en-US" sz="1833" b="1" dirty="0">
+                <a:latin typeface="Tahoma" panose="020B0604030504040204" pitchFamily="34" charset="0"/>
+                <a:ea typeface="ＭＳ Ｐゴシック" panose="020B0600070205080204" pitchFamily="34" charset="-128"/>
+              </a:rPr>
+              <a:t>GPU, or Graphics Processing Unit</a:t>
+            </a:r>
+            <a:r>
+              <a:rPr lang="en-US" altLang="en-US" sz="1833" dirty="0">
+                <a:latin typeface="Tahoma" panose="020B0604030504040204" pitchFamily="34" charset="0"/>
+                <a:ea typeface="ＭＳ Ｐゴシック" panose="020B0600070205080204" pitchFamily="34" charset="-128"/>
+              </a:rPr>
+              <a:t>, which is essentially a CPU dedicated just to graphics-related computations. </a:t>
+            </a:r>
+          </a:p>
+          <a:p>
+            <a:pPr marL="0" indent="0" eaLnBrk="1" hangingPunct="1">
+              <a:buNone/>
+            </a:pPr>
+            <a:endParaRPr lang="en-US" altLang="en-US" sz="1833" dirty="0">
+              <a:latin typeface="Tahoma" panose="020B0604030504040204" pitchFamily="34" charset="0"/>
+              <a:ea typeface="ＭＳ Ｐゴシック" panose="020B0600070205080204" pitchFamily="34" charset="-128"/>
+            </a:endParaRPr>
+          </a:p>
+          <a:p>
+            <a:pPr marL="0" indent="0" eaLnBrk="1" hangingPunct="1">
+              <a:buNone/>
+            </a:pPr>
+            <a:r>
+              <a:rPr lang="en-US" altLang="en-US" sz="1833" dirty="0">
+                <a:latin typeface="Tahoma" panose="020B0604030504040204" pitchFamily="34" charset="0"/>
+                <a:ea typeface="ＭＳ Ｐゴシック" panose="020B0600070205080204" pitchFamily="34" charset="-128"/>
+              </a:rPr>
+              <a:t>Working with graphics and animation requires many mathematical computations(e.g. matrix operations) that are resource intensive. Parallel computing can lead to more efficient solutions to computing problems. </a:t>
+            </a:r>
+          </a:p>
+          <a:p>
+            <a:pPr marL="0" indent="0" eaLnBrk="1" hangingPunct="1">
+              <a:buNone/>
+            </a:pPr>
+            <a:endParaRPr lang="en-US" altLang="en-US" sz="1833" dirty="0">
+              <a:latin typeface="Tahoma" panose="020B0604030504040204" pitchFamily="34" charset="0"/>
+              <a:ea typeface="ＭＳ Ｐゴシック" panose="020B0600070205080204" pitchFamily="34" charset="-128"/>
+            </a:endParaRPr>
+          </a:p>
+          <a:p>
+            <a:pPr marL="0" indent="0" eaLnBrk="1" hangingPunct="1">
+              <a:buNone/>
+            </a:pPr>
+            <a:r>
+              <a:rPr lang="en-US" altLang="en-US" sz="1833" dirty="0">
+                <a:latin typeface="Tahoma" panose="020B0604030504040204" pitchFamily="34" charset="0"/>
+                <a:ea typeface="ＭＳ Ｐゴシック" panose="020B0600070205080204" pitchFamily="34" charset="-128"/>
+              </a:rPr>
+              <a:t>GPUs take parallelism to a whole new level by running thousands of computations at the same time.</a:t>
+            </a:r>
+          </a:p>
+          <a:p>
+            <a:pPr marL="0" indent="0" eaLnBrk="1" hangingPunct="1">
+              <a:buNone/>
+            </a:pPr>
+            <a:endParaRPr lang="en-US" altLang="en-US" sz="1833" dirty="0">
+              <a:latin typeface="Tahoma" panose="020B0604030504040204" pitchFamily="34" charset="0"/>
+              <a:ea typeface="ＭＳ Ｐゴシック" panose="020B0600070205080204" pitchFamily="34" charset="-128"/>
+            </a:endParaRPr>
+          </a:p>
+          <a:p>
+            <a:pPr marL="0" indent="0" eaLnBrk="1" hangingPunct="1">
+              <a:buNone/>
+            </a:pPr>
+            <a:r>
+              <a:rPr lang="en-US" altLang="en-US" sz="1833" dirty="0">
+                <a:latin typeface="Tahoma" panose="020B0604030504040204" pitchFamily="34" charset="0"/>
+                <a:ea typeface="ＭＳ Ｐゴシック" panose="020B0600070205080204" pitchFamily="34" charset="-128"/>
+              </a:rPr>
+              <a:t>It also helps if these problems are independent of one another, so everything can be solved at the same time with minimal need to combine everything back together. Luckily, both of these conditions are really common in graphics! </a:t>
+            </a:r>
+          </a:p>
+          <a:p>
+            <a:pPr marL="342900" lvl="1" indent="0" eaLnBrk="1" hangingPunct="1">
+              <a:buNone/>
+            </a:pPr>
+            <a:r>
+              <a:rPr lang="en-US" altLang="en-US" dirty="0">
+                <a:latin typeface="Tahoma" panose="020B0604030504040204" pitchFamily="34" charset="0"/>
+              </a:rPr>
+              <a:t>- For example, figuring out the color of the pixel in the top-left of your screen doesn't depend on figuring out the color of the pixel in the bottom-right of your screen.</a:t>
+            </a:r>
+          </a:p>
+        </p:txBody>
+      </p:sp>
+    </p:spTree>
+    <p:extLst>
+      <p:ext uri="{BB962C8B-B14F-4D97-AF65-F5344CB8AC3E}">
+        <p14:creationId xmlns:p14="http://schemas.microsoft.com/office/powerpoint/2010/main" val="722413606"/>
+      </p:ext>
+    </p:extLst>
+  </p:cSld>
+  <p:clrMapOvr>
+    <a:masterClrMapping/>
+  </p:clrMapOvr>
+  <p:transition/>
+  <p:timing>
+    <p:tnLst>
+      <p:par>
+        <p:cTn id="1" dur="indefinite" restart="never" nodeType="tmRoot">
+          <p:childTnLst>
+            <p:seq concurrent="1" nextAc="seek">
+              <p:cTn id="2" dur="indefinite" nodeType="mainSeq">
+                <p:childTnLst>
+                  <p:par>
+                    <p:cTn id="3" fill="hold">
+                      <p:stCondLst>
+                        <p:cond delay="indefinite"/>
+                      </p:stCondLst>
+                      <p:childTnLst>
+                        <p:par>
+                          <p:cTn id="4" fill="hold">
+                            <p:stCondLst>
+                              <p:cond delay="0"/>
+                            </p:stCondLst>
+                            <p:childTnLst>
+                              <p:par>
+                                <p:cTn id="5" presetID="1" presetClass="entr" presetSubtype="0" fill="hold" grpId="0" nodeType="clickEffect">
+                                  <p:stCondLst>
+                                    <p:cond delay="0"/>
+                                  </p:stCondLst>
+                                  <p:childTnLst>
+                                    <p:set>
+                                      <p:cBhvr>
+                                        <p:cTn id="6" dur="1" fill="hold">
+                                          <p:stCondLst>
+                                            <p:cond delay="0"/>
+                                          </p:stCondLst>
+                                        </p:cTn>
+                                        <p:tgtEl>
+                                          <p:spTgt spid="69634">
+                                            <p:txEl>
+                                              <p:pRg st="0" end="0"/>
+                                            </p:txEl>
+                                          </p:spTgt>
+                                        </p:tgtEl>
+                                        <p:attrNameLst>
+                                          <p:attrName>style.visibility</p:attrName>
+                                        </p:attrNameLst>
+                                      </p:cBhvr>
+                                      <p:to>
+                                        <p:strVal val="visible"/>
+                                      </p:to>
+                                    </p:set>
+                                  </p:childTnLst>
+                                </p:cTn>
+                              </p:par>
+                            </p:childTnLst>
+                          </p:cTn>
+                        </p:par>
+                      </p:childTnLst>
+                    </p:cTn>
+                  </p:par>
+                  <p:par>
+                    <p:cTn id="7" fill="hold">
+                      <p:stCondLst>
+                        <p:cond delay="indefinite"/>
+                      </p:stCondLst>
+                      <p:childTnLst>
+                        <p:par>
+                          <p:cTn id="8" fill="hold">
+                            <p:stCondLst>
+                              <p:cond delay="0"/>
+                            </p:stCondLst>
+                            <p:childTnLst>
+                              <p:par>
+                                <p:cTn id="9" presetID="1" presetClass="entr" presetSubtype="0" fill="hold" grpId="0" nodeType="clickEffect">
+                                  <p:stCondLst>
+                                    <p:cond delay="0"/>
+                                  </p:stCondLst>
+                                  <p:childTnLst>
+                                    <p:set>
+                                      <p:cBhvr>
+                                        <p:cTn id="10" dur="1" fill="hold">
+                                          <p:stCondLst>
+                                            <p:cond delay="0"/>
+                                          </p:stCondLst>
+                                        </p:cTn>
+                                        <p:tgtEl>
+                                          <p:spTgt spid="69634">
+                                            <p:txEl>
+                                              <p:pRg st="2" end="2"/>
+                                            </p:txEl>
+                                          </p:spTgt>
+                                        </p:tgtEl>
+                                        <p:attrNameLst>
+                                          <p:attrName>style.visibility</p:attrName>
+                                        </p:attrNameLst>
+                                      </p:cBhvr>
+                                      <p:to>
+                                        <p:strVal val="visible"/>
+                                      </p:to>
+                                    </p:set>
+                                  </p:childTnLst>
+                                </p:cTn>
+                              </p:par>
+                            </p:childTnLst>
+                          </p:cTn>
+                        </p:par>
+                      </p:childTnLst>
+                    </p:cTn>
+                  </p:par>
+                  <p:par>
+                    <p:cTn id="11" fill="hold">
+                      <p:stCondLst>
+                        <p:cond delay="indefinite"/>
+                      </p:stCondLst>
+                      <p:childTnLst>
+                        <p:par>
+                          <p:cTn id="12" fill="hold">
+                            <p:stCondLst>
+                              <p:cond delay="0"/>
+                            </p:stCondLst>
+                            <p:childTnLst>
+                              <p:par>
+                                <p:cTn id="13" presetID="1" presetClass="entr" presetSubtype="0" fill="hold" grpId="0" nodeType="clickEffect">
+                                  <p:stCondLst>
+                                    <p:cond delay="0"/>
+                                  </p:stCondLst>
+                                  <p:childTnLst>
+                                    <p:set>
+                                      <p:cBhvr>
+                                        <p:cTn id="14" dur="1" fill="hold">
+                                          <p:stCondLst>
+                                            <p:cond delay="0"/>
+                                          </p:stCondLst>
+                                        </p:cTn>
+                                        <p:tgtEl>
+                                          <p:spTgt spid="69634">
+                                            <p:txEl>
+                                              <p:pRg st="4" end="4"/>
+                                            </p:txEl>
+                                          </p:spTgt>
+                                        </p:tgtEl>
+                                        <p:attrNameLst>
+                                          <p:attrName>style.visibility</p:attrName>
+                                        </p:attrNameLst>
+                                      </p:cBhvr>
+                                      <p:to>
+                                        <p:strVal val="visible"/>
+                                      </p:to>
+                                    </p:set>
+                                  </p:childTnLst>
+                                </p:cTn>
+                              </p:par>
+                            </p:childTnLst>
+                          </p:cTn>
+                        </p:par>
+                      </p:childTnLst>
+                    </p:cTn>
+                  </p:par>
+                  <p:par>
+                    <p:cTn id="15" fill="hold">
+                      <p:stCondLst>
+                        <p:cond delay="indefinite"/>
+                      </p:stCondLst>
+                      <p:childTnLst>
+                        <p:par>
+                          <p:cTn id="16" fill="hold">
+                            <p:stCondLst>
+                              <p:cond delay="0"/>
+                            </p:stCondLst>
+                            <p:childTnLst>
+                              <p:par>
+                                <p:cTn id="17" presetID="1" presetClass="entr" presetSubtype="0" fill="hold" grpId="0" nodeType="clickEffect">
+                                  <p:stCondLst>
+                                    <p:cond delay="0"/>
+                                  </p:stCondLst>
+                                  <p:childTnLst>
+                                    <p:set>
+                                      <p:cBhvr>
+                                        <p:cTn id="18" dur="1" fill="hold">
+                                          <p:stCondLst>
+                                            <p:cond delay="0"/>
+                                          </p:stCondLst>
+                                        </p:cTn>
+                                        <p:tgtEl>
+                                          <p:spTgt spid="69634">
+                                            <p:txEl>
+                                              <p:pRg st="6" end="6"/>
+                                            </p:txEl>
+                                          </p:spTgt>
+                                        </p:tgtEl>
+                                        <p:attrNameLst>
+                                          <p:attrName>style.visibility</p:attrName>
+                                        </p:attrNameLst>
+                                      </p:cBhvr>
+                                      <p:to>
+                                        <p:strVal val="visible"/>
+                                      </p:to>
+                                    </p:set>
+                                  </p:childTnLst>
+                                </p:cTn>
+                              </p:par>
+                              <p:par>
+                                <p:cTn id="19" presetID="1" presetClass="entr" presetSubtype="0" fill="hold" grpId="0" nodeType="withEffect">
+                                  <p:stCondLst>
+                                    <p:cond delay="0"/>
+                                  </p:stCondLst>
+                                  <p:childTnLst>
+                                    <p:set>
+                                      <p:cBhvr>
+                                        <p:cTn id="20" dur="1" fill="hold">
+                                          <p:stCondLst>
+                                            <p:cond delay="0"/>
+                                          </p:stCondLst>
+                                        </p:cTn>
+                                        <p:tgtEl>
+                                          <p:spTgt spid="69634">
+                                            <p:txEl>
+                                              <p:pRg st="7" end="7"/>
+                                            </p:txEl>
+                                          </p:spTgt>
+                                        </p:tgtEl>
+                                        <p:attrNameLst>
+                                          <p:attrName>style.visibility</p:attrName>
+                                        </p:attrNameLst>
+                                      </p:cBhvr>
+                                      <p:to>
+                                        <p:strVal val="visible"/>
+                                      </p:to>
+                                    </p:set>
+                                  </p:childTnLst>
+                                </p:cTn>
+                              </p:par>
+                            </p:childTnLst>
+                          </p:cTn>
+                        </p:par>
+                      </p:childTnLst>
+                    </p:cTn>
+                  </p:par>
+                </p:childTnLst>
+              </p:cTn>
+              <p:prevCondLst>
+                <p:cond evt="onPrev" delay="0">
+                  <p:tgtEl>
+                    <p:sldTgt/>
+                  </p:tgtEl>
+                </p:cond>
+              </p:prevCondLst>
+              <p:nextCondLst>
+                <p:cond evt="onNext" delay="0">
+                  <p:tgtEl>
+                    <p:sldTgt/>
+                  </p:tgtEl>
+                </p:cond>
+              </p:nextCondLst>
+            </p:seq>
+          </p:childTnLst>
+        </p:cTn>
+      </p:par>
+    </p:tnLst>
+    <p:bldLst>
+      <p:bldP spid="69634" grpId="0" build="p"/>
+    </p:bldLst>
+  </p:timing>
+</p:sld>
+</file>
+
+<file path=ppt/slides/slide21.xml><?xml version="1.0" encoding="utf-8"?>
+<p:sld xmlns:a="http://schemas.openxmlformats.org/drawingml/2006/main" xmlns:r="http://schemas.openxmlformats.org/officeDocument/2006/relationships" xmlns:p="http://schemas.openxmlformats.org/presentationml/2006/main">
+  <p:cSld>
+    <p:spTree>
+      <p:nvGrpSpPr>
+        <p:cNvPr id="1" name=""/>
+        <p:cNvGrpSpPr/>
+        <p:nvPr/>
+      </p:nvGrpSpPr>
+      <p:grpSpPr>
+        <a:xfrm>
+          <a:off x="0" y="0"/>
+          <a:ext cx="0" cy="0"/>
+          <a:chOff x="0" y="0"/>
+          <a:chExt cx="0" cy="0"/>
+        </a:xfrm>
+      </p:grpSpPr>
+      <p:sp>
+        <p:nvSpPr>
+          <p:cNvPr id="75777" name="Title 1">
+            <a:extLst>
+              <a:ext uri="{FF2B5EF4-FFF2-40B4-BE49-F238E27FC236}">
+                <a16:creationId xmlns:a16="http://schemas.microsoft.com/office/drawing/2014/main" id="{4C337064-067E-C742-B33E-CCEBE353F1FD}"/>
+              </a:ext>
+            </a:extLst>
+          </p:cNvPr>
+          <p:cNvSpPr>
+            <a:spLocks noGrp="1" noChangeArrowheads="1"/>
+          </p:cNvSpPr>
+          <p:nvPr>
+            <p:ph type="title"/>
+          </p:nvPr>
+        </p:nvSpPr>
+        <p:spPr/>
+        <p:txBody>
+          <a:bodyPr/>
+          <a:lstStyle/>
+          <a:p>
+            <a:pPr eaLnBrk="1" hangingPunct="1"/>
+            <a:r>
+              <a:rPr lang="en-US" altLang="en-US">
+                <a:ea typeface="ＭＳ Ｐゴシック" panose="020B0600070205080204" pitchFamily="34" charset="-128"/>
+              </a:rPr>
+              <a:t>Homework</a:t>
+            </a:r>
+          </a:p>
+        </p:txBody>
+      </p:sp>
+      <p:sp>
+        <p:nvSpPr>
+          <p:cNvPr id="75778" name="Content Placeholder 2">
+            <a:extLst>
+              <a:ext uri="{FF2B5EF4-FFF2-40B4-BE49-F238E27FC236}">
+                <a16:creationId xmlns:a16="http://schemas.microsoft.com/office/drawing/2014/main" id="{87F1DF07-4424-D544-BEBC-75BBF433173F}"/>
+              </a:ext>
+            </a:extLst>
+          </p:cNvPr>
+          <p:cNvSpPr>
+            <a:spLocks noGrp="1" noChangeArrowheads="1"/>
+          </p:cNvSpPr>
+          <p:nvPr>
+            <p:ph idx="1"/>
+          </p:nvPr>
+        </p:nvSpPr>
+        <p:spPr>
+          <a:xfrm>
+            <a:off x="1143000" y="1333500"/>
+            <a:ext cx="6848740" cy="3984625"/>
+          </a:xfrm>
+        </p:spPr>
+        <p:txBody>
+          <a:bodyPr/>
+          <a:lstStyle/>
+          <a:p>
+            <a:pPr marL="0" indent="0">
+              <a:buFontTx/>
+              <a:buAutoNum type="arabicParenR"/>
+            </a:pPr>
+            <a:endParaRPr lang="en-US" altLang="en-US" sz="1833">
+              <a:latin typeface="Tahoma" panose="020B0604030504040204" pitchFamily="34" charset="0"/>
+              <a:ea typeface="ＭＳ Ｐゴシック" panose="020B0600070205080204" pitchFamily="34" charset="-128"/>
+            </a:endParaRPr>
+          </a:p>
+          <a:p>
+            <a:pPr marL="0" indent="0">
+              <a:buFontTx/>
+              <a:buAutoNum type="arabicParenR"/>
+            </a:pPr>
+            <a:r>
+              <a:rPr lang="en-US" altLang="en-US" sz="1833">
+                <a:latin typeface="Tahoma" panose="020B0604030504040204" pitchFamily="34" charset="0"/>
+                <a:ea typeface="ＭＳ Ｐゴシック" panose="020B0600070205080204" pitchFamily="34" charset="-128"/>
+              </a:rPr>
+              <a:t>Read and reread these lecture notes.</a:t>
+            </a:r>
+          </a:p>
+          <a:p>
+            <a:pPr marL="0" indent="0">
+              <a:buFontTx/>
+              <a:buAutoNum type="arabicParenR"/>
+            </a:pPr>
+            <a:r>
+              <a:rPr lang="en-US" altLang="en-US" sz="1833">
+                <a:latin typeface="Tahoma" panose="020B0604030504040204" pitchFamily="34" charset="0"/>
+                <a:ea typeface="ＭＳ Ｐゴシック" panose="020B0600070205080204" pitchFamily="34" charset="-128"/>
+              </a:rPr>
+              <a:t>Watch or Read(Required):</a:t>
+            </a:r>
+          </a:p>
+          <a:p>
+            <a:pPr marL="333362" lvl="1" indent="0">
+              <a:buNone/>
+            </a:pPr>
+            <a:r>
+              <a:rPr lang="en-US" altLang="en-US" sz="1500">
+                <a:latin typeface="Tahoma" panose="020B0604030504040204" pitchFamily="34" charset="0"/>
+              </a:rPr>
+              <a:t>a)MP3 Compression.</a:t>
+            </a:r>
+          </a:p>
+          <a:p>
+            <a:pPr marL="333362" lvl="1" indent="0">
+              <a:buNone/>
+            </a:pPr>
+            <a:r>
+              <a:rPr lang="en-US" altLang="en-US" sz="1500">
+                <a:latin typeface="Tahoma" panose="020B0604030504040204" pitchFamily="34" charset="0"/>
+                <a:hlinkClick r:id="rId2"/>
+              </a:rPr>
+              <a:t>https://arstechnica.com/features/2007/10/the-audiofile-understanding-mp3-compression/</a:t>
+            </a:r>
+            <a:endParaRPr lang="en-US" altLang="en-US" sz="1500">
+              <a:latin typeface="Tahoma" panose="020B0604030504040204" pitchFamily="34" charset="0"/>
+            </a:endParaRPr>
+          </a:p>
+          <a:p>
+            <a:pPr marL="333362" lvl="1" indent="0">
+              <a:buNone/>
+            </a:pPr>
+            <a:r>
+              <a:rPr lang="en-US" altLang="en-US" sz="1500">
+                <a:latin typeface="Tahoma" panose="020B0604030504040204" pitchFamily="34" charset="0"/>
+              </a:rPr>
+              <a:t>b)CPU vs GPU Painting.</a:t>
+            </a:r>
+          </a:p>
+          <a:p>
+            <a:pPr marL="333362" lvl="1" indent="0">
+              <a:buNone/>
+            </a:pPr>
+            <a:r>
+              <a:rPr lang="en-US" altLang="en-US" sz="1500">
+                <a:latin typeface="Tahoma" panose="020B0604030504040204" pitchFamily="34" charset="0"/>
+                <a:hlinkClick r:id="rId3"/>
+              </a:rPr>
+              <a:t>https://youtu.be/-P28LKWTzrI</a:t>
+            </a:r>
+            <a:endParaRPr lang="en-US" altLang="en-US" sz="1500">
+              <a:latin typeface="Tahoma" panose="020B0604030504040204" pitchFamily="34" charset="0"/>
+            </a:endParaRPr>
+          </a:p>
+          <a:p>
+            <a:pPr marL="333362" lvl="1" indent="0">
+              <a:buNone/>
+            </a:pPr>
+            <a:r>
+              <a:rPr lang="en-US" altLang="en-US" sz="1500">
+                <a:latin typeface="Tahoma" panose="020B0604030504040204" pitchFamily="34" charset="0"/>
+              </a:rPr>
+              <a:t>c) Sampling</a:t>
+            </a:r>
+          </a:p>
+          <a:p>
+            <a:pPr marL="333362" lvl="1" indent="0">
+              <a:buNone/>
+            </a:pPr>
+            <a:r>
+              <a:rPr lang="en-US" altLang="en-US" sz="1500">
+                <a:latin typeface="Tahoma" panose="020B0604030504040204" pitchFamily="34" charset="0"/>
+                <a:hlinkClick r:id="rId4"/>
+              </a:rPr>
+              <a:t>https://www.youtube.com/watch?v=zC5KFnSUPNo</a:t>
+            </a:r>
+            <a:endParaRPr lang="en-US" altLang="en-US" sz="1500">
+              <a:latin typeface="Tahoma" panose="020B0604030504040204" pitchFamily="34" charset="0"/>
+            </a:endParaRPr>
+          </a:p>
+          <a:p>
+            <a:pPr marL="333362" lvl="1" indent="0">
+              <a:buNone/>
+            </a:pPr>
+            <a:r>
+              <a:rPr lang="en-US" altLang="en-US" sz="1500">
+                <a:latin typeface="Tahoma" panose="020B0604030504040204" pitchFamily="34" charset="0"/>
+              </a:rPr>
+              <a:t>d) Analog vs Digital.</a:t>
+            </a:r>
+          </a:p>
+          <a:p>
+            <a:pPr marL="333362" lvl="1" indent="0">
+              <a:buNone/>
+            </a:pPr>
+            <a:r>
+              <a:rPr lang="en-US" altLang="en-US" sz="1500">
+                <a:latin typeface="Tahoma" panose="020B0604030504040204" pitchFamily="34" charset="0"/>
+                <a:hlinkClick r:id="rId5"/>
+              </a:rPr>
+              <a:t>https://www.youtube.com/watch?v=btgAUdbj85E</a:t>
+            </a:r>
+            <a:endParaRPr lang="en-US" altLang="en-US" sz="1833">
+              <a:latin typeface="Tahoma" panose="020B0604030504040204" pitchFamily="34" charset="0"/>
+            </a:endParaRPr>
+          </a:p>
+          <a:p>
+            <a:pPr marL="0" indent="0">
+              <a:buNone/>
+            </a:pPr>
+            <a:r>
+              <a:rPr lang="en-US" altLang="en-US" sz="1833">
+                <a:latin typeface="Tahoma" panose="020B0604030504040204" pitchFamily="34" charset="0"/>
+                <a:ea typeface="ＭＳ Ｐゴシック" panose="020B0600070205080204" pitchFamily="34" charset="-128"/>
+              </a:rPr>
+              <a:t>     </a:t>
+            </a:r>
+          </a:p>
+          <a:p>
+            <a:pPr marL="333362" lvl="1" indent="0">
+              <a:buNone/>
+            </a:pPr>
+            <a:endParaRPr lang="en-US" altLang="en-US" sz="1500">
+              <a:latin typeface="Tahoma" panose="020B0604030504040204" pitchFamily="34" charset="0"/>
+            </a:endParaRPr>
+          </a:p>
+          <a:p>
+            <a:pPr marL="333362" lvl="1" indent="0">
+              <a:buNone/>
+            </a:pPr>
+            <a:endParaRPr lang="en-US" altLang="en-US" sz="1500">
+              <a:latin typeface="Tahoma" panose="020B0604030504040204" pitchFamily="34" charset="0"/>
+            </a:endParaRPr>
+          </a:p>
+          <a:p>
+            <a:pPr marL="333362" lvl="1" indent="0">
+              <a:buNone/>
+            </a:pPr>
+            <a:endParaRPr lang="en-US" altLang="en-US" sz="1500">
+              <a:latin typeface="Tahoma" panose="020B0604030504040204" pitchFamily="34" charset="0"/>
+            </a:endParaRPr>
+          </a:p>
+          <a:p>
+            <a:pPr marL="333362" lvl="1" indent="0">
+              <a:buNone/>
+            </a:pPr>
+            <a:endParaRPr lang="en-US" altLang="en-US" sz="1500">
+              <a:latin typeface="Tahoma" panose="020B0604030504040204" pitchFamily="34" charset="0"/>
+            </a:endParaRPr>
+          </a:p>
+          <a:p>
+            <a:pPr marL="333362" lvl="1" indent="0"/>
+            <a:endParaRPr lang="en-US" altLang="en-US" sz="1500">
+              <a:latin typeface="Tahoma" panose="020B0604030504040204" pitchFamily="34" charset="0"/>
+            </a:endParaRPr>
+          </a:p>
+          <a:p>
+            <a:pPr marL="333362" lvl="1" indent="0"/>
+            <a:endParaRPr lang="en-US" altLang="en-US" sz="1500">
+              <a:latin typeface="Tahoma" panose="020B0604030504040204" pitchFamily="34" charset="0"/>
+            </a:endParaRPr>
+          </a:p>
+          <a:p>
+            <a:pPr marL="333362" lvl="1" indent="0">
+              <a:buFontTx/>
+              <a:buAutoNum type="arabicParenR"/>
+            </a:pPr>
+            <a:endParaRPr lang="en-US" altLang="en-US" sz="1500">
+              <a:latin typeface="Tahoma" panose="020B0604030504040204" pitchFamily="34" charset="0"/>
+            </a:endParaRPr>
+          </a:p>
+          <a:p>
+            <a:pPr marL="333362" lvl="1" indent="0"/>
+            <a:endParaRPr lang="en-US" altLang="en-US" sz="1333">
+              <a:latin typeface="Tahoma" panose="020B0604030504040204" pitchFamily="34" charset="0"/>
+            </a:endParaRPr>
+          </a:p>
+          <a:p>
+            <a:pPr marL="333362" lvl="1" indent="0">
+              <a:buNone/>
+            </a:pPr>
+            <a:endParaRPr lang="en-US" altLang="en-US" sz="1500">
+              <a:latin typeface="Tahoma" panose="020B0604030504040204" pitchFamily="34" charset="0"/>
+            </a:endParaRPr>
+          </a:p>
+          <a:p>
+            <a:pPr marL="333362" lvl="1" indent="0"/>
+            <a:endParaRPr lang="en-US" altLang="en-US" sz="1333">
+              <a:latin typeface="Tahoma" panose="020B0604030504040204" pitchFamily="34" charset="0"/>
+            </a:endParaRPr>
+          </a:p>
+          <a:p>
+            <a:pPr marL="333362" lvl="1" indent="0"/>
+            <a:endParaRPr lang="en-US" altLang="en-US" sz="1333">
+              <a:latin typeface="Tahoma" panose="020B0604030504040204" pitchFamily="34" charset="0"/>
+            </a:endParaRPr>
+          </a:p>
+          <a:p>
+            <a:pPr marL="333362" lvl="1" indent="0"/>
+            <a:endParaRPr lang="en-US" altLang="en-US" sz="1333">
+              <a:latin typeface="Tahoma" panose="020B0604030504040204" pitchFamily="34" charset="0"/>
+            </a:endParaRPr>
+          </a:p>
+          <a:p>
+            <a:pPr marL="333362" lvl="1" indent="0"/>
+            <a:endParaRPr lang="en-US" altLang="en-US" sz="1333">
+              <a:latin typeface="Tahoma" panose="020B0604030504040204" pitchFamily="34" charset="0"/>
+            </a:endParaRPr>
+          </a:p>
+          <a:p>
+            <a:pPr marL="333362" lvl="1" indent="0"/>
+            <a:endParaRPr lang="en-US" altLang="en-US" sz="1333">
+              <a:latin typeface="Tahoma" panose="020B0604030504040204" pitchFamily="34" charset="0"/>
+            </a:endParaRPr>
+          </a:p>
+          <a:p>
+            <a:pPr marL="0" indent="0"/>
+            <a:endParaRPr lang="en-US" altLang="en-US" sz="1333">
+              <a:latin typeface="Tahoma" panose="020B0604030504040204" pitchFamily="34" charset="0"/>
+              <a:ea typeface="ＭＳ Ｐゴシック" panose="020B0600070205080204" pitchFamily="34" charset="-128"/>
+            </a:endParaRPr>
+          </a:p>
+          <a:p>
+            <a:pPr marL="333362" lvl="1" indent="0">
+              <a:buFontTx/>
+              <a:buAutoNum type="alphaLcPeriod"/>
+            </a:pPr>
+            <a:endParaRPr lang="en-US" altLang="en-US" sz="1500">
+              <a:latin typeface="Tahoma" panose="020B0604030504040204" pitchFamily="34" charset="0"/>
+            </a:endParaRPr>
+          </a:p>
+          <a:p>
+            <a:pPr marL="0" indent="0">
+              <a:buNone/>
+            </a:pPr>
+            <a:endParaRPr lang="en-US" altLang="en-US" sz="1833">
+              <a:latin typeface="Tahoma" panose="020B0604030504040204" pitchFamily="34" charset="0"/>
+              <a:ea typeface="ＭＳ Ｐゴシック" panose="020B0600070205080204" pitchFamily="34" charset="-128"/>
+            </a:endParaRPr>
+          </a:p>
+          <a:p>
+            <a:pPr marL="0" indent="0">
+              <a:buNone/>
+            </a:pPr>
+            <a:endParaRPr lang="en-US" altLang="en-US" sz="1833">
+              <a:latin typeface="Tahoma" panose="020B0604030504040204" pitchFamily="34" charset="0"/>
+              <a:ea typeface="ＭＳ Ｐゴシック" panose="020B0600070205080204" pitchFamily="34" charset="-128"/>
+            </a:endParaRPr>
+          </a:p>
+          <a:p>
+            <a:pPr marL="0" indent="0">
+              <a:buNone/>
+            </a:pPr>
+            <a:endParaRPr lang="en-US" altLang="en-US" sz="1833">
+              <a:latin typeface="Tahoma" panose="020B0604030504040204" pitchFamily="34" charset="0"/>
+              <a:ea typeface="ＭＳ Ｐゴシック" panose="020B0600070205080204" pitchFamily="34" charset="-128"/>
+            </a:endParaRPr>
+          </a:p>
+        </p:txBody>
+      </p:sp>
+    </p:spTree>
+    <p:extLst>
+      <p:ext uri="{BB962C8B-B14F-4D97-AF65-F5344CB8AC3E}">
+        <p14:creationId xmlns:p14="http://schemas.microsoft.com/office/powerpoint/2010/main" val="1053354732"/>
+      </p:ext>
+    </p:extLst>
+  </p:cSld>
+  <p:clrMapOvr>
+    <a:masterClrMapping/>
+  </p:clrMapOvr>
+</p:sld>
+</file>
+
+<file path=ppt/slides/slide22.xml><?xml version="1.0" encoding="utf-8"?>
 <p:sld xmlns:a="http://schemas.openxmlformats.org/drawingml/2006/main" xmlns:r="http://schemas.openxmlformats.org/officeDocument/2006/relationships" xmlns:p="http://schemas.openxmlformats.org/presentationml/2006/main">
   <p:cSld>
     <p:spTree>

--- a/courses/apcsp/lect15.pptx
+++ b/courses/apcsp/lect15.pptx
@@ -139,7 +139,7 @@
 <file path=ppt/revisionInfo.xml><?xml version="1.0" encoding="utf-8"?>
 <p1510:revInfo xmlns:a="http://schemas.openxmlformats.org/drawingml/2006/main" xmlns:r="http://schemas.openxmlformats.org/officeDocument/2006/relationships" xmlns:p1510="http://schemas.microsoft.com/office/powerpoint/2015/10/main">
   <p1510:revLst>
-    <p1510:client id="{B9DFA1C4-BDD3-4E42-9076-CE7C4D94C5A0}" v="381" dt="2021-05-05T14:28:03.564"/>
+    <p1510:client id="{B9DFA1C4-BDD3-4E42-9076-CE7C4D94C5A0}" v="451" dt="2021-05-21T18:11:02.357"/>
   </p1510:revLst>
 </p1510:revInfo>
 </file>
@@ -1916,10 +1916,25 @@
   <pc:docChgLst>
     <pc:chgData name="Long B Nguyen" userId="f59fb8f3-a021-417a-8bc1-65c8d471c621" providerId="ADAL" clId="{B9DFA1C4-BDD3-4E42-9076-CE7C4D94C5A0}"/>
     <pc:docChg chg="addSld modSld">
-      <pc:chgData name="Long B Nguyen" userId="f59fb8f3-a021-417a-8bc1-65c8d471c621" providerId="ADAL" clId="{B9DFA1C4-BDD3-4E42-9076-CE7C4D94C5A0}" dt="2021-05-05T14:28:03.564" v="438"/>
+      <pc:chgData name="Long B Nguyen" userId="f59fb8f3-a021-417a-8bc1-65c8d471c621" providerId="ADAL" clId="{B9DFA1C4-BDD3-4E42-9076-CE7C4D94C5A0}" dt="2021-05-21T18:11:30.043" v="509" actId="21"/>
       <pc:docMkLst>
         <pc:docMk/>
       </pc:docMkLst>
+      <pc:sldChg chg="modSp mod">
+        <pc:chgData name="Long B Nguyen" userId="f59fb8f3-a021-417a-8bc1-65c8d471c621" providerId="ADAL" clId="{B9DFA1C4-BDD3-4E42-9076-CE7C4D94C5A0}" dt="2021-05-21T18:11:30.043" v="509" actId="21"/>
+        <pc:sldMkLst>
+          <pc:docMk/>
+          <pc:sldMk cId="3836516243" sldId="598"/>
+        </pc:sldMkLst>
+        <pc:spChg chg="mod">
+          <ac:chgData name="Long B Nguyen" userId="f59fb8f3-a021-417a-8bc1-65c8d471c621" providerId="ADAL" clId="{B9DFA1C4-BDD3-4E42-9076-CE7C4D94C5A0}" dt="2021-05-21T18:11:30.043" v="509" actId="21"/>
+          <ac:spMkLst>
+            <pc:docMk/>
+            <pc:sldMk cId="3836516243" sldId="598"/>
+            <ac:spMk id="16386" creationId="{BDE71382-597F-7140-BB2A-61A70538093D}"/>
+          </ac:spMkLst>
+        </pc:spChg>
+      </pc:sldChg>
       <pc:sldChg chg="modSp mod modAnim">
         <pc:chgData name="Long B Nguyen" userId="f59fb8f3-a021-417a-8bc1-65c8d471c621" providerId="ADAL" clId="{B9DFA1C4-BDD3-4E42-9076-CE7C4D94C5A0}" dt="2021-05-05T14:28:03.564" v="438"/>
         <pc:sldMkLst>
@@ -2068,7 +2083,7 @@
           <a:p>
             <a:fld id="{6EDD99D2-A624-5E4F-A4E3-584054837B5A}" type="datetimeFigureOut">
               <a:rPr lang="en-US" smtClean="0"/>
-              <a:t>5/5/21</a:t>
+              <a:t>5/21/21</a:t>
             </a:fld>
             <a:endParaRPr lang="en-US"/>
           </a:p>
@@ -7947,7 +7962,7 @@
           <a:p>
             <a:fld id="{4AAD347D-5ACD-4C99-B74B-A9C85AD731AF}" type="datetimeFigureOut">
               <a:rPr lang="en-US" smtClean="0"/>
-              <a:t>5/5/21</a:t>
+              <a:t>5/21/21</a:t>
             </a:fld>
             <a:endParaRPr lang="en-US" dirty="0"/>
           </a:p>
@@ -8117,7 +8132,7 @@
           <a:p>
             <a:fld id="{4509A250-FF31-4206-8172-F9D3106AACB1}" type="datetimeFigureOut">
               <a:rPr lang="en-US" smtClean="0"/>
-              <a:t>5/5/21</a:t>
+              <a:t>5/21/21</a:t>
             </a:fld>
             <a:endParaRPr lang="en-US" dirty="0"/>
           </a:p>
@@ -8297,7 +8312,7 @@
           <a:p>
             <a:fld id="{4509A250-FF31-4206-8172-F9D3106AACB1}" type="datetimeFigureOut">
               <a:rPr lang="en-US" smtClean="0"/>
-              <a:t>5/5/21</a:t>
+              <a:t>5/21/21</a:t>
             </a:fld>
             <a:endParaRPr lang="en-US" dirty="0"/>
           </a:p>
@@ -8467,7 +8482,7 @@
           <a:p>
             <a:fld id="{4509A250-FF31-4206-8172-F9D3106AACB1}" type="datetimeFigureOut">
               <a:rPr lang="en-US" smtClean="0"/>
-              <a:t>5/5/21</a:t>
+              <a:t>5/21/21</a:t>
             </a:fld>
             <a:endParaRPr lang="en-US" dirty="0"/>
           </a:p>
@@ -8713,7 +8728,7 @@
           <a:p>
             <a:fld id="{9796027F-7875-4030-9381-8BD8C4F21935}" type="datetimeFigureOut">
               <a:rPr lang="en-US" smtClean="0"/>
-              <a:t>5/5/21</a:t>
+              <a:t>5/21/21</a:t>
             </a:fld>
             <a:endParaRPr lang="en-US" dirty="0"/>
           </a:p>
@@ -8945,7 +8960,7 @@
           <a:p>
             <a:fld id="{9796027F-7875-4030-9381-8BD8C4F21935}" type="datetimeFigureOut">
               <a:rPr lang="en-US" smtClean="0"/>
-              <a:t>5/5/21</a:t>
+              <a:t>5/21/21</a:t>
             </a:fld>
             <a:endParaRPr lang="en-US" dirty="0"/>
           </a:p>
@@ -9312,7 +9327,7 @@
           <a:p>
             <a:fld id="{9796027F-7875-4030-9381-8BD8C4F21935}" type="datetimeFigureOut">
               <a:rPr lang="en-US" smtClean="0"/>
-              <a:t>5/5/21</a:t>
+              <a:t>5/21/21</a:t>
             </a:fld>
             <a:endParaRPr lang="en-US" dirty="0"/>
           </a:p>
@@ -9430,7 +9445,7 @@
           <a:p>
             <a:fld id="{4509A250-FF31-4206-8172-F9D3106AACB1}" type="datetimeFigureOut">
               <a:rPr lang="en-US" smtClean="0"/>
-              <a:t>5/5/21</a:t>
+              <a:t>5/21/21</a:t>
             </a:fld>
             <a:endParaRPr lang="en-US" dirty="0"/>
           </a:p>
@@ -9525,7 +9540,7 @@
           <a:p>
             <a:fld id="{4509A250-FF31-4206-8172-F9D3106AACB1}" type="datetimeFigureOut">
               <a:rPr lang="en-US" smtClean="0"/>
-              <a:t>5/5/21</a:t>
+              <a:t>5/21/21</a:t>
             </a:fld>
             <a:endParaRPr lang="en-US" dirty="0"/>
           </a:p>
@@ -9802,7 +9817,7 @@
           <a:p>
             <a:fld id="{4509A250-FF31-4206-8172-F9D3106AACB1}" type="datetimeFigureOut">
               <a:rPr lang="en-US" smtClean="0"/>
-              <a:t>5/5/21</a:t>
+              <a:t>5/21/21</a:t>
             </a:fld>
             <a:endParaRPr lang="en-US" dirty="0"/>
           </a:p>
@@ -10059,7 +10074,7 @@
           <a:p>
             <a:fld id="{4509A250-FF31-4206-8172-F9D3106AACB1}" type="datetimeFigureOut">
               <a:rPr lang="en-US" smtClean="0"/>
-              <a:t>5/5/21</a:t>
+              <a:t>5/21/21</a:t>
             </a:fld>
             <a:endParaRPr lang="en-US" dirty="0"/>
           </a:p>
@@ -10272,7 +10287,7 @@
           <a:p>
             <a:fld id="{4AAD347D-5ACD-4C99-B74B-A9C85AD731AF}" type="datetimeFigureOut">
               <a:rPr lang="en-US" smtClean="0"/>
-              <a:t>5/5/21</a:t>
+              <a:t>5/21/21</a:t>
             </a:fld>
             <a:endParaRPr lang="en-US" dirty="0"/>
           </a:p>
@@ -18289,11 +18304,18 @@
               <a:buNone/>
             </a:pPr>
             <a:r>
+              <a:rPr lang="en-US" altLang="en-US" sz="1833">
+                <a:latin typeface="Tahoma" panose="020B0604030504040204" pitchFamily="34" charset="0"/>
+                <a:ea typeface="ＭＳ Ｐゴシック" panose="020B0600070205080204" pitchFamily="34" charset="-128"/>
+              </a:rPr>
+              <a:t>Sound </a:t>
+            </a:r>
+            <a:r>
               <a:rPr lang="en-US" altLang="en-US" sz="1833" dirty="0">
                 <a:latin typeface="Tahoma" panose="020B0604030504040204" pitchFamily="34" charset="0"/>
                 <a:ea typeface="ＭＳ Ｐゴシック" panose="020B0600070205080204" pitchFamily="34" charset="-128"/>
               </a:rPr>
-              <a:t>Sound can be modeled as a continuous, </a:t>
+              <a:t>can be modeled as a continuous, </a:t>
             </a:r>
             <a:r>
               <a:rPr lang="en-US" altLang="en-US" sz="1833" b="1" dirty="0">

--- a/courses/apcsp/lect15.pptx
+++ b/courses/apcsp/lect15.pptx
@@ -134,14 +134,6 @@
     </p:ext>
   </p:extLst>
 </p:presentation>
-</file>
-
-<file path=ppt/revisionInfo.xml><?xml version="1.0" encoding="utf-8"?>
-<p1510:revInfo xmlns:a="http://schemas.openxmlformats.org/drawingml/2006/main" xmlns:r="http://schemas.openxmlformats.org/officeDocument/2006/relationships" xmlns:p1510="http://schemas.microsoft.com/office/powerpoint/2015/10/main">
-  <p1510:revLst>
-    <p1510:client id="{B9DFA1C4-BDD3-4E42-9076-CE7C4D94C5A0}" v="451" dt="2021-05-21T18:11:02.357"/>
-  </p1510:revLst>
-</p1510:revInfo>
 </file>
 
 <file path=ppt/changesInfos/changesInfo1.xml><?xml version="1.0" encoding="utf-8"?>
@@ -1561,6 +1553,30 @@
     </pc:docChg>
   </pc:docChgLst>
   <pc:docChgLst>
+    <pc:chgData name="Long B Nguyen" userId="f59fb8f3-a021-417a-8bc1-65c8d471c621" providerId="ADAL" clId="{815562D2-68F9-F048-BB9C-7CD72BA8B5D6}"/>
+    <pc:docChg chg="undo custSel modSld">
+      <pc:chgData name="Long B Nguyen" userId="f59fb8f3-a021-417a-8bc1-65c8d471c621" providerId="ADAL" clId="{815562D2-68F9-F048-BB9C-7CD72BA8B5D6}" dt="2021-06-11T17:30:20.103" v="1" actId="1076"/>
+      <pc:docMkLst>
+        <pc:docMk/>
+      </pc:docMkLst>
+      <pc:sldChg chg="modSp mod">
+        <pc:chgData name="Long B Nguyen" userId="f59fb8f3-a021-417a-8bc1-65c8d471c621" providerId="ADAL" clId="{815562D2-68F9-F048-BB9C-7CD72BA8B5D6}" dt="2021-06-11T17:30:20.103" v="1" actId="1076"/>
+        <pc:sldMkLst>
+          <pc:docMk/>
+          <pc:sldMk cId="3630411222" sldId="599"/>
+        </pc:sldMkLst>
+        <pc:spChg chg="mod">
+          <ac:chgData name="Long B Nguyen" userId="f59fb8f3-a021-417a-8bc1-65c8d471c621" providerId="ADAL" clId="{815562D2-68F9-F048-BB9C-7CD72BA8B5D6}" dt="2021-06-11T17:30:20.103" v="1" actId="1076"/>
+          <ac:spMkLst>
+            <pc:docMk/>
+            <pc:sldMk cId="3630411222" sldId="599"/>
+            <ac:spMk id="16386" creationId="{8C7A3159-BE49-104E-84F7-753CC068E731}"/>
+          </ac:spMkLst>
+        </pc:spChg>
+      </pc:sldChg>
+    </pc:docChg>
+  </pc:docChgLst>
+  <pc:docChgLst>
     <pc:chgData name="Long B Nguyen" userId="f59fb8f3-a021-417a-8bc1-65c8d471c621" providerId="ADAL" clId="{AA9102B5-DACA-D841-B260-AEEBF90FC60A}"/>
     <pc:docChg chg="custSel addSld delSld modSld">
       <pc:chgData name="Long B Nguyen" userId="f59fb8f3-a021-417a-8bc1-65c8d471c621" providerId="ADAL" clId="{AA9102B5-DACA-D841-B260-AEEBF90FC60A}" dt="2020-01-06T17:07:10.515" v="1519" actId="2711"/>
@@ -2083,7 +2099,7 @@
           <a:p>
             <a:fld id="{6EDD99D2-A624-5E4F-A4E3-584054837B5A}" type="datetimeFigureOut">
               <a:rPr lang="en-US" smtClean="0"/>
-              <a:t>5/21/21</a:t>
+              <a:t>6/11/21</a:t>
             </a:fld>
             <a:endParaRPr lang="en-US"/>
           </a:p>
@@ -7962,7 +7978,7 @@
           <a:p>
             <a:fld id="{4AAD347D-5ACD-4C99-B74B-A9C85AD731AF}" type="datetimeFigureOut">
               <a:rPr lang="en-US" smtClean="0"/>
-              <a:t>5/21/21</a:t>
+              <a:t>6/11/21</a:t>
             </a:fld>
             <a:endParaRPr lang="en-US" dirty="0"/>
           </a:p>
@@ -8132,7 +8148,7 @@
           <a:p>
             <a:fld id="{4509A250-FF31-4206-8172-F9D3106AACB1}" type="datetimeFigureOut">
               <a:rPr lang="en-US" smtClean="0"/>
-              <a:t>5/21/21</a:t>
+              <a:t>6/11/21</a:t>
             </a:fld>
             <a:endParaRPr lang="en-US" dirty="0"/>
           </a:p>
@@ -8312,7 +8328,7 @@
           <a:p>
             <a:fld id="{4509A250-FF31-4206-8172-F9D3106AACB1}" type="datetimeFigureOut">
               <a:rPr lang="en-US" smtClean="0"/>
-              <a:t>5/21/21</a:t>
+              <a:t>6/11/21</a:t>
             </a:fld>
             <a:endParaRPr lang="en-US" dirty="0"/>
           </a:p>
@@ -8482,7 +8498,7 @@
           <a:p>
             <a:fld id="{4509A250-FF31-4206-8172-F9D3106AACB1}" type="datetimeFigureOut">
               <a:rPr lang="en-US" smtClean="0"/>
-              <a:t>5/21/21</a:t>
+              <a:t>6/11/21</a:t>
             </a:fld>
             <a:endParaRPr lang="en-US" dirty="0"/>
           </a:p>
@@ -8728,7 +8744,7 @@
           <a:p>
             <a:fld id="{9796027F-7875-4030-9381-8BD8C4F21935}" type="datetimeFigureOut">
               <a:rPr lang="en-US" smtClean="0"/>
-              <a:t>5/21/21</a:t>
+              <a:t>6/11/21</a:t>
             </a:fld>
             <a:endParaRPr lang="en-US" dirty="0"/>
           </a:p>
@@ -8960,7 +8976,7 @@
           <a:p>
             <a:fld id="{9796027F-7875-4030-9381-8BD8C4F21935}" type="datetimeFigureOut">
               <a:rPr lang="en-US" smtClean="0"/>
-              <a:t>5/21/21</a:t>
+              <a:t>6/11/21</a:t>
             </a:fld>
             <a:endParaRPr lang="en-US" dirty="0"/>
           </a:p>
@@ -9327,7 +9343,7 @@
           <a:p>
             <a:fld id="{9796027F-7875-4030-9381-8BD8C4F21935}" type="datetimeFigureOut">
               <a:rPr lang="en-US" smtClean="0"/>
-              <a:t>5/21/21</a:t>
+              <a:t>6/11/21</a:t>
             </a:fld>
             <a:endParaRPr lang="en-US" dirty="0"/>
           </a:p>
@@ -9445,7 +9461,7 @@
           <a:p>
             <a:fld id="{4509A250-FF31-4206-8172-F9D3106AACB1}" type="datetimeFigureOut">
               <a:rPr lang="en-US" smtClean="0"/>
-              <a:t>5/21/21</a:t>
+              <a:t>6/11/21</a:t>
             </a:fld>
             <a:endParaRPr lang="en-US" dirty="0"/>
           </a:p>
@@ -9540,7 +9556,7 @@
           <a:p>
             <a:fld id="{4509A250-FF31-4206-8172-F9D3106AACB1}" type="datetimeFigureOut">
               <a:rPr lang="en-US" smtClean="0"/>
-              <a:t>5/21/21</a:t>
+              <a:t>6/11/21</a:t>
             </a:fld>
             <a:endParaRPr lang="en-US" dirty="0"/>
           </a:p>
@@ -9817,7 +9833,7 @@
           <a:p>
             <a:fld id="{4509A250-FF31-4206-8172-F9D3106AACB1}" type="datetimeFigureOut">
               <a:rPr lang="en-US" smtClean="0"/>
-              <a:t>5/21/21</a:t>
+              <a:t>6/11/21</a:t>
             </a:fld>
             <a:endParaRPr lang="en-US" dirty="0"/>
           </a:p>
@@ -10074,7 +10090,7 @@
           <a:p>
             <a:fld id="{4509A250-FF31-4206-8172-F9D3106AACB1}" type="datetimeFigureOut">
               <a:rPr lang="en-US" smtClean="0"/>
-              <a:t>5/21/21</a:t>
+              <a:t>6/11/21</a:t>
             </a:fld>
             <a:endParaRPr lang="en-US" dirty="0"/>
           </a:p>
@@ -10287,7 +10303,7 @@
           <a:p>
             <a:fld id="{4AAD347D-5ACD-4C99-B74B-A9C85AD731AF}" type="datetimeFigureOut">
               <a:rPr lang="en-US" smtClean="0"/>
-              <a:t>5/21/21</a:t>
+              <a:t>6/11/21</a:t>
             </a:fld>
             <a:endParaRPr lang="en-US" dirty="0"/>
           </a:p>
